--- a/Project Proposal.pptx
+++ b/Project Proposal.pptx
@@ -7,9 +7,10 @@
   <p:sldIdLst>
     <p:sldId id="256" r:id="rId2"/>
     <p:sldId id="258" r:id="rId3"/>
-    <p:sldId id="257" r:id="rId4"/>
-    <p:sldId id="259" r:id="rId5"/>
-    <p:sldId id="260" r:id="rId6"/>
+    <p:sldId id="261" r:id="rId4"/>
+    <p:sldId id="257" r:id="rId5"/>
+    <p:sldId id="259" r:id="rId6"/>
+    <p:sldId id="260" r:id="rId7"/>
   </p:sldIdLst>
   <p:sldSz cx="12192000" cy="6858000"/>
   <p:notesSz cx="6858000" cy="9144000"/>
@@ -108,6 +109,11 @@
       </a:defRPr>
     </a:lvl9pPr>
   </p:defaultTextStyle>
+  <p:extLst>
+    <p:ext uri="{EFAFB233-063F-42B5-8137-9DF3F51BA10A}">
+      <p15:sldGuideLst xmlns:p15="http://schemas.microsoft.com/office/powerpoint/2012/main"/>
+    </p:ext>
+  </p:extLst>
 </p:presentation>
 </file>
 
@@ -258,7 +264,7 @@
           <a:p>
             <a:fld id="{7DB024AA-E761-4936-A8AA-B3393A083200}" type="datetimeFigureOut">
               <a:rPr lang="en-US" smtClean="0"/>
-              <a:t>10/18/2019</a:t>
+              <a:t>10/19/2019</a:t>
             </a:fld>
             <a:endParaRPr lang="en-US"/>
           </a:p>
@@ -456,7 +462,7 @@
           <a:p>
             <a:fld id="{7DB024AA-E761-4936-A8AA-B3393A083200}" type="datetimeFigureOut">
               <a:rPr lang="en-US" smtClean="0"/>
-              <a:t>10/18/2019</a:t>
+              <a:t>10/19/2019</a:t>
             </a:fld>
             <a:endParaRPr lang="en-US"/>
           </a:p>
@@ -664,7 +670,7 @@
           <a:p>
             <a:fld id="{7DB024AA-E761-4936-A8AA-B3393A083200}" type="datetimeFigureOut">
               <a:rPr lang="en-US" smtClean="0"/>
-              <a:t>10/18/2019</a:t>
+              <a:t>10/19/2019</a:t>
             </a:fld>
             <a:endParaRPr lang="en-US"/>
           </a:p>
@@ -862,7 +868,7 @@
           <a:p>
             <a:fld id="{7DB024AA-E761-4936-A8AA-B3393A083200}" type="datetimeFigureOut">
               <a:rPr lang="en-US" smtClean="0"/>
-              <a:t>10/18/2019</a:t>
+              <a:t>10/19/2019</a:t>
             </a:fld>
             <a:endParaRPr lang="en-US"/>
           </a:p>
@@ -1137,7 +1143,7 @@
           <a:p>
             <a:fld id="{7DB024AA-E761-4936-A8AA-B3393A083200}" type="datetimeFigureOut">
               <a:rPr lang="en-US" smtClean="0"/>
-              <a:t>10/18/2019</a:t>
+              <a:t>10/19/2019</a:t>
             </a:fld>
             <a:endParaRPr lang="en-US"/>
           </a:p>
@@ -1402,7 +1408,7 @@
           <a:p>
             <a:fld id="{7DB024AA-E761-4936-A8AA-B3393A083200}" type="datetimeFigureOut">
               <a:rPr lang="en-US" smtClean="0"/>
-              <a:t>10/18/2019</a:t>
+              <a:t>10/19/2019</a:t>
             </a:fld>
             <a:endParaRPr lang="en-US"/>
           </a:p>
@@ -1814,7 +1820,7 @@
           <a:p>
             <a:fld id="{7DB024AA-E761-4936-A8AA-B3393A083200}" type="datetimeFigureOut">
               <a:rPr lang="en-US" smtClean="0"/>
-              <a:t>10/18/2019</a:t>
+              <a:t>10/19/2019</a:t>
             </a:fld>
             <a:endParaRPr lang="en-US"/>
           </a:p>
@@ -1955,7 +1961,7 @@
           <a:p>
             <a:fld id="{7DB024AA-E761-4936-A8AA-B3393A083200}" type="datetimeFigureOut">
               <a:rPr lang="en-US" smtClean="0"/>
-              <a:t>10/18/2019</a:t>
+              <a:t>10/19/2019</a:t>
             </a:fld>
             <a:endParaRPr lang="en-US"/>
           </a:p>
@@ -2068,7 +2074,7 @@
           <a:p>
             <a:fld id="{7DB024AA-E761-4936-A8AA-B3393A083200}" type="datetimeFigureOut">
               <a:rPr lang="en-US" smtClean="0"/>
-              <a:t>10/18/2019</a:t>
+              <a:t>10/19/2019</a:t>
             </a:fld>
             <a:endParaRPr lang="en-US"/>
           </a:p>
@@ -2379,7 +2385,7 @@
           <a:p>
             <a:fld id="{7DB024AA-E761-4936-A8AA-B3393A083200}" type="datetimeFigureOut">
               <a:rPr lang="en-US" smtClean="0"/>
-              <a:t>10/18/2019</a:t>
+              <a:t>10/19/2019</a:t>
             </a:fld>
             <a:endParaRPr lang="en-US"/>
           </a:p>
@@ -2667,7 +2673,7 @@
           <a:p>
             <a:fld id="{7DB024AA-E761-4936-A8AA-B3393A083200}" type="datetimeFigureOut">
               <a:rPr lang="en-US" smtClean="0"/>
-              <a:t>10/18/2019</a:t>
+              <a:t>10/19/2019</a:t>
             </a:fld>
             <a:endParaRPr lang="en-US"/>
           </a:p>
@@ -2908,7 +2914,7 @@
           <a:p>
             <a:fld id="{7DB024AA-E761-4936-A8AA-B3393A083200}" type="datetimeFigureOut">
               <a:rPr lang="en-US" smtClean="0"/>
-              <a:t>10/18/2019</a:t>
+              <a:t>10/19/2019</a:t>
             </a:fld>
             <a:endParaRPr lang="en-US"/>
           </a:p>
@@ -3343,7 +3349,9 @@
         </p:nvSpPr>
         <p:spPr/>
         <p:txBody>
-          <a:bodyPr/>
+          <a:bodyPr>
+            <a:normAutofit fontScale="90000"/>
+          </a:bodyPr>
           <a:lstStyle/>
           <a:p>
             <a:r>
@@ -3641,6 +3649,14 @@
 <file path=ppt/slides/slide3.xml><?xml version="1.0" encoding="utf-8"?>
 <p:sld xmlns:a="http://schemas.openxmlformats.org/drawingml/2006/main" xmlns:r="http://schemas.openxmlformats.org/officeDocument/2006/relationships" xmlns:p="http://schemas.openxmlformats.org/presentationml/2006/main">
   <p:cSld>
+    <p:bg>
+      <p:bgPr>
+        <a:solidFill>
+          <a:schemeClr val="bg1"/>
+        </a:solidFill>
+        <a:effectLst/>
+      </p:bgPr>
+    </p:bg>
     <p:spTree>
       <p:nvGrpSpPr>
         <p:cNvPr id="1" name=""/>
@@ -3655,63 +3671,48 @@
           <a:chExt cx="0" cy="0"/>
         </a:xfrm>
       </p:grpSpPr>
-      <p:sp>
-        <p:nvSpPr>
-          <p:cNvPr id="2" name="Title 1">
-            <a:extLst>
-              <a:ext uri="{FF2B5EF4-FFF2-40B4-BE49-F238E27FC236}">
-                <a16:creationId xmlns:a16="http://schemas.microsoft.com/office/drawing/2014/main" id="{DF2DACD5-3964-49E8-9CE0-0B08B7E5CADE}"/>
-              </a:ext>
-            </a:extLst>
-          </p:cNvPr>
-          <p:cNvSpPr>
-            <a:spLocks noGrp="1"/>
-          </p:cNvSpPr>
-          <p:nvPr>
-            <p:ph type="title"/>
-          </p:nvPr>
-        </p:nvSpPr>
-        <p:spPr/>
-        <p:txBody>
-          <a:bodyPr/>
-          <a:lstStyle/>
-          <a:p>
-            <a:r>
-              <a:rPr lang="en-US" dirty="0"/>
-              <a:t>Previously done work</a:t>
-            </a:r>
-          </a:p>
-        </p:txBody>
-      </p:sp>
-      <p:sp>
-        <p:nvSpPr>
-          <p:cNvPr id="3" name="Content Placeholder 2">
-            <a:extLst>
-              <a:ext uri="{FF2B5EF4-FFF2-40B4-BE49-F238E27FC236}">
-                <a16:creationId xmlns:a16="http://schemas.microsoft.com/office/drawing/2014/main" id="{3872D00B-8186-4575-85F6-68F3C00DF72C}"/>
-              </a:ext>
-            </a:extLst>
-          </p:cNvPr>
-          <p:cNvSpPr>
-            <a:spLocks noGrp="1"/>
-          </p:cNvSpPr>
+      <p:pic>
+        <p:nvPicPr>
+          <p:cNvPr id="5" name="Content Placeholder 4" descr="A close up of a map&#10;&#10;Description automatically generated">
+            <a:extLst>
+              <a:ext uri="{FF2B5EF4-FFF2-40B4-BE49-F238E27FC236}">
+                <a16:creationId xmlns:a16="http://schemas.microsoft.com/office/drawing/2014/main" id="{ED010F1C-1A5F-4668-B2ED-977D5D156FF6}"/>
+              </a:ext>
+            </a:extLst>
+          </p:cNvPr>
+          <p:cNvPicPr>
+            <a:picLocks noGrp="1" noChangeAspect="1"/>
+          </p:cNvPicPr>
           <p:nvPr>
             <p:ph idx="1"/>
           </p:nvPr>
-        </p:nvSpPr>
-        <p:spPr/>
-        <p:txBody>
-          <a:bodyPr/>
-          <a:lstStyle/>
-          <a:p>
-            <a:endParaRPr lang="en-US"/>
-          </a:p>
-        </p:txBody>
-      </p:sp>
+        </p:nvPicPr>
+        <p:blipFill>
+          <a:blip r:embed="rId2">
+            <a:extLst>
+              <a:ext uri="{28A0092B-C50C-407E-A947-70E740481C1C}">
+                <a14:useLocalDpi xmlns:a14="http://schemas.microsoft.com/office/drawing/2010/main" val="0"/>
+              </a:ext>
+            </a:extLst>
+          </a:blip>
+          <a:stretch>
+            <a:fillRect/>
+          </a:stretch>
+        </p:blipFill>
+        <p:spPr>
+          <a:xfrm>
+            <a:off x="3140527" y="643466"/>
+            <a:ext cx="5910946" cy="5571067"/>
+          </a:xfrm>
+          <a:prstGeom prst="rect">
+            <a:avLst/>
+          </a:prstGeom>
+        </p:spPr>
+      </p:pic>
     </p:spTree>
     <p:extLst>
       <p:ext uri="{BB962C8B-B14F-4D97-AF65-F5344CB8AC3E}">
-        <p14:creationId xmlns:p14="http://schemas.microsoft.com/office/powerpoint/2010/main" val="1790021222"/>
+        <p14:creationId xmlns:p14="http://schemas.microsoft.com/office/powerpoint/2010/main" val="1279582230"/>
       </p:ext>
     </p:extLst>
   </p:cSld>
@@ -3743,6 +3744,89 @@
           <p:cNvPr id="2" name="Title 1">
             <a:extLst>
               <a:ext uri="{FF2B5EF4-FFF2-40B4-BE49-F238E27FC236}">
+                <a16:creationId xmlns:a16="http://schemas.microsoft.com/office/drawing/2014/main" id="{DF2DACD5-3964-49E8-9CE0-0B08B7E5CADE}"/>
+              </a:ext>
+            </a:extLst>
+          </p:cNvPr>
+          <p:cNvSpPr>
+            <a:spLocks noGrp="1"/>
+          </p:cNvSpPr>
+          <p:nvPr>
+            <p:ph type="title"/>
+          </p:nvPr>
+        </p:nvSpPr>
+        <p:spPr/>
+        <p:txBody>
+          <a:bodyPr/>
+          <a:lstStyle/>
+          <a:p>
+            <a:r>
+              <a:rPr lang="en-US" dirty="0"/>
+              <a:t>Previously done work</a:t>
+            </a:r>
+          </a:p>
+        </p:txBody>
+      </p:sp>
+      <p:sp>
+        <p:nvSpPr>
+          <p:cNvPr id="3" name="Content Placeholder 2">
+            <a:extLst>
+              <a:ext uri="{FF2B5EF4-FFF2-40B4-BE49-F238E27FC236}">
+                <a16:creationId xmlns:a16="http://schemas.microsoft.com/office/drawing/2014/main" id="{3872D00B-8186-4575-85F6-68F3C00DF72C}"/>
+              </a:ext>
+            </a:extLst>
+          </p:cNvPr>
+          <p:cNvSpPr>
+            <a:spLocks noGrp="1"/>
+          </p:cNvSpPr>
+          <p:nvPr>
+            <p:ph idx="1"/>
+          </p:nvPr>
+        </p:nvSpPr>
+        <p:spPr/>
+        <p:txBody>
+          <a:bodyPr/>
+          <a:lstStyle/>
+          <a:p>
+            <a:endParaRPr lang="en-US"/>
+          </a:p>
+        </p:txBody>
+      </p:sp>
+    </p:spTree>
+    <p:extLst>
+      <p:ext uri="{BB962C8B-B14F-4D97-AF65-F5344CB8AC3E}">
+        <p14:creationId xmlns:p14="http://schemas.microsoft.com/office/powerpoint/2010/main" val="1790021222"/>
+      </p:ext>
+    </p:extLst>
+  </p:cSld>
+  <p:clrMapOvr>
+    <a:masterClrMapping/>
+  </p:clrMapOvr>
+</p:sld>
+</file>
+
+<file path=ppt/slides/slide5.xml><?xml version="1.0" encoding="utf-8"?>
+<p:sld xmlns:a="http://schemas.openxmlformats.org/drawingml/2006/main" xmlns:r="http://schemas.openxmlformats.org/officeDocument/2006/relationships" xmlns:p="http://schemas.openxmlformats.org/presentationml/2006/main">
+  <p:cSld>
+    <p:spTree>
+      <p:nvGrpSpPr>
+        <p:cNvPr id="1" name=""/>
+        <p:cNvGrpSpPr/>
+        <p:nvPr/>
+      </p:nvGrpSpPr>
+      <p:grpSpPr>
+        <a:xfrm>
+          <a:off x="0" y="0"/>
+          <a:ext cx="0" cy="0"/>
+          <a:chOff x="0" y="0"/>
+          <a:chExt cx="0" cy="0"/>
+        </a:xfrm>
+      </p:grpSpPr>
+      <p:sp>
+        <p:nvSpPr>
+          <p:cNvPr id="2" name="Title 1">
+            <a:extLst>
+              <a:ext uri="{FF2B5EF4-FFF2-40B4-BE49-F238E27FC236}">
                 <a16:creationId xmlns:a16="http://schemas.microsoft.com/office/drawing/2014/main" id="{25D85BD1-3E04-4D69-B046-1B2AE3247419}"/>
               </a:ext>
             </a:extLst>
@@ -3804,7 +3888,7 @@
 </p:sld>
 </file>
 
-<file path=ppt/slides/slide5.xml><?xml version="1.0" encoding="utf-8"?>
+<file path=ppt/slides/slide6.xml><?xml version="1.0" encoding="utf-8"?>
 <p:sld xmlns:a="http://schemas.openxmlformats.org/drawingml/2006/main" xmlns:r="http://schemas.openxmlformats.org/officeDocument/2006/relationships" xmlns:p="http://schemas.openxmlformats.org/presentationml/2006/main">
   <p:cSld>
     <p:spTree>

--- a/Project Proposal.pptx
+++ b/Project Proposal.pptx
@@ -3762,7 +3762,7 @@
           <a:p>
             <a:r>
               <a:rPr lang="en-US" dirty="0"/>
-              <a:t>Previously done work</a:t>
+              <a:t>Previous Work</a:t>
             </a:r>
           </a:p>
         </p:txBody>
@@ -3783,12 +3783,73 @@
             <p:ph idx="1"/>
           </p:nvPr>
         </p:nvSpPr>
-        <p:spPr/>
-        <p:txBody>
-          <a:bodyPr/>
-          <a:lstStyle/>
-          <a:p>
-            <a:endParaRPr lang="en-US"/>
+        <p:spPr>
+          <a:xfrm>
+            <a:off x="838200" y="1825625"/>
+            <a:ext cx="10515600" cy="4351338"/>
+          </a:xfrm>
+        </p:spPr>
+        <p:txBody>
+          <a:bodyPr/>
+          <a:lstStyle/>
+          <a:p>
+            <a:r>
+              <a:rPr lang="en-US" dirty="0"/>
+              <a:t>Worked on implementing an AIM System for a </a:t>
+            </a:r>
+            <a:r>
+              <a:rPr lang="en-US"/>
+              <a:t>previous class</a:t>
+            </a:r>
+          </a:p>
+          <a:p>
+            <a:r>
+              <a:rPr lang="en-US" dirty="0"/>
+              <a:t>“A Multiagent Approach to Autonomous Intersection Management” by Kurt </a:t>
+            </a:r>
+            <a:r>
+              <a:rPr lang="en-US" dirty="0" err="1"/>
+              <a:t>Dresner</a:t>
+            </a:r>
+            <a:r>
+              <a:rPr lang="en-US" dirty="0"/>
+              <a:t> and Peter Stone</a:t>
+            </a:r>
+          </a:p>
+          <a:p>
+            <a:pPr lvl="1"/>
+            <a:r>
+              <a:rPr lang="en-US" dirty="0"/>
+              <a:t>Reservation system using first-come-first-serve policy</a:t>
+            </a:r>
+          </a:p>
+          <a:p>
+            <a:pPr lvl="1"/>
+            <a:r>
+              <a:rPr lang="en-US" dirty="0"/>
+              <a:t>Use of a grid of “reservation” tiles</a:t>
+            </a:r>
+          </a:p>
+          <a:p>
+            <a:pPr lvl="1"/>
+            <a:r>
+              <a:rPr lang="en-US" dirty="0"/>
+              <a:t>Dealing with acceleration in the intersection. Consider trajectories where the vehicle accelerates to max velocity, and maintains current velocity</a:t>
+            </a:r>
+          </a:p>
+          <a:p>
+            <a:pPr lvl="1"/>
+            <a:r>
+              <a:rPr lang="en-US" dirty="0"/>
+              <a:t>Force a minimum velocity</a:t>
+            </a:r>
+          </a:p>
+          <a:p>
+            <a:pPr lvl="1"/>
+            <a:r>
+              <a:rPr lang="en-US" dirty="0"/>
+              <a:t>Ability to change the policy</a:t>
+            </a:r>
           </a:p>
         </p:txBody>
       </p:sp>

--- a/Project Proposal.pptx
+++ b/Project Proposal.pptx
@@ -4,6 +4,9 @@
   <p:sldMasterIdLst>
     <p:sldMasterId id="2147483648" r:id="rId1"/>
   </p:sldMasterIdLst>
+  <p:notesMasterIdLst>
+    <p:notesMasterId r:id="rId8"/>
+  </p:notesMasterIdLst>
   <p:sldIdLst>
     <p:sldId id="256" r:id="rId2"/>
     <p:sldId id="258" r:id="rId3"/>
@@ -117,6 +120,445 @@
 </p:presentation>
 </file>
 
+<file path=ppt/notesMasters/notesMaster1.xml><?xml version="1.0" encoding="utf-8"?>
+<p:notesMaster xmlns:a="http://schemas.openxmlformats.org/drawingml/2006/main" xmlns:r="http://schemas.openxmlformats.org/officeDocument/2006/relationships" xmlns:p="http://schemas.openxmlformats.org/presentationml/2006/main">
+  <p:cSld>
+    <p:bg>
+      <p:bgRef idx="1001">
+        <a:schemeClr val="bg1"/>
+      </p:bgRef>
+    </p:bg>
+    <p:spTree>
+      <p:nvGrpSpPr>
+        <p:cNvPr id="1" name=""/>
+        <p:cNvGrpSpPr/>
+        <p:nvPr/>
+      </p:nvGrpSpPr>
+      <p:grpSpPr>
+        <a:xfrm>
+          <a:off x="0" y="0"/>
+          <a:ext cx="0" cy="0"/>
+          <a:chOff x="0" y="0"/>
+          <a:chExt cx="0" cy="0"/>
+        </a:xfrm>
+      </p:grpSpPr>
+      <p:sp>
+        <p:nvSpPr>
+          <p:cNvPr id="2" name="Header Placeholder 1"/>
+          <p:cNvSpPr>
+            <a:spLocks noGrp="1"/>
+          </p:cNvSpPr>
+          <p:nvPr>
+            <p:ph type="hdr" sz="quarter"/>
+          </p:nvPr>
+        </p:nvSpPr>
+        <p:spPr>
+          <a:xfrm>
+            <a:off x="0" y="0"/>
+            <a:ext cx="2971800" cy="458788"/>
+          </a:xfrm>
+          <a:prstGeom prst="rect">
+            <a:avLst/>
+          </a:prstGeom>
+        </p:spPr>
+        <p:txBody>
+          <a:bodyPr vert="horz" lIns="91440" tIns="45720" rIns="91440" bIns="45720" rtlCol="0"/>
+          <a:lstStyle>
+            <a:lvl1pPr algn="l">
+              <a:defRPr sz="1200"/>
+            </a:lvl1pPr>
+          </a:lstStyle>
+          <a:p>
+            <a:endParaRPr lang="en-US"/>
+          </a:p>
+        </p:txBody>
+      </p:sp>
+      <p:sp>
+        <p:nvSpPr>
+          <p:cNvPr id="3" name="Date Placeholder 2"/>
+          <p:cNvSpPr>
+            <a:spLocks noGrp="1"/>
+          </p:cNvSpPr>
+          <p:nvPr>
+            <p:ph type="dt" idx="1"/>
+          </p:nvPr>
+        </p:nvSpPr>
+        <p:spPr>
+          <a:xfrm>
+            <a:off x="3884613" y="0"/>
+            <a:ext cx="2971800" cy="458788"/>
+          </a:xfrm>
+          <a:prstGeom prst="rect">
+            <a:avLst/>
+          </a:prstGeom>
+        </p:spPr>
+        <p:txBody>
+          <a:bodyPr vert="horz" lIns="91440" tIns="45720" rIns="91440" bIns="45720" rtlCol="0"/>
+          <a:lstStyle>
+            <a:lvl1pPr algn="r">
+              <a:defRPr sz="1200"/>
+            </a:lvl1pPr>
+          </a:lstStyle>
+          <a:p>
+            <a:fld id="{C3E22199-0812-433D-8264-D4E89DC2681E}" type="datetimeFigureOut">
+              <a:rPr lang="en-US" smtClean="0"/>
+              <a:t>10/20/2019</a:t>
+            </a:fld>
+            <a:endParaRPr lang="en-US"/>
+          </a:p>
+        </p:txBody>
+      </p:sp>
+      <p:sp>
+        <p:nvSpPr>
+          <p:cNvPr id="4" name="Slide Image Placeholder 3"/>
+          <p:cNvSpPr>
+            <a:spLocks noGrp="1" noRot="1" noChangeAspect="1"/>
+          </p:cNvSpPr>
+          <p:nvPr>
+            <p:ph type="sldImg" idx="2"/>
+          </p:nvPr>
+        </p:nvSpPr>
+        <p:spPr>
+          <a:xfrm>
+            <a:off x="685800" y="1143000"/>
+            <a:ext cx="5486400" cy="3086100"/>
+          </a:xfrm>
+          <a:prstGeom prst="rect">
+            <a:avLst/>
+          </a:prstGeom>
+          <a:noFill/>
+          <a:ln w="12700">
+            <a:solidFill>
+              <a:prstClr val="black"/>
+            </a:solidFill>
+          </a:ln>
+        </p:spPr>
+        <p:txBody>
+          <a:bodyPr vert="horz" lIns="91440" tIns="45720" rIns="91440" bIns="45720" rtlCol="0" anchor="ctr"/>
+          <a:lstStyle/>
+          <a:p>
+            <a:endParaRPr lang="en-US"/>
+          </a:p>
+        </p:txBody>
+      </p:sp>
+      <p:sp>
+        <p:nvSpPr>
+          <p:cNvPr id="5" name="Notes Placeholder 4"/>
+          <p:cNvSpPr>
+            <a:spLocks noGrp="1"/>
+          </p:cNvSpPr>
+          <p:nvPr>
+            <p:ph type="body" sz="quarter" idx="3"/>
+          </p:nvPr>
+        </p:nvSpPr>
+        <p:spPr>
+          <a:xfrm>
+            <a:off x="685800" y="4400550"/>
+            <a:ext cx="5486400" cy="3600450"/>
+          </a:xfrm>
+          <a:prstGeom prst="rect">
+            <a:avLst/>
+          </a:prstGeom>
+        </p:spPr>
+        <p:txBody>
+          <a:bodyPr vert="horz" lIns="91440" tIns="45720" rIns="91440" bIns="45720" rtlCol="0"/>
+          <a:lstStyle/>
+          <a:p>
+            <a:pPr lvl="0"/>
+            <a:r>
+              <a:rPr lang="en-US"/>
+              <a:t>Click to edit Master text styles</a:t>
+            </a:r>
+          </a:p>
+          <a:p>
+            <a:pPr lvl="1"/>
+            <a:r>
+              <a:rPr lang="en-US"/>
+              <a:t>Second level</a:t>
+            </a:r>
+          </a:p>
+          <a:p>
+            <a:pPr lvl="2"/>
+            <a:r>
+              <a:rPr lang="en-US"/>
+              <a:t>Third level</a:t>
+            </a:r>
+          </a:p>
+          <a:p>
+            <a:pPr lvl="3"/>
+            <a:r>
+              <a:rPr lang="en-US"/>
+              <a:t>Fourth level</a:t>
+            </a:r>
+          </a:p>
+          <a:p>
+            <a:pPr lvl="4"/>
+            <a:r>
+              <a:rPr lang="en-US"/>
+              <a:t>Fifth level</a:t>
+            </a:r>
+          </a:p>
+        </p:txBody>
+      </p:sp>
+      <p:sp>
+        <p:nvSpPr>
+          <p:cNvPr id="6" name="Footer Placeholder 5"/>
+          <p:cNvSpPr>
+            <a:spLocks noGrp="1"/>
+          </p:cNvSpPr>
+          <p:nvPr>
+            <p:ph type="ftr" sz="quarter" idx="4"/>
+          </p:nvPr>
+        </p:nvSpPr>
+        <p:spPr>
+          <a:xfrm>
+            <a:off x="0" y="8685213"/>
+            <a:ext cx="2971800" cy="458787"/>
+          </a:xfrm>
+          <a:prstGeom prst="rect">
+            <a:avLst/>
+          </a:prstGeom>
+        </p:spPr>
+        <p:txBody>
+          <a:bodyPr vert="horz" lIns="91440" tIns="45720" rIns="91440" bIns="45720" rtlCol="0" anchor="b"/>
+          <a:lstStyle>
+            <a:lvl1pPr algn="l">
+              <a:defRPr sz="1200"/>
+            </a:lvl1pPr>
+          </a:lstStyle>
+          <a:p>
+            <a:endParaRPr lang="en-US"/>
+          </a:p>
+        </p:txBody>
+      </p:sp>
+      <p:sp>
+        <p:nvSpPr>
+          <p:cNvPr id="7" name="Slide Number Placeholder 6"/>
+          <p:cNvSpPr>
+            <a:spLocks noGrp="1"/>
+          </p:cNvSpPr>
+          <p:nvPr>
+            <p:ph type="sldNum" sz="quarter" idx="5"/>
+          </p:nvPr>
+        </p:nvSpPr>
+        <p:spPr>
+          <a:xfrm>
+            <a:off x="3884613" y="8685213"/>
+            <a:ext cx="2971800" cy="458787"/>
+          </a:xfrm>
+          <a:prstGeom prst="rect">
+            <a:avLst/>
+          </a:prstGeom>
+        </p:spPr>
+        <p:txBody>
+          <a:bodyPr vert="horz" lIns="91440" tIns="45720" rIns="91440" bIns="45720" rtlCol="0" anchor="b"/>
+          <a:lstStyle>
+            <a:lvl1pPr algn="r">
+              <a:defRPr sz="1200"/>
+            </a:lvl1pPr>
+          </a:lstStyle>
+          <a:p>
+            <a:fld id="{9EF390E2-F73F-46C9-980F-6E391E11741B}" type="slidenum">
+              <a:rPr lang="en-US" smtClean="0"/>
+              <a:t>‹#›</a:t>
+            </a:fld>
+            <a:endParaRPr lang="en-US"/>
+          </a:p>
+        </p:txBody>
+      </p:sp>
+    </p:spTree>
+    <p:extLst>
+      <p:ext uri="{BB962C8B-B14F-4D97-AF65-F5344CB8AC3E}">
+        <p14:creationId xmlns:p14="http://schemas.microsoft.com/office/powerpoint/2010/main" val="1659286189"/>
+      </p:ext>
+    </p:extLst>
+  </p:cSld>
+  <p:clrMap bg1="lt1" tx1="dk1" bg2="lt2" tx2="dk2" accent1="accent1" accent2="accent2" accent3="accent3" accent4="accent4" accent5="accent5" accent6="accent6" hlink="hlink" folHlink="folHlink"/>
+  <p:notesStyle>
+    <a:lvl1pPr marL="0" algn="l" defTabSz="914400" rtl="0" eaLnBrk="1" latinLnBrk="0" hangingPunct="1">
+      <a:defRPr sz="1200" kern="1200">
+        <a:solidFill>
+          <a:schemeClr val="tx1"/>
+        </a:solidFill>
+        <a:latin typeface="+mn-lt"/>
+        <a:ea typeface="+mn-ea"/>
+        <a:cs typeface="+mn-cs"/>
+      </a:defRPr>
+    </a:lvl1pPr>
+    <a:lvl2pPr marL="457200" algn="l" defTabSz="914400" rtl="0" eaLnBrk="1" latinLnBrk="0" hangingPunct="1">
+      <a:defRPr sz="1200" kern="1200">
+        <a:solidFill>
+          <a:schemeClr val="tx1"/>
+        </a:solidFill>
+        <a:latin typeface="+mn-lt"/>
+        <a:ea typeface="+mn-ea"/>
+        <a:cs typeface="+mn-cs"/>
+      </a:defRPr>
+    </a:lvl2pPr>
+    <a:lvl3pPr marL="914400" algn="l" defTabSz="914400" rtl="0" eaLnBrk="1" latinLnBrk="0" hangingPunct="1">
+      <a:defRPr sz="1200" kern="1200">
+        <a:solidFill>
+          <a:schemeClr val="tx1"/>
+        </a:solidFill>
+        <a:latin typeface="+mn-lt"/>
+        <a:ea typeface="+mn-ea"/>
+        <a:cs typeface="+mn-cs"/>
+      </a:defRPr>
+    </a:lvl3pPr>
+    <a:lvl4pPr marL="1371600" algn="l" defTabSz="914400" rtl="0" eaLnBrk="1" latinLnBrk="0" hangingPunct="1">
+      <a:defRPr sz="1200" kern="1200">
+        <a:solidFill>
+          <a:schemeClr val="tx1"/>
+        </a:solidFill>
+        <a:latin typeface="+mn-lt"/>
+        <a:ea typeface="+mn-ea"/>
+        <a:cs typeface="+mn-cs"/>
+      </a:defRPr>
+    </a:lvl4pPr>
+    <a:lvl5pPr marL="1828800" algn="l" defTabSz="914400" rtl="0" eaLnBrk="1" latinLnBrk="0" hangingPunct="1">
+      <a:defRPr sz="1200" kern="1200">
+        <a:solidFill>
+          <a:schemeClr val="tx1"/>
+        </a:solidFill>
+        <a:latin typeface="+mn-lt"/>
+        <a:ea typeface="+mn-ea"/>
+        <a:cs typeface="+mn-cs"/>
+      </a:defRPr>
+    </a:lvl5pPr>
+    <a:lvl6pPr marL="2286000" algn="l" defTabSz="914400" rtl="0" eaLnBrk="1" latinLnBrk="0" hangingPunct="1">
+      <a:defRPr sz="1200" kern="1200">
+        <a:solidFill>
+          <a:schemeClr val="tx1"/>
+        </a:solidFill>
+        <a:latin typeface="+mn-lt"/>
+        <a:ea typeface="+mn-ea"/>
+        <a:cs typeface="+mn-cs"/>
+      </a:defRPr>
+    </a:lvl6pPr>
+    <a:lvl7pPr marL="2743200" algn="l" defTabSz="914400" rtl="0" eaLnBrk="1" latinLnBrk="0" hangingPunct="1">
+      <a:defRPr sz="1200" kern="1200">
+        <a:solidFill>
+          <a:schemeClr val="tx1"/>
+        </a:solidFill>
+        <a:latin typeface="+mn-lt"/>
+        <a:ea typeface="+mn-ea"/>
+        <a:cs typeface="+mn-cs"/>
+      </a:defRPr>
+    </a:lvl7pPr>
+    <a:lvl8pPr marL="3200400" algn="l" defTabSz="914400" rtl="0" eaLnBrk="1" latinLnBrk="0" hangingPunct="1">
+      <a:defRPr sz="1200" kern="1200">
+        <a:solidFill>
+          <a:schemeClr val="tx1"/>
+        </a:solidFill>
+        <a:latin typeface="+mn-lt"/>
+        <a:ea typeface="+mn-ea"/>
+        <a:cs typeface="+mn-cs"/>
+      </a:defRPr>
+    </a:lvl8pPr>
+    <a:lvl9pPr marL="3657600" algn="l" defTabSz="914400" rtl="0" eaLnBrk="1" latinLnBrk="0" hangingPunct="1">
+      <a:defRPr sz="1200" kern="1200">
+        <a:solidFill>
+          <a:schemeClr val="tx1"/>
+        </a:solidFill>
+        <a:latin typeface="+mn-lt"/>
+        <a:ea typeface="+mn-ea"/>
+        <a:cs typeface="+mn-cs"/>
+      </a:defRPr>
+    </a:lvl9pPr>
+  </p:notesStyle>
+</p:notesMaster>
+</file>
+
+<file path=ppt/notesSlides/notesSlide1.xml><?xml version="1.0" encoding="utf-8"?>
+<p:notes xmlns:a="http://schemas.openxmlformats.org/drawingml/2006/main" xmlns:r="http://schemas.openxmlformats.org/officeDocument/2006/relationships" xmlns:p="http://schemas.openxmlformats.org/presentationml/2006/main">
+  <p:cSld>
+    <p:spTree>
+      <p:nvGrpSpPr>
+        <p:cNvPr id="1" name=""/>
+        <p:cNvGrpSpPr/>
+        <p:nvPr/>
+      </p:nvGrpSpPr>
+      <p:grpSpPr>
+        <a:xfrm>
+          <a:off x="0" y="0"/>
+          <a:ext cx="0" cy="0"/>
+          <a:chOff x="0" y="0"/>
+          <a:chExt cx="0" cy="0"/>
+        </a:xfrm>
+      </p:grpSpPr>
+      <p:sp>
+        <p:nvSpPr>
+          <p:cNvPr id="2" name="Slide Image Placeholder 1"/>
+          <p:cNvSpPr>
+            <a:spLocks noGrp="1" noRot="1" noChangeAspect="1"/>
+          </p:cNvSpPr>
+          <p:nvPr>
+            <p:ph type="sldImg"/>
+          </p:nvPr>
+        </p:nvSpPr>
+        <p:spPr/>
+      </p:sp>
+      <p:sp>
+        <p:nvSpPr>
+          <p:cNvPr id="3" name="Notes Placeholder 2"/>
+          <p:cNvSpPr>
+            <a:spLocks noGrp="1"/>
+          </p:cNvSpPr>
+          <p:nvPr>
+            <p:ph type="body" idx="1"/>
+          </p:nvPr>
+        </p:nvSpPr>
+        <p:spPr/>
+        <p:txBody>
+          <a:bodyPr/>
+          <a:lstStyle/>
+          <a:p>
+            <a:r>
+              <a:rPr lang="en-US" dirty="0"/>
+              <a:t>Cheaper Intersections???</a:t>
+            </a:r>
+          </a:p>
+          <a:p>
+            <a:endParaRPr lang="en-US" dirty="0"/>
+          </a:p>
+        </p:txBody>
+      </p:sp>
+      <p:sp>
+        <p:nvSpPr>
+          <p:cNvPr id="4" name="Slide Number Placeholder 3"/>
+          <p:cNvSpPr>
+            <a:spLocks noGrp="1"/>
+          </p:cNvSpPr>
+          <p:nvPr>
+            <p:ph type="sldNum" sz="quarter" idx="5"/>
+          </p:nvPr>
+        </p:nvSpPr>
+        <p:spPr/>
+        <p:txBody>
+          <a:bodyPr/>
+          <a:lstStyle/>
+          <a:p>
+            <a:fld id="{9EF390E2-F73F-46C9-980F-6E391E11741B}" type="slidenum">
+              <a:rPr lang="en-US" smtClean="0"/>
+              <a:t>6</a:t>
+            </a:fld>
+            <a:endParaRPr lang="en-US"/>
+          </a:p>
+        </p:txBody>
+      </p:sp>
+    </p:spTree>
+    <p:extLst>
+      <p:ext uri="{BB962C8B-B14F-4D97-AF65-F5344CB8AC3E}">
+        <p14:creationId xmlns:p14="http://schemas.microsoft.com/office/powerpoint/2010/main" val="322142875"/>
+      </p:ext>
+    </p:extLst>
+  </p:cSld>
+  <p:clrMapOvr>
+    <a:masterClrMapping/>
+  </p:clrMapOvr>
+</p:notes>
+</file>
+
 <file path=ppt/slideLayouts/slideLayout1.xml><?xml version="1.0" encoding="utf-8"?>
 <p:sldLayout xmlns:a="http://schemas.openxmlformats.org/drawingml/2006/main" xmlns:r="http://schemas.openxmlformats.org/officeDocument/2006/relationships" xmlns:p="http://schemas.openxmlformats.org/presentationml/2006/main" type="title" preserve="1">
   <p:cSld name="Title Slide">
@@ -264,7 +706,7 @@
           <a:p>
             <a:fld id="{7DB024AA-E761-4936-A8AA-B3393A083200}" type="datetimeFigureOut">
               <a:rPr lang="en-US" smtClean="0"/>
-              <a:t>10/19/2019</a:t>
+              <a:t>10/20/2019</a:t>
             </a:fld>
             <a:endParaRPr lang="en-US"/>
           </a:p>
@@ -462,7 +904,7 @@
           <a:p>
             <a:fld id="{7DB024AA-E761-4936-A8AA-B3393A083200}" type="datetimeFigureOut">
               <a:rPr lang="en-US" smtClean="0"/>
-              <a:t>10/19/2019</a:t>
+              <a:t>10/20/2019</a:t>
             </a:fld>
             <a:endParaRPr lang="en-US"/>
           </a:p>
@@ -670,7 +1112,7 @@
           <a:p>
             <a:fld id="{7DB024AA-E761-4936-A8AA-B3393A083200}" type="datetimeFigureOut">
               <a:rPr lang="en-US" smtClean="0"/>
-              <a:t>10/19/2019</a:t>
+              <a:t>10/20/2019</a:t>
             </a:fld>
             <a:endParaRPr lang="en-US"/>
           </a:p>
@@ -868,7 +1310,7 @@
           <a:p>
             <a:fld id="{7DB024AA-E761-4936-A8AA-B3393A083200}" type="datetimeFigureOut">
               <a:rPr lang="en-US" smtClean="0"/>
-              <a:t>10/19/2019</a:t>
+              <a:t>10/20/2019</a:t>
             </a:fld>
             <a:endParaRPr lang="en-US"/>
           </a:p>
@@ -1143,7 +1585,7 @@
           <a:p>
             <a:fld id="{7DB024AA-E761-4936-A8AA-B3393A083200}" type="datetimeFigureOut">
               <a:rPr lang="en-US" smtClean="0"/>
-              <a:t>10/19/2019</a:t>
+              <a:t>10/20/2019</a:t>
             </a:fld>
             <a:endParaRPr lang="en-US"/>
           </a:p>
@@ -1408,7 +1850,7 @@
           <a:p>
             <a:fld id="{7DB024AA-E761-4936-A8AA-B3393A083200}" type="datetimeFigureOut">
               <a:rPr lang="en-US" smtClean="0"/>
-              <a:t>10/19/2019</a:t>
+              <a:t>10/20/2019</a:t>
             </a:fld>
             <a:endParaRPr lang="en-US"/>
           </a:p>
@@ -1820,7 +2262,7 @@
           <a:p>
             <a:fld id="{7DB024AA-E761-4936-A8AA-B3393A083200}" type="datetimeFigureOut">
               <a:rPr lang="en-US" smtClean="0"/>
-              <a:t>10/19/2019</a:t>
+              <a:t>10/20/2019</a:t>
             </a:fld>
             <a:endParaRPr lang="en-US"/>
           </a:p>
@@ -1961,7 +2403,7 @@
           <a:p>
             <a:fld id="{7DB024AA-E761-4936-A8AA-B3393A083200}" type="datetimeFigureOut">
               <a:rPr lang="en-US" smtClean="0"/>
-              <a:t>10/19/2019</a:t>
+              <a:t>10/20/2019</a:t>
             </a:fld>
             <a:endParaRPr lang="en-US"/>
           </a:p>
@@ -2074,7 +2516,7 @@
           <a:p>
             <a:fld id="{7DB024AA-E761-4936-A8AA-B3393A083200}" type="datetimeFigureOut">
               <a:rPr lang="en-US" smtClean="0"/>
-              <a:t>10/19/2019</a:t>
+              <a:t>10/20/2019</a:t>
             </a:fld>
             <a:endParaRPr lang="en-US"/>
           </a:p>
@@ -2385,7 +2827,7 @@
           <a:p>
             <a:fld id="{7DB024AA-E761-4936-A8AA-B3393A083200}" type="datetimeFigureOut">
               <a:rPr lang="en-US" smtClean="0"/>
-              <a:t>10/19/2019</a:t>
+              <a:t>10/20/2019</a:t>
             </a:fld>
             <a:endParaRPr lang="en-US"/>
           </a:p>
@@ -2673,7 +3115,7 @@
           <a:p>
             <a:fld id="{7DB024AA-E761-4936-A8AA-B3393A083200}" type="datetimeFigureOut">
               <a:rPr lang="en-US" smtClean="0"/>
-              <a:t>10/19/2019</a:t>
+              <a:t>10/20/2019</a:t>
             </a:fld>
             <a:endParaRPr lang="en-US"/>
           </a:p>
@@ -2914,7 +3356,7 @@
           <a:p>
             <a:fld id="{7DB024AA-E761-4936-A8AA-B3393A083200}" type="datetimeFigureOut">
               <a:rPr lang="en-US" smtClean="0"/>
-              <a:t>10/19/2019</a:t>
+              <a:t>10/20/2019</a:t>
             </a:fld>
             <a:endParaRPr lang="en-US"/>
           </a:p>
@@ -3795,11 +4237,7 @@
           <a:p>
             <a:r>
               <a:rPr lang="en-US" dirty="0"/>
-              <a:t>Worked on implementing an AIM System for a </a:t>
-            </a:r>
-            <a:r>
-              <a:rPr lang="en-US"/>
-              <a:t>previous class</a:t>
+              <a:t>Worked on implementing an AIM System for a previous class</a:t>
             </a:r>
           </a:p>
           <a:p>
@@ -3820,7 +4258,7 @@
             <a:pPr lvl="1"/>
             <a:r>
               <a:rPr lang="en-US" dirty="0"/>
-              <a:t>Reservation system using first-come-first-serve policy</a:t>
+              <a:t>Reservation system using “First Come, First Served” policy</a:t>
             </a:r>
           </a:p>
           <a:p>
@@ -4017,25 +4455,58 @@
           <a:p>
             <a:r>
               <a:rPr lang="en-US" dirty="0"/>
-              <a:t>Building a trajectory algorithm, that resolves conflicts between vehicle trajectories while maximizing throughput</a:t>
-            </a:r>
-          </a:p>
-          <a:p>
+              <a:t>Our system should:</a:t>
+            </a:r>
+          </a:p>
+          <a:p>
+            <a:pPr lvl="1"/>
             <a:r>
               <a:rPr lang="en-US" dirty="0"/>
-              <a:t>More throughput</a:t>
-            </a:r>
-          </a:p>
-          <a:p>
+              <a:t>Have no collisions</a:t>
+            </a:r>
+          </a:p>
+          <a:p>
+            <a:pPr lvl="1"/>
             <a:r>
               <a:rPr lang="en-US" dirty="0"/>
-              <a:t>No collisions</a:t>
+              <a:t>Decrease the average delay of vehicles passing through the intersection</a:t>
             </a:r>
           </a:p>
           <a:p>
             <a:r>
               <a:rPr lang="en-US" dirty="0"/>
-              <a:t>Cheaper intersections (no need for cloverleaf designs)</a:t>
+              <a:t>Develop a policy for granting reservation requests to vehicles using trajectory planning</a:t>
+            </a:r>
+          </a:p>
+          <a:p>
+            <a:r>
+              <a:rPr lang="en-US" dirty="0"/>
+              <a:t>Compare our policy with other traffic control policies:</a:t>
+            </a:r>
+          </a:p>
+          <a:p>
+            <a:pPr lvl="1"/>
+            <a:r>
+              <a:rPr lang="en-US" dirty="0"/>
+              <a:t>Traffic lights</a:t>
+            </a:r>
+          </a:p>
+          <a:p>
+            <a:pPr lvl="1"/>
+            <a:r>
+              <a:rPr lang="en-US" dirty="0"/>
+              <a:t>Stop Signs</a:t>
+            </a:r>
+          </a:p>
+          <a:p>
+            <a:pPr lvl="1"/>
+            <a:r>
+              <a:rPr lang="en-US" dirty="0" err="1"/>
+              <a:t>Dresner</a:t>
+            </a:r>
+            <a:r>
+              <a:rPr lang="en-US" dirty="0"/>
+              <a:t> and Stone policy</a:t>
             </a:r>
           </a:p>
         </p:txBody>
@@ -4346,4 +4817,299 @@
     </a:ext>
   </a:extLst>
 </a:theme>
+</file>
+
+<file path=ppt/theme/theme2.xml><?xml version="1.0" encoding="utf-8"?>
+<a:theme xmlns:a="http://schemas.openxmlformats.org/drawingml/2006/main" name="Office Theme">
+  <a:themeElements>
+    <a:clrScheme name="Office">
+      <a:dk1>
+        <a:sysClr val="windowText" lastClr="000000"/>
+      </a:dk1>
+      <a:lt1>
+        <a:sysClr val="window" lastClr="FFFFFF"/>
+      </a:lt1>
+      <a:dk2>
+        <a:srgbClr val="44546A"/>
+      </a:dk2>
+      <a:lt2>
+        <a:srgbClr val="E7E6E6"/>
+      </a:lt2>
+      <a:accent1>
+        <a:srgbClr val="4472C4"/>
+      </a:accent1>
+      <a:accent2>
+        <a:srgbClr val="ED7D31"/>
+      </a:accent2>
+      <a:accent3>
+        <a:srgbClr val="A5A5A5"/>
+      </a:accent3>
+      <a:accent4>
+        <a:srgbClr val="FFC000"/>
+      </a:accent4>
+      <a:accent5>
+        <a:srgbClr val="5B9BD5"/>
+      </a:accent5>
+      <a:accent6>
+        <a:srgbClr val="70AD47"/>
+      </a:accent6>
+      <a:hlink>
+        <a:srgbClr val="0563C1"/>
+      </a:hlink>
+      <a:folHlink>
+        <a:srgbClr val="954F72"/>
+      </a:folHlink>
+    </a:clrScheme>
+    <a:fontScheme name="Office">
+      <a:majorFont>
+        <a:latin typeface="Calibri Light" panose="020F0302020204030204"/>
+        <a:ea typeface=""/>
+        <a:cs typeface=""/>
+        <a:font script="Jpan" typeface="游ゴシック Light"/>
+        <a:font script="Hang" typeface="맑은 고딕"/>
+        <a:font script="Hans" typeface="等线 Light"/>
+        <a:font script="Hant" typeface="新細明體"/>
+        <a:font script="Arab" typeface="Times New Roman"/>
+        <a:font script="Hebr" typeface="Times New Roman"/>
+        <a:font script="Thai" typeface="Angsana New"/>
+        <a:font script="Ethi" typeface="Nyala"/>
+        <a:font script="Beng" typeface="Vrinda"/>
+        <a:font script="Gujr" typeface="Shruti"/>
+        <a:font script="Khmr" typeface="MoolBoran"/>
+        <a:font script="Knda" typeface="Tunga"/>
+        <a:font script="Guru" typeface="Raavi"/>
+        <a:font script="Cans" typeface="Euphemia"/>
+        <a:font script="Cher" typeface="Plantagenet Cherokee"/>
+        <a:font script="Yiii" typeface="Microsoft Yi Baiti"/>
+        <a:font script="Tibt" typeface="Microsoft Himalaya"/>
+        <a:font script="Thaa" typeface="MV Boli"/>
+        <a:font script="Deva" typeface="Mangal"/>
+        <a:font script="Telu" typeface="Gautami"/>
+        <a:font script="Taml" typeface="Latha"/>
+        <a:font script="Syrc" typeface="Estrangelo Edessa"/>
+        <a:font script="Orya" typeface="Kalinga"/>
+        <a:font script="Mlym" typeface="Kartika"/>
+        <a:font script="Laoo" typeface="DokChampa"/>
+        <a:font script="Sinh" typeface="Iskoola Pota"/>
+        <a:font script="Mong" typeface="Mongolian Baiti"/>
+        <a:font script="Viet" typeface="Times New Roman"/>
+        <a:font script="Uigh" typeface="Microsoft Uighur"/>
+        <a:font script="Geor" typeface="Sylfaen"/>
+        <a:font script="Armn" typeface="Arial"/>
+        <a:font script="Bugi" typeface="Leelawadee UI"/>
+        <a:font script="Bopo" typeface="Microsoft JhengHei"/>
+        <a:font script="Java" typeface="Javanese Text"/>
+        <a:font script="Lisu" typeface="Segoe UI"/>
+        <a:font script="Mymr" typeface="Myanmar Text"/>
+        <a:font script="Nkoo" typeface="Ebrima"/>
+        <a:font script="Olck" typeface="Nirmala UI"/>
+        <a:font script="Osma" typeface="Ebrima"/>
+        <a:font script="Phag" typeface="Phagspa"/>
+        <a:font script="Syrn" typeface="Estrangelo Edessa"/>
+        <a:font script="Syrj" typeface="Estrangelo Edessa"/>
+        <a:font script="Syre" typeface="Estrangelo Edessa"/>
+        <a:font script="Sora" typeface="Nirmala UI"/>
+        <a:font script="Tale" typeface="Microsoft Tai Le"/>
+        <a:font script="Talu" typeface="Microsoft New Tai Lue"/>
+        <a:font script="Tfng" typeface="Ebrima"/>
+      </a:majorFont>
+      <a:minorFont>
+        <a:latin typeface="Calibri" panose="020F0502020204030204"/>
+        <a:ea typeface=""/>
+        <a:cs typeface=""/>
+        <a:font script="Jpan" typeface="游ゴシック"/>
+        <a:font script="Hang" typeface="맑은 고딕"/>
+        <a:font script="Hans" typeface="等线"/>
+        <a:font script="Hant" typeface="新細明體"/>
+        <a:font script="Arab" typeface="Arial"/>
+        <a:font script="Hebr" typeface="Arial"/>
+        <a:font script="Thai" typeface="Cordia New"/>
+        <a:font script="Ethi" typeface="Nyala"/>
+        <a:font script="Beng" typeface="Vrinda"/>
+        <a:font script="Gujr" typeface="Shruti"/>
+        <a:font script="Khmr" typeface="DaunPenh"/>
+        <a:font script="Knda" typeface="Tunga"/>
+        <a:font script="Guru" typeface="Raavi"/>
+        <a:font script="Cans" typeface="Euphemia"/>
+        <a:font script="Cher" typeface="Plantagenet Cherokee"/>
+        <a:font script="Yiii" typeface="Microsoft Yi Baiti"/>
+        <a:font script="Tibt" typeface="Microsoft Himalaya"/>
+        <a:font script="Thaa" typeface="MV Boli"/>
+        <a:font script="Deva" typeface="Mangal"/>
+        <a:font script="Telu" typeface="Gautami"/>
+        <a:font script="Taml" typeface="Latha"/>
+        <a:font script="Syrc" typeface="Estrangelo Edessa"/>
+        <a:font script="Orya" typeface="Kalinga"/>
+        <a:font script="Mlym" typeface="Kartika"/>
+        <a:font script="Laoo" typeface="DokChampa"/>
+        <a:font script="Sinh" typeface="Iskoola Pota"/>
+        <a:font script="Mong" typeface="Mongolian Baiti"/>
+        <a:font script="Viet" typeface="Arial"/>
+        <a:font script="Uigh" typeface="Microsoft Uighur"/>
+        <a:font script="Geor" typeface="Sylfaen"/>
+        <a:font script="Armn" typeface="Arial"/>
+        <a:font script="Bugi" typeface="Leelawadee UI"/>
+        <a:font script="Bopo" typeface="Microsoft JhengHei"/>
+        <a:font script="Java" typeface="Javanese Text"/>
+        <a:font script="Lisu" typeface="Segoe UI"/>
+        <a:font script="Mymr" typeface="Myanmar Text"/>
+        <a:font script="Nkoo" typeface="Ebrima"/>
+        <a:font script="Olck" typeface="Nirmala UI"/>
+        <a:font script="Osma" typeface="Ebrima"/>
+        <a:font script="Phag" typeface="Phagspa"/>
+        <a:font script="Syrn" typeface="Estrangelo Edessa"/>
+        <a:font script="Syrj" typeface="Estrangelo Edessa"/>
+        <a:font script="Syre" typeface="Estrangelo Edessa"/>
+        <a:font script="Sora" typeface="Nirmala UI"/>
+        <a:font script="Tale" typeface="Microsoft Tai Le"/>
+        <a:font script="Talu" typeface="Microsoft New Tai Lue"/>
+        <a:font script="Tfng" typeface="Ebrima"/>
+      </a:minorFont>
+    </a:fontScheme>
+    <a:fmtScheme name="Office">
+      <a:fillStyleLst>
+        <a:solidFill>
+          <a:schemeClr val="phClr"/>
+        </a:solidFill>
+        <a:gradFill rotWithShape="1">
+          <a:gsLst>
+            <a:gs pos="0">
+              <a:schemeClr val="phClr">
+                <a:lumMod val="110000"/>
+                <a:satMod val="105000"/>
+                <a:tint val="67000"/>
+              </a:schemeClr>
+            </a:gs>
+            <a:gs pos="50000">
+              <a:schemeClr val="phClr">
+                <a:lumMod val="105000"/>
+                <a:satMod val="103000"/>
+                <a:tint val="73000"/>
+              </a:schemeClr>
+            </a:gs>
+            <a:gs pos="100000">
+              <a:schemeClr val="phClr">
+                <a:lumMod val="105000"/>
+                <a:satMod val="109000"/>
+                <a:tint val="81000"/>
+              </a:schemeClr>
+            </a:gs>
+          </a:gsLst>
+          <a:lin ang="5400000" scaled="0"/>
+        </a:gradFill>
+        <a:gradFill rotWithShape="1">
+          <a:gsLst>
+            <a:gs pos="0">
+              <a:schemeClr val="phClr">
+                <a:satMod val="103000"/>
+                <a:lumMod val="102000"/>
+                <a:tint val="94000"/>
+              </a:schemeClr>
+            </a:gs>
+            <a:gs pos="50000">
+              <a:schemeClr val="phClr">
+                <a:satMod val="110000"/>
+                <a:lumMod val="100000"/>
+                <a:shade val="100000"/>
+              </a:schemeClr>
+            </a:gs>
+            <a:gs pos="100000">
+              <a:schemeClr val="phClr">
+                <a:lumMod val="99000"/>
+                <a:satMod val="120000"/>
+                <a:shade val="78000"/>
+              </a:schemeClr>
+            </a:gs>
+          </a:gsLst>
+          <a:lin ang="5400000" scaled="0"/>
+        </a:gradFill>
+      </a:fillStyleLst>
+      <a:lnStyleLst>
+        <a:ln w="6350" cap="flat" cmpd="sng" algn="ctr">
+          <a:solidFill>
+            <a:schemeClr val="phClr"/>
+          </a:solidFill>
+          <a:prstDash val="solid"/>
+          <a:miter lim="800000"/>
+        </a:ln>
+        <a:ln w="12700" cap="flat" cmpd="sng" algn="ctr">
+          <a:solidFill>
+            <a:schemeClr val="phClr"/>
+          </a:solidFill>
+          <a:prstDash val="solid"/>
+          <a:miter lim="800000"/>
+        </a:ln>
+        <a:ln w="19050" cap="flat" cmpd="sng" algn="ctr">
+          <a:solidFill>
+            <a:schemeClr val="phClr"/>
+          </a:solidFill>
+          <a:prstDash val="solid"/>
+          <a:miter lim="800000"/>
+        </a:ln>
+      </a:lnStyleLst>
+      <a:effectStyleLst>
+        <a:effectStyle>
+          <a:effectLst/>
+        </a:effectStyle>
+        <a:effectStyle>
+          <a:effectLst/>
+        </a:effectStyle>
+        <a:effectStyle>
+          <a:effectLst>
+            <a:outerShdw blurRad="57150" dist="19050" dir="5400000" algn="ctr" rotWithShape="0">
+              <a:srgbClr val="000000">
+                <a:alpha val="63000"/>
+              </a:srgbClr>
+            </a:outerShdw>
+          </a:effectLst>
+        </a:effectStyle>
+      </a:effectStyleLst>
+      <a:bgFillStyleLst>
+        <a:solidFill>
+          <a:schemeClr val="phClr"/>
+        </a:solidFill>
+        <a:solidFill>
+          <a:schemeClr val="phClr">
+            <a:tint val="95000"/>
+            <a:satMod val="170000"/>
+          </a:schemeClr>
+        </a:solidFill>
+        <a:gradFill rotWithShape="1">
+          <a:gsLst>
+            <a:gs pos="0">
+              <a:schemeClr val="phClr">
+                <a:tint val="93000"/>
+                <a:satMod val="150000"/>
+                <a:shade val="98000"/>
+                <a:lumMod val="102000"/>
+              </a:schemeClr>
+            </a:gs>
+            <a:gs pos="50000">
+              <a:schemeClr val="phClr">
+                <a:tint val="98000"/>
+                <a:satMod val="130000"/>
+                <a:shade val="90000"/>
+                <a:lumMod val="103000"/>
+              </a:schemeClr>
+            </a:gs>
+            <a:gs pos="100000">
+              <a:schemeClr val="phClr">
+                <a:shade val="63000"/>
+                <a:satMod val="120000"/>
+              </a:schemeClr>
+            </a:gs>
+          </a:gsLst>
+          <a:lin ang="5400000" scaled="0"/>
+        </a:gradFill>
+      </a:bgFillStyleLst>
+    </a:fmtScheme>
+  </a:themeElements>
+  <a:objectDefaults/>
+  <a:extraClrSchemeLst/>
+  <a:extLst>
+    <a:ext uri="{05A4C25C-085E-4340-85A3-A5531E510DB2}">
+      <thm15:themeFamily xmlns:thm15="http://schemas.microsoft.com/office/thememl/2012/main" name="Office Theme" id="{62F939B6-93AF-4DB8-9C6B-D6C7DFDC589F}" vid="{4A3C46E8-61CC-4603-A589-7422A47A8E4A}"/>
+    </a:ext>
+  </a:extLst>
+</a:theme>
 </file>
--- a/Project Proposal.pptx
+++ b/Project Proposal.pptx
@@ -4115,10 +4115,10 @@
       </p:grpSpPr>
       <p:pic>
         <p:nvPicPr>
-          <p:cNvPr id="5" name="Content Placeholder 4" descr="A close up of a map&#10;&#10;Description automatically generated">
-            <a:extLst>
-              <a:ext uri="{FF2B5EF4-FFF2-40B4-BE49-F238E27FC236}">
-                <a16:creationId xmlns:a16="http://schemas.microsoft.com/office/drawing/2014/main" id="{ED010F1C-1A5F-4668-B2ED-977D5D156FF6}"/>
+          <p:cNvPr id="4" name="Content Placeholder 3" descr="A close up of a map&#10;&#10;Description automatically generated">
+            <a:extLst>
+              <a:ext uri="{FF2B5EF4-FFF2-40B4-BE49-F238E27FC236}">
+                <a16:creationId xmlns:a16="http://schemas.microsoft.com/office/drawing/2014/main" id="{94FEE7B4-C9B5-49E1-850B-6CF856614E0D}"/>
               </a:ext>
             </a:extLst>
           </p:cNvPr>
@@ -4143,8 +4143,8 @@
         </p:blipFill>
         <p:spPr>
           <a:xfrm>
-            <a:off x="3140527" y="643466"/>
-            <a:ext cx="5910946" cy="5571067"/>
+            <a:off x="3310466" y="643466"/>
+            <a:ext cx="5571067" cy="5571067"/>
           </a:xfrm>
           <a:prstGeom prst="rect">
             <a:avLst/>

--- a/Project Proposal.pptx
+++ b/Project Proposal.pptx
@@ -10,9 +10,9 @@
   <p:sldIdLst>
     <p:sldId id="256" r:id="rId2"/>
     <p:sldId id="258" r:id="rId3"/>
-    <p:sldId id="261" r:id="rId4"/>
-    <p:sldId id="257" r:id="rId5"/>
-    <p:sldId id="259" r:id="rId6"/>
+    <p:sldId id="257" r:id="rId4"/>
+    <p:sldId id="259" r:id="rId5"/>
+    <p:sldId id="261" r:id="rId6"/>
     <p:sldId id="260" r:id="rId7"/>
   </p:sldIdLst>
   <p:sldSz cx="12192000" cy="6858000"/>
@@ -202,7 +202,7 @@
           <a:p>
             <a:fld id="{C3E22199-0812-433D-8264-D4E89DC2681E}" type="datetimeFigureOut">
               <a:rPr lang="en-US" smtClean="0"/>
-              <a:t>10/20/2019</a:t>
+              <a:t>10/21/2019</a:t>
             </a:fld>
             <a:endParaRPr lang="en-US"/>
           </a:p>
@@ -706,7 +706,7 @@
           <a:p>
             <a:fld id="{7DB024AA-E761-4936-A8AA-B3393A083200}" type="datetimeFigureOut">
               <a:rPr lang="en-US" smtClean="0"/>
-              <a:t>10/20/2019</a:t>
+              <a:t>10/21/2019</a:t>
             </a:fld>
             <a:endParaRPr lang="en-US"/>
           </a:p>
@@ -904,7 +904,7 @@
           <a:p>
             <a:fld id="{7DB024AA-E761-4936-A8AA-B3393A083200}" type="datetimeFigureOut">
               <a:rPr lang="en-US" smtClean="0"/>
-              <a:t>10/20/2019</a:t>
+              <a:t>10/21/2019</a:t>
             </a:fld>
             <a:endParaRPr lang="en-US"/>
           </a:p>
@@ -1112,7 +1112,7 @@
           <a:p>
             <a:fld id="{7DB024AA-E761-4936-A8AA-B3393A083200}" type="datetimeFigureOut">
               <a:rPr lang="en-US" smtClean="0"/>
-              <a:t>10/20/2019</a:t>
+              <a:t>10/21/2019</a:t>
             </a:fld>
             <a:endParaRPr lang="en-US"/>
           </a:p>
@@ -1310,7 +1310,7 @@
           <a:p>
             <a:fld id="{7DB024AA-E761-4936-A8AA-B3393A083200}" type="datetimeFigureOut">
               <a:rPr lang="en-US" smtClean="0"/>
-              <a:t>10/20/2019</a:t>
+              <a:t>10/21/2019</a:t>
             </a:fld>
             <a:endParaRPr lang="en-US"/>
           </a:p>
@@ -1585,7 +1585,7 @@
           <a:p>
             <a:fld id="{7DB024AA-E761-4936-A8AA-B3393A083200}" type="datetimeFigureOut">
               <a:rPr lang="en-US" smtClean="0"/>
-              <a:t>10/20/2019</a:t>
+              <a:t>10/21/2019</a:t>
             </a:fld>
             <a:endParaRPr lang="en-US"/>
           </a:p>
@@ -1850,7 +1850,7 @@
           <a:p>
             <a:fld id="{7DB024AA-E761-4936-A8AA-B3393A083200}" type="datetimeFigureOut">
               <a:rPr lang="en-US" smtClean="0"/>
-              <a:t>10/20/2019</a:t>
+              <a:t>10/21/2019</a:t>
             </a:fld>
             <a:endParaRPr lang="en-US"/>
           </a:p>
@@ -2262,7 +2262,7 @@
           <a:p>
             <a:fld id="{7DB024AA-E761-4936-A8AA-B3393A083200}" type="datetimeFigureOut">
               <a:rPr lang="en-US" smtClean="0"/>
-              <a:t>10/20/2019</a:t>
+              <a:t>10/21/2019</a:t>
             </a:fld>
             <a:endParaRPr lang="en-US"/>
           </a:p>
@@ -2403,7 +2403,7 @@
           <a:p>
             <a:fld id="{7DB024AA-E761-4936-A8AA-B3393A083200}" type="datetimeFigureOut">
               <a:rPr lang="en-US" smtClean="0"/>
-              <a:t>10/20/2019</a:t>
+              <a:t>10/21/2019</a:t>
             </a:fld>
             <a:endParaRPr lang="en-US"/>
           </a:p>
@@ -2516,7 +2516,7 @@
           <a:p>
             <a:fld id="{7DB024AA-E761-4936-A8AA-B3393A083200}" type="datetimeFigureOut">
               <a:rPr lang="en-US" smtClean="0"/>
-              <a:t>10/20/2019</a:t>
+              <a:t>10/21/2019</a:t>
             </a:fld>
             <a:endParaRPr lang="en-US"/>
           </a:p>
@@ -2827,7 +2827,7 @@
           <a:p>
             <a:fld id="{7DB024AA-E761-4936-A8AA-B3393A083200}" type="datetimeFigureOut">
               <a:rPr lang="en-US" smtClean="0"/>
-              <a:t>10/20/2019</a:t>
+              <a:t>10/21/2019</a:t>
             </a:fld>
             <a:endParaRPr lang="en-US"/>
           </a:p>
@@ -3115,7 +3115,7 @@
           <a:p>
             <a:fld id="{7DB024AA-E761-4936-A8AA-B3393A083200}" type="datetimeFigureOut">
               <a:rPr lang="en-US" smtClean="0"/>
-              <a:t>10/20/2019</a:t>
+              <a:t>10/21/2019</a:t>
             </a:fld>
             <a:endParaRPr lang="en-US"/>
           </a:p>
@@ -3356,7 +3356,7 @@
           <a:p>
             <a:fld id="{7DB024AA-E761-4936-A8AA-B3393A083200}" type="datetimeFigureOut">
               <a:rPr lang="en-US" smtClean="0"/>
-              <a:t>10/20/2019</a:t>
+              <a:t>10/21/2019</a:t>
             </a:fld>
             <a:endParaRPr lang="en-US"/>
           </a:p>
@@ -3792,7 +3792,7 @@
         <p:spPr/>
         <p:txBody>
           <a:bodyPr>
-            <a:normAutofit fontScale="90000"/>
+            <a:normAutofit/>
           </a:bodyPr>
           <a:lstStyle/>
           <a:p>
@@ -3810,26 +3810,39 @@
       </p:sp>
       <p:sp>
         <p:nvSpPr>
-          <p:cNvPr id="3" name="Subtitle 2">
-            <a:extLst>
-              <a:ext uri="{FF2B5EF4-FFF2-40B4-BE49-F238E27FC236}">
-                <a16:creationId xmlns:a16="http://schemas.microsoft.com/office/drawing/2014/main" id="{E2B69AF8-EE19-4CC2-B185-594EEE9F640D}"/>
-              </a:ext>
-            </a:extLst>
-          </p:cNvPr>
-          <p:cNvSpPr>
-            <a:spLocks noGrp="1"/>
-          </p:cNvSpPr>
-          <p:nvPr>
-            <p:ph type="subTitle" idx="1"/>
-          </p:nvPr>
-        </p:nvSpPr>
-        <p:spPr/>
-        <p:txBody>
-          <a:bodyPr/>
-          <a:lstStyle/>
-          <a:p>
-            <a:endParaRPr lang="en-US"/>
+          <p:cNvPr id="4" name="TextBox 3">
+            <a:extLst>
+              <a:ext uri="{FF2B5EF4-FFF2-40B4-BE49-F238E27FC236}">
+                <a16:creationId xmlns:a16="http://schemas.microsoft.com/office/drawing/2014/main" id="{3AF5001D-3500-4F64-B7CC-BBB8705FDECF}"/>
+              </a:ext>
+            </a:extLst>
+          </p:cNvPr>
+          <p:cNvSpPr txBox="1"/>
+          <p:nvPr/>
+        </p:nvSpPr>
+        <p:spPr>
+          <a:xfrm>
+            <a:off x="9202189" y="6001790"/>
+            <a:ext cx="2931622" cy="369332"/>
+          </a:xfrm>
+          <a:prstGeom prst="rect">
+            <a:avLst/>
+          </a:prstGeom>
+          <a:noFill/>
+        </p:spPr>
+        <p:txBody>
+          <a:bodyPr wrap="square" rtlCol="0">
+            <a:spAutoFit/>
+          </a:bodyPr>
+          <a:lstStyle/>
+          <a:p>
+            <a:r>
+              <a:rPr lang="en-US" dirty="0">
+                <a:latin typeface="Andalus" panose="02020603050405020304" pitchFamily="18" charset="-78"/>
+                <a:cs typeface="Andalus" panose="02020603050405020304" pitchFamily="18" charset="-78"/>
+              </a:rPr>
+              <a:t>Ahmed Fayed &amp; Alex Winger</a:t>
+            </a:r>
           </a:p>
         </p:txBody>
       </p:sp>
@@ -3885,180 +3898,81 @@
           <a:lstStyle/>
           <a:p>
             <a:r>
+              <a:rPr lang="en-US" dirty="0">
+                <a:latin typeface="Andalus" panose="02020603050405020304" pitchFamily="18" charset="-78"/>
+                <a:cs typeface="Andalus" panose="02020603050405020304" pitchFamily="18" charset="-78"/>
+              </a:rPr>
+              <a:t>Introduction about AIM and Motivation</a:t>
+            </a:r>
+          </a:p>
+        </p:txBody>
+      </p:sp>
+      <p:sp>
+        <p:nvSpPr>
+          <p:cNvPr id="3" name="Content Placeholder 2">
+            <a:extLst>
+              <a:ext uri="{FF2B5EF4-FFF2-40B4-BE49-F238E27FC236}">
+                <a16:creationId xmlns:a16="http://schemas.microsoft.com/office/drawing/2014/main" id="{04B25F37-C51B-4276-B011-0C8C944FF685}"/>
+              </a:ext>
+            </a:extLst>
+          </p:cNvPr>
+          <p:cNvSpPr>
+            <a:spLocks noGrp="1"/>
+          </p:cNvSpPr>
+          <p:nvPr>
+            <p:ph idx="1"/>
+          </p:nvPr>
+        </p:nvSpPr>
+        <p:spPr/>
+        <p:txBody>
+          <a:bodyPr>
+            <a:normAutofit/>
+          </a:bodyPr>
+          <a:lstStyle/>
+          <a:p>
+            <a:r>
               <a:rPr lang="en-US" dirty="0"/>
-              <a:t>Introduction about AIM and motivation</a:t>
-            </a:r>
-          </a:p>
-        </p:txBody>
-      </p:sp>
-      <p:sp>
-        <p:nvSpPr>
-          <p:cNvPr id="3" name="Content Placeholder 2">
-            <a:extLst>
-              <a:ext uri="{FF2B5EF4-FFF2-40B4-BE49-F238E27FC236}">
-                <a16:creationId xmlns:a16="http://schemas.microsoft.com/office/drawing/2014/main" id="{04B25F37-C51B-4276-B011-0C8C944FF685}"/>
-              </a:ext>
-            </a:extLst>
-          </p:cNvPr>
-          <p:cNvSpPr>
-            <a:spLocks noGrp="1"/>
-          </p:cNvSpPr>
-          <p:nvPr>
-            <p:ph idx="1"/>
-          </p:nvPr>
-        </p:nvSpPr>
-        <p:spPr/>
-        <p:txBody>
-          <a:bodyPr>
-            <a:normAutofit fontScale="92500" lnSpcReduction="10000"/>
-          </a:bodyPr>
-          <a:lstStyle/>
-          <a:p>
-            <a:pPr marL="0" indent="0">
-              <a:buNone/>
-            </a:pPr>
-            <a:endParaRPr lang="en-US" sz="1800" dirty="0">
-              <a:effectLst>
-                <a:outerShdw blurRad="38100" dist="38100" dir="2700000" algn="tl">
-                  <a:srgbClr val="000000">
-                    <a:alpha val="43137"/>
-                  </a:srgbClr>
-                </a:outerShdw>
-              </a:effectLst>
-            </a:endParaRPr>
-          </a:p>
-          <a:p>
-            <a:r>
-              <a:rPr lang="en-US" sz="1800" dirty="0">
-                <a:effectLst>
-                  <a:outerShdw blurRad="38100" dist="38100" dir="2700000" algn="tl">
-                    <a:srgbClr val="000000">
-                      <a:alpha val="43137"/>
-                    </a:srgbClr>
-                  </a:outerShdw>
-                </a:effectLst>
-              </a:rPr>
-              <a:t>Idea: Autonomously and efficiently manage/schedule vehicles through a 4-way dedicated lane intersection.</a:t>
-            </a:r>
-          </a:p>
-          <a:p>
-            <a:r>
-              <a:rPr lang="en-US" sz="1800" dirty="0"/>
-              <a:t>Vehicle collisions at intersections account for anywhere between 25% and 45% of all collisions. – Kurt </a:t>
-            </a:r>
-            <a:r>
-              <a:rPr lang="en-US" sz="1800" dirty="0" err="1"/>
+              <a:t>Idea: Autonomously and efficiently manage/schedule vehicles through an intersection.</a:t>
+            </a:r>
+          </a:p>
+          <a:p>
+            <a:pPr lvl="1"/>
+            <a:r>
+              <a:rPr lang="en-US" dirty="0"/>
+              <a:t>Significantly outperform current intersection technology </a:t>
+            </a:r>
+          </a:p>
+          <a:p>
+            <a:pPr lvl="1"/>
+            <a:r>
+              <a:rPr lang="en-US" dirty="0"/>
+              <a:t>Minimizes vehicle Delay (better metric than throughput)</a:t>
+            </a:r>
+          </a:p>
+          <a:p>
+            <a:pPr lvl="1"/>
+            <a:r>
+              <a:rPr lang="en-US" dirty="0"/>
+              <a:t>“Vehicle collisions at intersections account for anywhere between 25% and 45% of all collisions.” – Kurt </a:t>
+            </a:r>
+            <a:r>
+              <a:rPr lang="en-US" dirty="0" err="1"/>
               <a:t>Dresnor</a:t>
             </a:r>
-            <a:endParaRPr lang="en-US" sz="1800" dirty="0"/>
-          </a:p>
-          <a:p>
-            <a:r>
-              <a:rPr lang="en-US" sz="1800" dirty="0"/>
-              <a:t>By keeping the number of messages and amount of information transmitted to a minimum, the system can afford to put more communication reliability measures in place. Furthermore, each vehicle, as an autonomous agent, may have privacy concerns which should be respected. Keeping the communication complexity low will also make the system more scalable.</a:t>
-            </a:r>
-          </a:p>
-          <a:p>
-            <a:r>
-              <a:rPr lang="en-US" sz="1800" dirty="0">
-                <a:effectLst>
-                  <a:outerShdw blurRad="38100" dist="38100" dir="2700000" algn="tl">
-                    <a:srgbClr val="000000">
-                      <a:alpha val="43137"/>
-                    </a:srgbClr>
-                  </a:outerShdw>
-                </a:effectLst>
-              </a:rPr>
-              <a:t>Focusing less on Driver Agents and mostly on the arbiter/Intersection Manager</a:t>
-            </a:r>
-          </a:p>
-          <a:p>
-            <a:r>
-              <a:rPr lang="en-US" sz="1800" dirty="0">
-                <a:effectLst>
-                  <a:outerShdw blurRad="38100" dist="38100" dir="2700000" algn="tl">
-                    <a:srgbClr val="000000">
-                      <a:alpha val="43137"/>
-                    </a:srgbClr>
-                  </a:outerShdw>
-                </a:effectLst>
-              </a:rPr>
-              <a:t>Assumptions: </a:t>
-            </a:r>
+            <a:endParaRPr lang="en-US" dirty="0"/>
           </a:p>
           <a:p>
             <a:pPr lvl="1"/>
             <a:r>
-              <a:rPr lang="en-US" sz="1800" dirty="0">
-                <a:effectLst>
-                  <a:outerShdw blurRad="38100" dist="38100" dir="2700000" algn="tl">
-                    <a:srgbClr val="000000">
-                      <a:alpha val="43137"/>
-                    </a:srgbClr>
-                  </a:outerShdw>
-                </a:effectLst>
-              </a:rPr>
-              <a:t>Fully autonomous vehicles (Tesla Model S P100D)</a:t>
+              <a:rPr lang="en-US" dirty="0"/>
+              <a:t>Negates the need for expensive infrastructure (i.e. cloverleaf interchanges)</a:t>
             </a:r>
           </a:p>
           <a:p>
             <a:pPr lvl="1"/>
             <a:r>
-              <a:rPr lang="en-US" sz="1800" dirty="0">
-                <a:effectLst>
-                  <a:outerShdw blurRad="38100" dist="38100" dir="2700000" algn="tl">
-                    <a:srgbClr val="000000">
-                      <a:alpha val="43137"/>
-                    </a:srgbClr>
-                  </a:outerShdw>
-                </a:effectLst>
-              </a:rPr>
-              <a:t>5G telecommunication (minimal delay) no communication failure</a:t>
-            </a:r>
-          </a:p>
-          <a:p>
-            <a:pPr lvl="1"/>
-            <a:r>
-              <a:rPr lang="en-US" sz="1800" dirty="0">
-                <a:effectLst>
-                  <a:outerShdw blurRad="38100" dist="38100" dir="2700000" algn="tl">
-                    <a:srgbClr val="000000">
-                      <a:alpha val="43137"/>
-                    </a:srgbClr>
-                  </a:outerShdw>
-                </a:effectLst>
-              </a:rPr>
-              <a:t>Centralized architecture with a high resource powerful computer system placed at the intersection powering the Intersection Manager (IM)</a:t>
-            </a:r>
-          </a:p>
-          <a:p>
-            <a:pPr lvl="1"/>
-            <a:r>
-              <a:rPr lang="en-US" sz="1800" dirty="0">
-                <a:effectLst>
-                  <a:outerShdw blurRad="38100" dist="38100" dir="2700000" algn="tl">
-                    <a:srgbClr val="000000">
-                      <a:alpha val="43137"/>
-                    </a:srgbClr>
-                  </a:outerShdw>
-                </a:effectLst>
-              </a:rPr>
-              <a:t>No error</a:t>
-            </a:r>
-          </a:p>
-          <a:p>
-            <a:r>
-              <a:rPr lang="en-US" sz="1800" dirty="0">
-                <a:effectLst>
-                  <a:outerShdw blurRad="38100" dist="38100" dir="2700000" algn="tl">
-                    <a:srgbClr val="000000">
-                      <a:alpha val="43137"/>
-                    </a:srgbClr>
-                  </a:outerShdw>
-                </a:effectLst>
-                <a:cs typeface="Traditional Arabic" panose="02020603050405020304" pitchFamily="18" charset="-78"/>
-              </a:rPr>
-              <a:t>To accomplish this we intend to use ROS, and a visualization software.</a:t>
+              <a:rPr lang="en-US" dirty="0"/>
+              <a:t>Vastly more adaptable than current systems</a:t>
             </a:r>
           </a:p>
           <a:p>
@@ -4089,6 +4003,295 @@
 </file>
 
 <file path=ppt/slides/slide3.xml><?xml version="1.0" encoding="utf-8"?>
+<p:sld xmlns:a="http://schemas.openxmlformats.org/drawingml/2006/main" xmlns:r="http://schemas.openxmlformats.org/officeDocument/2006/relationships" xmlns:p="http://schemas.openxmlformats.org/presentationml/2006/main">
+  <p:cSld>
+    <p:spTree>
+      <p:nvGrpSpPr>
+        <p:cNvPr id="1" name=""/>
+        <p:cNvGrpSpPr/>
+        <p:nvPr/>
+      </p:nvGrpSpPr>
+      <p:grpSpPr>
+        <a:xfrm>
+          <a:off x="0" y="0"/>
+          <a:ext cx="0" cy="0"/>
+          <a:chOff x="0" y="0"/>
+          <a:chExt cx="0" cy="0"/>
+        </a:xfrm>
+      </p:grpSpPr>
+      <p:sp>
+        <p:nvSpPr>
+          <p:cNvPr id="2" name="Title 1">
+            <a:extLst>
+              <a:ext uri="{FF2B5EF4-FFF2-40B4-BE49-F238E27FC236}">
+                <a16:creationId xmlns:a16="http://schemas.microsoft.com/office/drawing/2014/main" id="{DF2DACD5-3964-49E8-9CE0-0B08B7E5CADE}"/>
+              </a:ext>
+            </a:extLst>
+          </p:cNvPr>
+          <p:cNvSpPr>
+            <a:spLocks noGrp="1"/>
+          </p:cNvSpPr>
+          <p:nvPr>
+            <p:ph type="title"/>
+          </p:nvPr>
+        </p:nvSpPr>
+        <p:spPr/>
+        <p:txBody>
+          <a:bodyPr/>
+          <a:lstStyle/>
+          <a:p>
+            <a:r>
+              <a:rPr lang="en-US" dirty="0">
+                <a:latin typeface="Andalus" panose="02020603050405020304" pitchFamily="18" charset="-78"/>
+                <a:cs typeface="Andalus" panose="02020603050405020304" pitchFamily="18" charset="-78"/>
+              </a:rPr>
+              <a:t>Previous Work &amp; Feasibility</a:t>
+            </a:r>
+            <a:endParaRPr lang="en-US" dirty="0"/>
+          </a:p>
+        </p:txBody>
+      </p:sp>
+      <p:sp>
+        <p:nvSpPr>
+          <p:cNvPr id="3" name="Content Placeholder 2">
+            <a:extLst>
+              <a:ext uri="{FF2B5EF4-FFF2-40B4-BE49-F238E27FC236}">
+                <a16:creationId xmlns:a16="http://schemas.microsoft.com/office/drawing/2014/main" id="{3872D00B-8186-4575-85F6-68F3C00DF72C}"/>
+              </a:ext>
+            </a:extLst>
+          </p:cNvPr>
+          <p:cNvSpPr>
+            <a:spLocks noGrp="1"/>
+          </p:cNvSpPr>
+          <p:nvPr>
+            <p:ph idx="1"/>
+          </p:nvPr>
+        </p:nvSpPr>
+        <p:spPr>
+          <a:xfrm>
+            <a:off x="838200" y="1825625"/>
+            <a:ext cx="10515600" cy="4351338"/>
+          </a:xfrm>
+        </p:spPr>
+        <p:txBody>
+          <a:bodyPr/>
+          <a:lstStyle/>
+          <a:p>
+            <a:r>
+              <a:rPr lang="en-US" dirty="0"/>
+              <a:t>Worked on implementing an AIM System for a previous class</a:t>
+            </a:r>
+          </a:p>
+          <a:p>
+            <a:r>
+              <a:rPr lang="en-US" dirty="0"/>
+              <a:t>“A Multiagent Approach to Autonomous Intersection Management” by Kurt </a:t>
+            </a:r>
+            <a:r>
+              <a:rPr lang="en-US" dirty="0" err="1"/>
+              <a:t>Dresner</a:t>
+            </a:r>
+            <a:r>
+              <a:rPr lang="en-US" dirty="0"/>
+              <a:t> and Peter Stone</a:t>
+            </a:r>
+          </a:p>
+          <a:p>
+            <a:pPr lvl="1"/>
+            <a:r>
+              <a:rPr lang="en-US" dirty="0"/>
+              <a:t>Reservation system using “First Come, First Served” policy</a:t>
+            </a:r>
+          </a:p>
+          <a:p>
+            <a:pPr lvl="1"/>
+            <a:r>
+              <a:rPr lang="en-US" dirty="0"/>
+              <a:t>Use of a grid of “reservation” tiles</a:t>
+            </a:r>
+          </a:p>
+          <a:p>
+            <a:pPr lvl="1"/>
+            <a:r>
+              <a:rPr lang="en-US" dirty="0"/>
+              <a:t>Dealing with acceleration in the intersection. Consider trajectories where the vehicle accelerates to max velocity, and maintains current velocity</a:t>
+            </a:r>
+          </a:p>
+          <a:p>
+            <a:pPr lvl="1"/>
+            <a:r>
+              <a:rPr lang="en-US" dirty="0"/>
+              <a:t>Force a minimum velocity</a:t>
+            </a:r>
+          </a:p>
+          <a:p>
+            <a:pPr lvl="1"/>
+            <a:r>
+              <a:rPr lang="en-US" dirty="0"/>
+              <a:t>Ability to change the policy</a:t>
+            </a:r>
+          </a:p>
+        </p:txBody>
+      </p:sp>
+    </p:spTree>
+    <p:extLst>
+      <p:ext uri="{BB962C8B-B14F-4D97-AF65-F5344CB8AC3E}">
+        <p14:creationId xmlns:p14="http://schemas.microsoft.com/office/powerpoint/2010/main" val="1790021222"/>
+      </p:ext>
+    </p:extLst>
+  </p:cSld>
+  <p:clrMapOvr>
+    <a:masterClrMapping/>
+  </p:clrMapOvr>
+</p:sld>
+</file>
+
+<file path=ppt/slides/slide4.xml><?xml version="1.0" encoding="utf-8"?>
+<p:sld xmlns:a="http://schemas.openxmlformats.org/drawingml/2006/main" xmlns:r="http://schemas.openxmlformats.org/officeDocument/2006/relationships" xmlns:p="http://schemas.openxmlformats.org/presentationml/2006/main">
+  <p:cSld>
+    <p:spTree>
+      <p:nvGrpSpPr>
+        <p:cNvPr id="1" name=""/>
+        <p:cNvGrpSpPr/>
+        <p:nvPr/>
+      </p:nvGrpSpPr>
+      <p:grpSpPr>
+        <a:xfrm>
+          <a:off x="0" y="0"/>
+          <a:ext cx="0" cy="0"/>
+          <a:chOff x="0" y="0"/>
+          <a:chExt cx="0" cy="0"/>
+        </a:xfrm>
+      </p:grpSpPr>
+      <p:sp>
+        <p:nvSpPr>
+          <p:cNvPr id="2" name="Title 1">
+            <a:extLst>
+              <a:ext uri="{FF2B5EF4-FFF2-40B4-BE49-F238E27FC236}">
+                <a16:creationId xmlns:a16="http://schemas.microsoft.com/office/drawing/2014/main" id="{25D85BD1-3E04-4D69-B046-1B2AE3247419}"/>
+              </a:ext>
+            </a:extLst>
+          </p:cNvPr>
+          <p:cNvSpPr>
+            <a:spLocks noGrp="1"/>
+          </p:cNvSpPr>
+          <p:nvPr>
+            <p:ph type="title"/>
+          </p:nvPr>
+        </p:nvSpPr>
+        <p:spPr/>
+        <p:txBody>
+          <a:bodyPr/>
+          <a:lstStyle/>
+          <a:p>
+            <a:r>
+              <a:rPr lang="en-US" dirty="0">
+                <a:latin typeface="Andalus" panose="02020603050405020304" pitchFamily="18" charset="-78"/>
+                <a:cs typeface="Andalus" panose="02020603050405020304" pitchFamily="18" charset="-78"/>
+              </a:rPr>
+              <a:t>Project Scope &amp; Implementation</a:t>
+            </a:r>
+          </a:p>
+        </p:txBody>
+      </p:sp>
+      <p:sp>
+        <p:nvSpPr>
+          <p:cNvPr id="3" name="Content Placeholder 2">
+            <a:extLst>
+              <a:ext uri="{FF2B5EF4-FFF2-40B4-BE49-F238E27FC236}">
+                <a16:creationId xmlns:a16="http://schemas.microsoft.com/office/drawing/2014/main" id="{0F0079DE-59E5-4E96-BCE2-FF51FC105CAF}"/>
+              </a:ext>
+            </a:extLst>
+          </p:cNvPr>
+          <p:cNvSpPr>
+            <a:spLocks noGrp="1"/>
+          </p:cNvSpPr>
+          <p:nvPr>
+            <p:ph idx="1"/>
+          </p:nvPr>
+        </p:nvSpPr>
+        <p:spPr/>
+        <p:txBody>
+          <a:bodyPr>
+            <a:normAutofit lnSpcReduction="10000"/>
+          </a:bodyPr>
+          <a:lstStyle/>
+          <a:p>
+            <a:r>
+              <a:rPr lang="en-US" dirty="0"/>
+              <a:t>4-way 3-dedicated-lane intersection with a centralized architecture </a:t>
+            </a:r>
+          </a:p>
+          <a:p>
+            <a:r>
+              <a:rPr lang="en-US" dirty="0"/>
+              <a:t>Keep the number of messages/communication V2V to a minimum, for scalability purposes and respecting each vehicle’s privacy </a:t>
+            </a:r>
+          </a:p>
+          <a:p>
+            <a:r>
+              <a:rPr lang="en-US" dirty="0"/>
+              <a:t>Assumptions: </a:t>
+            </a:r>
+          </a:p>
+          <a:p>
+            <a:pPr lvl="1"/>
+            <a:r>
+              <a:rPr lang="en-US" dirty="0"/>
+              <a:t>Fully autonomous vehicles (Tesla Model S), focusing less on Driver Agents and mostly on the arbiter/Intersection Manager</a:t>
+            </a:r>
+          </a:p>
+          <a:p>
+            <a:pPr lvl="1"/>
+            <a:r>
+              <a:rPr lang="en-US" dirty="0"/>
+              <a:t>No communication failure or delay</a:t>
+            </a:r>
+          </a:p>
+          <a:p>
+            <a:pPr lvl="1"/>
+            <a:r>
+              <a:rPr lang="en-US" dirty="0"/>
+              <a:t>No execution error</a:t>
+            </a:r>
+          </a:p>
+          <a:p>
+            <a:pPr lvl="1"/>
+            <a:r>
+              <a:rPr lang="en-US" dirty="0"/>
+              <a:t>A high resource powerful computer system placed at the intersection powering the Intersection Manager (IM)</a:t>
+            </a:r>
+          </a:p>
+          <a:p>
+            <a:r>
+              <a:rPr lang="en-US" dirty="0">
+                <a:cs typeface="Traditional Arabic" panose="02020603050405020304" pitchFamily="18" charset="-78"/>
+              </a:rPr>
+              <a:t>To accomplish this we will use ROS, and a visualization software.</a:t>
+            </a:r>
+          </a:p>
+          <a:p>
+            <a:endParaRPr lang="en-US" dirty="0"/>
+          </a:p>
+          <a:p>
+            <a:endParaRPr lang="en-US" dirty="0"/>
+          </a:p>
+        </p:txBody>
+      </p:sp>
+    </p:spTree>
+    <p:extLst>
+      <p:ext uri="{BB962C8B-B14F-4D97-AF65-F5344CB8AC3E}">
+        <p14:creationId xmlns:p14="http://schemas.microsoft.com/office/powerpoint/2010/main" val="2894363390"/>
+      </p:ext>
+    </p:extLst>
+  </p:cSld>
+  <p:clrMapOvr>
+    <a:masterClrMapping/>
+  </p:clrMapOvr>
+</p:sld>
+</file>
+
+<file path=ppt/slides/slide5.xml><?xml version="1.0" encoding="utf-8"?>
 <p:sld xmlns:a="http://schemas.openxmlformats.org/drawingml/2006/main" xmlns:r="http://schemas.openxmlformats.org/officeDocument/2006/relationships" xmlns:p="http://schemas.openxmlformats.org/presentationml/2006/main">
   <p:cSld>
     <p:bg>
@@ -4151,233 +4354,50 @@
           </a:prstGeom>
         </p:spPr>
       </p:pic>
+      <p:sp>
+        <p:nvSpPr>
+          <p:cNvPr id="3" name="Rectangle 2">
+            <a:extLst>
+              <a:ext uri="{FF2B5EF4-FFF2-40B4-BE49-F238E27FC236}">
+                <a16:creationId xmlns:a16="http://schemas.microsoft.com/office/drawing/2014/main" id="{C16719D0-2CBA-4B37-9063-BD4A7611E58A}"/>
+              </a:ext>
+            </a:extLst>
+          </p:cNvPr>
+          <p:cNvSpPr/>
+          <p:nvPr/>
+        </p:nvSpPr>
+        <p:spPr>
+          <a:xfrm>
+            <a:off x="9713804" y="5568202"/>
+            <a:ext cx="2186817" cy="400110"/>
+          </a:xfrm>
+          <a:prstGeom prst="rect">
+            <a:avLst/>
+          </a:prstGeom>
+        </p:spPr>
+        <p:txBody>
+          <a:bodyPr wrap="none">
+            <a:spAutoFit/>
+          </a:bodyPr>
+          <a:lstStyle/>
+          <a:p>
+            <a:r>
+              <a:rPr lang="en-US" sz="2000" dirty="0">
+                <a:latin typeface="Andalus" panose="02020603050405020304" pitchFamily="18" charset="-78"/>
+                <a:cs typeface="Andalus" panose="02020603050405020304" pitchFamily="18" charset="-78"/>
+              </a:rPr>
+              <a:t>Intersection Layout</a:t>
+            </a:r>
+            <a:endParaRPr lang="en-US" sz="2000" dirty="0">
+              <a:latin typeface="+mj-lt"/>
+            </a:endParaRPr>
+          </a:p>
+        </p:txBody>
+      </p:sp>
     </p:spTree>
     <p:extLst>
       <p:ext uri="{BB962C8B-B14F-4D97-AF65-F5344CB8AC3E}">
         <p14:creationId xmlns:p14="http://schemas.microsoft.com/office/powerpoint/2010/main" val="1279582230"/>
-      </p:ext>
-    </p:extLst>
-  </p:cSld>
-  <p:clrMapOvr>
-    <a:masterClrMapping/>
-  </p:clrMapOvr>
-</p:sld>
-</file>
-
-<file path=ppt/slides/slide4.xml><?xml version="1.0" encoding="utf-8"?>
-<p:sld xmlns:a="http://schemas.openxmlformats.org/drawingml/2006/main" xmlns:r="http://schemas.openxmlformats.org/officeDocument/2006/relationships" xmlns:p="http://schemas.openxmlformats.org/presentationml/2006/main">
-  <p:cSld>
-    <p:spTree>
-      <p:nvGrpSpPr>
-        <p:cNvPr id="1" name=""/>
-        <p:cNvGrpSpPr/>
-        <p:nvPr/>
-      </p:nvGrpSpPr>
-      <p:grpSpPr>
-        <a:xfrm>
-          <a:off x="0" y="0"/>
-          <a:ext cx="0" cy="0"/>
-          <a:chOff x="0" y="0"/>
-          <a:chExt cx="0" cy="0"/>
-        </a:xfrm>
-      </p:grpSpPr>
-      <p:sp>
-        <p:nvSpPr>
-          <p:cNvPr id="2" name="Title 1">
-            <a:extLst>
-              <a:ext uri="{FF2B5EF4-FFF2-40B4-BE49-F238E27FC236}">
-                <a16:creationId xmlns:a16="http://schemas.microsoft.com/office/drawing/2014/main" id="{DF2DACD5-3964-49E8-9CE0-0B08B7E5CADE}"/>
-              </a:ext>
-            </a:extLst>
-          </p:cNvPr>
-          <p:cNvSpPr>
-            <a:spLocks noGrp="1"/>
-          </p:cNvSpPr>
-          <p:nvPr>
-            <p:ph type="title"/>
-          </p:nvPr>
-        </p:nvSpPr>
-        <p:spPr/>
-        <p:txBody>
-          <a:bodyPr/>
-          <a:lstStyle/>
-          <a:p>
-            <a:r>
-              <a:rPr lang="en-US" dirty="0"/>
-              <a:t>Previous Work</a:t>
-            </a:r>
-          </a:p>
-        </p:txBody>
-      </p:sp>
-      <p:sp>
-        <p:nvSpPr>
-          <p:cNvPr id="3" name="Content Placeholder 2">
-            <a:extLst>
-              <a:ext uri="{FF2B5EF4-FFF2-40B4-BE49-F238E27FC236}">
-                <a16:creationId xmlns:a16="http://schemas.microsoft.com/office/drawing/2014/main" id="{3872D00B-8186-4575-85F6-68F3C00DF72C}"/>
-              </a:ext>
-            </a:extLst>
-          </p:cNvPr>
-          <p:cNvSpPr>
-            <a:spLocks noGrp="1"/>
-          </p:cNvSpPr>
-          <p:nvPr>
-            <p:ph idx="1"/>
-          </p:nvPr>
-        </p:nvSpPr>
-        <p:spPr>
-          <a:xfrm>
-            <a:off x="838200" y="1825625"/>
-            <a:ext cx="10515600" cy="4351338"/>
-          </a:xfrm>
-        </p:spPr>
-        <p:txBody>
-          <a:bodyPr/>
-          <a:lstStyle/>
-          <a:p>
-            <a:r>
-              <a:rPr lang="en-US" dirty="0"/>
-              <a:t>Worked on implementing an AIM System for a previous class</a:t>
-            </a:r>
-          </a:p>
-          <a:p>
-            <a:r>
-              <a:rPr lang="en-US" dirty="0"/>
-              <a:t>“A Multiagent Approach to Autonomous Intersection Management” by Kurt </a:t>
-            </a:r>
-            <a:r>
-              <a:rPr lang="en-US" dirty="0" err="1"/>
-              <a:t>Dresner</a:t>
-            </a:r>
-            <a:r>
-              <a:rPr lang="en-US" dirty="0"/>
-              <a:t> and Peter Stone</a:t>
-            </a:r>
-          </a:p>
-          <a:p>
-            <a:pPr lvl="1"/>
-            <a:r>
-              <a:rPr lang="en-US" dirty="0"/>
-              <a:t>Reservation system using “First Come, First Served” policy</a:t>
-            </a:r>
-          </a:p>
-          <a:p>
-            <a:pPr lvl="1"/>
-            <a:r>
-              <a:rPr lang="en-US" dirty="0"/>
-              <a:t>Use of a grid of “reservation” tiles</a:t>
-            </a:r>
-          </a:p>
-          <a:p>
-            <a:pPr lvl="1"/>
-            <a:r>
-              <a:rPr lang="en-US" dirty="0"/>
-              <a:t>Dealing with acceleration in the intersection. Consider trajectories where the vehicle accelerates to max velocity, and maintains current velocity</a:t>
-            </a:r>
-          </a:p>
-          <a:p>
-            <a:pPr lvl="1"/>
-            <a:r>
-              <a:rPr lang="en-US" dirty="0"/>
-              <a:t>Force a minimum velocity</a:t>
-            </a:r>
-          </a:p>
-          <a:p>
-            <a:pPr lvl="1"/>
-            <a:r>
-              <a:rPr lang="en-US" dirty="0"/>
-              <a:t>Ability to change the policy</a:t>
-            </a:r>
-          </a:p>
-        </p:txBody>
-      </p:sp>
-    </p:spTree>
-    <p:extLst>
-      <p:ext uri="{BB962C8B-B14F-4D97-AF65-F5344CB8AC3E}">
-        <p14:creationId xmlns:p14="http://schemas.microsoft.com/office/powerpoint/2010/main" val="1790021222"/>
-      </p:ext>
-    </p:extLst>
-  </p:cSld>
-  <p:clrMapOvr>
-    <a:masterClrMapping/>
-  </p:clrMapOvr>
-</p:sld>
-</file>
-
-<file path=ppt/slides/slide5.xml><?xml version="1.0" encoding="utf-8"?>
-<p:sld xmlns:a="http://schemas.openxmlformats.org/drawingml/2006/main" xmlns:r="http://schemas.openxmlformats.org/officeDocument/2006/relationships" xmlns:p="http://schemas.openxmlformats.org/presentationml/2006/main">
-  <p:cSld>
-    <p:spTree>
-      <p:nvGrpSpPr>
-        <p:cNvPr id="1" name=""/>
-        <p:cNvGrpSpPr/>
-        <p:nvPr/>
-      </p:nvGrpSpPr>
-      <p:grpSpPr>
-        <a:xfrm>
-          <a:off x="0" y="0"/>
-          <a:ext cx="0" cy="0"/>
-          <a:chOff x="0" y="0"/>
-          <a:chExt cx="0" cy="0"/>
-        </a:xfrm>
-      </p:grpSpPr>
-      <p:sp>
-        <p:nvSpPr>
-          <p:cNvPr id="2" name="Title 1">
-            <a:extLst>
-              <a:ext uri="{FF2B5EF4-FFF2-40B4-BE49-F238E27FC236}">
-                <a16:creationId xmlns:a16="http://schemas.microsoft.com/office/drawing/2014/main" id="{25D85BD1-3E04-4D69-B046-1B2AE3247419}"/>
-              </a:ext>
-            </a:extLst>
-          </p:cNvPr>
-          <p:cNvSpPr>
-            <a:spLocks noGrp="1"/>
-          </p:cNvSpPr>
-          <p:nvPr>
-            <p:ph type="title"/>
-          </p:nvPr>
-        </p:nvSpPr>
-        <p:spPr/>
-        <p:txBody>
-          <a:bodyPr/>
-          <a:lstStyle/>
-          <a:p>
-            <a:r>
-              <a:rPr lang="en-US" dirty="0"/>
-              <a:t>Project Scope &amp; Implementation</a:t>
-            </a:r>
-          </a:p>
-        </p:txBody>
-      </p:sp>
-      <p:sp>
-        <p:nvSpPr>
-          <p:cNvPr id="3" name="Content Placeholder 2">
-            <a:extLst>
-              <a:ext uri="{FF2B5EF4-FFF2-40B4-BE49-F238E27FC236}">
-                <a16:creationId xmlns:a16="http://schemas.microsoft.com/office/drawing/2014/main" id="{0F0079DE-59E5-4E96-BCE2-FF51FC105CAF}"/>
-              </a:ext>
-            </a:extLst>
-          </p:cNvPr>
-          <p:cNvSpPr>
-            <a:spLocks noGrp="1"/>
-          </p:cNvSpPr>
-          <p:nvPr>
-            <p:ph idx="1"/>
-          </p:nvPr>
-        </p:nvSpPr>
-        <p:spPr/>
-        <p:txBody>
-          <a:bodyPr/>
-          <a:lstStyle/>
-          <a:p>
-            <a:endParaRPr lang="en-US" dirty="0"/>
-          </a:p>
-        </p:txBody>
-      </p:sp>
-    </p:spTree>
-    <p:extLst>
-      <p:ext uri="{BB962C8B-B14F-4D97-AF65-F5344CB8AC3E}">
-        <p14:creationId xmlns:p14="http://schemas.microsoft.com/office/powerpoint/2010/main" val="2894363390"/>
       </p:ext>
     </p:extLst>
   </p:cSld>
@@ -4426,8 +4446,11 @@
           <a:lstStyle/>
           <a:p>
             <a:r>
-              <a:rPr lang="en-US" dirty="0"/>
-              <a:t>Goals</a:t>
+              <a:rPr lang="en-US" dirty="0">
+                <a:latin typeface="Andalus" panose="02020603050405020304" pitchFamily="18" charset="-78"/>
+                <a:cs typeface="Andalus" panose="02020603050405020304" pitchFamily="18" charset="-78"/>
+              </a:rPr>
+              <a:t>Goals &amp; Measures of Success</a:t>
             </a:r>
           </a:p>
         </p:txBody>
@@ -4488,14 +4511,14 @@
             <a:pPr lvl="1"/>
             <a:r>
               <a:rPr lang="en-US" dirty="0"/>
-              <a:t>Traffic lights</a:t>
+              <a:t>Traditional traffic lights</a:t>
             </a:r>
           </a:p>
           <a:p>
             <a:pPr lvl="1"/>
             <a:r>
               <a:rPr lang="en-US" dirty="0"/>
-              <a:t>Stop Signs</a:t>
+              <a:t>Stop signs</a:t>
             </a:r>
           </a:p>
           <a:p>

--- a/Project Proposal.pptx
+++ b/Project Proposal.pptx
@@ -1,28 +1,456 @@
 
 <file path=ppt/presentation.xml><?xml version="1.0" encoding="utf-8"?>
-<p:presentation xmlns:a="http://schemas.openxmlformats.org/drawingml/2006/main" xmlns:p="http://schemas.openxmlformats.org/presentationml/2006/main" xmlns:r="http://schemas.openxmlformats.org/officeDocument/2006/relationships" xmlns:p14="http://schemas.microsoft.com/office/powerpoint/2010/main" xmlns:p15="http://schemas.microsoft.com/office/powerpoint/2012/main" xmlns:mc="http://schemas.openxmlformats.org/markup-compatibility/2006">
+<p:presentation xmlns:a="http://schemas.openxmlformats.org/drawingml/2006/main" xmlns:r="http://schemas.openxmlformats.org/officeDocument/2006/relationships" xmlns:p="http://schemas.openxmlformats.org/presentationml/2006/main">
   <p:sldMasterIdLst>
-    <p:sldMasterId id="2147483648" r:id="rId2"/>
-    <p:sldMasterId id="2147483661" r:id="rId3"/>
+    <p:sldMasterId id="2147483648" r:id="rId1"/>
+    <p:sldMasterId id="2147483661" r:id="rId2"/>
   </p:sldMasterIdLst>
   <p:notesMasterIdLst>
-    <p:notesMasterId r:id="rId4"/>
+    <p:notesMasterId r:id="rId9"/>
   </p:notesMasterIdLst>
   <p:sldIdLst>
-    <p:sldId id="256" r:id="rId5"/>
-    <p:sldId id="257" r:id="rId6"/>
-    <p:sldId id="258" r:id="rId7"/>
-    <p:sldId id="259" r:id="rId8"/>
-    <p:sldId id="260" r:id="rId9"/>
-    <p:sldId id="261" r:id="rId10"/>
+    <p:sldId id="256" r:id="rId3"/>
+    <p:sldId id="257" r:id="rId4"/>
+    <p:sldId id="258" r:id="rId5"/>
+    <p:sldId id="259" r:id="rId6"/>
+    <p:sldId id="260" r:id="rId7"/>
+    <p:sldId id="261" r:id="rId8"/>
   </p:sldIdLst>
   <p:sldSz cx="12192000" cy="6858000"/>
   <p:notesSz cx="6858000" cy="9144000"/>
+  <p:defaultTextStyle>
+    <a:defPPr>
+      <a:defRPr lang="en-US"/>
+    </a:defPPr>
+    <a:lvl1pPr marL="0" algn="l" defTabSz="914400" rtl="0" eaLnBrk="1" latinLnBrk="0" hangingPunct="1">
+      <a:defRPr sz="1800" kern="1200">
+        <a:solidFill>
+          <a:schemeClr val="tx1"/>
+        </a:solidFill>
+        <a:latin typeface="+mn-lt"/>
+        <a:ea typeface="+mn-ea"/>
+        <a:cs typeface="+mn-cs"/>
+      </a:defRPr>
+    </a:lvl1pPr>
+    <a:lvl2pPr marL="457200" algn="l" defTabSz="914400" rtl="0" eaLnBrk="1" latinLnBrk="0" hangingPunct="1">
+      <a:defRPr sz="1800" kern="1200">
+        <a:solidFill>
+          <a:schemeClr val="tx1"/>
+        </a:solidFill>
+        <a:latin typeface="+mn-lt"/>
+        <a:ea typeface="+mn-ea"/>
+        <a:cs typeface="+mn-cs"/>
+      </a:defRPr>
+    </a:lvl2pPr>
+    <a:lvl3pPr marL="914400" algn="l" defTabSz="914400" rtl="0" eaLnBrk="1" latinLnBrk="0" hangingPunct="1">
+      <a:defRPr sz="1800" kern="1200">
+        <a:solidFill>
+          <a:schemeClr val="tx1"/>
+        </a:solidFill>
+        <a:latin typeface="+mn-lt"/>
+        <a:ea typeface="+mn-ea"/>
+        <a:cs typeface="+mn-cs"/>
+      </a:defRPr>
+    </a:lvl3pPr>
+    <a:lvl4pPr marL="1371600" algn="l" defTabSz="914400" rtl="0" eaLnBrk="1" latinLnBrk="0" hangingPunct="1">
+      <a:defRPr sz="1800" kern="1200">
+        <a:solidFill>
+          <a:schemeClr val="tx1"/>
+        </a:solidFill>
+        <a:latin typeface="+mn-lt"/>
+        <a:ea typeface="+mn-ea"/>
+        <a:cs typeface="+mn-cs"/>
+      </a:defRPr>
+    </a:lvl4pPr>
+    <a:lvl5pPr marL="1828800" algn="l" defTabSz="914400" rtl="0" eaLnBrk="1" latinLnBrk="0" hangingPunct="1">
+      <a:defRPr sz="1800" kern="1200">
+        <a:solidFill>
+          <a:schemeClr val="tx1"/>
+        </a:solidFill>
+        <a:latin typeface="+mn-lt"/>
+        <a:ea typeface="+mn-ea"/>
+        <a:cs typeface="+mn-cs"/>
+      </a:defRPr>
+    </a:lvl5pPr>
+    <a:lvl6pPr marL="2286000" algn="l" defTabSz="914400" rtl="0" eaLnBrk="1" latinLnBrk="0" hangingPunct="1">
+      <a:defRPr sz="1800" kern="1200">
+        <a:solidFill>
+          <a:schemeClr val="tx1"/>
+        </a:solidFill>
+        <a:latin typeface="+mn-lt"/>
+        <a:ea typeface="+mn-ea"/>
+        <a:cs typeface="+mn-cs"/>
+      </a:defRPr>
+    </a:lvl6pPr>
+    <a:lvl7pPr marL="2743200" algn="l" defTabSz="914400" rtl="0" eaLnBrk="1" latinLnBrk="0" hangingPunct="1">
+      <a:defRPr sz="1800" kern="1200">
+        <a:solidFill>
+          <a:schemeClr val="tx1"/>
+        </a:solidFill>
+        <a:latin typeface="+mn-lt"/>
+        <a:ea typeface="+mn-ea"/>
+        <a:cs typeface="+mn-cs"/>
+      </a:defRPr>
+    </a:lvl7pPr>
+    <a:lvl8pPr marL="3200400" algn="l" defTabSz="914400" rtl="0" eaLnBrk="1" latinLnBrk="0" hangingPunct="1">
+      <a:defRPr sz="1800" kern="1200">
+        <a:solidFill>
+          <a:schemeClr val="tx1"/>
+        </a:solidFill>
+        <a:latin typeface="+mn-lt"/>
+        <a:ea typeface="+mn-ea"/>
+        <a:cs typeface="+mn-cs"/>
+      </a:defRPr>
+    </a:lvl8pPr>
+    <a:lvl9pPr marL="3657600" algn="l" defTabSz="914400" rtl="0" eaLnBrk="1" latinLnBrk="0" hangingPunct="1">
+      <a:defRPr sz="1800" kern="1200">
+        <a:solidFill>
+          <a:schemeClr val="tx1"/>
+        </a:solidFill>
+        <a:latin typeface="+mn-lt"/>
+        <a:ea typeface="+mn-ea"/>
+        <a:cs typeface="+mn-cs"/>
+      </a:defRPr>
+    </a:lvl9pPr>
+  </p:defaultTextStyle>
 </p:presentation>
 </file>
 
 <file path=ppt/notesMasters/notesMaster1.xml><?xml version="1.0" encoding="utf-8"?>
-<p:notesMaster xmlns:a="http://schemas.openxmlformats.org/drawingml/2006/main" xmlns:p="http://schemas.openxmlformats.org/presentationml/2006/main" xmlns:r="http://schemas.openxmlformats.org/officeDocument/2006/relationships" xmlns:p14="http://schemas.microsoft.com/office/powerpoint/2010/main" xmlns:p15="http://schemas.microsoft.com/office/powerpoint/2012/main" xmlns:mc="http://schemas.openxmlformats.org/markup-compatibility/2006">
+<p:notesMaster xmlns:a="http://schemas.openxmlformats.org/drawingml/2006/main" xmlns:r="http://schemas.openxmlformats.org/officeDocument/2006/relationships" xmlns:p="http://schemas.openxmlformats.org/presentationml/2006/main">
+  <p:cSld>
+    <p:bg>
+      <p:bgRef idx="1001">
+        <a:schemeClr val="bg1"/>
+      </p:bgRef>
+    </p:bg>
+    <p:spTree>
+      <p:nvGrpSpPr>
+        <p:cNvPr id="1" name=""/>
+        <p:cNvGrpSpPr/>
+        <p:nvPr/>
+      </p:nvGrpSpPr>
+      <p:grpSpPr>
+        <a:xfrm>
+          <a:off x="0" y="0"/>
+          <a:ext cx="0" cy="0"/>
+          <a:chOff x="0" y="0"/>
+          <a:chExt cx="0" cy="0"/>
+        </a:xfrm>
+      </p:grpSpPr>
+      <p:sp>
+        <p:nvSpPr>
+          <p:cNvPr id="78" name="PlaceHolder 1"/>
+          <p:cNvSpPr>
+            <a:spLocks noGrp="1"/>
+          </p:cNvSpPr>
+          <p:nvPr>
+            <p:ph type="body"/>
+          </p:nvPr>
+        </p:nvSpPr>
+        <p:spPr>
+          <a:xfrm>
+            <a:off x="777240" y="4777560"/>
+            <a:ext cx="6217560" cy="4525920"/>
+          </a:xfrm>
+          <a:prstGeom prst="rect">
+            <a:avLst/>
+          </a:prstGeom>
+        </p:spPr>
+        <p:txBody>
+          <a:bodyPr lIns="0" tIns="0" rIns="0" bIns="0"/>
+          <a:lstStyle/>
+          <a:p>
+            <a:r>
+              <a:rPr lang="en-US" sz="2000" b="0" strike="noStrike" spc="-1">
+                <a:solidFill>
+                  <a:srgbClr val="000000"/>
+                </a:solidFill>
+                <a:uFill>
+                  <a:solidFill>
+                    <a:srgbClr val="FFFFFF"/>
+                  </a:solidFill>
+                </a:uFill>
+                <a:latin typeface="Arial"/>
+              </a:rPr>
+              <a:t>Click to edit the notes format</a:t>
+            </a:r>
+          </a:p>
+        </p:txBody>
+      </p:sp>
+      <p:sp>
+        <p:nvSpPr>
+          <p:cNvPr id="79" name="PlaceHolder 2"/>
+          <p:cNvSpPr>
+            <a:spLocks noGrp="1"/>
+          </p:cNvSpPr>
+          <p:nvPr>
+            <p:ph type="hdr"/>
+          </p:nvPr>
+        </p:nvSpPr>
+        <p:spPr>
+          <a:xfrm>
+            <a:off x="0" y="0"/>
+            <a:ext cx="3372840" cy="502560"/>
+          </a:xfrm>
+          <a:prstGeom prst="rect">
+            <a:avLst/>
+          </a:prstGeom>
+        </p:spPr>
+        <p:txBody>
+          <a:bodyPr lIns="0" tIns="0" rIns="0" bIns="0"/>
+          <a:lstStyle/>
+          <a:p>
+            <a:r>
+              <a:rPr lang="en-US" sz="1400" b="0" strike="noStrike" spc="-1">
+                <a:solidFill>
+                  <a:srgbClr val="000000"/>
+                </a:solidFill>
+                <a:uFill>
+                  <a:solidFill>
+                    <a:srgbClr val="FFFFFF"/>
+                  </a:solidFill>
+                </a:uFill>
+                <a:latin typeface="Times New Roman"/>
+              </a:rPr>
+              <a:t>&lt;header&gt;</a:t>
+            </a:r>
+          </a:p>
+        </p:txBody>
+      </p:sp>
+      <p:sp>
+        <p:nvSpPr>
+          <p:cNvPr id="80" name="PlaceHolder 3"/>
+          <p:cNvSpPr>
+            <a:spLocks noGrp="1"/>
+          </p:cNvSpPr>
+          <p:nvPr>
+            <p:ph type="dt"/>
+          </p:nvPr>
+        </p:nvSpPr>
+        <p:spPr>
+          <a:xfrm>
+            <a:off x="4399200" y="0"/>
+            <a:ext cx="3372840" cy="502560"/>
+          </a:xfrm>
+          <a:prstGeom prst="rect">
+            <a:avLst/>
+          </a:prstGeom>
+        </p:spPr>
+        <p:txBody>
+          <a:bodyPr lIns="0" tIns="0" rIns="0" bIns="0"/>
+          <a:lstStyle/>
+          <a:p>
+            <a:pPr algn="r"/>
+            <a:r>
+              <a:rPr lang="en-US" sz="1400" b="0" strike="noStrike" spc="-1">
+                <a:solidFill>
+                  <a:srgbClr val="000000"/>
+                </a:solidFill>
+                <a:uFill>
+                  <a:solidFill>
+                    <a:srgbClr val="FFFFFF"/>
+                  </a:solidFill>
+                </a:uFill>
+                <a:latin typeface="Times New Roman"/>
+              </a:rPr>
+              <a:t>&lt;date/time&gt;</a:t>
+            </a:r>
+          </a:p>
+        </p:txBody>
+      </p:sp>
+      <p:sp>
+        <p:nvSpPr>
+          <p:cNvPr id="81" name="PlaceHolder 4"/>
+          <p:cNvSpPr>
+            <a:spLocks noGrp="1"/>
+          </p:cNvSpPr>
+          <p:nvPr>
+            <p:ph type="ftr"/>
+          </p:nvPr>
+        </p:nvSpPr>
+        <p:spPr>
+          <a:xfrm>
+            <a:off x="0" y="9555480"/>
+            <a:ext cx="3372840" cy="502560"/>
+          </a:xfrm>
+          <a:prstGeom prst="rect">
+            <a:avLst/>
+          </a:prstGeom>
+        </p:spPr>
+        <p:txBody>
+          <a:bodyPr lIns="0" tIns="0" rIns="0" bIns="0" anchor="b"/>
+          <a:lstStyle/>
+          <a:p>
+            <a:r>
+              <a:rPr lang="en-US" sz="1400" b="0" strike="noStrike" spc="-1">
+                <a:solidFill>
+                  <a:srgbClr val="000000"/>
+                </a:solidFill>
+                <a:uFill>
+                  <a:solidFill>
+                    <a:srgbClr val="FFFFFF"/>
+                  </a:solidFill>
+                </a:uFill>
+                <a:latin typeface="Times New Roman"/>
+              </a:rPr>
+              <a:t>&lt;footer&gt;</a:t>
+            </a:r>
+          </a:p>
+        </p:txBody>
+      </p:sp>
+      <p:sp>
+        <p:nvSpPr>
+          <p:cNvPr id="82" name="PlaceHolder 5"/>
+          <p:cNvSpPr>
+            <a:spLocks noGrp="1"/>
+          </p:cNvSpPr>
+          <p:nvPr>
+            <p:ph type="sldNum"/>
+          </p:nvPr>
+        </p:nvSpPr>
+        <p:spPr>
+          <a:xfrm>
+            <a:off x="4399200" y="9555480"/>
+            <a:ext cx="3372840" cy="502560"/>
+          </a:xfrm>
+          <a:prstGeom prst="rect">
+            <a:avLst/>
+          </a:prstGeom>
+        </p:spPr>
+        <p:txBody>
+          <a:bodyPr lIns="0" tIns="0" rIns="0" bIns="0" anchor="b"/>
+          <a:lstStyle/>
+          <a:p>
+            <a:pPr algn="r"/>
+            <a:fld id="{D6B0994D-FB0E-4BE9-A91F-D97091A76BA4}" type="slidenum">
+              <a:rPr lang="en-US" sz="1400" b="0" strike="noStrike" spc="-1">
+                <a:solidFill>
+                  <a:srgbClr val="000000"/>
+                </a:solidFill>
+                <a:uFill>
+                  <a:solidFill>
+                    <a:srgbClr val="FFFFFF"/>
+                  </a:solidFill>
+                </a:uFill>
+                <a:latin typeface="Times New Roman"/>
+              </a:rPr>
+              <a:t>‹#›</a:t>
+            </a:fld>
+            <a:endParaRPr lang="en-US" sz="1400" b="0" strike="noStrike" spc="-1">
+              <a:solidFill>
+                <a:srgbClr val="000000"/>
+              </a:solidFill>
+              <a:uFill>
+                <a:solidFill>
+                  <a:srgbClr val="FFFFFF"/>
+                </a:solidFill>
+              </a:uFill>
+              <a:latin typeface="Times New Roman"/>
+            </a:endParaRPr>
+          </a:p>
+        </p:txBody>
+      </p:sp>
+    </p:spTree>
+  </p:cSld>
+  <p:clrMap bg1="lt1" tx1="dk1" bg2="lt2" tx2="dk2" accent1="accent1" accent2="accent2" accent3="accent3" accent4="accent4" accent5="accent5" accent6="accent6" hlink="hlink" folHlink="folHlink"/>
+  <p:notesStyle>
+    <a:lvl1pPr marL="0" algn="l" defTabSz="914400" rtl="0" eaLnBrk="1" latinLnBrk="0" hangingPunct="1">
+      <a:defRPr sz="1200" kern="1200">
+        <a:solidFill>
+          <a:schemeClr val="tx1"/>
+        </a:solidFill>
+        <a:latin typeface="+mn-lt"/>
+        <a:ea typeface="+mn-ea"/>
+        <a:cs typeface="+mn-cs"/>
+      </a:defRPr>
+    </a:lvl1pPr>
+    <a:lvl2pPr marL="457200" algn="l" defTabSz="914400" rtl="0" eaLnBrk="1" latinLnBrk="0" hangingPunct="1">
+      <a:defRPr sz="1200" kern="1200">
+        <a:solidFill>
+          <a:schemeClr val="tx1"/>
+        </a:solidFill>
+        <a:latin typeface="+mn-lt"/>
+        <a:ea typeface="+mn-ea"/>
+        <a:cs typeface="+mn-cs"/>
+      </a:defRPr>
+    </a:lvl2pPr>
+    <a:lvl3pPr marL="914400" algn="l" defTabSz="914400" rtl="0" eaLnBrk="1" latinLnBrk="0" hangingPunct="1">
+      <a:defRPr sz="1200" kern="1200">
+        <a:solidFill>
+          <a:schemeClr val="tx1"/>
+        </a:solidFill>
+        <a:latin typeface="+mn-lt"/>
+        <a:ea typeface="+mn-ea"/>
+        <a:cs typeface="+mn-cs"/>
+      </a:defRPr>
+    </a:lvl3pPr>
+    <a:lvl4pPr marL="1371600" algn="l" defTabSz="914400" rtl="0" eaLnBrk="1" latinLnBrk="0" hangingPunct="1">
+      <a:defRPr sz="1200" kern="1200">
+        <a:solidFill>
+          <a:schemeClr val="tx1"/>
+        </a:solidFill>
+        <a:latin typeface="+mn-lt"/>
+        <a:ea typeface="+mn-ea"/>
+        <a:cs typeface="+mn-cs"/>
+      </a:defRPr>
+    </a:lvl4pPr>
+    <a:lvl5pPr marL="1828800" algn="l" defTabSz="914400" rtl="0" eaLnBrk="1" latinLnBrk="0" hangingPunct="1">
+      <a:defRPr sz="1200" kern="1200">
+        <a:solidFill>
+          <a:schemeClr val="tx1"/>
+        </a:solidFill>
+        <a:latin typeface="+mn-lt"/>
+        <a:ea typeface="+mn-ea"/>
+        <a:cs typeface="+mn-cs"/>
+      </a:defRPr>
+    </a:lvl5pPr>
+    <a:lvl6pPr marL="2286000" algn="l" defTabSz="914400" rtl="0" eaLnBrk="1" latinLnBrk="0" hangingPunct="1">
+      <a:defRPr sz="1200" kern="1200">
+        <a:solidFill>
+          <a:schemeClr val="tx1"/>
+        </a:solidFill>
+        <a:latin typeface="+mn-lt"/>
+        <a:ea typeface="+mn-ea"/>
+        <a:cs typeface="+mn-cs"/>
+      </a:defRPr>
+    </a:lvl6pPr>
+    <a:lvl7pPr marL="2743200" algn="l" defTabSz="914400" rtl="0" eaLnBrk="1" latinLnBrk="0" hangingPunct="1">
+      <a:defRPr sz="1200" kern="1200">
+        <a:solidFill>
+          <a:schemeClr val="tx1"/>
+        </a:solidFill>
+        <a:latin typeface="+mn-lt"/>
+        <a:ea typeface="+mn-ea"/>
+        <a:cs typeface="+mn-cs"/>
+      </a:defRPr>
+    </a:lvl7pPr>
+    <a:lvl8pPr marL="3200400" algn="l" defTabSz="914400" rtl="0" eaLnBrk="1" latinLnBrk="0" hangingPunct="1">
+      <a:defRPr sz="1200" kern="1200">
+        <a:solidFill>
+          <a:schemeClr val="tx1"/>
+        </a:solidFill>
+        <a:latin typeface="+mn-lt"/>
+        <a:ea typeface="+mn-ea"/>
+        <a:cs typeface="+mn-cs"/>
+      </a:defRPr>
+    </a:lvl8pPr>
+    <a:lvl9pPr marL="3657600" algn="l" defTabSz="914400" rtl="0" eaLnBrk="1" latinLnBrk="0" hangingPunct="1">
+      <a:defRPr sz="1200" kern="1200">
+        <a:solidFill>
+          <a:schemeClr val="tx1"/>
+        </a:solidFill>
+        <a:latin typeface="+mn-lt"/>
+        <a:ea typeface="+mn-ea"/>
+        <a:cs typeface="+mn-cs"/>
+      </a:defRPr>
+    </a:lvl9pPr>
+  </p:notesStyle>
+</p:notesMaster>
+</file>
+
+<file path=ppt/notesSlides/notesSlide1.xml><?xml version="1.0" encoding="utf-8"?>
+<p:notes xmlns:a="http://schemas.openxmlformats.org/drawingml/2006/main" xmlns:r="http://schemas.openxmlformats.org/officeDocument/2006/relationships" xmlns:p="http://schemas.openxmlformats.org/presentationml/2006/main">
   <p:cSld>
     <p:spTree>
       <p:nvGrpSpPr>
@@ -40,7 +468,7 @@
       </p:grpSpPr>
       <p:sp>
         <p:nvSpPr>
-          <p:cNvPr id="78" name="PlaceHolder 1"/>
+          <p:cNvPr id="95" name="PlaceHolder 1"/>
           <p:cNvSpPr>
             <a:spLocks noGrp="1"/>
           </p:cNvSpPr>
@@ -50,325 +478,40 @@
         </p:nvSpPr>
         <p:spPr>
           <a:xfrm>
-            <a:off x="777240" y="4777560"/>
-            <a:ext cx="6217560" cy="4525920"/>
-          </a:xfrm>
-          <a:prstGeom prst="rect">
-            <a:avLst/>
-          </a:prstGeom>
-        </p:spPr>
-        <p:txBody>
-          <a:bodyPr lIns="0" rIns="0" tIns="0" bIns="0"/>
+            <a:off x="685800" y="4400640"/>
+            <a:ext cx="5486040" cy="3600000"/>
+          </a:xfrm>
+          <a:prstGeom prst="rect">
+            <a:avLst/>
+          </a:prstGeom>
+        </p:spPr>
+        <p:txBody>
+          <a:bodyPr/>
+          <a:lstStyle/>
           <a:p>
             <a:r>
-              <a:rPr b="0" lang="en-US" sz="2000" spc="-1" strike="noStrike">
+              <a:rPr lang="en-US" sz="2000" b="0" strike="noStrike" spc="-1" dirty="0">
                 <a:solidFill>
                   <a:srgbClr val="000000"/>
                 </a:solidFill>
                 <a:uFill>
                   <a:solidFill>
-                    <a:srgbClr val="ffffff"/>
-                  </a:solidFill>
-                </a:uFill>
-                <a:latin typeface="Arial"/>
-              </a:rPr>
-              <a:t>Click to edit the notes format</a:t>
-            </a:r>
-            <a:endParaRPr b="0" lang="en-US" sz="2000" spc="-1" strike="noStrike">
-              <a:solidFill>
-                <a:srgbClr val="000000"/>
-              </a:solidFill>
-              <a:uFill>
-                <a:solidFill>
-                  <a:srgbClr val="ffffff"/>
-                </a:solidFill>
-              </a:uFill>
-              <a:latin typeface="Arial"/>
-            </a:endParaRPr>
-          </a:p>
-        </p:txBody>
-      </p:sp>
-      <p:sp>
-        <p:nvSpPr>
-          <p:cNvPr id="79" name="PlaceHolder 2"/>
-          <p:cNvSpPr>
-            <a:spLocks noGrp="1"/>
-          </p:cNvSpPr>
-          <p:nvPr>
-            <p:ph type="hdr"/>
-          </p:nvPr>
-        </p:nvSpPr>
-        <p:spPr>
-          <a:xfrm>
-            <a:off x="0" y="0"/>
-            <a:ext cx="3372840" cy="502560"/>
-          </a:xfrm>
-          <a:prstGeom prst="rect">
-            <a:avLst/>
-          </a:prstGeom>
-        </p:spPr>
-        <p:txBody>
-          <a:bodyPr lIns="0" rIns="0" tIns="0" bIns="0"/>
-          <a:p>
-            <a:r>
-              <a:rPr b="0" lang="en-US" sz="1400" spc="-1" strike="noStrike">
-                <a:solidFill>
-                  <a:srgbClr val="000000"/>
-                </a:solidFill>
-                <a:uFill>
-                  <a:solidFill>
-                    <a:srgbClr val="ffffff"/>
-                  </a:solidFill>
-                </a:uFill>
-                <a:latin typeface="Times New Roman"/>
-              </a:rPr>
-              <a:t>&lt;header&gt;</a:t>
-            </a:r>
-            <a:endParaRPr b="0" lang="en-US" sz="1400" spc="-1" strike="noStrike">
-              <a:solidFill>
-                <a:srgbClr val="000000"/>
-              </a:solidFill>
-              <a:uFill>
-                <a:solidFill>
-                  <a:srgbClr val="ffffff"/>
-                </a:solidFill>
-              </a:uFill>
-              <a:latin typeface="Times New Roman"/>
-            </a:endParaRPr>
-          </a:p>
-        </p:txBody>
-      </p:sp>
-      <p:sp>
-        <p:nvSpPr>
-          <p:cNvPr id="80" name="PlaceHolder 3"/>
-          <p:cNvSpPr>
-            <a:spLocks noGrp="1"/>
-          </p:cNvSpPr>
-          <p:nvPr>
-            <p:ph type="dt"/>
-          </p:nvPr>
-        </p:nvSpPr>
-        <p:spPr>
-          <a:xfrm>
-            <a:off x="4399200" y="0"/>
-            <a:ext cx="3372840" cy="502560"/>
-          </a:xfrm>
-          <a:prstGeom prst="rect">
-            <a:avLst/>
-          </a:prstGeom>
-        </p:spPr>
-        <p:txBody>
-          <a:bodyPr lIns="0" rIns="0" tIns="0" bIns="0"/>
-          <a:p>
-            <a:pPr algn="r"/>
-            <a:r>
-              <a:rPr b="0" lang="en-US" sz="1400" spc="-1" strike="noStrike">
-                <a:solidFill>
-                  <a:srgbClr val="000000"/>
-                </a:solidFill>
-                <a:uFill>
-                  <a:solidFill>
-                    <a:srgbClr val="ffffff"/>
-                  </a:solidFill>
-                </a:uFill>
-                <a:latin typeface="Times New Roman"/>
-              </a:rPr>
-              <a:t>&lt;date/time&gt;</a:t>
-            </a:r>
-            <a:endParaRPr b="0" lang="en-US" sz="1400" spc="-1" strike="noStrike">
-              <a:solidFill>
-                <a:srgbClr val="000000"/>
-              </a:solidFill>
-              <a:uFill>
-                <a:solidFill>
-                  <a:srgbClr val="ffffff"/>
-                </a:solidFill>
-              </a:uFill>
-              <a:latin typeface="Times New Roman"/>
-            </a:endParaRPr>
-          </a:p>
-        </p:txBody>
-      </p:sp>
-      <p:sp>
-        <p:nvSpPr>
-          <p:cNvPr id="81" name="PlaceHolder 4"/>
-          <p:cNvSpPr>
-            <a:spLocks noGrp="1"/>
-          </p:cNvSpPr>
-          <p:nvPr>
-            <p:ph type="ftr"/>
-          </p:nvPr>
-        </p:nvSpPr>
-        <p:spPr>
-          <a:xfrm>
-            <a:off x="0" y="9555480"/>
-            <a:ext cx="3372840" cy="502560"/>
-          </a:xfrm>
-          <a:prstGeom prst="rect">
-            <a:avLst/>
-          </a:prstGeom>
-        </p:spPr>
-        <p:txBody>
-          <a:bodyPr lIns="0" rIns="0" tIns="0" bIns="0" anchor="b"/>
-          <a:p>
-            <a:r>
-              <a:rPr b="0" lang="en-US" sz="1400" spc="-1" strike="noStrike">
-                <a:solidFill>
-                  <a:srgbClr val="000000"/>
-                </a:solidFill>
-                <a:uFill>
-                  <a:solidFill>
-                    <a:srgbClr val="ffffff"/>
-                  </a:solidFill>
-                </a:uFill>
-                <a:latin typeface="Times New Roman"/>
-              </a:rPr>
-              <a:t>&lt;footer&gt;</a:t>
-            </a:r>
-            <a:endParaRPr b="0" lang="en-US" sz="1400" spc="-1" strike="noStrike">
-              <a:solidFill>
-                <a:srgbClr val="000000"/>
-              </a:solidFill>
-              <a:uFill>
-                <a:solidFill>
-                  <a:srgbClr val="ffffff"/>
-                </a:solidFill>
-              </a:uFill>
-              <a:latin typeface="Times New Roman"/>
-            </a:endParaRPr>
-          </a:p>
-        </p:txBody>
-      </p:sp>
-      <p:sp>
-        <p:nvSpPr>
-          <p:cNvPr id="82" name="PlaceHolder 5"/>
-          <p:cNvSpPr>
-            <a:spLocks noGrp="1"/>
-          </p:cNvSpPr>
-          <p:nvPr>
-            <p:ph type="sldNum"/>
-          </p:nvPr>
-        </p:nvSpPr>
-        <p:spPr>
-          <a:xfrm>
-            <a:off x="4399200" y="9555480"/>
-            <a:ext cx="3372840" cy="502560"/>
-          </a:xfrm>
-          <a:prstGeom prst="rect">
-            <a:avLst/>
-          </a:prstGeom>
-        </p:spPr>
-        <p:txBody>
-          <a:bodyPr lIns="0" rIns="0" tIns="0" bIns="0" anchor="b"/>
-          <a:p>
-            <a:pPr algn="r"/>
-            <a:fld id="{D6B0994D-FB0E-4BE9-A91F-D97091A76BA4}" type="slidenum">
-              <a:rPr b="0" lang="en-US" sz="1400" spc="-1" strike="noStrike">
-                <a:solidFill>
-                  <a:srgbClr val="000000"/>
-                </a:solidFill>
-                <a:uFill>
-                  <a:solidFill>
-                    <a:srgbClr val="ffffff"/>
-                  </a:solidFill>
-                </a:uFill>
-                <a:latin typeface="Times New Roman"/>
-              </a:rPr>
-              <a:t>&lt;number&gt;</a:t>
-            </a:fld>
-            <a:endParaRPr b="0" lang="en-US" sz="1400" spc="-1" strike="noStrike">
-              <a:solidFill>
-                <a:srgbClr val="000000"/>
-              </a:solidFill>
-              <a:uFill>
-                <a:solidFill>
-                  <a:srgbClr val="ffffff"/>
-                </a:solidFill>
-              </a:uFill>
-              <a:latin typeface="Times New Roman"/>
-            </a:endParaRPr>
-          </a:p>
-        </p:txBody>
-      </p:sp>
-    </p:spTree>
-  </p:cSld>
-  <p:clrMap bg1="lt1" bg2="lt2" tx1="dk1" tx2="dk2" accent1="accent1" accent2="accent2" accent3="accent3" accent4="accent4" accent5="accent5" accent6="accent6" hlink="hlink" folHlink="folHlink"/>
-</p:notesMaster>
-</file>
-
-<file path=ppt/notesSlides/notesSlide6.xml><?xml version="1.0" encoding="utf-8"?>
-<p:notes xmlns:a="http://schemas.openxmlformats.org/drawingml/2006/main" xmlns:p="http://schemas.openxmlformats.org/presentationml/2006/main" xmlns:r="http://schemas.openxmlformats.org/officeDocument/2006/relationships" xmlns:p14="http://schemas.microsoft.com/office/powerpoint/2010/main" xmlns:p15="http://schemas.microsoft.com/office/powerpoint/2012/main" xmlns:mc="http://schemas.openxmlformats.org/markup-compatibility/2006">
-  <p:cSld>
-    <p:spTree>
-      <p:nvGrpSpPr>
-        <p:cNvPr id="1" name=""/>
-        <p:cNvGrpSpPr/>
-        <p:nvPr/>
-      </p:nvGrpSpPr>
-      <p:grpSpPr>
-        <a:xfrm>
-          <a:off x="0" y="0"/>
-          <a:ext cx="0" cy="0"/>
-          <a:chOff x="0" y="0"/>
-          <a:chExt cx="0" cy="0"/>
-        </a:xfrm>
-      </p:grpSpPr>
-      <p:sp>
-        <p:nvSpPr>
-          <p:cNvPr id="95" name="PlaceHolder 1"/>
-          <p:cNvSpPr>
-            <a:spLocks noGrp="1"/>
-          </p:cNvSpPr>
-          <p:nvPr>
-            <p:ph type="body"/>
-          </p:nvPr>
-        </p:nvSpPr>
-        <p:spPr>
-          <a:xfrm>
-            <a:off x="685800" y="4400640"/>
-            <a:ext cx="5486040" cy="3600000"/>
-          </a:xfrm>
-          <a:prstGeom prst="rect">
-            <a:avLst/>
-          </a:prstGeom>
-        </p:spPr>
-        <p:txBody>
-          <a:bodyPr/>
-          <a:p>
-            <a:r>
-              <a:rPr b="0" lang="en-US" sz="2000" spc="-1" strike="noStrike">
-                <a:solidFill>
-                  <a:srgbClr val="000000"/>
-                </a:solidFill>
-                <a:uFill>
-                  <a:solidFill>
-                    <a:srgbClr val="ffffff"/>
+                    <a:srgbClr val="FFFFFF"/>
                   </a:solidFill>
                 </a:uFill>
                 <a:latin typeface="Arial"/>
               </a:rPr>
               <a:t>Cheaper Intersections???</a:t>
             </a:r>
-            <a:endParaRPr b="0" lang="en-US" sz="2000" spc="-1" strike="noStrike">
-              <a:solidFill>
-                <a:srgbClr val="000000"/>
-              </a:solidFill>
-              <a:uFill>
-                <a:solidFill>
-                  <a:srgbClr val="ffffff"/>
-                </a:solidFill>
-              </a:uFill>
-              <a:latin typeface="Arial"/>
-            </a:endParaRPr>
-          </a:p>
-          <a:p>
-            <a:endParaRPr b="0" lang="en-US" sz="2000" spc="-1" strike="noStrike">
-              <a:solidFill>
-                <a:srgbClr val="000000"/>
-              </a:solidFill>
-              <a:uFill>
-                <a:solidFill>
-                  <a:srgbClr val="ffffff"/>
+          </a:p>
+          <a:p>
+            <a:endParaRPr lang="en-US" sz="2000" b="0" strike="noStrike" spc="-1" dirty="0">
+              <a:solidFill>
+                <a:srgbClr val="000000"/>
+              </a:solidFill>
+              <a:uFill>
+                <a:solidFill>
+                  <a:srgbClr val="FFFFFF"/>
                 </a:solidFill>
               </a:uFill>
               <a:latin typeface="Arial"/>
@@ -397,6 +540,7 @@
         </p:spPr>
         <p:txBody>
           <a:bodyPr anchor="b"/>
+          <a:lstStyle/>
           <a:p>
             <a:pPr algn="r">
               <a:lnSpc>
@@ -404,26 +548,26 @@
               </a:lnSpc>
             </a:pPr>
             <a:fld id="{D45E7694-DBAA-455E-A5D7-8CFFC3037F80}" type="slidenum">
-              <a:rPr b="0" lang="en-US" sz="1200" spc="-1" strike="noStrike">
+              <a:rPr lang="en-US" sz="1200" b="0" strike="noStrike" spc="-1">
                 <a:solidFill>
                   <a:srgbClr val="000000"/>
                 </a:solidFill>
                 <a:uFill>
                   <a:solidFill>
-                    <a:srgbClr val="ffffff"/>
+                    <a:srgbClr val="FFFFFF"/>
                   </a:solidFill>
                 </a:uFill>
                 <a:latin typeface="Times New Roman"/>
               </a:rPr>
-              <a:t>&lt;number&gt;</a:t>
+              <a:t>6</a:t>
             </a:fld>
-            <a:endParaRPr b="0" lang="en-US" sz="1400" spc="-1" strike="noStrike">
-              <a:solidFill>
-                <a:srgbClr val="000000"/>
-              </a:solidFill>
-              <a:uFill>
-                <a:solidFill>
-                  <a:srgbClr val="ffffff"/>
+            <a:endParaRPr lang="en-US" sz="1400" b="0" strike="noStrike" spc="-1">
+              <a:solidFill>
+                <a:srgbClr val="000000"/>
+              </a:solidFill>
+              <a:uFill>
+                <a:solidFill>
+                  <a:srgbClr val="FFFFFF"/>
                 </a:solidFill>
               </a:uFill>
               <a:latin typeface="Times New Roman"/>
@@ -433,11 +577,14 @@
       </p:sp>
     </p:spTree>
   </p:cSld>
+  <p:clrMapOvr>
+    <a:masterClrMapping/>
+  </p:clrMapOvr>
 </p:notes>
 </file>
 
 <file path=ppt/slideLayouts/slideLayout1.xml><?xml version="1.0" encoding="utf-8"?>
-<p:sldLayout xmlns:a="http://schemas.openxmlformats.org/drawingml/2006/main" xmlns:p="http://schemas.openxmlformats.org/presentationml/2006/main" xmlns:r="http://schemas.openxmlformats.org/officeDocument/2006/relationships" xmlns:p14="http://schemas.microsoft.com/office/powerpoint/2010/main" xmlns:p15="http://schemas.microsoft.com/office/powerpoint/2012/main" xmlns:mc="http://schemas.openxmlformats.org/markup-compatibility/2006" type="blank" preserve="1">
+<p:sldLayout xmlns:a="http://schemas.openxmlformats.org/drawingml/2006/main" xmlns:r="http://schemas.openxmlformats.org/officeDocument/2006/relationships" xmlns:p="http://schemas.openxmlformats.org/presentationml/2006/main" type="blank" preserve="1">
   <p:cSld name="Blank Slide">
     <p:spTree>
       <p:nvGrpSpPr>
@@ -455,11 +602,14 @@
       </p:grpSpPr>
     </p:spTree>
   </p:cSld>
+  <p:clrMapOvr>
+    <a:masterClrMapping/>
+  </p:clrMapOvr>
 </p:sldLayout>
 </file>
 
 <file path=ppt/slideLayouts/slideLayout10.xml><?xml version="1.0" encoding="utf-8"?>
-<p:sldLayout xmlns:a="http://schemas.openxmlformats.org/drawingml/2006/main" xmlns:p="http://schemas.openxmlformats.org/presentationml/2006/main" xmlns:r="http://schemas.openxmlformats.org/officeDocument/2006/relationships" xmlns:p14="http://schemas.microsoft.com/office/powerpoint/2010/main" xmlns:p15="http://schemas.microsoft.com/office/powerpoint/2012/main" xmlns:mc="http://schemas.openxmlformats.org/markup-compatibility/2006" type="objOverTx" preserve="1">
+<p:sldLayout xmlns:a="http://schemas.openxmlformats.org/drawingml/2006/main" xmlns:r="http://schemas.openxmlformats.org/officeDocument/2006/relationships" xmlns:p="http://schemas.openxmlformats.org/presentationml/2006/main" type="objOverTx" preserve="1">
   <p:cSld name="Title, Content over Content">
     <p:spTree>
       <p:nvGrpSpPr>
@@ -495,15 +645,16 @@
           </a:prstGeom>
         </p:spPr>
         <p:txBody>
-          <a:bodyPr lIns="0" rIns="0" tIns="0" bIns="0" anchor="ctr"/>
-          <a:p>
-            <a:endParaRPr b="0" lang="en-US" sz="1800" spc="-1" strike="noStrike">
-              <a:solidFill>
-                <a:srgbClr val="000000"/>
-              </a:solidFill>
-              <a:uFill>
-                <a:solidFill>
-                  <a:srgbClr val="ffffff"/>
+          <a:bodyPr lIns="0" tIns="0" rIns="0" bIns="0" anchor="ctr"/>
+          <a:lstStyle/>
+          <a:p>
+            <a:endParaRPr lang="en-US" sz="1800" b="0" strike="noStrike" spc="-1">
+              <a:solidFill>
+                <a:srgbClr val="000000"/>
+              </a:solidFill>
+              <a:uFill>
+                <a:solidFill>
+                  <a:srgbClr val="FFFFFF"/>
                 </a:solidFill>
               </a:uFill>
               <a:latin typeface="Calibri"/>
@@ -531,15 +682,16 @@
           </a:prstGeom>
         </p:spPr>
         <p:txBody>
-          <a:bodyPr lIns="0" rIns="0" tIns="0" bIns="0"/>
-          <a:p>
-            <a:endParaRPr b="0" lang="en-US" sz="2800" spc="-1" strike="noStrike">
-              <a:solidFill>
-                <a:srgbClr val="000000"/>
-              </a:solidFill>
-              <a:uFill>
-                <a:solidFill>
-                  <a:srgbClr val="ffffff"/>
+          <a:bodyPr lIns="0" tIns="0" rIns="0" bIns="0"/>
+          <a:lstStyle/>
+          <a:p>
+            <a:endParaRPr lang="en-US" sz="2800" b="0" strike="noStrike" spc="-1">
+              <a:solidFill>
+                <a:srgbClr val="000000"/>
+              </a:solidFill>
+              <a:uFill>
+                <a:solidFill>
+                  <a:srgbClr val="FFFFFF"/>
                 </a:solidFill>
               </a:uFill>
               <a:latin typeface="Calibri"/>
@@ -567,15 +719,16 @@
           </a:prstGeom>
         </p:spPr>
         <p:txBody>
-          <a:bodyPr lIns="0" rIns="0" tIns="0" bIns="0"/>
-          <a:p>
-            <a:endParaRPr b="0" lang="en-US" sz="2800" spc="-1" strike="noStrike">
-              <a:solidFill>
-                <a:srgbClr val="000000"/>
-              </a:solidFill>
-              <a:uFill>
-                <a:solidFill>
-                  <a:srgbClr val="ffffff"/>
+          <a:bodyPr lIns="0" tIns="0" rIns="0" bIns="0"/>
+          <a:lstStyle/>
+          <a:p>
+            <a:endParaRPr lang="en-US" sz="2800" b="0" strike="noStrike" spc="-1">
+              <a:solidFill>
+                <a:srgbClr val="000000"/>
+              </a:solidFill>
+              <a:uFill>
+                <a:solidFill>
+                  <a:srgbClr val="FFFFFF"/>
                 </a:solidFill>
               </a:uFill>
               <a:latin typeface="Calibri"/>
@@ -585,11 +738,14 @@
       </p:sp>
     </p:spTree>
   </p:cSld>
+  <p:clrMapOvr>
+    <a:masterClrMapping/>
+  </p:clrMapOvr>
 </p:sldLayout>
 </file>
 
 <file path=ppt/slideLayouts/slideLayout11.xml><?xml version="1.0" encoding="utf-8"?>
-<p:sldLayout xmlns:a="http://schemas.openxmlformats.org/drawingml/2006/main" xmlns:p="http://schemas.openxmlformats.org/presentationml/2006/main" xmlns:r="http://schemas.openxmlformats.org/officeDocument/2006/relationships" xmlns:p14="http://schemas.microsoft.com/office/powerpoint/2010/main" xmlns:p15="http://schemas.microsoft.com/office/powerpoint/2012/main" xmlns:mc="http://schemas.openxmlformats.org/markup-compatibility/2006" type="fourObj" preserve="1">
+<p:sldLayout xmlns:a="http://schemas.openxmlformats.org/drawingml/2006/main" xmlns:r="http://schemas.openxmlformats.org/officeDocument/2006/relationships" xmlns:p="http://schemas.openxmlformats.org/presentationml/2006/main" type="fourObj" preserve="1">
   <p:cSld name="Title, 4 Content">
     <p:spTree>
       <p:nvGrpSpPr>
@@ -625,15 +781,16 @@
           </a:prstGeom>
         </p:spPr>
         <p:txBody>
-          <a:bodyPr lIns="0" rIns="0" tIns="0" bIns="0" anchor="ctr"/>
-          <a:p>
-            <a:endParaRPr b="0" lang="en-US" sz="1800" spc="-1" strike="noStrike">
-              <a:solidFill>
-                <a:srgbClr val="000000"/>
-              </a:solidFill>
-              <a:uFill>
-                <a:solidFill>
-                  <a:srgbClr val="ffffff"/>
+          <a:bodyPr lIns="0" tIns="0" rIns="0" bIns="0" anchor="ctr"/>
+          <a:lstStyle/>
+          <a:p>
+            <a:endParaRPr lang="en-US" sz="1800" b="0" strike="noStrike" spc="-1">
+              <a:solidFill>
+                <a:srgbClr val="000000"/>
+              </a:solidFill>
+              <a:uFill>
+                <a:solidFill>
+                  <a:srgbClr val="FFFFFF"/>
                 </a:solidFill>
               </a:uFill>
               <a:latin typeface="Calibri"/>
@@ -661,15 +818,16 @@
           </a:prstGeom>
         </p:spPr>
         <p:txBody>
-          <a:bodyPr lIns="0" rIns="0" tIns="0" bIns="0"/>
-          <a:p>
-            <a:endParaRPr b="0" lang="en-US" sz="2800" spc="-1" strike="noStrike">
-              <a:solidFill>
-                <a:srgbClr val="000000"/>
-              </a:solidFill>
-              <a:uFill>
-                <a:solidFill>
-                  <a:srgbClr val="ffffff"/>
+          <a:bodyPr lIns="0" tIns="0" rIns="0" bIns="0"/>
+          <a:lstStyle/>
+          <a:p>
+            <a:endParaRPr lang="en-US" sz="2800" b="0" strike="noStrike" spc="-1">
+              <a:solidFill>
+                <a:srgbClr val="000000"/>
+              </a:solidFill>
+              <a:uFill>
+                <a:solidFill>
+                  <a:srgbClr val="FFFFFF"/>
                 </a:solidFill>
               </a:uFill>
               <a:latin typeface="Calibri"/>
@@ -697,15 +855,16 @@
           </a:prstGeom>
         </p:spPr>
         <p:txBody>
-          <a:bodyPr lIns="0" rIns="0" tIns="0" bIns="0"/>
-          <a:p>
-            <a:endParaRPr b="0" lang="en-US" sz="2800" spc="-1" strike="noStrike">
-              <a:solidFill>
-                <a:srgbClr val="000000"/>
-              </a:solidFill>
-              <a:uFill>
-                <a:solidFill>
-                  <a:srgbClr val="ffffff"/>
+          <a:bodyPr lIns="0" tIns="0" rIns="0" bIns="0"/>
+          <a:lstStyle/>
+          <a:p>
+            <a:endParaRPr lang="en-US" sz="2800" b="0" strike="noStrike" spc="-1">
+              <a:solidFill>
+                <a:srgbClr val="000000"/>
+              </a:solidFill>
+              <a:uFill>
+                <a:solidFill>
+                  <a:srgbClr val="FFFFFF"/>
                 </a:solidFill>
               </a:uFill>
               <a:latin typeface="Calibri"/>
@@ -733,15 +892,16 @@
           </a:prstGeom>
         </p:spPr>
         <p:txBody>
-          <a:bodyPr lIns="0" rIns="0" tIns="0" bIns="0"/>
-          <a:p>
-            <a:endParaRPr b="0" lang="en-US" sz="2800" spc="-1" strike="noStrike">
-              <a:solidFill>
-                <a:srgbClr val="000000"/>
-              </a:solidFill>
-              <a:uFill>
-                <a:solidFill>
-                  <a:srgbClr val="ffffff"/>
+          <a:bodyPr lIns="0" tIns="0" rIns="0" bIns="0"/>
+          <a:lstStyle/>
+          <a:p>
+            <a:endParaRPr lang="en-US" sz="2800" b="0" strike="noStrike" spc="-1">
+              <a:solidFill>
+                <a:srgbClr val="000000"/>
+              </a:solidFill>
+              <a:uFill>
+                <a:solidFill>
+                  <a:srgbClr val="FFFFFF"/>
                 </a:solidFill>
               </a:uFill>
               <a:latin typeface="Calibri"/>
@@ -769,15 +929,16 @@
           </a:prstGeom>
         </p:spPr>
         <p:txBody>
-          <a:bodyPr lIns="0" rIns="0" tIns="0" bIns="0"/>
-          <a:p>
-            <a:endParaRPr b="0" lang="en-US" sz="2800" spc="-1" strike="noStrike">
-              <a:solidFill>
-                <a:srgbClr val="000000"/>
-              </a:solidFill>
-              <a:uFill>
-                <a:solidFill>
-                  <a:srgbClr val="ffffff"/>
+          <a:bodyPr lIns="0" tIns="0" rIns="0" bIns="0"/>
+          <a:lstStyle/>
+          <a:p>
+            <a:endParaRPr lang="en-US" sz="2800" b="0" strike="noStrike" spc="-1">
+              <a:solidFill>
+                <a:srgbClr val="000000"/>
+              </a:solidFill>
+              <a:uFill>
+                <a:solidFill>
+                  <a:srgbClr val="FFFFFF"/>
                 </a:solidFill>
               </a:uFill>
               <a:latin typeface="Calibri"/>
@@ -787,11 +948,14 @@
       </p:sp>
     </p:spTree>
   </p:cSld>
+  <p:clrMapOvr>
+    <a:masterClrMapping/>
+  </p:clrMapOvr>
 </p:sldLayout>
 </file>
 
 <file path=ppt/slideLayouts/slideLayout12.xml><?xml version="1.0" encoding="utf-8"?>
-<p:sldLayout xmlns:a="http://schemas.openxmlformats.org/drawingml/2006/main" xmlns:p="http://schemas.openxmlformats.org/presentationml/2006/main" xmlns:r="http://schemas.openxmlformats.org/officeDocument/2006/relationships" xmlns:p14="http://schemas.microsoft.com/office/powerpoint/2010/main" xmlns:p15="http://schemas.microsoft.com/office/powerpoint/2012/main" xmlns:mc="http://schemas.openxmlformats.org/markup-compatibility/2006" type="blank" preserve="1">
+<p:sldLayout xmlns:a="http://schemas.openxmlformats.org/drawingml/2006/main" xmlns:r="http://schemas.openxmlformats.org/officeDocument/2006/relationships" xmlns:p="http://schemas.openxmlformats.org/presentationml/2006/main" type="blank" preserve="1">
   <p:cSld name="Title, 6 Content">
     <p:spTree>
       <p:nvGrpSpPr>
@@ -827,15 +991,16 @@
           </a:prstGeom>
         </p:spPr>
         <p:txBody>
-          <a:bodyPr lIns="0" rIns="0" tIns="0" bIns="0" anchor="ctr"/>
-          <a:p>
-            <a:endParaRPr b="0" lang="en-US" sz="1800" spc="-1" strike="noStrike">
-              <a:solidFill>
-                <a:srgbClr val="000000"/>
-              </a:solidFill>
-              <a:uFill>
-                <a:solidFill>
-                  <a:srgbClr val="ffffff"/>
+          <a:bodyPr lIns="0" tIns="0" rIns="0" bIns="0" anchor="ctr"/>
+          <a:lstStyle/>
+          <a:p>
+            <a:endParaRPr lang="en-US" sz="1800" b="0" strike="noStrike" spc="-1">
+              <a:solidFill>
+                <a:srgbClr val="000000"/>
+              </a:solidFill>
+              <a:uFill>
+                <a:solidFill>
+                  <a:srgbClr val="FFFFFF"/>
                 </a:solidFill>
               </a:uFill>
               <a:latin typeface="Calibri"/>
@@ -863,15 +1028,16 @@
           </a:prstGeom>
         </p:spPr>
         <p:txBody>
-          <a:bodyPr lIns="0" rIns="0" tIns="0" bIns="0"/>
-          <a:p>
-            <a:endParaRPr b="0" lang="en-US" sz="2800" spc="-1" strike="noStrike">
-              <a:solidFill>
-                <a:srgbClr val="000000"/>
-              </a:solidFill>
-              <a:uFill>
-                <a:solidFill>
-                  <a:srgbClr val="ffffff"/>
+          <a:bodyPr lIns="0" tIns="0" rIns="0" bIns="0"/>
+          <a:lstStyle/>
+          <a:p>
+            <a:endParaRPr lang="en-US" sz="2800" b="0" strike="noStrike" spc="-1">
+              <a:solidFill>
+                <a:srgbClr val="000000"/>
+              </a:solidFill>
+              <a:uFill>
+                <a:solidFill>
+                  <a:srgbClr val="FFFFFF"/>
                 </a:solidFill>
               </a:uFill>
               <a:latin typeface="Calibri"/>
@@ -899,15 +1065,16 @@
           </a:prstGeom>
         </p:spPr>
         <p:txBody>
-          <a:bodyPr lIns="0" rIns="0" tIns="0" bIns="0"/>
-          <a:p>
-            <a:endParaRPr b="0" lang="en-US" sz="2800" spc="-1" strike="noStrike">
-              <a:solidFill>
-                <a:srgbClr val="000000"/>
-              </a:solidFill>
-              <a:uFill>
-                <a:solidFill>
-                  <a:srgbClr val="ffffff"/>
+          <a:bodyPr lIns="0" tIns="0" rIns="0" bIns="0"/>
+          <a:lstStyle/>
+          <a:p>
+            <a:endParaRPr lang="en-US" sz="2800" b="0" strike="noStrike" spc="-1">
+              <a:solidFill>
+                <a:srgbClr val="000000"/>
+              </a:solidFill>
+              <a:uFill>
+                <a:solidFill>
+                  <a:srgbClr val="FFFFFF"/>
                 </a:solidFill>
               </a:uFill>
               <a:latin typeface="Calibri"/>
@@ -917,7 +1084,7 @@
       </p:sp>
       <p:pic>
         <p:nvPicPr>
-          <p:cNvPr id="37" name="" descr=""/>
+          <p:cNvPr id="37" name="Picture 36"/>
           <p:cNvPicPr/>
           <p:nvPr/>
         </p:nvPicPr>
@@ -940,12 +1107,12 @@
       </p:pic>
       <p:pic>
         <p:nvPicPr>
-          <p:cNvPr id="38" name="" descr=""/>
+          <p:cNvPr id="38" name="Picture 37"/>
           <p:cNvPicPr/>
           <p:nvPr/>
         </p:nvPicPr>
         <p:blipFill>
-          <a:blip r:embed="rId3"/>
+          <a:blip r:embed="rId2"/>
           <a:stretch/>
         </p:blipFill>
         <p:spPr>
@@ -963,11 +1130,14 @@
       </p:pic>
     </p:spTree>
   </p:cSld>
+  <p:clrMapOvr>
+    <a:masterClrMapping/>
+  </p:clrMapOvr>
 </p:sldLayout>
 </file>
 
 <file path=ppt/slideLayouts/slideLayout13.xml><?xml version="1.0" encoding="utf-8"?>
-<p:sldLayout xmlns:a="http://schemas.openxmlformats.org/drawingml/2006/main" xmlns:p="http://schemas.openxmlformats.org/presentationml/2006/main" xmlns:r="http://schemas.openxmlformats.org/officeDocument/2006/relationships" xmlns:p14="http://schemas.microsoft.com/office/powerpoint/2010/main" xmlns:p15="http://schemas.microsoft.com/office/powerpoint/2012/main" xmlns:mc="http://schemas.openxmlformats.org/markup-compatibility/2006" type="blank" preserve="1">
+<p:sldLayout xmlns:a="http://schemas.openxmlformats.org/drawingml/2006/main" xmlns:r="http://schemas.openxmlformats.org/officeDocument/2006/relationships" xmlns:p="http://schemas.openxmlformats.org/presentationml/2006/main" type="blank" preserve="1">
   <p:cSld name="Blank Slide">
     <p:spTree>
       <p:nvGrpSpPr>
@@ -985,11 +1155,14 @@
       </p:grpSpPr>
     </p:spTree>
   </p:cSld>
+  <p:clrMapOvr>
+    <a:masterClrMapping/>
+  </p:clrMapOvr>
 </p:sldLayout>
 </file>
 
 <file path=ppt/slideLayouts/slideLayout14.xml><?xml version="1.0" encoding="utf-8"?>
-<p:sldLayout xmlns:a="http://schemas.openxmlformats.org/drawingml/2006/main" xmlns:p="http://schemas.openxmlformats.org/presentationml/2006/main" xmlns:r="http://schemas.openxmlformats.org/officeDocument/2006/relationships" xmlns:p14="http://schemas.microsoft.com/office/powerpoint/2010/main" xmlns:p15="http://schemas.microsoft.com/office/powerpoint/2012/main" xmlns:mc="http://schemas.openxmlformats.org/markup-compatibility/2006" type="tx" preserve="1">
+<p:sldLayout xmlns:a="http://schemas.openxmlformats.org/drawingml/2006/main" xmlns:r="http://schemas.openxmlformats.org/officeDocument/2006/relationships" xmlns:p="http://schemas.openxmlformats.org/presentationml/2006/main" type="tx" preserve="1">
   <p:cSld name="Title Slide">
     <p:spTree>
       <p:nvGrpSpPr>
@@ -1025,15 +1198,16 @@
           </a:prstGeom>
         </p:spPr>
         <p:txBody>
-          <a:bodyPr lIns="0" rIns="0" tIns="0" bIns="0" anchor="ctr"/>
-          <a:p>
-            <a:endParaRPr b="0" lang="en-US" sz="1800" spc="-1" strike="noStrike">
-              <a:solidFill>
-                <a:srgbClr val="000000"/>
-              </a:solidFill>
-              <a:uFill>
-                <a:solidFill>
-                  <a:srgbClr val="ffffff"/>
+          <a:bodyPr lIns="0" tIns="0" rIns="0" bIns="0" anchor="ctr"/>
+          <a:lstStyle/>
+          <a:p>
+            <a:endParaRPr lang="en-US" sz="1800" b="0" strike="noStrike" spc="-1">
+              <a:solidFill>
+                <a:srgbClr val="000000"/>
+              </a:solidFill>
+              <a:uFill>
+                <a:solidFill>
+                  <a:srgbClr val="FFFFFF"/>
                 </a:solidFill>
               </a:uFill>
               <a:latin typeface="Calibri"/>
@@ -1061,16 +1235,17 @@
           </a:prstGeom>
         </p:spPr>
         <p:txBody>
-          <a:bodyPr lIns="0" rIns="0" tIns="0" bIns="0" anchor="ctr"/>
+          <a:bodyPr lIns="0" tIns="0" rIns="0" bIns="0" anchor="ctr"/>
+          <a:lstStyle/>
           <a:p>
             <a:pPr algn="ctr"/>
-            <a:endParaRPr b="0" lang="en-US" sz="3200" spc="-1" strike="noStrike">
-              <a:solidFill>
-                <a:srgbClr val="000000"/>
-              </a:solidFill>
-              <a:uFill>
-                <a:solidFill>
-                  <a:srgbClr val="ffffff"/>
+            <a:endParaRPr lang="en-US" sz="3200" b="0" strike="noStrike" spc="-1">
+              <a:solidFill>
+                <a:srgbClr val="000000"/>
+              </a:solidFill>
+              <a:uFill>
+                <a:solidFill>
+                  <a:srgbClr val="FFFFFF"/>
                 </a:solidFill>
               </a:uFill>
               <a:latin typeface="Arial"/>
@@ -1080,11 +1255,14 @@
       </p:sp>
     </p:spTree>
   </p:cSld>
+  <p:clrMapOvr>
+    <a:masterClrMapping/>
+  </p:clrMapOvr>
 </p:sldLayout>
 </file>
 
 <file path=ppt/slideLayouts/slideLayout15.xml><?xml version="1.0" encoding="utf-8"?>
-<p:sldLayout xmlns:a="http://schemas.openxmlformats.org/drawingml/2006/main" xmlns:p="http://schemas.openxmlformats.org/presentationml/2006/main" xmlns:r="http://schemas.openxmlformats.org/officeDocument/2006/relationships" xmlns:p14="http://schemas.microsoft.com/office/powerpoint/2010/main" xmlns:p15="http://schemas.microsoft.com/office/powerpoint/2012/main" xmlns:mc="http://schemas.openxmlformats.org/markup-compatibility/2006" type="obj" preserve="1">
+<p:sldLayout xmlns:a="http://schemas.openxmlformats.org/drawingml/2006/main" xmlns:r="http://schemas.openxmlformats.org/officeDocument/2006/relationships" xmlns:p="http://schemas.openxmlformats.org/presentationml/2006/main" type="obj" preserve="1">
   <p:cSld name="Title, Content">
     <p:spTree>
       <p:nvGrpSpPr>
@@ -1120,15 +1298,16 @@
           </a:prstGeom>
         </p:spPr>
         <p:txBody>
-          <a:bodyPr lIns="0" rIns="0" tIns="0" bIns="0" anchor="ctr"/>
-          <a:p>
-            <a:endParaRPr b="0" lang="en-US" sz="1800" spc="-1" strike="noStrike">
-              <a:solidFill>
-                <a:srgbClr val="000000"/>
-              </a:solidFill>
-              <a:uFill>
-                <a:solidFill>
-                  <a:srgbClr val="ffffff"/>
+          <a:bodyPr lIns="0" tIns="0" rIns="0" bIns="0" anchor="ctr"/>
+          <a:lstStyle/>
+          <a:p>
+            <a:endParaRPr lang="en-US" sz="1800" b="0" strike="noStrike" spc="-1">
+              <a:solidFill>
+                <a:srgbClr val="000000"/>
+              </a:solidFill>
+              <a:uFill>
+                <a:solidFill>
+                  <a:srgbClr val="FFFFFF"/>
                 </a:solidFill>
               </a:uFill>
               <a:latin typeface="Calibri"/>
@@ -1156,15 +1335,16 @@
           </a:prstGeom>
         </p:spPr>
         <p:txBody>
-          <a:bodyPr lIns="0" rIns="0" tIns="0" bIns="0"/>
-          <a:p>
-            <a:endParaRPr b="0" lang="en-US" sz="2800" spc="-1" strike="noStrike">
-              <a:solidFill>
-                <a:srgbClr val="000000"/>
-              </a:solidFill>
-              <a:uFill>
-                <a:solidFill>
-                  <a:srgbClr val="ffffff"/>
+          <a:bodyPr lIns="0" tIns="0" rIns="0" bIns="0"/>
+          <a:lstStyle/>
+          <a:p>
+            <a:endParaRPr lang="en-US" sz="2800" b="0" strike="noStrike" spc="-1">
+              <a:solidFill>
+                <a:srgbClr val="000000"/>
+              </a:solidFill>
+              <a:uFill>
+                <a:solidFill>
+                  <a:srgbClr val="FFFFFF"/>
                 </a:solidFill>
               </a:uFill>
               <a:latin typeface="Calibri"/>
@@ -1174,11 +1354,14 @@
       </p:sp>
     </p:spTree>
   </p:cSld>
+  <p:clrMapOvr>
+    <a:masterClrMapping/>
+  </p:clrMapOvr>
 </p:sldLayout>
 </file>
 
 <file path=ppt/slideLayouts/slideLayout16.xml><?xml version="1.0" encoding="utf-8"?>
-<p:sldLayout xmlns:a="http://schemas.openxmlformats.org/drawingml/2006/main" xmlns:p="http://schemas.openxmlformats.org/presentationml/2006/main" xmlns:r="http://schemas.openxmlformats.org/officeDocument/2006/relationships" xmlns:p14="http://schemas.microsoft.com/office/powerpoint/2010/main" xmlns:p15="http://schemas.microsoft.com/office/powerpoint/2012/main" xmlns:mc="http://schemas.openxmlformats.org/markup-compatibility/2006" type="twoObj" preserve="1">
+<p:sldLayout xmlns:a="http://schemas.openxmlformats.org/drawingml/2006/main" xmlns:r="http://schemas.openxmlformats.org/officeDocument/2006/relationships" xmlns:p="http://schemas.openxmlformats.org/presentationml/2006/main" type="twoObj" preserve="1">
   <p:cSld name="Title, 2 Content">
     <p:spTree>
       <p:nvGrpSpPr>
@@ -1214,15 +1397,16 @@
           </a:prstGeom>
         </p:spPr>
         <p:txBody>
-          <a:bodyPr lIns="0" rIns="0" tIns="0" bIns="0" anchor="ctr"/>
-          <a:p>
-            <a:endParaRPr b="0" lang="en-US" sz="1800" spc="-1" strike="noStrike">
-              <a:solidFill>
-                <a:srgbClr val="000000"/>
-              </a:solidFill>
-              <a:uFill>
-                <a:solidFill>
-                  <a:srgbClr val="ffffff"/>
+          <a:bodyPr lIns="0" tIns="0" rIns="0" bIns="0" anchor="ctr"/>
+          <a:lstStyle/>
+          <a:p>
+            <a:endParaRPr lang="en-US" sz="1800" b="0" strike="noStrike" spc="-1">
+              <a:solidFill>
+                <a:srgbClr val="000000"/>
+              </a:solidFill>
+              <a:uFill>
+                <a:solidFill>
+                  <a:srgbClr val="FFFFFF"/>
                 </a:solidFill>
               </a:uFill>
               <a:latin typeface="Calibri"/>
@@ -1250,15 +1434,16 @@
           </a:prstGeom>
         </p:spPr>
         <p:txBody>
-          <a:bodyPr lIns="0" rIns="0" tIns="0" bIns="0"/>
-          <a:p>
-            <a:endParaRPr b="0" lang="en-US" sz="2800" spc="-1" strike="noStrike">
-              <a:solidFill>
-                <a:srgbClr val="000000"/>
-              </a:solidFill>
-              <a:uFill>
-                <a:solidFill>
-                  <a:srgbClr val="ffffff"/>
+          <a:bodyPr lIns="0" tIns="0" rIns="0" bIns="0"/>
+          <a:lstStyle/>
+          <a:p>
+            <a:endParaRPr lang="en-US" sz="2800" b="0" strike="noStrike" spc="-1">
+              <a:solidFill>
+                <a:srgbClr val="000000"/>
+              </a:solidFill>
+              <a:uFill>
+                <a:solidFill>
+                  <a:srgbClr val="FFFFFF"/>
                 </a:solidFill>
               </a:uFill>
               <a:latin typeface="Calibri"/>
@@ -1286,15 +1471,16 @@
           </a:prstGeom>
         </p:spPr>
         <p:txBody>
-          <a:bodyPr lIns="0" rIns="0" tIns="0" bIns="0"/>
-          <a:p>
-            <a:endParaRPr b="0" lang="en-US" sz="2800" spc="-1" strike="noStrike">
-              <a:solidFill>
-                <a:srgbClr val="000000"/>
-              </a:solidFill>
-              <a:uFill>
-                <a:solidFill>
-                  <a:srgbClr val="ffffff"/>
+          <a:bodyPr lIns="0" tIns="0" rIns="0" bIns="0"/>
+          <a:lstStyle/>
+          <a:p>
+            <a:endParaRPr lang="en-US" sz="2800" b="0" strike="noStrike" spc="-1">
+              <a:solidFill>
+                <a:srgbClr val="000000"/>
+              </a:solidFill>
+              <a:uFill>
+                <a:solidFill>
+                  <a:srgbClr val="FFFFFF"/>
                 </a:solidFill>
               </a:uFill>
               <a:latin typeface="Calibri"/>
@@ -1304,11 +1490,14 @@
       </p:sp>
     </p:spTree>
   </p:cSld>
+  <p:clrMapOvr>
+    <a:masterClrMapping/>
+  </p:clrMapOvr>
 </p:sldLayout>
 </file>
 
 <file path=ppt/slideLayouts/slideLayout17.xml><?xml version="1.0" encoding="utf-8"?>
-<p:sldLayout xmlns:a="http://schemas.openxmlformats.org/drawingml/2006/main" xmlns:p="http://schemas.openxmlformats.org/presentationml/2006/main" xmlns:r="http://schemas.openxmlformats.org/officeDocument/2006/relationships" xmlns:p14="http://schemas.microsoft.com/office/powerpoint/2010/main" xmlns:p15="http://schemas.microsoft.com/office/powerpoint/2012/main" xmlns:mc="http://schemas.openxmlformats.org/markup-compatibility/2006" type="titleOnly" preserve="1">
+<p:sldLayout xmlns:a="http://schemas.openxmlformats.org/drawingml/2006/main" xmlns:r="http://schemas.openxmlformats.org/officeDocument/2006/relationships" xmlns:p="http://schemas.openxmlformats.org/presentationml/2006/main" type="titleOnly" preserve="1">
   <p:cSld name="Title Only">
     <p:spTree>
       <p:nvGrpSpPr>
@@ -1344,15 +1533,16 @@
           </a:prstGeom>
         </p:spPr>
         <p:txBody>
-          <a:bodyPr lIns="0" rIns="0" tIns="0" bIns="0" anchor="ctr"/>
-          <a:p>
-            <a:endParaRPr b="0" lang="en-US" sz="1800" spc="-1" strike="noStrike">
-              <a:solidFill>
-                <a:srgbClr val="000000"/>
-              </a:solidFill>
-              <a:uFill>
-                <a:solidFill>
-                  <a:srgbClr val="ffffff"/>
+          <a:bodyPr lIns="0" tIns="0" rIns="0" bIns="0" anchor="ctr"/>
+          <a:lstStyle/>
+          <a:p>
+            <a:endParaRPr lang="en-US" sz="1800" b="0" strike="noStrike" spc="-1">
+              <a:solidFill>
+                <a:srgbClr val="000000"/>
+              </a:solidFill>
+              <a:uFill>
+                <a:solidFill>
+                  <a:srgbClr val="FFFFFF"/>
                 </a:solidFill>
               </a:uFill>
               <a:latin typeface="Calibri"/>
@@ -1362,11 +1552,14 @@
       </p:sp>
     </p:spTree>
   </p:cSld>
+  <p:clrMapOvr>
+    <a:masterClrMapping/>
+  </p:clrMapOvr>
 </p:sldLayout>
 </file>
 
 <file path=ppt/slideLayouts/slideLayout18.xml><?xml version="1.0" encoding="utf-8"?>
-<p:sldLayout xmlns:a="http://schemas.openxmlformats.org/drawingml/2006/main" xmlns:p="http://schemas.openxmlformats.org/presentationml/2006/main" xmlns:r="http://schemas.openxmlformats.org/officeDocument/2006/relationships" xmlns:p14="http://schemas.microsoft.com/office/powerpoint/2010/main" xmlns:p15="http://schemas.microsoft.com/office/powerpoint/2012/main" xmlns:mc="http://schemas.openxmlformats.org/markup-compatibility/2006" type="objOnly" preserve="1">
+<p:sldLayout xmlns:a="http://schemas.openxmlformats.org/drawingml/2006/main" xmlns:r="http://schemas.openxmlformats.org/officeDocument/2006/relationships" xmlns:p="http://schemas.openxmlformats.org/presentationml/2006/main" type="objOnly" preserve="1">
   <p:cSld name="Centered Text">
     <p:spTree>
       <p:nvGrpSpPr>
@@ -1402,16 +1595,17 @@
           </a:prstGeom>
         </p:spPr>
         <p:txBody>
-          <a:bodyPr lIns="0" rIns="0" tIns="0" bIns="0" anchor="ctr"/>
+          <a:bodyPr lIns="0" tIns="0" rIns="0" bIns="0" anchor="ctr"/>
+          <a:lstStyle/>
           <a:p>
             <a:pPr algn="ctr"/>
-            <a:endParaRPr b="0" lang="en-US" sz="3200" spc="-1" strike="noStrike">
-              <a:solidFill>
-                <a:srgbClr val="000000"/>
-              </a:solidFill>
-              <a:uFill>
-                <a:solidFill>
-                  <a:srgbClr val="ffffff"/>
+            <a:endParaRPr lang="en-US" sz="3200" b="0" strike="noStrike" spc="-1">
+              <a:solidFill>
+                <a:srgbClr val="000000"/>
+              </a:solidFill>
+              <a:uFill>
+                <a:solidFill>
+                  <a:srgbClr val="FFFFFF"/>
                 </a:solidFill>
               </a:uFill>
               <a:latin typeface="Arial"/>
@@ -1421,11 +1615,14 @@
       </p:sp>
     </p:spTree>
   </p:cSld>
+  <p:clrMapOvr>
+    <a:masterClrMapping/>
+  </p:clrMapOvr>
 </p:sldLayout>
 </file>
 
 <file path=ppt/slideLayouts/slideLayout19.xml><?xml version="1.0" encoding="utf-8"?>
-<p:sldLayout xmlns:a="http://schemas.openxmlformats.org/drawingml/2006/main" xmlns:p="http://schemas.openxmlformats.org/presentationml/2006/main" xmlns:r="http://schemas.openxmlformats.org/officeDocument/2006/relationships" xmlns:p14="http://schemas.microsoft.com/office/powerpoint/2010/main" xmlns:p15="http://schemas.microsoft.com/office/powerpoint/2012/main" xmlns:mc="http://schemas.openxmlformats.org/markup-compatibility/2006" type="twoObjAndObj" preserve="1">
+<p:sldLayout xmlns:a="http://schemas.openxmlformats.org/drawingml/2006/main" xmlns:r="http://schemas.openxmlformats.org/officeDocument/2006/relationships" xmlns:p="http://schemas.openxmlformats.org/presentationml/2006/main" type="twoObjAndObj" preserve="1">
   <p:cSld name="Title, 2 Content and Content">
     <p:spTree>
       <p:nvGrpSpPr>
@@ -1461,15 +1658,16 @@
           </a:prstGeom>
         </p:spPr>
         <p:txBody>
-          <a:bodyPr lIns="0" rIns="0" tIns="0" bIns="0" anchor="ctr"/>
-          <a:p>
-            <a:endParaRPr b="0" lang="en-US" sz="1800" spc="-1" strike="noStrike">
-              <a:solidFill>
-                <a:srgbClr val="000000"/>
-              </a:solidFill>
-              <a:uFill>
-                <a:solidFill>
-                  <a:srgbClr val="ffffff"/>
+          <a:bodyPr lIns="0" tIns="0" rIns="0" bIns="0" anchor="ctr"/>
+          <a:lstStyle/>
+          <a:p>
+            <a:endParaRPr lang="en-US" sz="1800" b="0" strike="noStrike" spc="-1">
+              <a:solidFill>
+                <a:srgbClr val="000000"/>
+              </a:solidFill>
+              <a:uFill>
+                <a:solidFill>
+                  <a:srgbClr val="FFFFFF"/>
                 </a:solidFill>
               </a:uFill>
               <a:latin typeface="Calibri"/>
@@ -1497,15 +1695,16 @@
           </a:prstGeom>
         </p:spPr>
         <p:txBody>
-          <a:bodyPr lIns="0" rIns="0" tIns="0" bIns="0"/>
-          <a:p>
-            <a:endParaRPr b="0" lang="en-US" sz="2800" spc="-1" strike="noStrike">
-              <a:solidFill>
-                <a:srgbClr val="000000"/>
-              </a:solidFill>
-              <a:uFill>
-                <a:solidFill>
-                  <a:srgbClr val="ffffff"/>
+          <a:bodyPr lIns="0" tIns="0" rIns="0" bIns="0"/>
+          <a:lstStyle/>
+          <a:p>
+            <a:endParaRPr lang="en-US" sz="2800" b="0" strike="noStrike" spc="-1">
+              <a:solidFill>
+                <a:srgbClr val="000000"/>
+              </a:solidFill>
+              <a:uFill>
+                <a:solidFill>
+                  <a:srgbClr val="FFFFFF"/>
                 </a:solidFill>
               </a:uFill>
               <a:latin typeface="Calibri"/>
@@ -1533,15 +1732,16 @@
           </a:prstGeom>
         </p:spPr>
         <p:txBody>
-          <a:bodyPr lIns="0" rIns="0" tIns="0" bIns="0"/>
-          <a:p>
-            <a:endParaRPr b="0" lang="en-US" sz="2800" spc="-1" strike="noStrike">
-              <a:solidFill>
-                <a:srgbClr val="000000"/>
-              </a:solidFill>
-              <a:uFill>
-                <a:solidFill>
-                  <a:srgbClr val="ffffff"/>
+          <a:bodyPr lIns="0" tIns="0" rIns="0" bIns="0"/>
+          <a:lstStyle/>
+          <a:p>
+            <a:endParaRPr lang="en-US" sz="2800" b="0" strike="noStrike" spc="-1">
+              <a:solidFill>
+                <a:srgbClr val="000000"/>
+              </a:solidFill>
+              <a:uFill>
+                <a:solidFill>
+                  <a:srgbClr val="FFFFFF"/>
                 </a:solidFill>
               </a:uFill>
               <a:latin typeface="Calibri"/>
@@ -1569,15 +1769,16 @@
           </a:prstGeom>
         </p:spPr>
         <p:txBody>
-          <a:bodyPr lIns="0" rIns="0" tIns="0" bIns="0"/>
-          <a:p>
-            <a:endParaRPr b="0" lang="en-US" sz="2800" spc="-1" strike="noStrike">
-              <a:solidFill>
-                <a:srgbClr val="000000"/>
-              </a:solidFill>
-              <a:uFill>
-                <a:solidFill>
-                  <a:srgbClr val="ffffff"/>
+          <a:bodyPr lIns="0" tIns="0" rIns="0" bIns="0"/>
+          <a:lstStyle/>
+          <a:p>
+            <a:endParaRPr lang="en-US" sz="2800" b="0" strike="noStrike" spc="-1">
+              <a:solidFill>
+                <a:srgbClr val="000000"/>
+              </a:solidFill>
+              <a:uFill>
+                <a:solidFill>
+                  <a:srgbClr val="FFFFFF"/>
                 </a:solidFill>
               </a:uFill>
               <a:latin typeface="Calibri"/>
@@ -1587,11 +1788,14 @@
       </p:sp>
     </p:spTree>
   </p:cSld>
+  <p:clrMapOvr>
+    <a:masterClrMapping/>
+  </p:clrMapOvr>
 </p:sldLayout>
 </file>
 
 <file path=ppt/slideLayouts/slideLayout2.xml><?xml version="1.0" encoding="utf-8"?>
-<p:sldLayout xmlns:a="http://schemas.openxmlformats.org/drawingml/2006/main" xmlns:p="http://schemas.openxmlformats.org/presentationml/2006/main" xmlns:r="http://schemas.openxmlformats.org/officeDocument/2006/relationships" xmlns:p14="http://schemas.microsoft.com/office/powerpoint/2010/main" xmlns:p15="http://schemas.microsoft.com/office/powerpoint/2012/main" xmlns:mc="http://schemas.openxmlformats.org/markup-compatibility/2006" type="tx" preserve="1">
+<p:sldLayout xmlns:a="http://schemas.openxmlformats.org/drawingml/2006/main" xmlns:r="http://schemas.openxmlformats.org/officeDocument/2006/relationships" xmlns:p="http://schemas.openxmlformats.org/presentationml/2006/main" type="tx" preserve="1">
   <p:cSld name="Title Slide">
     <p:spTree>
       <p:nvGrpSpPr>
@@ -1627,15 +1831,16 @@
           </a:prstGeom>
         </p:spPr>
         <p:txBody>
-          <a:bodyPr lIns="0" rIns="0" tIns="0" bIns="0" anchor="ctr"/>
-          <a:p>
-            <a:endParaRPr b="0" lang="en-US" sz="1800" spc="-1" strike="noStrike">
-              <a:solidFill>
-                <a:srgbClr val="000000"/>
-              </a:solidFill>
-              <a:uFill>
-                <a:solidFill>
-                  <a:srgbClr val="ffffff"/>
+          <a:bodyPr lIns="0" tIns="0" rIns="0" bIns="0" anchor="ctr"/>
+          <a:lstStyle/>
+          <a:p>
+            <a:endParaRPr lang="en-US" sz="1800" b="0" strike="noStrike" spc="-1">
+              <a:solidFill>
+                <a:srgbClr val="000000"/>
+              </a:solidFill>
+              <a:uFill>
+                <a:solidFill>
+                  <a:srgbClr val="FFFFFF"/>
                 </a:solidFill>
               </a:uFill>
               <a:latin typeface="Calibri"/>
@@ -1663,16 +1868,17 @@
           </a:prstGeom>
         </p:spPr>
         <p:txBody>
-          <a:bodyPr lIns="0" rIns="0" tIns="0" bIns="0" anchor="ctr"/>
+          <a:bodyPr lIns="0" tIns="0" rIns="0" bIns="0" anchor="ctr"/>
+          <a:lstStyle/>
           <a:p>
             <a:pPr algn="ctr"/>
-            <a:endParaRPr b="0" lang="en-US" sz="3200" spc="-1" strike="noStrike">
-              <a:solidFill>
-                <a:srgbClr val="000000"/>
-              </a:solidFill>
-              <a:uFill>
-                <a:solidFill>
-                  <a:srgbClr val="ffffff"/>
+            <a:endParaRPr lang="en-US" sz="3200" b="0" strike="noStrike" spc="-1">
+              <a:solidFill>
+                <a:srgbClr val="000000"/>
+              </a:solidFill>
+              <a:uFill>
+                <a:solidFill>
+                  <a:srgbClr val="FFFFFF"/>
                 </a:solidFill>
               </a:uFill>
               <a:latin typeface="Arial"/>
@@ -1682,11 +1888,14 @@
       </p:sp>
     </p:spTree>
   </p:cSld>
+  <p:clrMapOvr>
+    <a:masterClrMapping/>
+  </p:clrMapOvr>
 </p:sldLayout>
 </file>
 
 <file path=ppt/slideLayouts/slideLayout20.xml><?xml version="1.0" encoding="utf-8"?>
-<p:sldLayout xmlns:a="http://schemas.openxmlformats.org/drawingml/2006/main" xmlns:p="http://schemas.openxmlformats.org/presentationml/2006/main" xmlns:r="http://schemas.openxmlformats.org/officeDocument/2006/relationships" xmlns:p14="http://schemas.microsoft.com/office/powerpoint/2010/main" xmlns:p15="http://schemas.microsoft.com/office/powerpoint/2012/main" xmlns:mc="http://schemas.openxmlformats.org/markup-compatibility/2006" type="objAndTwoObj" preserve="1">
+<p:sldLayout xmlns:a="http://schemas.openxmlformats.org/drawingml/2006/main" xmlns:r="http://schemas.openxmlformats.org/officeDocument/2006/relationships" xmlns:p="http://schemas.openxmlformats.org/presentationml/2006/main" type="objAndTwoObj" preserve="1">
   <p:cSld name="Title Content and 2 Content">
     <p:spTree>
       <p:nvGrpSpPr>
@@ -1722,15 +1931,16 @@
           </a:prstGeom>
         </p:spPr>
         <p:txBody>
-          <a:bodyPr lIns="0" rIns="0" tIns="0" bIns="0" anchor="ctr"/>
-          <a:p>
-            <a:endParaRPr b="0" lang="en-US" sz="1800" spc="-1" strike="noStrike">
-              <a:solidFill>
-                <a:srgbClr val="000000"/>
-              </a:solidFill>
-              <a:uFill>
-                <a:solidFill>
-                  <a:srgbClr val="ffffff"/>
+          <a:bodyPr lIns="0" tIns="0" rIns="0" bIns="0" anchor="ctr"/>
+          <a:lstStyle/>
+          <a:p>
+            <a:endParaRPr lang="en-US" sz="1800" b="0" strike="noStrike" spc="-1">
+              <a:solidFill>
+                <a:srgbClr val="000000"/>
+              </a:solidFill>
+              <a:uFill>
+                <a:solidFill>
+                  <a:srgbClr val="FFFFFF"/>
                 </a:solidFill>
               </a:uFill>
               <a:latin typeface="Calibri"/>
@@ -1758,15 +1968,16 @@
           </a:prstGeom>
         </p:spPr>
         <p:txBody>
-          <a:bodyPr lIns="0" rIns="0" tIns="0" bIns="0"/>
-          <a:p>
-            <a:endParaRPr b="0" lang="en-US" sz="2800" spc="-1" strike="noStrike">
-              <a:solidFill>
-                <a:srgbClr val="000000"/>
-              </a:solidFill>
-              <a:uFill>
-                <a:solidFill>
-                  <a:srgbClr val="ffffff"/>
+          <a:bodyPr lIns="0" tIns="0" rIns="0" bIns="0"/>
+          <a:lstStyle/>
+          <a:p>
+            <a:endParaRPr lang="en-US" sz="2800" b="0" strike="noStrike" spc="-1">
+              <a:solidFill>
+                <a:srgbClr val="000000"/>
+              </a:solidFill>
+              <a:uFill>
+                <a:solidFill>
+                  <a:srgbClr val="FFFFFF"/>
                 </a:solidFill>
               </a:uFill>
               <a:latin typeface="Calibri"/>
@@ -1794,15 +2005,16 @@
           </a:prstGeom>
         </p:spPr>
         <p:txBody>
-          <a:bodyPr lIns="0" rIns="0" tIns="0" bIns="0"/>
-          <a:p>
-            <a:endParaRPr b="0" lang="en-US" sz="2800" spc="-1" strike="noStrike">
-              <a:solidFill>
-                <a:srgbClr val="000000"/>
-              </a:solidFill>
-              <a:uFill>
-                <a:solidFill>
-                  <a:srgbClr val="ffffff"/>
+          <a:bodyPr lIns="0" tIns="0" rIns="0" bIns="0"/>
+          <a:lstStyle/>
+          <a:p>
+            <a:endParaRPr lang="en-US" sz="2800" b="0" strike="noStrike" spc="-1">
+              <a:solidFill>
+                <a:srgbClr val="000000"/>
+              </a:solidFill>
+              <a:uFill>
+                <a:solidFill>
+                  <a:srgbClr val="FFFFFF"/>
                 </a:solidFill>
               </a:uFill>
               <a:latin typeface="Calibri"/>
@@ -1830,15 +2042,16 @@
           </a:prstGeom>
         </p:spPr>
         <p:txBody>
-          <a:bodyPr lIns="0" rIns="0" tIns="0" bIns="0"/>
-          <a:p>
-            <a:endParaRPr b="0" lang="en-US" sz="2800" spc="-1" strike="noStrike">
-              <a:solidFill>
-                <a:srgbClr val="000000"/>
-              </a:solidFill>
-              <a:uFill>
-                <a:solidFill>
-                  <a:srgbClr val="ffffff"/>
+          <a:bodyPr lIns="0" tIns="0" rIns="0" bIns="0"/>
+          <a:lstStyle/>
+          <a:p>
+            <a:endParaRPr lang="en-US" sz="2800" b="0" strike="noStrike" spc="-1">
+              <a:solidFill>
+                <a:srgbClr val="000000"/>
+              </a:solidFill>
+              <a:uFill>
+                <a:solidFill>
+                  <a:srgbClr val="FFFFFF"/>
                 </a:solidFill>
               </a:uFill>
               <a:latin typeface="Calibri"/>
@@ -1848,11 +2061,14 @@
       </p:sp>
     </p:spTree>
   </p:cSld>
+  <p:clrMapOvr>
+    <a:masterClrMapping/>
+  </p:clrMapOvr>
 </p:sldLayout>
 </file>
 
 <file path=ppt/slideLayouts/slideLayout21.xml><?xml version="1.0" encoding="utf-8"?>
-<p:sldLayout xmlns:a="http://schemas.openxmlformats.org/drawingml/2006/main" xmlns:p="http://schemas.openxmlformats.org/presentationml/2006/main" xmlns:r="http://schemas.openxmlformats.org/officeDocument/2006/relationships" xmlns:p14="http://schemas.microsoft.com/office/powerpoint/2010/main" xmlns:p15="http://schemas.microsoft.com/office/powerpoint/2012/main" xmlns:mc="http://schemas.openxmlformats.org/markup-compatibility/2006" type="twoObjOverTx" preserve="1">
+<p:sldLayout xmlns:a="http://schemas.openxmlformats.org/drawingml/2006/main" xmlns:r="http://schemas.openxmlformats.org/officeDocument/2006/relationships" xmlns:p="http://schemas.openxmlformats.org/presentationml/2006/main" type="twoObjOverTx" preserve="1">
   <p:cSld name="Title, 2 Content over Content">
     <p:spTree>
       <p:nvGrpSpPr>
@@ -1888,15 +2104,16 @@
           </a:prstGeom>
         </p:spPr>
         <p:txBody>
-          <a:bodyPr lIns="0" rIns="0" tIns="0" bIns="0" anchor="ctr"/>
-          <a:p>
-            <a:endParaRPr b="0" lang="en-US" sz="1800" spc="-1" strike="noStrike">
-              <a:solidFill>
-                <a:srgbClr val="000000"/>
-              </a:solidFill>
-              <a:uFill>
-                <a:solidFill>
-                  <a:srgbClr val="ffffff"/>
+          <a:bodyPr lIns="0" tIns="0" rIns="0" bIns="0" anchor="ctr"/>
+          <a:lstStyle/>
+          <a:p>
+            <a:endParaRPr lang="en-US" sz="1800" b="0" strike="noStrike" spc="-1">
+              <a:solidFill>
+                <a:srgbClr val="000000"/>
+              </a:solidFill>
+              <a:uFill>
+                <a:solidFill>
+                  <a:srgbClr val="FFFFFF"/>
                 </a:solidFill>
               </a:uFill>
               <a:latin typeface="Calibri"/>
@@ -1924,15 +2141,16 @@
           </a:prstGeom>
         </p:spPr>
         <p:txBody>
-          <a:bodyPr lIns="0" rIns="0" tIns="0" bIns="0"/>
-          <a:p>
-            <a:endParaRPr b="0" lang="en-US" sz="2800" spc="-1" strike="noStrike">
-              <a:solidFill>
-                <a:srgbClr val="000000"/>
-              </a:solidFill>
-              <a:uFill>
-                <a:solidFill>
-                  <a:srgbClr val="ffffff"/>
+          <a:bodyPr lIns="0" tIns="0" rIns="0" bIns="0"/>
+          <a:lstStyle/>
+          <a:p>
+            <a:endParaRPr lang="en-US" sz="2800" b="0" strike="noStrike" spc="-1">
+              <a:solidFill>
+                <a:srgbClr val="000000"/>
+              </a:solidFill>
+              <a:uFill>
+                <a:solidFill>
+                  <a:srgbClr val="FFFFFF"/>
                 </a:solidFill>
               </a:uFill>
               <a:latin typeface="Calibri"/>
@@ -1960,15 +2178,16 @@
           </a:prstGeom>
         </p:spPr>
         <p:txBody>
-          <a:bodyPr lIns="0" rIns="0" tIns="0" bIns="0"/>
-          <a:p>
-            <a:endParaRPr b="0" lang="en-US" sz="2800" spc="-1" strike="noStrike">
-              <a:solidFill>
-                <a:srgbClr val="000000"/>
-              </a:solidFill>
-              <a:uFill>
-                <a:solidFill>
-                  <a:srgbClr val="ffffff"/>
+          <a:bodyPr lIns="0" tIns="0" rIns="0" bIns="0"/>
+          <a:lstStyle/>
+          <a:p>
+            <a:endParaRPr lang="en-US" sz="2800" b="0" strike="noStrike" spc="-1">
+              <a:solidFill>
+                <a:srgbClr val="000000"/>
+              </a:solidFill>
+              <a:uFill>
+                <a:solidFill>
+                  <a:srgbClr val="FFFFFF"/>
                 </a:solidFill>
               </a:uFill>
               <a:latin typeface="Calibri"/>
@@ -1996,15 +2215,16 @@
           </a:prstGeom>
         </p:spPr>
         <p:txBody>
-          <a:bodyPr lIns="0" rIns="0" tIns="0" bIns="0"/>
-          <a:p>
-            <a:endParaRPr b="0" lang="en-US" sz="2800" spc="-1" strike="noStrike">
-              <a:solidFill>
-                <a:srgbClr val="000000"/>
-              </a:solidFill>
-              <a:uFill>
-                <a:solidFill>
-                  <a:srgbClr val="ffffff"/>
+          <a:bodyPr lIns="0" tIns="0" rIns="0" bIns="0"/>
+          <a:lstStyle/>
+          <a:p>
+            <a:endParaRPr lang="en-US" sz="2800" b="0" strike="noStrike" spc="-1">
+              <a:solidFill>
+                <a:srgbClr val="000000"/>
+              </a:solidFill>
+              <a:uFill>
+                <a:solidFill>
+                  <a:srgbClr val="FFFFFF"/>
                 </a:solidFill>
               </a:uFill>
               <a:latin typeface="Calibri"/>
@@ -2014,11 +2234,14 @@
       </p:sp>
     </p:spTree>
   </p:cSld>
+  <p:clrMapOvr>
+    <a:masterClrMapping/>
+  </p:clrMapOvr>
 </p:sldLayout>
 </file>
 
 <file path=ppt/slideLayouts/slideLayout22.xml><?xml version="1.0" encoding="utf-8"?>
-<p:sldLayout xmlns:a="http://schemas.openxmlformats.org/drawingml/2006/main" xmlns:p="http://schemas.openxmlformats.org/presentationml/2006/main" xmlns:r="http://schemas.openxmlformats.org/officeDocument/2006/relationships" xmlns:p14="http://schemas.microsoft.com/office/powerpoint/2010/main" xmlns:p15="http://schemas.microsoft.com/office/powerpoint/2012/main" xmlns:mc="http://schemas.openxmlformats.org/markup-compatibility/2006" type="objOverTx" preserve="1">
+<p:sldLayout xmlns:a="http://schemas.openxmlformats.org/drawingml/2006/main" xmlns:r="http://schemas.openxmlformats.org/officeDocument/2006/relationships" xmlns:p="http://schemas.openxmlformats.org/presentationml/2006/main" type="objOverTx" preserve="1">
   <p:cSld name="Title, Content over Content">
     <p:spTree>
       <p:nvGrpSpPr>
@@ -2054,15 +2277,16 @@
           </a:prstGeom>
         </p:spPr>
         <p:txBody>
-          <a:bodyPr lIns="0" rIns="0" tIns="0" bIns="0" anchor="ctr"/>
-          <a:p>
-            <a:endParaRPr b="0" lang="en-US" sz="1800" spc="-1" strike="noStrike">
-              <a:solidFill>
-                <a:srgbClr val="000000"/>
-              </a:solidFill>
-              <a:uFill>
-                <a:solidFill>
-                  <a:srgbClr val="ffffff"/>
+          <a:bodyPr lIns="0" tIns="0" rIns="0" bIns="0" anchor="ctr"/>
+          <a:lstStyle/>
+          <a:p>
+            <a:endParaRPr lang="en-US" sz="1800" b="0" strike="noStrike" spc="-1">
+              <a:solidFill>
+                <a:srgbClr val="000000"/>
+              </a:solidFill>
+              <a:uFill>
+                <a:solidFill>
+                  <a:srgbClr val="FFFFFF"/>
                 </a:solidFill>
               </a:uFill>
               <a:latin typeface="Calibri"/>
@@ -2090,15 +2314,16 @@
           </a:prstGeom>
         </p:spPr>
         <p:txBody>
-          <a:bodyPr lIns="0" rIns="0" tIns="0" bIns="0"/>
-          <a:p>
-            <a:endParaRPr b="0" lang="en-US" sz="2800" spc="-1" strike="noStrike">
-              <a:solidFill>
-                <a:srgbClr val="000000"/>
-              </a:solidFill>
-              <a:uFill>
-                <a:solidFill>
-                  <a:srgbClr val="ffffff"/>
+          <a:bodyPr lIns="0" tIns="0" rIns="0" bIns="0"/>
+          <a:lstStyle/>
+          <a:p>
+            <a:endParaRPr lang="en-US" sz="2800" b="0" strike="noStrike" spc="-1">
+              <a:solidFill>
+                <a:srgbClr val="000000"/>
+              </a:solidFill>
+              <a:uFill>
+                <a:solidFill>
+                  <a:srgbClr val="FFFFFF"/>
                 </a:solidFill>
               </a:uFill>
               <a:latin typeface="Calibri"/>
@@ -2126,15 +2351,16 @@
           </a:prstGeom>
         </p:spPr>
         <p:txBody>
-          <a:bodyPr lIns="0" rIns="0" tIns="0" bIns="0"/>
-          <a:p>
-            <a:endParaRPr b="0" lang="en-US" sz="2800" spc="-1" strike="noStrike">
-              <a:solidFill>
-                <a:srgbClr val="000000"/>
-              </a:solidFill>
-              <a:uFill>
-                <a:solidFill>
-                  <a:srgbClr val="ffffff"/>
+          <a:bodyPr lIns="0" tIns="0" rIns="0" bIns="0"/>
+          <a:lstStyle/>
+          <a:p>
+            <a:endParaRPr lang="en-US" sz="2800" b="0" strike="noStrike" spc="-1">
+              <a:solidFill>
+                <a:srgbClr val="000000"/>
+              </a:solidFill>
+              <a:uFill>
+                <a:solidFill>
+                  <a:srgbClr val="FFFFFF"/>
                 </a:solidFill>
               </a:uFill>
               <a:latin typeface="Calibri"/>
@@ -2144,11 +2370,14 @@
       </p:sp>
     </p:spTree>
   </p:cSld>
+  <p:clrMapOvr>
+    <a:masterClrMapping/>
+  </p:clrMapOvr>
 </p:sldLayout>
 </file>
 
 <file path=ppt/slideLayouts/slideLayout23.xml><?xml version="1.0" encoding="utf-8"?>
-<p:sldLayout xmlns:a="http://schemas.openxmlformats.org/drawingml/2006/main" xmlns:p="http://schemas.openxmlformats.org/presentationml/2006/main" xmlns:r="http://schemas.openxmlformats.org/officeDocument/2006/relationships" xmlns:p14="http://schemas.microsoft.com/office/powerpoint/2010/main" xmlns:p15="http://schemas.microsoft.com/office/powerpoint/2012/main" xmlns:mc="http://schemas.openxmlformats.org/markup-compatibility/2006" type="fourObj" preserve="1">
+<p:sldLayout xmlns:a="http://schemas.openxmlformats.org/drawingml/2006/main" xmlns:r="http://schemas.openxmlformats.org/officeDocument/2006/relationships" xmlns:p="http://schemas.openxmlformats.org/presentationml/2006/main" type="fourObj" preserve="1">
   <p:cSld name="Title, 4 Content">
     <p:spTree>
       <p:nvGrpSpPr>
@@ -2184,15 +2413,16 @@
           </a:prstGeom>
         </p:spPr>
         <p:txBody>
-          <a:bodyPr lIns="0" rIns="0" tIns="0" bIns="0" anchor="ctr"/>
-          <a:p>
-            <a:endParaRPr b="0" lang="en-US" sz="1800" spc="-1" strike="noStrike">
-              <a:solidFill>
-                <a:srgbClr val="000000"/>
-              </a:solidFill>
-              <a:uFill>
-                <a:solidFill>
-                  <a:srgbClr val="ffffff"/>
+          <a:bodyPr lIns="0" tIns="0" rIns="0" bIns="0" anchor="ctr"/>
+          <a:lstStyle/>
+          <a:p>
+            <a:endParaRPr lang="en-US" sz="1800" b="0" strike="noStrike" spc="-1">
+              <a:solidFill>
+                <a:srgbClr val="000000"/>
+              </a:solidFill>
+              <a:uFill>
+                <a:solidFill>
+                  <a:srgbClr val="FFFFFF"/>
                 </a:solidFill>
               </a:uFill>
               <a:latin typeface="Calibri"/>
@@ -2220,15 +2450,16 @@
           </a:prstGeom>
         </p:spPr>
         <p:txBody>
-          <a:bodyPr lIns="0" rIns="0" tIns="0" bIns="0"/>
-          <a:p>
-            <a:endParaRPr b="0" lang="en-US" sz="2800" spc="-1" strike="noStrike">
-              <a:solidFill>
-                <a:srgbClr val="000000"/>
-              </a:solidFill>
-              <a:uFill>
-                <a:solidFill>
-                  <a:srgbClr val="ffffff"/>
+          <a:bodyPr lIns="0" tIns="0" rIns="0" bIns="0"/>
+          <a:lstStyle/>
+          <a:p>
+            <a:endParaRPr lang="en-US" sz="2800" b="0" strike="noStrike" spc="-1">
+              <a:solidFill>
+                <a:srgbClr val="000000"/>
+              </a:solidFill>
+              <a:uFill>
+                <a:solidFill>
+                  <a:srgbClr val="FFFFFF"/>
                 </a:solidFill>
               </a:uFill>
               <a:latin typeface="Calibri"/>
@@ -2256,15 +2487,16 @@
           </a:prstGeom>
         </p:spPr>
         <p:txBody>
-          <a:bodyPr lIns="0" rIns="0" tIns="0" bIns="0"/>
-          <a:p>
-            <a:endParaRPr b="0" lang="en-US" sz="2800" spc="-1" strike="noStrike">
-              <a:solidFill>
-                <a:srgbClr val="000000"/>
-              </a:solidFill>
-              <a:uFill>
-                <a:solidFill>
-                  <a:srgbClr val="ffffff"/>
+          <a:bodyPr lIns="0" tIns="0" rIns="0" bIns="0"/>
+          <a:lstStyle/>
+          <a:p>
+            <a:endParaRPr lang="en-US" sz="2800" b="0" strike="noStrike" spc="-1">
+              <a:solidFill>
+                <a:srgbClr val="000000"/>
+              </a:solidFill>
+              <a:uFill>
+                <a:solidFill>
+                  <a:srgbClr val="FFFFFF"/>
                 </a:solidFill>
               </a:uFill>
               <a:latin typeface="Calibri"/>
@@ -2292,15 +2524,16 @@
           </a:prstGeom>
         </p:spPr>
         <p:txBody>
-          <a:bodyPr lIns="0" rIns="0" tIns="0" bIns="0"/>
-          <a:p>
-            <a:endParaRPr b="0" lang="en-US" sz="2800" spc="-1" strike="noStrike">
-              <a:solidFill>
-                <a:srgbClr val="000000"/>
-              </a:solidFill>
-              <a:uFill>
-                <a:solidFill>
-                  <a:srgbClr val="ffffff"/>
+          <a:bodyPr lIns="0" tIns="0" rIns="0" bIns="0"/>
+          <a:lstStyle/>
+          <a:p>
+            <a:endParaRPr lang="en-US" sz="2800" b="0" strike="noStrike" spc="-1">
+              <a:solidFill>
+                <a:srgbClr val="000000"/>
+              </a:solidFill>
+              <a:uFill>
+                <a:solidFill>
+                  <a:srgbClr val="FFFFFF"/>
                 </a:solidFill>
               </a:uFill>
               <a:latin typeface="Calibri"/>
@@ -2328,15 +2561,16 @@
           </a:prstGeom>
         </p:spPr>
         <p:txBody>
-          <a:bodyPr lIns="0" rIns="0" tIns="0" bIns="0"/>
-          <a:p>
-            <a:endParaRPr b="0" lang="en-US" sz="2800" spc="-1" strike="noStrike">
-              <a:solidFill>
-                <a:srgbClr val="000000"/>
-              </a:solidFill>
-              <a:uFill>
-                <a:solidFill>
-                  <a:srgbClr val="ffffff"/>
+          <a:bodyPr lIns="0" tIns="0" rIns="0" bIns="0"/>
+          <a:lstStyle/>
+          <a:p>
+            <a:endParaRPr lang="en-US" sz="2800" b="0" strike="noStrike" spc="-1">
+              <a:solidFill>
+                <a:srgbClr val="000000"/>
+              </a:solidFill>
+              <a:uFill>
+                <a:solidFill>
+                  <a:srgbClr val="FFFFFF"/>
                 </a:solidFill>
               </a:uFill>
               <a:latin typeface="Calibri"/>
@@ -2346,11 +2580,14 @@
       </p:sp>
     </p:spTree>
   </p:cSld>
+  <p:clrMapOvr>
+    <a:masterClrMapping/>
+  </p:clrMapOvr>
 </p:sldLayout>
 </file>
 
 <file path=ppt/slideLayouts/slideLayout24.xml><?xml version="1.0" encoding="utf-8"?>
-<p:sldLayout xmlns:a="http://schemas.openxmlformats.org/drawingml/2006/main" xmlns:p="http://schemas.openxmlformats.org/presentationml/2006/main" xmlns:r="http://schemas.openxmlformats.org/officeDocument/2006/relationships" xmlns:p14="http://schemas.microsoft.com/office/powerpoint/2010/main" xmlns:p15="http://schemas.microsoft.com/office/powerpoint/2012/main" xmlns:mc="http://schemas.openxmlformats.org/markup-compatibility/2006" type="blank" preserve="1">
+<p:sldLayout xmlns:a="http://schemas.openxmlformats.org/drawingml/2006/main" xmlns:r="http://schemas.openxmlformats.org/officeDocument/2006/relationships" xmlns:p="http://schemas.openxmlformats.org/presentationml/2006/main" type="blank" preserve="1">
   <p:cSld name="Title, 6 Content">
     <p:spTree>
       <p:nvGrpSpPr>
@@ -2386,15 +2623,16 @@
           </a:prstGeom>
         </p:spPr>
         <p:txBody>
-          <a:bodyPr lIns="0" rIns="0" tIns="0" bIns="0" anchor="ctr"/>
-          <a:p>
-            <a:endParaRPr b="0" lang="en-US" sz="1800" spc="-1" strike="noStrike">
-              <a:solidFill>
-                <a:srgbClr val="000000"/>
-              </a:solidFill>
-              <a:uFill>
-                <a:solidFill>
-                  <a:srgbClr val="ffffff"/>
+          <a:bodyPr lIns="0" tIns="0" rIns="0" bIns="0" anchor="ctr"/>
+          <a:lstStyle/>
+          <a:p>
+            <a:endParaRPr lang="en-US" sz="1800" b="0" strike="noStrike" spc="-1">
+              <a:solidFill>
+                <a:srgbClr val="000000"/>
+              </a:solidFill>
+              <a:uFill>
+                <a:solidFill>
+                  <a:srgbClr val="FFFFFF"/>
                 </a:solidFill>
               </a:uFill>
               <a:latin typeface="Calibri"/>
@@ -2422,15 +2660,16 @@
           </a:prstGeom>
         </p:spPr>
         <p:txBody>
-          <a:bodyPr lIns="0" rIns="0" tIns="0" bIns="0"/>
-          <a:p>
-            <a:endParaRPr b="0" lang="en-US" sz="2800" spc="-1" strike="noStrike">
-              <a:solidFill>
-                <a:srgbClr val="000000"/>
-              </a:solidFill>
-              <a:uFill>
-                <a:solidFill>
-                  <a:srgbClr val="ffffff"/>
+          <a:bodyPr lIns="0" tIns="0" rIns="0" bIns="0"/>
+          <a:lstStyle/>
+          <a:p>
+            <a:endParaRPr lang="en-US" sz="2800" b="0" strike="noStrike" spc="-1">
+              <a:solidFill>
+                <a:srgbClr val="000000"/>
+              </a:solidFill>
+              <a:uFill>
+                <a:solidFill>
+                  <a:srgbClr val="FFFFFF"/>
                 </a:solidFill>
               </a:uFill>
               <a:latin typeface="Calibri"/>
@@ -2458,15 +2697,16 @@
           </a:prstGeom>
         </p:spPr>
         <p:txBody>
-          <a:bodyPr lIns="0" rIns="0" tIns="0" bIns="0"/>
-          <a:p>
-            <a:endParaRPr b="0" lang="en-US" sz="2800" spc="-1" strike="noStrike">
-              <a:solidFill>
-                <a:srgbClr val="000000"/>
-              </a:solidFill>
-              <a:uFill>
-                <a:solidFill>
-                  <a:srgbClr val="ffffff"/>
+          <a:bodyPr lIns="0" tIns="0" rIns="0" bIns="0"/>
+          <a:lstStyle/>
+          <a:p>
+            <a:endParaRPr lang="en-US" sz="2800" b="0" strike="noStrike" spc="-1">
+              <a:solidFill>
+                <a:srgbClr val="000000"/>
+              </a:solidFill>
+              <a:uFill>
+                <a:solidFill>
+                  <a:srgbClr val="FFFFFF"/>
                 </a:solidFill>
               </a:uFill>
               <a:latin typeface="Calibri"/>
@@ -2476,7 +2716,7 @@
       </p:sp>
       <p:pic>
         <p:nvPicPr>
-          <p:cNvPr id="76" name="" descr=""/>
+          <p:cNvPr id="76" name="Picture 75"/>
           <p:cNvPicPr/>
           <p:nvPr/>
         </p:nvPicPr>
@@ -2499,12 +2739,12 @@
       </p:pic>
       <p:pic>
         <p:nvPicPr>
-          <p:cNvPr id="77" name="" descr=""/>
+          <p:cNvPr id="77" name="Picture 76"/>
           <p:cNvPicPr/>
           <p:nvPr/>
         </p:nvPicPr>
         <p:blipFill>
-          <a:blip r:embed="rId3"/>
+          <a:blip r:embed="rId2"/>
           <a:stretch/>
         </p:blipFill>
         <p:spPr>
@@ -2522,11 +2762,14 @@
       </p:pic>
     </p:spTree>
   </p:cSld>
+  <p:clrMapOvr>
+    <a:masterClrMapping/>
+  </p:clrMapOvr>
 </p:sldLayout>
 </file>
 
 <file path=ppt/slideLayouts/slideLayout3.xml><?xml version="1.0" encoding="utf-8"?>
-<p:sldLayout xmlns:a="http://schemas.openxmlformats.org/drawingml/2006/main" xmlns:p="http://schemas.openxmlformats.org/presentationml/2006/main" xmlns:r="http://schemas.openxmlformats.org/officeDocument/2006/relationships" xmlns:p14="http://schemas.microsoft.com/office/powerpoint/2010/main" xmlns:p15="http://schemas.microsoft.com/office/powerpoint/2012/main" xmlns:mc="http://schemas.openxmlformats.org/markup-compatibility/2006" type="obj" preserve="1">
+<p:sldLayout xmlns:a="http://schemas.openxmlformats.org/drawingml/2006/main" xmlns:r="http://schemas.openxmlformats.org/officeDocument/2006/relationships" xmlns:p="http://schemas.openxmlformats.org/presentationml/2006/main" type="obj" preserve="1">
   <p:cSld name="Title, Content">
     <p:spTree>
       <p:nvGrpSpPr>
@@ -2562,15 +2805,16 @@
           </a:prstGeom>
         </p:spPr>
         <p:txBody>
-          <a:bodyPr lIns="0" rIns="0" tIns="0" bIns="0" anchor="ctr"/>
-          <a:p>
-            <a:endParaRPr b="0" lang="en-US" sz="1800" spc="-1" strike="noStrike">
-              <a:solidFill>
-                <a:srgbClr val="000000"/>
-              </a:solidFill>
-              <a:uFill>
-                <a:solidFill>
-                  <a:srgbClr val="ffffff"/>
+          <a:bodyPr lIns="0" tIns="0" rIns="0" bIns="0" anchor="ctr"/>
+          <a:lstStyle/>
+          <a:p>
+            <a:endParaRPr lang="en-US" sz="1800" b="0" strike="noStrike" spc="-1">
+              <a:solidFill>
+                <a:srgbClr val="000000"/>
+              </a:solidFill>
+              <a:uFill>
+                <a:solidFill>
+                  <a:srgbClr val="FFFFFF"/>
                 </a:solidFill>
               </a:uFill>
               <a:latin typeface="Calibri"/>
@@ -2598,15 +2842,16 @@
           </a:prstGeom>
         </p:spPr>
         <p:txBody>
-          <a:bodyPr lIns="0" rIns="0" tIns="0" bIns="0"/>
-          <a:p>
-            <a:endParaRPr b="0" lang="en-US" sz="2800" spc="-1" strike="noStrike">
-              <a:solidFill>
-                <a:srgbClr val="000000"/>
-              </a:solidFill>
-              <a:uFill>
-                <a:solidFill>
-                  <a:srgbClr val="ffffff"/>
+          <a:bodyPr lIns="0" tIns="0" rIns="0" bIns="0"/>
+          <a:lstStyle/>
+          <a:p>
+            <a:endParaRPr lang="en-US" sz="2800" b="0" strike="noStrike" spc="-1">
+              <a:solidFill>
+                <a:srgbClr val="000000"/>
+              </a:solidFill>
+              <a:uFill>
+                <a:solidFill>
+                  <a:srgbClr val="FFFFFF"/>
                 </a:solidFill>
               </a:uFill>
               <a:latin typeface="Calibri"/>
@@ -2616,11 +2861,14 @@
       </p:sp>
     </p:spTree>
   </p:cSld>
+  <p:clrMapOvr>
+    <a:masterClrMapping/>
+  </p:clrMapOvr>
 </p:sldLayout>
 </file>
 
 <file path=ppt/slideLayouts/slideLayout4.xml><?xml version="1.0" encoding="utf-8"?>
-<p:sldLayout xmlns:a="http://schemas.openxmlformats.org/drawingml/2006/main" xmlns:p="http://schemas.openxmlformats.org/presentationml/2006/main" xmlns:r="http://schemas.openxmlformats.org/officeDocument/2006/relationships" xmlns:p14="http://schemas.microsoft.com/office/powerpoint/2010/main" xmlns:p15="http://schemas.microsoft.com/office/powerpoint/2012/main" xmlns:mc="http://schemas.openxmlformats.org/markup-compatibility/2006" type="twoObj" preserve="1">
+<p:sldLayout xmlns:a="http://schemas.openxmlformats.org/drawingml/2006/main" xmlns:r="http://schemas.openxmlformats.org/officeDocument/2006/relationships" xmlns:p="http://schemas.openxmlformats.org/presentationml/2006/main" type="twoObj" preserve="1">
   <p:cSld name="Title, 2 Content">
     <p:spTree>
       <p:nvGrpSpPr>
@@ -2656,15 +2904,16 @@
           </a:prstGeom>
         </p:spPr>
         <p:txBody>
-          <a:bodyPr lIns="0" rIns="0" tIns="0" bIns="0" anchor="ctr"/>
-          <a:p>
-            <a:endParaRPr b="0" lang="en-US" sz="1800" spc="-1" strike="noStrike">
-              <a:solidFill>
-                <a:srgbClr val="000000"/>
-              </a:solidFill>
-              <a:uFill>
-                <a:solidFill>
-                  <a:srgbClr val="ffffff"/>
+          <a:bodyPr lIns="0" tIns="0" rIns="0" bIns="0" anchor="ctr"/>
+          <a:lstStyle/>
+          <a:p>
+            <a:endParaRPr lang="en-US" sz="1800" b="0" strike="noStrike" spc="-1">
+              <a:solidFill>
+                <a:srgbClr val="000000"/>
+              </a:solidFill>
+              <a:uFill>
+                <a:solidFill>
+                  <a:srgbClr val="FFFFFF"/>
                 </a:solidFill>
               </a:uFill>
               <a:latin typeface="Calibri"/>
@@ -2692,15 +2941,16 @@
           </a:prstGeom>
         </p:spPr>
         <p:txBody>
-          <a:bodyPr lIns="0" rIns="0" tIns="0" bIns="0"/>
-          <a:p>
-            <a:endParaRPr b="0" lang="en-US" sz="2800" spc="-1" strike="noStrike">
-              <a:solidFill>
-                <a:srgbClr val="000000"/>
-              </a:solidFill>
-              <a:uFill>
-                <a:solidFill>
-                  <a:srgbClr val="ffffff"/>
+          <a:bodyPr lIns="0" tIns="0" rIns="0" bIns="0"/>
+          <a:lstStyle/>
+          <a:p>
+            <a:endParaRPr lang="en-US" sz="2800" b="0" strike="noStrike" spc="-1">
+              <a:solidFill>
+                <a:srgbClr val="000000"/>
+              </a:solidFill>
+              <a:uFill>
+                <a:solidFill>
+                  <a:srgbClr val="FFFFFF"/>
                 </a:solidFill>
               </a:uFill>
               <a:latin typeface="Calibri"/>
@@ -2728,15 +2978,16 @@
           </a:prstGeom>
         </p:spPr>
         <p:txBody>
-          <a:bodyPr lIns="0" rIns="0" tIns="0" bIns="0"/>
-          <a:p>
-            <a:endParaRPr b="0" lang="en-US" sz="2800" spc="-1" strike="noStrike">
-              <a:solidFill>
-                <a:srgbClr val="000000"/>
-              </a:solidFill>
-              <a:uFill>
-                <a:solidFill>
-                  <a:srgbClr val="ffffff"/>
+          <a:bodyPr lIns="0" tIns="0" rIns="0" bIns="0"/>
+          <a:lstStyle/>
+          <a:p>
+            <a:endParaRPr lang="en-US" sz="2800" b="0" strike="noStrike" spc="-1">
+              <a:solidFill>
+                <a:srgbClr val="000000"/>
+              </a:solidFill>
+              <a:uFill>
+                <a:solidFill>
+                  <a:srgbClr val="FFFFFF"/>
                 </a:solidFill>
               </a:uFill>
               <a:latin typeface="Calibri"/>
@@ -2746,11 +2997,14 @@
       </p:sp>
     </p:spTree>
   </p:cSld>
+  <p:clrMapOvr>
+    <a:masterClrMapping/>
+  </p:clrMapOvr>
 </p:sldLayout>
 </file>
 
 <file path=ppt/slideLayouts/slideLayout5.xml><?xml version="1.0" encoding="utf-8"?>
-<p:sldLayout xmlns:a="http://schemas.openxmlformats.org/drawingml/2006/main" xmlns:p="http://schemas.openxmlformats.org/presentationml/2006/main" xmlns:r="http://schemas.openxmlformats.org/officeDocument/2006/relationships" xmlns:p14="http://schemas.microsoft.com/office/powerpoint/2010/main" xmlns:p15="http://schemas.microsoft.com/office/powerpoint/2012/main" xmlns:mc="http://schemas.openxmlformats.org/markup-compatibility/2006" type="titleOnly" preserve="1">
+<p:sldLayout xmlns:a="http://schemas.openxmlformats.org/drawingml/2006/main" xmlns:r="http://schemas.openxmlformats.org/officeDocument/2006/relationships" xmlns:p="http://schemas.openxmlformats.org/presentationml/2006/main" type="titleOnly" preserve="1">
   <p:cSld name="Title Only">
     <p:spTree>
       <p:nvGrpSpPr>
@@ -2786,15 +3040,16 @@
           </a:prstGeom>
         </p:spPr>
         <p:txBody>
-          <a:bodyPr lIns="0" rIns="0" tIns="0" bIns="0" anchor="ctr"/>
-          <a:p>
-            <a:endParaRPr b="0" lang="en-US" sz="1800" spc="-1" strike="noStrike">
-              <a:solidFill>
-                <a:srgbClr val="000000"/>
-              </a:solidFill>
-              <a:uFill>
-                <a:solidFill>
-                  <a:srgbClr val="ffffff"/>
+          <a:bodyPr lIns="0" tIns="0" rIns="0" bIns="0" anchor="ctr"/>
+          <a:lstStyle/>
+          <a:p>
+            <a:endParaRPr lang="en-US" sz="1800" b="0" strike="noStrike" spc="-1">
+              <a:solidFill>
+                <a:srgbClr val="000000"/>
+              </a:solidFill>
+              <a:uFill>
+                <a:solidFill>
+                  <a:srgbClr val="FFFFFF"/>
                 </a:solidFill>
               </a:uFill>
               <a:latin typeface="Calibri"/>
@@ -2804,11 +3059,14 @@
       </p:sp>
     </p:spTree>
   </p:cSld>
+  <p:clrMapOvr>
+    <a:masterClrMapping/>
+  </p:clrMapOvr>
 </p:sldLayout>
 </file>
 
 <file path=ppt/slideLayouts/slideLayout6.xml><?xml version="1.0" encoding="utf-8"?>
-<p:sldLayout xmlns:a="http://schemas.openxmlformats.org/drawingml/2006/main" xmlns:p="http://schemas.openxmlformats.org/presentationml/2006/main" xmlns:r="http://schemas.openxmlformats.org/officeDocument/2006/relationships" xmlns:p14="http://schemas.microsoft.com/office/powerpoint/2010/main" xmlns:p15="http://schemas.microsoft.com/office/powerpoint/2012/main" xmlns:mc="http://schemas.openxmlformats.org/markup-compatibility/2006" type="objOnly" preserve="1">
+<p:sldLayout xmlns:a="http://schemas.openxmlformats.org/drawingml/2006/main" xmlns:r="http://schemas.openxmlformats.org/officeDocument/2006/relationships" xmlns:p="http://schemas.openxmlformats.org/presentationml/2006/main" type="objOnly" preserve="1">
   <p:cSld name="Centered Text">
     <p:spTree>
       <p:nvGrpSpPr>
@@ -2844,16 +3102,17 @@
           </a:prstGeom>
         </p:spPr>
         <p:txBody>
-          <a:bodyPr lIns="0" rIns="0" tIns="0" bIns="0" anchor="ctr"/>
+          <a:bodyPr lIns="0" tIns="0" rIns="0" bIns="0" anchor="ctr"/>
+          <a:lstStyle/>
           <a:p>
             <a:pPr algn="ctr"/>
-            <a:endParaRPr b="0" lang="en-US" sz="3200" spc="-1" strike="noStrike">
-              <a:solidFill>
-                <a:srgbClr val="000000"/>
-              </a:solidFill>
-              <a:uFill>
-                <a:solidFill>
-                  <a:srgbClr val="ffffff"/>
+            <a:endParaRPr lang="en-US" sz="3200" b="0" strike="noStrike" spc="-1">
+              <a:solidFill>
+                <a:srgbClr val="000000"/>
+              </a:solidFill>
+              <a:uFill>
+                <a:solidFill>
+                  <a:srgbClr val="FFFFFF"/>
                 </a:solidFill>
               </a:uFill>
               <a:latin typeface="Arial"/>
@@ -2863,11 +3122,14 @@
       </p:sp>
     </p:spTree>
   </p:cSld>
+  <p:clrMapOvr>
+    <a:masterClrMapping/>
+  </p:clrMapOvr>
 </p:sldLayout>
 </file>
 
 <file path=ppt/slideLayouts/slideLayout7.xml><?xml version="1.0" encoding="utf-8"?>
-<p:sldLayout xmlns:a="http://schemas.openxmlformats.org/drawingml/2006/main" xmlns:p="http://schemas.openxmlformats.org/presentationml/2006/main" xmlns:r="http://schemas.openxmlformats.org/officeDocument/2006/relationships" xmlns:p14="http://schemas.microsoft.com/office/powerpoint/2010/main" xmlns:p15="http://schemas.microsoft.com/office/powerpoint/2012/main" xmlns:mc="http://schemas.openxmlformats.org/markup-compatibility/2006" type="twoObjAndObj" preserve="1">
+<p:sldLayout xmlns:a="http://schemas.openxmlformats.org/drawingml/2006/main" xmlns:r="http://schemas.openxmlformats.org/officeDocument/2006/relationships" xmlns:p="http://schemas.openxmlformats.org/presentationml/2006/main" type="twoObjAndObj" preserve="1">
   <p:cSld name="Title, 2 Content and Content">
     <p:spTree>
       <p:nvGrpSpPr>
@@ -2903,15 +3165,16 @@
           </a:prstGeom>
         </p:spPr>
         <p:txBody>
-          <a:bodyPr lIns="0" rIns="0" tIns="0" bIns="0" anchor="ctr"/>
-          <a:p>
-            <a:endParaRPr b="0" lang="en-US" sz="1800" spc="-1" strike="noStrike">
-              <a:solidFill>
-                <a:srgbClr val="000000"/>
-              </a:solidFill>
-              <a:uFill>
-                <a:solidFill>
-                  <a:srgbClr val="ffffff"/>
+          <a:bodyPr lIns="0" tIns="0" rIns="0" bIns="0" anchor="ctr"/>
+          <a:lstStyle/>
+          <a:p>
+            <a:endParaRPr lang="en-US" sz="1800" b="0" strike="noStrike" spc="-1">
+              <a:solidFill>
+                <a:srgbClr val="000000"/>
+              </a:solidFill>
+              <a:uFill>
+                <a:solidFill>
+                  <a:srgbClr val="FFFFFF"/>
                 </a:solidFill>
               </a:uFill>
               <a:latin typeface="Calibri"/>
@@ -2939,15 +3202,16 @@
           </a:prstGeom>
         </p:spPr>
         <p:txBody>
-          <a:bodyPr lIns="0" rIns="0" tIns="0" bIns="0"/>
-          <a:p>
-            <a:endParaRPr b="0" lang="en-US" sz="2800" spc="-1" strike="noStrike">
-              <a:solidFill>
-                <a:srgbClr val="000000"/>
-              </a:solidFill>
-              <a:uFill>
-                <a:solidFill>
-                  <a:srgbClr val="ffffff"/>
+          <a:bodyPr lIns="0" tIns="0" rIns="0" bIns="0"/>
+          <a:lstStyle/>
+          <a:p>
+            <a:endParaRPr lang="en-US" sz="2800" b="0" strike="noStrike" spc="-1">
+              <a:solidFill>
+                <a:srgbClr val="000000"/>
+              </a:solidFill>
+              <a:uFill>
+                <a:solidFill>
+                  <a:srgbClr val="FFFFFF"/>
                 </a:solidFill>
               </a:uFill>
               <a:latin typeface="Calibri"/>
@@ -2975,15 +3239,16 @@
           </a:prstGeom>
         </p:spPr>
         <p:txBody>
-          <a:bodyPr lIns="0" rIns="0" tIns="0" bIns="0"/>
-          <a:p>
-            <a:endParaRPr b="0" lang="en-US" sz="2800" spc="-1" strike="noStrike">
-              <a:solidFill>
-                <a:srgbClr val="000000"/>
-              </a:solidFill>
-              <a:uFill>
-                <a:solidFill>
-                  <a:srgbClr val="ffffff"/>
+          <a:bodyPr lIns="0" tIns="0" rIns="0" bIns="0"/>
+          <a:lstStyle/>
+          <a:p>
+            <a:endParaRPr lang="en-US" sz="2800" b="0" strike="noStrike" spc="-1">
+              <a:solidFill>
+                <a:srgbClr val="000000"/>
+              </a:solidFill>
+              <a:uFill>
+                <a:solidFill>
+                  <a:srgbClr val="FFFFFF"/>
                 </a:solidFill>
               </a:uFill>
               <a:latin typeface="Calibri"/>
@@ -3011,15 +3276,16 @@
           </a:prstGeom>
         </p:spPr>
         <p:txBody>
-          <a:bodyPr lIns="0" rIns="0" tIns="0" bIns="0"/>
-          <a:p>
-            <a:endParaRPr b="0" lang="en-US" sz="2800" spc="-1" strike="noStrike">
-              <a:solidFill>
-                <a:srgbClr val="000000"/>
-              </a:solidFill>
-              <a:uFill>
-                <a:solidFill>
-                  <a:srgbClr val="ffffff"/>
+          <a:bodyPr lIns="0" tIns="0" rIns="0" bIns="0"/>
+          <a:lstStyle/>
+          <a:p>
+            <a:endParaRPr lang="en-US" sz="2800" b="0" strike="noStrike" spc="-1">
+              <a:solidFill>
+                <a:srgbClr val="000000"/>
+              </a:solidFill>
+              <a:uFill>
+                <a:solidFill>
+                  <a:srgbClr val="FFFFFF"/>
                 </a:solidFill>
               </a:uFill>
               <a:latin typeface="Calibri"/>
@@ -3029,11 +3295,14 @@
       </p:sp>
     </p:spTree>
   </p:cSld>
+  <p:clrMapOvr>
+    <a:masterClrMapping/>
+  </p:clrMapOvr>
 </p:sldLayout>
 </file>
 
 <file path=ppt/slideLayouts/slideLayout8.xml><?xml version="1.0" encoding="utf-8"?>
-<p:sldLayout xmlns:a="http://schemas.openxmlformats.org/drawingml/2006/main" xmlns:p="http://schemas.openxmlformats.org/presentationml/2006/main" xmlns:r="http://schemas.openxmlformats.org/officeDocument/2006/relationships" xmlns:p14="http://schemas.microsoft.com/office/powerpoint/2010/main" xmlns:p15="http://schemas.microsoft.com/office/powerpoint/2012/main" xmlns:mc="http://schemas.openxmlformats.org/markup-compatibility/2006" type="objAndTwoObj" preserve="1">
+<p:sldLayout xmlns:a="http://schemas.openxmlformats.org/drawingml/2006/main" xmlns:r="http://schemas.openxmlformats.org/officeDocument/2006/relationships" xmlns:p="http://schemas.openxmlformats.org/presentationml/2006/main" type="objAndTwoObj" preserve="1">
   <p:cSld name="Title Content and 2 Content">
     <p:spTree>
       <p:nvGrpSpPr>
@@ -3069,15 +3338,16 @@
           </a:prstGeom>
         </p:spPr>
         <p:txBody>
-          <a:bodyPr lIns="0" rIns="0" tIns="0" bIns="0" anchor="ctr"/>
-          <a:p>
-            <a:endParaRPr b="0" lang="en-US" sz="1800" spc="-1" strike="noStrike">
-              <a:solidFill>
-                <a:srgbClr val="000000"/>
-              </a:solidFill>
-              <a:uFill>
-                <a:solidFill>
-                  <a:srgbClr val="ffffff"/>
+          <a:bodyPr lIns="0" tIns="0" rIns="0" bIns="0" anchor="ctr"/>
+          <a:lstStyle/>
+          <a:p>
+            <a:endParaRPr lang="en-US" sz="1800" b="0" strike="noStrike" spc="-1">
+              <a:solidFill>
+                <a:srgbClr val="000000"/>
+              </a:solidFill>
+              <a:uFill>
+                <a:solidFill>
+                  <a:srgbClr val="FFFFFF"/>
                 </a:solidFill>
               </a:uFill>
               <a:latin typeface="Calibri"/>
@@ -3105,15 +3375,16 @@
           </a:prstGeom>
         </p:spPr>
         <p:txBody>
-          <a:bodyPr lIns="0" rIns="0" tIns="0" bIns="0"/>
-          <a:p>
-            <a:endParaRPr b="0" lang="en-US" sz="2800" spc="-1" strike="noStrike">
-              <a:solidFill>
-                <a:srgbClr val="000000"/>
-              </a:solidFill>
-              <a:uFill>
-                <a:solidFill>
-                  <a:srgbClr val="ffffff"/>
+          <a:bodyPr lIns="0" tIns="0" rIns="0" bIns="0"/>
+          <a:lstStyle/>
+          <a:p>
+            <a:endParaRPr lang="en-US" sz="2800" b="0" strike="noStrike" spc="-1">
+              <a:solidFill>
+                <a:srgbClr val="000000"/>
+              </a:solidFill>
+              <a:uFill>
+                <a:solidFill>
+                  <a:srgbClr val="FFFFFF"/>
                 </a:solidFill>
               </a:uFill>
               <a:latin typeface="Calibri"/>
@@ -3141,15 +3412,16 @@
           </a:prstGeom>
         </p:spPr>
         <p:txBody>
-          <a:bodyPr lIns="0" rIns="0" tIns="0" bIns="0"/>
-          <a:p>
-            <a:endParaRPr b="0" lang="en-US" sz="2800" spc="-1" strike="noStrike">
-              <a:solidFill>
-                <a:srgbClr val="000000"/>
-              </a:solidFill>
-              <a:uFill>
-                <a:solidFill>
-                  <a:srgbClr val="ffffff"/>
+          <a:bodyPr lIns="0" tIns="0" rIns="0" bIns="0"/>
+          <a:lstStyle/>
+          <a:p>
+            <a:endParaRPr lang="en-US" sz="2800" b="0" strike="noStrike" spc="-1">
+              <a:solidFill>
+                <a:srgbClr val="000000"/>
+              </a:solidFill>
+              <a:uFill>
+                <a:solidFill>
+                  <a:srgbClr val="FFFFFF"/>
                 </a:solidFill>
               </a:uFill>
               <a:latin typeface="Calibri"/>
@@ -3177,15 +3449,16 @@
           </a:prstGeom>
         </p:spPr>
         <p:txBody>
-          <a:bodyPr lIns="0" rIns="0" tIns="0" bIns="0"/>
-          <a:p>
-            <a:endParaRPr b="0" lang="en-US" sz="2800" spc="-1" strike="noStrike">
-              <a:solidFill>
-                <a:srgbClr val="000000"/>
-              </a:solidFill>
-              <a:uFill>
-                <a:solidFill>
-                  <a:srgbClr val="ffffff"/>
+          <a:bodyPr lIns="0" tIns="0" rIns="0" bIns="0"/>
+          <a:lstStyle/>
+          <a:p>
+            <a:endParaRPr lang="en-US" sz="2800" b="0" strike="noStrike" spc="-1">
+              <a:solidFill>
+                <a:srgbClr val="000000"/>
+              </a:solidFill>
+              <a:uFill>
+                <a:solidFill>
+                  <a:srgbClr val="FFFFFF"/>
                 </a:solidFill>
               </a:uFill>
               <a:latin typeface="Calibri"/>
@@ -3195,11 +3468,14 @@
       </p:sp>
     </p:spTree>
   </p:cSld>
+  <p:clrMapOvr>
+    <a:masterClrMapping/>
+  </p:clrMapOvr>
 </p:sldLayout>
 </file>
 
 <file path=ppt/slideLayouts/slideLayout9.xml><?xml version="1.0" encoding="utf-8"?>
-<p:sldLayout xmlns:a="http://schemas.openxmlformats.org/drawingml/2006/main" xmlns:p="http://schemas.openxmlformats.org/presentationml/2006/main" xmlns:r="http://schemas.openxmlformats.org/officeDocument/2006/relationships" xmlns:p14="http://schemas.microsoft.com/office/powerpoint/2010/main" xmlns:p15="http://schemas.microsoft.com/office/powerpoint/2012/main" xmlns:mc="http://schemas.openxmlformats.org/markup-compatibility/2006" type="twoObjOverTx" preserve="1">
+<p:sldLayout xmlns:a="http://schemas.openxmlformats.org/drawingml/2006/main" xmlns:r="http://schemas.openxmlformats.org/officeDocument/2006/relationships" xmlns:p="http://schemas.openxmlformats.org/presentationml/2006/main" type="twoObjOverTx" preserve="1">
   <p:cSld name="Title, 2 Content over Content">
     <p:spTree>
       <p:nvGrpSpPr>
@@ -3235,15 +3511,16 @@
           </a:prstGeom>
         </p:spPr>
         <p:txBody>
-          <a:bodyPr lIns="0" rIns="0" tIns="0" bIns="0" anchor="ctr"/>
-          <a:p>
-            <a:endParaRPr b="0" lang="en-US" sz="1800" spc="-1" strike="noStrike">
-              <a:solidFill>
-                <a:srgbClr val="000000"/>
-              </a:solidFill>
-              <a:uFill>
-                <a:solidFill>
-                  <a:srgbClr val="ffffff"/>
+          <a:bodyPr lIns="0" tIns="0" rIns="0" bIns="0" anchor="ctr"/>
+          <a:lstStyle/>
+          <a:p>
+            <a:endParaRPr lang="en-US" sz="1800" b="0" strike="noStrike" spc="-1">
+              <a:solidFill>
+                <a:srgbClr val="000000"/>
+              </a:solidFill>
+              <a:uFill>
+                <a:solidFill>
+                  <a:srgbClr val="FFFFFF"/>
                 </a:solidFill>
               </a:uFill>
               <a:latin typeface="Calibri"/>
@@ -3271,15 +3548,16 @@
           </a:prstGeom>
         </p:spPr>
         <p:txBody>
-          <a:bodyPr lIns="0" rIns="0" tIns="0" bIns="0"/>
-          <a:p>
-            <a:endParaRPr b="0" lang="en-US" sz="2800" spc="-1" strike="noStrike">
-              <a:solidFill>
-                <a:srgbClr val="000000"/>
-              </a:solidFill>
-              <a:uFill>
-                <a:solidFill>
-                  <a:srgbClr val="ffffff"/>
+          <a:bodyPr lIns="0" tIns="0" rIns="0" bIns="0"/>
+          <a:lstStyle/>
+          <a:p>
+            <a:endParaRPr lang="en-US" sz="2800" b="0" strike="noStrike" spc="-1">
+              <a:solidFill>
+                <a:srgbClr val="000000"/>
+              </a:solidFill>
+              <a:uFill>
+                <a:solidFill>
+                  <a:srgbClr val="FFFFFF"/>
                 </a:solidFill>
               </a:uFill>
               <a:latin typeface="Calibri"/>
@@ -3307,15 +3585,16 @@
           </a:prstGeom>
         </p:spPr>
         <p:txBody>
-          <a:bodyPr lIns="0" rIns="0" tIns="0" bIns="0"/>
-          <a:p>
-            <a:endParaRPr b="0" lang="en-US" sz="2800" spc="-1" strike="noStrike">
-              <a:solidFill>
-                <a:srgbClr val="000000"/>
-              </a:solidFill>
-              <a:uFill>
-                <a:solidFill>
-                  <a:srgbClr val="ffffff"/>
+          <a:bodyPr lIns="0" tIns="0" rIns="0" bIns="0"/>
+          <a:lstStyle/>
+          <a:p>
+            <a:endParaRPr lang="en-US" sz="2800" b="0" strike="noStrike" spc="-1">
+              <a:solidFill>
+                <a:srgbClr val="000000"/>
+              </a:solidFill>
+              <a:uFill>
+                <a:solidFill>
+                  <a:srgbClr val="FFFFFF"/>
                 </a:solidFill>
               </a:uFill>
               <a:latin typeface="Calibri"/>
@@ -3343,15 +3622,16 @@
           </a:prstGeom>
         </p:spPr>
         <p:txBody>
-          <a:bodyPr lIns="0" rIns="0" tIns="0" bIns="0"/>
-          <a:p>
-            <a:endParaRPr b="0" lang="en-US" sz="2800" spc="-1" strike="noStrike">
-              <a:solidFill>
-                <a:srgbClr val="000000"/>
-              </a:solidFill>
-              <a:uFill>
-                <a:solidFill>
-                  <a:srgbClr val="ffffff"/>
+          <a:bodyPr lIns="0" tIns="0" rIns="0" bIns="0"/>
+          <a:lstStyle/>
+          <a:p>
+            <a:endParaRPr lang="en-US" sz="2800" b="0" strike="noStrike" spc="-1">
+              <a:solidFill>
+                <a:srgbClr val="000000"/>
+              </a:solidFill>
+              <a:uFill>
+                <a:solidFill>
+                  <a:srgbClr val="FFFFFF"/>
                 </a:solidFill>
               </a:uFill>
               <a:latin typeface="Calibri"/>
@@ -3361,17 +3641,21 @@
       </p:sp>
     </p:spTree>
   </p:cSld>
+  <p:clrMapOvr>
+    <a:masterClrMapping/>
+  </p:clrMapOvr>
 </p:sldLayout>
 </file>
 
 <file path=ppt/slideMasters/slideMaster1.xml><?xml version="1.0" encoding="utf-8"?>
-<p:sldMaster xmlns:a="http://schemas.openxmlformats.org/drawingml/2006/main" xmlns:p="http://schemas.openxmlformats.org/presentationml/2006/main" xmlns:r="http://schemas.openxmlformats.org/officeDocument/2006/relationships" xmlns:p14="http://schemas.microsoft.com/office/powerpoint/2010/main" xmlns:p15="http://schemas.microsoft.com/office/powerpoint/2012/main" xmlns:mc="http://schemas.openxmlformats.org/markup-compatibility/2006">
+<p:sldMaster xmlns:a="http://schemas.openxmlformats.org/drawingml/2006/main" xmlns:r="http://schemas.openxmlformats.org/officeDocument/2006/relationships" xmlns:p="http://schemas.openxmlformats.org/presentationml/2006/main">
   <p:cSld>
     <p:bg>
       <p:bgPr>
         <a:solidFill>
-          <a:srgbClr val="ffffff"/>
+          <a:srgbClr val="FFFFFF"/>
         </a:solidFill>
+        <a:effectLst/>
       </p:bgPr>
     </p:bg>
     <p:spTree>
@@ -3390,7 +3674,7 @@
       </p:grpSpPr>
       <p:sp>
         <p:nvSpPr>
-          <p:cNvPr id="0" name="PlaceHolder 1"/>
+          <p:cNvPr id="5" name="PlaceHolder 1"/>
           <p:cNvSpPr>
             <a:spLocks noGrp="1"/>
           </p:cNvSpPr>
@@ -3409,6 +3693,7 @@
         </p:spPr>
         <p:txBody>
           <a:bodyPr anchor="b"/>
+          <a:lstStyle/>
           <a:p>
             <a:pPr algn="ctr">
               <a:lnSpc>
@@ -3416,36 +3701,36 @@
               </a:lnSpc>
             </a:pPr>
             <a:r>
-              <a:rPr b="0" lang="en-US" sz="6000" spc="-1" strike="noStrike">
+              <a:rPr lang="en-US" sz="6000" b="0" strike="noStrike" spc="-1">
                 <a:solidFill>
                   <a:srgbClr val="000000"/>
                 </a:solidFill>
                 <a:uFill>
                   <a:solidFill>
-                    <a:srgbClr val="ffffff"/>
+                    <a:srgbClr val="FFFFFF"/>
                   </a:solidFill>
                 </a:uFill>
                 <a:latin typeface="Calibri Light"/>
               </a:rPr>
               <a:t>Click to edit Master title style</a:t>
             </a:r>
-            <a:endParaRPr b="0" lang="en-US" sz="1800" spc="-1" strike="noStrike">
-              <a:solidFill>
-                <a:srgbClr val="000000"/>
-              </a:solidFill>
-              <a:uFill>
-                <a:solidFill>
-                  <a:srgbClr val="ffffff"/>
-                </a:solidFill>
-              </a:uFill>
-              <a:latin typeface="Calibri"/>
-            </a:endParaRPr>
-          </a:p>
-        </p:txBody>
-      </p:sp>
-      <p:sp>
-        <p:nvSpPr>
-          <p:cNvPr id="1" name="PlaceHolder 2"/>
+            <a:endParaRPr lang="en-US" sz="1800" b="0" strike="noStrike" spc="-1">
+              <a:solidFill>
+                <a:srgbClr val="000000"/>
+              </a:solidFill>
+              <a:uFill>
+                <a:solidFill>
+                  <a:srgbClr val="FFFFFF"/>
+                </a:solidFill>
+              </a:uFill>
+              <a:latin typeface="Calibri"/>
+            </a:endParaRPr>
+          </a:p>
+        </p:txBody>
+      </p:sp>
+      <p:sp>
+        <p:nvSpPr>
+          <p:cNvPr id="6" name="PlaceHolder 2"/>
           <p:cNvSpPr>
             <a:spLocks noGrp="1"/>
           </p:cNvSpPr>
@@ -3464,6 +3749,7 @@
         </p:spPr>
         <p:txBody>
           <a:bodyPr anchor="ctr"/>
+          <a:lstStyle/>
           <a:p>
             <a:pPr>
               <a:lnSpc>
@@ -3471,26 +3757,26 @@
               </a:lnSpc>
             </a:pPr>
             <a:r>
-              <a:rPr b="0" lang="en-US" sz="1200" spc="-1" strike="noStrike">
-                <a:solidFill>
-                  <a:srgbClr val="8b8b8b"/>
+              <a:rPr lang="en-US" sz="1200" b="0" strike="noStrike" spc="-1">
+                <a:solidFill>
+                  <a:srgbClr val="8B8B8B"/>
                 </a:solidFill>
                 <a:uFill>
                   <a:solidFill>
-                    <a:srgbClr val="ffffff"/>
+                    <a:srgbClr val="FFFFFF"/>
                   </a:solidFill>
                 </a:uFill>
                 <a:latin typeface="Calibri"/>
               </a:rPr>
               <a:t>10/21/19</a:t>
             </a:r>
-            <a:endParaRPr b="0" lang="en-US" sz="1400" spc="-1" strike="noStrike">
-              <a:solidFill>
-                <a:srgbClr val="000000"/>
-              </a:solidFill>
-              <a:uFill>
-                <a:solidFill>
-                  <a:srgbClr val="ffffff"/>
+            <a:endParaRPr lang="en-US" sz="1400" b="0" strike="noStrike" spc="-1">
+              <a:solidFill>
+                <a:srgbClr val="000000"/>
+              </a:solidFill>
+              <a:uFill>
+                <a:solidFill>
+                  <a:srgbClr val="FFFFFF"/>
                 </a:solidFill>
               </a:uFill>
               <a:latin typeface="Times New Roman"/>
@@ -3519,14 +3805,15 @@
         </p:spPr>
         <p:txBody>
           <a:bodyPr anchor="ctr"/>
-          <a:p>
-            <a:endParaRPr b="0" lang="en-US" sz="2400" spc="-1" strike="noStrike">
-              <a:solidFill>
-                <a:srgbClr val="000000"/>
-              </a:solidFill>
-              <a:uFill>
-                <a:solidFill>
-                  <a:srgbClr val="ffffff"/>
+          <a:lstStyle/>
+          <a:p>
+            <a:endParaRPr lang="en-US" sz="2400" b="0" strike="noStrike" spc="-1">
+              <a:solidFill>
+                <a:srgbClr val="000000"/>
+              </a:solidFill>
+              <a:uFill>
+                <a:solidFill>
+                  <a:srgbClr val="FFFFFF"/>
                 </a:solidFill>
               </a:uFill>
               <a:latin typeface="Times New Roman"/>
@@ -3555,6 +3842,7 @@
         </p:spPr>
         <p:txBody>
           <a:bodyPr anchor="ctr"/>
+          <a:lstStyle/>
           <a:p>
             <a:pPr algn="r">
               <a:lnSpc>
@@ -3562,26 +3850,26 @@
               </a:lnSpc>
             </a:pPr>
             <a:fld id="{78EB84E4-0E3B-4399-8945-181114D5C213}" type="slidenum">
-              <a:rPr b="0" lang="en-US" sz="1200" spc="-1" strike="noStrike">
-                <a:solidFill>
-                  <a:srgbClr val="8b8b8b"/>
+              <a:rPr lang="en-US" sz="1200" b="0" strike="noStrike" spc="-1">
+                <a:solidFill>
+                  <a:srgbClr val="8B8B8B"/>
                 </a:solidFill>
                 <a:uFill>
                   <a:solidFill>
-                    <a:srgbClr val="ffffff"/>
+                    <a:srgbClr val="FFFFFF"/>
                   </a:solidFill>
                 </a:uFill>
                 <a:latin typeface="Calibri"/>
               </a:rPr>
-              <a:t>&lt;number&gt;</a:t>
+              <a:t>‹#›</a:t>
             </a:fld>
-            <a:endParaRPr b="0" lang="en-US" sz="1400" spc="-1" strike="noStrike">
-              <a:solidFill>
-                <a:srgbClr val="000000"/>
-              </a:solidFill>
-              <a:uFill>
-                <a:solidFill>
-                  <a:srgbClr val="ffffff"/>
+            <a:endParaRPr lang="en-US" sz="1400" b="0" strike="noStrike" spc="-1">
+              <a:solidFill>
+                <a:srgbClr val="000000"/>
+              </a:solidFill>
+              <a:uFill>
+                <a:solidFill>
+                  <a:srgbClr val="FFFFFF"/>
                 </a:solidFill>
               </a:uFill>
               <a:latin typeface="Times New Roman"/>
@@ -3609,7 +3897,8 @@
           </a:prstGeom>
         </p:spPr>
         <p:txBody>
-          <a:bodyPr lIns="0" rIns="0" tIns="0" bIns="0"/>
+          <a:bodyPr lIns="0" tIns="0" rIns="0" bIns="0"/>
+          <a:lstStyle/>
           <a:p>
             <a:pPr marL="432000" indent="-324000">
               <a:buClr>
@@ -3620,33 +3909,22 @@
               <a:buChar char=""/>
             </a:pPr>
             <a:r>
-              <a:rPr b="0" lang="en-US" sz="2800" spc="-1" strike="noStrike">
+              <a:rPr lang="en-US" sz="2800" b="0" strike="noStrike" spc="-1">
                 <a:solidFill>
                   <a:srgbClr val="000000"/>
                 </a:solidFill>
                 <a:uFill>
                   <a:solidFill>
-                    <a:srgbClr val="ffffff"/>
+                    <a:srgbClr val="FFFFFF"/>
                   </a:solidFill>
                 </a:uFill>
                 <a:latin typeface="Calibri"/>
               </a:rPr>
               <a:t>Click to edit the outline text format</a:t>
             </a:r>
-            <a:endParaRPr b="0" lang="en-US" sz="2800" spc="-1" strike="noStrike">
-              <a:solidFill>
-                <a:srgbClr val="000000"/>
-              </a:solidFill>
-              <a:uFill>
-                <a:solidFill>
-                  <a:srgbClr val="ffffff"/>
-                </a:solidFill>
-              </a:uFill>
-              <a:latin typeface="Calibri"/>
-            </a:endParaRPr>
-          </a:p>
-          <a:p>
-            <a:pPr lvl="1" marL="864000" indent="-324000">
+          </a:p>
+          <a:p>
+            <a:pPr marL="864000" lvl="1" indent="-324000">
               <a:buClr>
                 <a:srgbClr val="000000"/>
               </a:buClr>
@@ -3655,33 +3933,22 @@
               <a:buChar char=""/>
             </a:pPr>
             <a:r>
-              <a:rPr b="0" lang="en-US" sz="2000" spc="-1" strike="noStrike">
+              <a:rPr lang="en-US" sz="2000" b="0" strike="noStrike" spc="-1">
                 <a:solidFill>
                   <a:srgbClr val="000000"/>
                 </a:solidFill>
                 <a:uFill>
                   <a:solidFill>
-                    <a:srgbClr val="ffffff"/>
+                    <a:srgbClr val="FFFFFF"/>
                   </a:solidFill>
                 </a:uFill>
                 <a:latin typeface="Calibri"/>
               </a:rPr>
               <a:t>Second Outline Level</a:t>
             </a:r>
-            <a:endParaRPr b="0" lang="en-US" sz="2000" spc="-1" strike="noStrike">
-              <a:solidFill>
-                <a:srgbClr val="000000"/>
-              </a:solidFill>
-              <a:uFill>
-                <a:solidFill>
-                  <a:srgbClr val="ffffff"/>
-                </a:solidFill>
-              </a:uFill>
-              <a:latin typeface="Calibri"/>
-            </a:endParaRPr>
-          </a:p>
-          <a:p>
-            <a:pPr lvl="2" marL="1296000" indent="-288000">
+          </a:p>
+          <a:p>
+            <a:pPr marL="1296000" lvl="2" indent="-288000">
               <a:buClr>
                 <a:srgbClr val="000000"/>
               </a:buClr>
@@ -3690,33 +3957,22 @@
               <a:buChar char=""/>
             </a:pPr>
             <a:r>
-              <a:rPr b="0" lang="en-US" sz="1800" spc="-1" strike="noStrike">
+              <a:rPr lang="en-US" sz="1800" b="0" strike="noStrike" spc="-1">
                 <a:solidFill>
                   <a:srgbClr val="000000"/>
                 </a:solidFill>
                 <a:uFill>
                   <a:solidFill>
-                    <a:srgbClr val="ffffff"/>
+                    <a:srgbClr val="FFFFFF"/>
                   </a:solidFill>
                 </a:uFill>
                 <a:latin typeface="Calibri"/>
               </a:rPr>
               <a:t>Third Outline Level</a:t>
             </a:r>
-            <a:endParaRPr b="0" lang="en-US" sz="1800" spc="-1" strike="noStrike">
-              <a:solidFill>
-                <a:srgbClr val="000000"/>
-              </a:solidFill>
-              <a:uFill>
-                <a:solidFill>
-                  <a:srgbClr val="ffffff"/>
-                </a:solidFill>
-              </a:uFill>
-              <a:latin typeface="Calibri"/>
-            </a:endParaRPr>
-          </a:p>
-          <a:p>
-            <a:pPr lvl="3" marL="1728000" indent="-216000">
+          </a:p>
+          <a:p>
+            <a:pPr marL="1728000" lvl="3" indent="-216000">
               <a:buClr>
                 <a:srgbClr val="000000"/>
               </a:buClr>
@@ -3725,33 +3981,22 @@
               <a:buChar char=""/>
             </a:pPr>
             <a:r>
-              <a:rPr b="0" lang="en-US" sz="1800" spc="-1" strike="noStrike">
+              <a:rPr lang="en-US" sz="1800" b="0" strike="noStrike" spc="-1">
                 <a:solidFill>
                   <a:srgbClr val="000000"/>
                 </a:solidFill>
                 <a:uFill>
                   <a:solidFill>
-                    <a:srgbClr val="ffffff"/>
+                    <a:srgbClr val="FFFFFF"/>
                   </a:solidFill>
                 </a:uFill>
                 <a:latin typeface="Calibri"/>
               </a:rPr>
               <a:t>Fourth Outline Level</a:t>
             </a:r>
-            <a:endParaRPr b="0" lang="en-US" sz="1800" spc="-1" strike="noStrike">
-              <a:solidFill>
-                <a:srgbClr val="000000"/>
-              </a:solidFill>
-              <a:uFill>
-                <a:solidFill>
-                  <a:srgbClr val="ffffff"/>
-                </a:solidFill>
-              </a:uFill>
-              <a:latin typeface="Calibri"/>
-            </a:endParaRPr>
-          </a:p>
-          <a:p>
-            <a:pPr lvl="4" marL="2160000" indent="-216000">
+          </a:p>
+          <a:p>
+            <a:pPr marL="2160000" lvl="4" indent="-216000">
               <a:buClr>
                 <a:srgbClr val="000000"/>
               </a:buClr>
@@ -3760,33 +4005,22 @@
               <a:buChar char=""/>
             </a:pPr>
             <a:r>
-              <a:rPr b="0" lang="en-US" sz="2000" spc="-1" strike="noStrike">
+              <a:rPr lang="en-US" sz="2000" b="0" strike="noStrike" spc="-1">
                 <a:solidFill>
                   <a:srgbClr val="000000"/>
                 </a:solidFill>
                 <a:uFill>
                   <a:solidFill>
-                    <a:srgbClr val="ffffff"/>
+                    <a:srgbClr val="FFFFFF"/>
                   </a:solidFill>
                 </a:uFill>
                 <a:latin typeface="Calibri"/>
               </a:rPr>
               <a:t>Fifth Outline Level</a:t>
             </a:r>
-            <a:endParaRPr b="0" lang="en-US" sz="2000" spc="-1" strike="noStrike">
-              <a:solidFill>
-                <a:srgbClr val="000000"/>
-              </a:solidFill>
-              <a:uFill>
-                <a:solidFill>
-                  <a:srgbClr val="ffffff"/>
-                </a:solidFill>
-              </a:uFill>
-              <a:latin typeface="Calibri"/>
-            </a:endParaRPr>
-          </a:p>
-          <a:p>
-            <a:pPr lvl="5" marL="2592000" indent="-216000">
+          </a:p>
+          <a:p>
+            <a:pPr marL="2592000" lvl="5" indent="-216000">
               <a:buClr>
                 <a:srgbClr val="000000"/>
               </a:buClr>
@@ -3795,33 +4029,22 @@
               <a:buChar char=""/>
             </a:pPr>
             <a:r>
-              <a:rPr b="0" lang="en-US" sz="2000" spc="-1" strike="noStrike">
+              <a:rPr lang="en-US" sz="2000" b="0" strike="noStrike" spc="-1">
                 <a:solidFill>
                   <a:srgbClr val="000000"/>
                 </a:solidFill>
                 <a:uFill>
                   <a:solidFill>
-                    <a:srgbClr val="ffffff"/>
+                    <a:srgbClr val="FFFFFF"/>
                   </a:solidFill>
                 </a:uFill>
                 <a:latin typeface="Calibri"/>
               </a:rPr>
               <a:t>Sixth Outline Level</a:t>
             </a:r>
-            <a:endParaRPr b="0" lang="en-US" sz="2000" spc="-1" strike="noStrike">
-              <a:solidFill>
-                <a:srgbClr val="000000"/>
-              </a:solidFill>
-              <a:uFill>
-                <a:solidFill>
-                  <a:srgbClr val="ffffff"/>
-                </a:solidFill>
-              </a:uFill>
-              <a:latin typeface="Calibri"/>
-            </a:endParaRPr>
-          </a:p>
-          <a:p>
-            <a:pPr lvl="6" marL="3024000" indent="-216000">
+          </a:p>
+          <a:p>
+            <a:pPr marL="3024000" lvl="6" indent="-216000">
               <a:buClr>
                 <a:srgbClr val="000000"/>
               </a:buClr>
@@ -3830,61 +4053,331 @@
               <a:buChar char=""/>
             </a:pPr>
             <a:r>
-              <a:rPr b="0" lang="en-US" sz="2000" spc="-1" strike="noStrike">
+              <a:rPr lang="en-US" sz="2000" b="0" strike="noStrike" spc="-1">
                 <a:solidFill>
                   <a:srgbClr val="000000"/>
                 </a:solidFill>
                 <a:uFill>
                   <a:solidFill>
-                    <a:srgbClr val="ffffff"/>
+                    <a:srgbClr val="FFFFFF"/>
                   </a:solidFill>
                 </a:uFill>
                 <a:latin typeface="Calibri"/>
               </a:rPr>
               <a:t>Seventh Outline Level</a:t>
             </a:r>
-            <a:endParaRPr b="0" lang="en-US" sz="2000" spc="-1" strike="noStrike">
-              <a:solidFill>
-                <a:srgbClr val="000000"/>
-              </a:solidFill>
-              <a:uFill>
-                <a:solidFill>
-                  <a:srgbClr val="ffffff"/>
-                </a:solidFill>
-              </a:uFill>
-              <a:latin typeface="Calibri"/>
-            </a:endParaRPr>
           </a:p>
         </p:txBody>
       </p:sp>
     </p:spTree>
   </p:cSld>
-  <p:clrMap bg1="lt1" bg2="lt2" tx1="dk1" tx2="dk2" accent1="accent1" accent2="accent2" accent3="accent3" accent4="accent4" accent5="accent5" accent6="accent6" hlink="hlink" folHlink="folHlink"/>
+  <p:clrMap bg1="lt1" tx1="dk1" bg2="lt2" tx2="dk2" accent1="accent1" accent2="accent2" accent3="accent3" accent4="accent4" accent5="accent5" accent6="accent6" hlink="hlink" folHlink="folHlink"/>
   <p:sldLayoutIdLst>
-    <p:sldLayoutId id="2147483649" r:id="rId2"/>
-    <p:sldLayoutId id="2147483650" r:id="rId3"/>
-    <p:sldLayoutId id="2147483651" r:id="rId4"/>
-    <p:sldLayoutId id="2147483652" r:id="rId5"/>
-    <p:sldLayoutId id="2147483653" r:id="rId6"/>
-    <p:sldLayoutId id="2147483654" r:id="rId7"/>
-    <p:sldLayoutId id="2147483655" r:id="rId8"/>
-    <p:sldLayoutId id="2147483656" r:id="rId9"/>
-    <p:sldLayoutId id="2147483657" r:id="rId10"/>
-    <p:sldLayoutId id="2147483658" r:id="rId11"/>
-    <p:sldLayoutId id="2147483659" r:id="rId12"/>
-    <p:sldLayoutId id="2147483660" r:id="rId13"/>
+    <p:sldLayoutId id="2147483649" r:id="rId1"/>
+    <p:sldLayoutId id="2147483650" r:id="rId2"/>
+    <p:sldLayoutId id="2147483651" r:id="rId3"/>
+    <p:sldLayoutId id="2147483652" r:id="rId4"/>
+    <p:sldLayoutId id="2147483653" r:id="rId5"/>
+    <p:sldLayoutId id="2147483654" r:id="rId6"/>
+    <p:sldLayoutId id="2147483655" r:id="rId7"/>
+    <p:sldLayoutId id="2147483656" r:id="rId8"/>
+    <p:sldLayoutId id="2147483657" r:id="rId9"/>
+    <p:sldLayoutId id="2147483658" r:id="rId10"/>
+    <p:sldLayoutId id="2147483659" r:id="rId11"/>
+    <p:sldLayoutId id="2147483660" r:id="rId12"/>
   </p:sldLayoutIdLst>
+  <p:txStyles>
+    <p:titleStyle>
+      <a:lvl1pPr algn="l" defTabSz="914400" rtl="0" eaLnBrk="1" latinLnBrk="0" hangingPunct="1">
+        <a:lnSpc>
+          <a:spcPct val="90000"/>
+        </a:lnSpc>
+        <a:spcBef>
+          <a:spcPct val="0"/>
+        </a:spcBef>
+        <a:buNone/>
+        <a:defRPr sz="4400" kern="1200">
+          <a:solidFill>
+            <a:schemeClr val="tx1"/>
+          </a:solidFill>
+          <a:latin typeface="+mj-lt"/>
+          <a:ea typeface="+mj-ea"/>
+          <a:cs typeface="+mj-cs"/>
+        </a:defRPr>
+      </a:lvl1pPr>
+    </p:titleStyle>
+    <p:bodyStyle>
+      <a:lvl1pPr marL="228600" indent="-228600" algn="l" defTabSz="914400" rtl="0" eaLnBrk="1" latinLnBrk="0" hangingPunct="1">
+        <a:lnSpc>
+          <a:spcPct val="90000"/>
+        </a:lnSpc>
+        <a:spcBef>
+          <a:spcPts val="1000"/>
+        </a:spcBef>
+        <a:buFont typeface="Arial" panose="020B0604020202020204" pitchFamily="34" charset="0"/>
+        <a:buChar char="•"/>
+        <a:defRPr sz="2800" kern="1200">
+          <a:solidFill>
+            <a:schemeClr val="tx1"/>
+          </a:solidFill>
+          <a:latin typeface="+mn-lt"/>
+          <a:ea typeface="+mn-ea"/>
+          <a:cs typeface="+mn-cs"/>
+        </a:defRPr>
+      </a:lvl1pPr>
+      <a:lvl2pPr marL="685800" indent="-228600" algn="l" defTabSz="914400" rtl="0" eaLnBrk="1" latinLnBrk="0" hangingPunct="1">
+        <a:lnSpc>
+          <a:spcPct val="90000"/>
+        </a:lnSpc>
+        <a:spcBef>
+          <a:spcPts val="500"/>
+        </a:spcBef>
+        <a:buFont typeface="Arial" panose="020B0604020202020204" pitchFamily="34" charset="0"/>
+        <a:buChar char="•"/>
+        <a:defRPr sz="2400" kern="1200">
+          <a:solidFill>
+            <a:schemeClr val="tx1"/>
+          </a:solidFill>
+          <a:latin typeface="+mn-lt"/>
+          <a:ea typeface="+mn-ea"/>
+          <a:cs typeface="+mn-cs"/>
+        </a:defRPr>
+      </a:lvl2pPr>
+      <a:lvl3pPr marL="1143000" indent="-228600" algn="l" defTabSz="914400" rtl="0" eaLnBrk="1" latinLnBrk="0" hangingPunct="1">
+        <a:lnSpc>
+          <a:spcPct val="90000"/>
+        </a:lnSpc>
+        <a:spcBef>
+          <a:spcPts val="500"/>
+        </a:spcBef>
+        <a:buFont typeface="Arial" panose="020B0604020202020204" pitchFamily="34" charset="0"/>
+        <a:buChar char="•"/>
+        <a:defRPr sz="2000" kern="1200">
+          <a:solidFill>
+            <a:schemeClr val="tx1"/>
+          </a:solidFill>
+          <a:latin typeface="+mn-lt"/>
+          <a:ea typeface="+mn-ea"/>
+          <a:cs typeface="+mn-cs"/>
+        </a:defRPr>
+      </a:lvl3pPr>
+      <a:lvl4pPr marL="1600200" indent="-228600" algn="l" defTabSz="914400" rtl="0" eaLnBrk="1" latinLnBrk="0" hangingPunct="1">
+        <a:lnSpc>
+          <a:spcPct val="90000"/>
+        </a:lnSpc>
+        <a:spcBef>
+          <a:spcPts val="500"/>
+        </a:spcBef>
+        <a:buFont typeface="Arial" panose="020B0604020202020204" pitchFamily="34" charset="0"/>
+        <a:buChar char="•"/>
+        <a:defRPr sz="1800" kern="1200">
+          <a:solidFill>
+            <a:schemeClr val="tx1"/>
+          </a:solidFill>
+          <a:latin typeface="+mn-lt"/>
+          <a:ea typeface="+mn-ea"/>
+          <a:cs typeface="+mn-cs"/>
+        </a:defRPr>
+      </a:lvl4pPr>
+      <a:lvl5pPr marL="2057400" indent="-228600" algn="l" defTabSz="914400" rtl="0" eaLnBrk="1" latinLnBrk="0" hangingPunct="1">
+        <a:lnSpc>
+          <a:spcPct val="90000"/>
+        </a:lnSpc>
+        <a:spcBef>
+          <a:spcPts val="500"/>
+        </a:spcBef>
+        <a:buFont typeface="Arial" panose="020B0604020202020204" pitchFamily="34" charset="0"/>
+        <a:buChar char="•"/>
+        <a:defRPr sz="1800" kern="1200">
+          <a:solidFill>
+            <a:schemeClr val="tx1"/>
+          </a:solidFill>
+          <a:latin typeface="+mn-lt"/>
+          <a:ea typeface="+mn-ea"/>
+          <a:cs typeface="+mn-cs"/>
+        </a:defRPr>
+      </a:lvl5pPr>
+      <a:lvl6pPr marL="2514600" indent="-228600" algn="l" defTabSz="914400" rtl="0" eaLnBrk="1" latinLnBrk="0" hangingPunct="1">
+        <a:lnSpc>
+          <a:spcPct val="90000"/>
+        </a:lnSpc>
+        <a:spcBef>
+          <a:spcPts val="500"/>
+        </a:spcBef>
+        <a:buFont typeface="Arial" panose="020B0604020202020204" pitchFamily="34" charset="0"/>
+        <a:buChar char="•"/>
+        <a:defRPr sz="1800" kern="1200">
+          <a:solidFill>
+            <a:schemeClr val="tx1"/>
+          </a:solidFill>
+          <a:latin typeface="+mn-lt"/>
+          <a:ea typeface="+mn-ea"/>
+          <a:cs typeface="+mn-cs"/>
+        </a:defRPr>
+      </a:lvl6pPr>
+      <a:lvl7pPr marL="2971800" indent="-228600" algn="l" defTabSz="914400" rtl="0" eaLnBrk="1" latinLnBrk="0" hangingPunct="1">
+        <a:lnSpc>
+          <a:spcPct val="90000"/>
+        </a:lnSpc>
+        <a:spcBef>
+          <a:spcPts val="500"/>
+        </a:spcBef>
+        <a:buFont typeface="Arial" panose="020B0604020202020204" pitchFamily="34" charset="0"/>
+        <a:buChar char="•"/>
+        <a:defRPr sz="1800" kern="1200">
+          <a:solidFill>
+            <a:schemeClr val="tx1"/>
+          </a:solidFill>
+          <a:latin typeface="+mn-lt"/>
+          <a:ea typeface="+mn-ea"/>
+          <a:cs typeface="+mn-cs"/>
+        </a:defRPr>
+      </a:lvl7pPr>
+      <a:lvl8pPr marL="3429000" indent="-228600" algn="l" defTabSz="914400" rtl="0" eaLnBrk="1" latinLnBrk="0" hangingPunct="1">
+        <a:lnSpc>
+          <a:spcPct val="90000"/>
+        </a:lnSpc>
+        <a:spcBef>
+          <a:spcPts val="500"/>
+        </a:spcBef>
+        <a:buFont typeface="Arial" panose="020B0604020202020204" pitchFamily="34" charset="0"/>
+        <a:buChar char="•"/>
+        <a:defRPr sz="1800" kern="1200">
+          <a:solidFill>
+            <a:schemeClr val="tx1"/>
+          </a:solidFill>
+          <a:latin typeface="+mn-lt"/>
+          <a:ea typeface="+mn-ea"/>
+          <a:cs typeface="+mn-cs"/>
+        </a:defRPr>
+      </a:lvl8pPr>
+      <a:lvl9pPr marL="3886200" indent="-228600" algn="l" defTabSz="914400" rtl="0" eaLnBrk="1" latinLnBrk="0" hangingPunct="1">
+        <a:lnSpc>
+          <a:spcPct val="90000"/>
+        </a:lnSpc>
+        <a:spcBef>
+          <a:spcPts val="500"/>
+        </a:spcBef>
+        <a:buFont typeface="Arial" panose="020B0604020202020204" pitchFamily="34" charset="0"/>
+        <a:buChar char="•"/>
+        <a:defRPr sz="1800" kern="1200">
+          <a:solidFill>
+            <a:schemeClr val="tx1"/>
+          </a:solidFill>
+          <a:latin typeface="+mn-lt"/>
+          <a:ea typeface="+mn-ea"/>
+          <a:cs typeface="+mn-cs"/>
+        </a:defRPr>
+      </a:lvl9pPr>
+    </p:bodyStyle>
+    <p:otherStyle>
+      <a:defPPr>
+        <a:defRPr lang="en-US"/>
+      </a:defPPr>
+      <a:lvl1pPr marL="0" algn="l" defTabSz="914400" rtl="0" eaLnBrk="1" latinLnBrk="0" hangingPunct="1">
+        <a:defRPr sz="1800" kern="1200">
+          <a:solidFill>
+            <a:schemeClr val="tx1"/>
+          </a:solidFill>
+          <a:latin typeface="+mn-lt"/>
+          <a:ea typeface="+mn-ea"/>
+          <a:cs typeface="+mn-cs"/>
+        </a:defRPr>
+      </a:lvl1pPr>
+      <a:lvl2pPr marL="457200" algn="l" defTabSz="914400" rtl="0" eaLnBrk="1" latinLnBrk="0" hangingPunct="1">
+        <a:defRPr sz="1800" kern="1200">
+          <a:solidFill>
+            <a:schemeClr val="tx1"/>
+          </a:solidFill>
+          <a:latin typeface="+mn-lt"/>
+          <a:ea typeface="+mn-ea"/>
+          <a:cs typeface="+mn-cs"/>
+        </a:defRPr>
+      </a:lvl2pPr>
+      <a:lvl3pPr marL="914400" algn="l" defTabSz="914400" rtl="0" eaLnBrk="1" latinLnBrk="0" hangingPunct="1">
+        <a:defRPr sz="1800" kern="1200">
+          <a:solidFill>
+            <a:schemeClr val="tx1"/>
+          </a:solidFill>
+          <a:latin typeface="+mn-lt"/>
+          <a:ea typeface="+mn-ea"/>
+          <a:cs typeface="+mn-cs"/>
+        </a:defRPr>
+      </a:lvl3pPr>
+      <a:lvl4pPr marL="1371600" algn="l" defTabSz="914400" rtl="0" eaLnBrk="1" latinLnBrk="0" hangingPunct="1">
+        <a:defRPr sz="1800" kern="1200">
+          <a:solidFill>
+            <a:schemeClr val="tx1"/>
+          </a:solidFill>
+          <a:latin typeface="+mn-lt"/>
+          <a:ea typeface="+mn-ea"/>
+          <a:cs typeface="+mn-cs"/>
+        </a:defRPr>
+      </a:lvl4pPr>
+      <a:lvl5pPr marL="1828800" algn="l" defTabSz="914400" rtl="0" eaLnBrk="1" latinLnBrk="0" hangingPunct="1">
+        <a:defRPr sz="1800" kern="1200">
+          <a:solidFill>
+            <a:schemeClr val="tx1"/>
+          </a:solidFill>
+          <a:latin typeface="+mn-lt"/>
+          <a:ea typeface="+mn-ea"/>
+          <a:cs typeface="+mn-cs"/>
+        </a:defRPr>
+      </a:lvl5pPr>
+      <a:lvl6pPr marL="2286000" algn="l" defTabSz="914400" rtl="0" eaLnBrk="1" latinLnBrk="0" hangingPunct="1">
+        <a:defRPr sz="1800" kern="1200">
+          <a:solidFill>
+            <a:schemeClr val="tx1"/>
+          </a:solidFill>
+          <a:latin typeface="+mn-lt"/>
+          <a:ea typeface="+mn-ea"/>
+          <a:cs typeface="+mn-cs"/>
+        </a:defRPr>
+      </a:lvl6pPr>
+      <a:lvl7pPr marL="2743200" algn="l" defTabSz="914400" rtl="0" eaLnBrk="1" latinLnBrk="0" hangingPunct="1">
+        <a:defRPr sz="1800" kern="1200">
+          <a:solidFill>
+            <a:schemeClr val="tx1"/>
+          </a:solidFill>
+          <a:latin typeface="+mn-lt"/>
+          <a:ea typeface="+mn-ea"/>
+          <a:cs typeface="+mn-cs"/>
+        </a:defRPr>
+      </a:lvl7pPr>
+      <a:lvl8pPr marL="3200400" algn="l" defTabSz="914400" rtl="0" eaLnBrk="1" latinLnBrk="0" hangingPunct="1">
+        <a:defRPr sz="1800" kern="1200">
+          <a:solidFill>
+            <a:schemeClr val="tx1"/>
+          </a:solidFill>
+          <a:latin typeface="+mn-lt"/>
+          <a:ea typeface="+mn-ea"/>
+          <a:cs typeface="+mn-cs"/>
+        </a:defRPr>
+      </a:lvl8pPr>
+      <a:lvl9pPr marL="3657600" algn="l" defTabSz="914400" rtl="0" eaLnBrk="1" latinLnBrk="0" hangingPunct="1">
+        <a:defRPr sz="1800" kern="1200">
+          <a:solidFill>
+            <a:schemeClr val="tx1"/>
+          </a:solidFill>
+          <a:latin typeface="+mn-lt"/>
+          <a:ea typeface="+mn-ea"/>
+          <a:cs typeface="+mn-cs"/>
+        </a:defRPr>
+      </a:lvl9pPr>
+    </p:otherStyle>
+  </p:txStyles>
 </p:sldMaster>
 </file>
 
 <file path=ppt/slideMasters/slideMaster2.xml><?xml version="1.0" encoding="utf-8"?>
-<p:sldMaster xmlns:a="http://schemas.openxmlformats.org/drawingml/2006/main" xmlns:p="http://schemas.openxmlformats.org/presentationml/2006/main" xmlns:r="http://schemas.openxmlformats.org/officeDocument/2006/relationships" xmlns:p14="http://schemas.microsoft.com/office/powerpoint/2010/main" xmlns:p15="http://schemas.microsoft.com/office/powerpoint/2012/main" xmlns:mc="http://schemas.openxmlformats.org/markup-compatibility/2006">
+<p:sldMaster xmlns:a="http://schemas.openxmlformats.org/drawingml/2006/main" xmlns:r="http://schemas.openxmlformats.org/officeDocument/2006/relationships" xmlns:p="http://schemas.openxmlformats.org/presentationml/2006/main">
   <p:cSld>
     <p:bg>
       <p:bgPr>
         <a:solidFill>
-          <a:srgbClr val="ffffff"/>
+          <a:srgbClr val="FFFFFF"/>
         </a:solidFill>
+        <a:effectLst/>
       </p:bgPr>
     </p:bg>
     <p:spTree>
@@ -3922,6 +4415,7 @@
         </p:spPr>
         <p:txBody>
           <a:bodyPr anchor="ctr"/>
+          <a:lstStyle/>
           <a:p>
             <a:pPr>
               <a:lnSpc>
@@ -3929,26 +4423,26 @@
               </a:lnSpc>
             </a:pPr>
             <a:r>
-              <a:rPr b="0" lang="en-US" sz="4400" spc="-1" strike="noStrike">
+              <a:rPr lang="en-US" sz="4400" b="0" strike="noStrike" spc="-1">
                 <a:solidFill>
                   <a:srgbClr val="000000"/>
                 </a:solidFill>
                 <a:uFill>
                   <a:solidFill>
-                    <a:srgbClr val="ffffff"/>
+                    <a:srgbClr val="FFFFFF"/>
                   </a:solidFill>
                 </a:uFill>
                 <a:latin typeface="Calibri Light"/>
               </a:rPr>
               <a:t>Click to edit Master title style</a:t>
             </a:r>
-            <a:endParaRPr b="0" lang="en-US" sz="1800" spc="-1" strike="noStrike">
-              <a:solidFill>
-                <a:srgbClr val="000000"/>
-              </a:solidFill>
-              <a:uFill>
-                <a:solidFill>
-                  <a:srgbClr val="ffffff"/>
+            <a:endParaRPr lang="en-US" sz="1800" b="0" strike="noStrike" spc="-1">
+              <a:solidFill>
+                <a:srgbClr val="000000"/>
+              </a:solidFill>
+              <a:uFill>
+                <a:solidFill>
+                  <a:srgbClr val="FFFFFF"/>
                 </a:solidFill>
               </a:uFill>
               <a:latin typeface="Calibri"/>
@@ -3977,6 +4471,7 @@
         </p:spPr>
         <p:txBody>
           <a:bodyPr/>
+          <a:lstStyle/>
           <a:p>
             <a:pPr marL="432000" indent="-324000">
               <a:buClr>
@@ -3987,33 +4482,22 @@
               <a:buChar char=""/>
             </a:pPr>
             <a:r>
-              <a:rPr b="0" lang="en-US" sz="2800" spc="-1" strike="noStrike">
+              <a:rPr lang="en-US" sz="2800" b="0" strike="noStrike" spc="-1">
                 <a:solidFill>
                   <a:srgbClr val="000000"/>
                 </a:solidFill>
                 <a:uFill>
                   <a:solidFill>
-                    <a:srgbClr val="ffffff"/>
+                    <a:srgbClr val="FFFFFF"/>
                   </a:solidFill>
                 </a:uFill>
                 <a:latin typeface="Calibri"/>
               </a:rPr>
               <a:t>Click to edit the outline text format</a:t>
             </a:r>
-            <a:endParaRPr b="0" lang="en-US" sz="2800" spc="-1" strike="noStrike">
-              <a:solidFill>
-                <a:srgbClr val="000000"/>
-              </a:solidFill>
-              <a:uFill>
-                <a:solidFill>
-                  <a:srgbClr val="ffffff"/>
-                </a:solidFill>
-              </a:uFill>
-              <a:latin typeface="Calibri"/>
-            </a:endParaRPr>
-          </a:p>
-          <a:p>
-            <a:pPr lvl="1" marL="864000" indent="-324000">
+          </a:p>
+          <a:p>
+            <a:pPr marL="864000" lvl="1" indent="-324000">
               <a:buClr>
                 <a:srgbClr val="000000"/>
               </a:buClr>
@@ -4022,33 +4506,22 @@
               <a:buChar char=""/>
             </a:pPr>
             <a:r>
-              <a:rPr b="0" lang="en-US" sz="2800" spc="-1" strike="noStrike">
+              <a:rPr lang="en-US" sz="2800" b="0" strike="noStrike" spc="-1">
                 <a:solidFill>
                   <a:srgbClr val="000000"/>
                 </a:solidFill>
                 <a:uFill>
                   <a:solidFill>
-                    <a:srgbClr val="ffffff"/>
+                    <a:srgbClr val="FFFFFF"/>
                   </a:solidFill>
                 </a:uFill>
                 <a:latin typeface="Calibri"/>
               </a:rPr>
               <a:t>Second Outline Level</a:t>
             </a:r>
-            <a:endParaRPr b="0" lang="en-US" sz="2800" spc="-1" strike="noStrike">
-              <a:solidFill>
-                <a:srgbClr val="000000"/>
-              </a:solidFill>
-              <a:uFill>
-                <a:solidFill>
-                  <a:srgbClr val="ffffff"/>
-                </a:solidFill>
-              </a:uFill>
-              <a:latin typeface="Calibri"/>
-            </a:endParaRPr>
-          </a:p>
-          <a:p>
-            <a:pPr lvl="2" marL="1296000" indent="-288000">
+          </a:p>
+          <a:p>
+            <a:pPr marL="1296000" lvl="2" indent="-288000">
               <a:buClr>
                 <a:srgbClr val="000000"/>
               </a:buClr>
@@ -4057,33 +4530,22 @@
               <a:buChar char=""/>
             </a:pPr>
             <a:r>
-              <a:rPr b="0" lang="en-US" sz="2800" spc="-1" strike="noStrike">
+              <a:rPr lang="en-US" sz="2800" b="0" strike="noStrike" spc="-1">
                 <a:solidFill>
                   <a:srgbClr val="000000"/>
                 </a:solidFill>
                 <a:uFill>
                   <a:solidFill>
-                    <a:srgbClr val="ffffff"/>
+                    <a:srgbClr val="FFFFFF"/>
                   </a:solidFill>
                 </a:uFill>
                 <a:latin typeface="Calibri"/>
               </a:rPr>
               <a:t>Third Outline Level</a:t>
             </a:r>
-            <a:endParaRPr b="0" lang="en-US" sz="2800" spc="-1" strike="noStrike">
-              <a:solidFill>
-                <a:srgbClr val="000000"/>
-              </a:solidFill>
-              <a:uFill>
-                <a:solidFill>
-                  <a:srgbClr val="ffffff"/>
-                </a:solidFill>
-              </a:uFill>
-              <a:latin typeface="Calibri"/>
-            </a:endParaRPr>
-          </a:p>
-          <a:p>
-            <a:pPr lvl="3" marL="1728000" indent="-216000">
+          </a:p>
+          <a:p>
+            <a:pPr marL="1728000" lvl="3" indent="-216000">
               <a:buClr>
                 <a:srgbClr val="000000"/>
               </a:buClr>
@@ -4092,33 +4554,22 @@
               <a:buChar char=""/>
             </a:pPr>
             <a:r>
-              <a:rPr b="0" lang="en-US" sz="2800" spc="-1" strike="noStrike">
+              <a:rPr lang="en-US" sz="2800" b="0" strike="noStrike" spc="-1">
                 <a:solidFill>
                   <a:srgbClr val="000000"/>
                 </a:solidFill>
                 <a:uFill>
                   <a:solidFill>
-                    <a:srgbClr val="ffffff"/>
+                    <a:srgbClr val="FFFFFF"/>
                   </a:solidFill>
                 </a:uFill>
                 <a:latin typeface="Calibri"/>
               </a:rPr>
               <a:t>Fourth Outline Level</a:t>
             </a:r>
-            <a:endParaRPr b="0" lang="en-US" sz="2800" spc="-1" strike="noStrike">
-              <a:solidFill>
-                <a:srgbClr val="000000"/>
-              </a:solidFill>
-              <a:uFill>
-                <a:solidFill>
-                  <a:srgbClr val="ffffff"/>
-                </a:solidFill>
-              </a:uFill>
-              <a:latin typeface="Calibri"/>
-            </a:endParaRPr>
-          </a:p>
-          <a:p>
-            <a:pPr lvl="4" marL="2160000" indent="-216000">
+          </a:p>
+          <a:p>
+            <a:pPr marL="2160000" lvl="4" indent="-216000">
               <a:buClr>
                 <a:srgbClr val="000000"/>
               </a:buClr>
@@ -4127,33 +4578,22 @@
               <a:buChar char=""/>
             </a:pPr>
             <a:r>
-              <a:rPr b="0" lang="en-US" sz="2800" spc="-1" strike="noStrike">
+              <a:rPr lang="en-US" sz="2800" b="0" strike="noStrike" spc="-1">
                 <a:solidFill>
                   <a:srgbClr val="000000"/>
                 </a:solidFill>
                 <a:uFill>
                   <a:solidFill>
-                    <a:srgbClr val="ffffff"/>
+                    <a:srgbClr val="FFFFFF"/>
                   </a:solidFill>
                 </a:uFill>
                 <a:latin typeface="Calibri"/>
               </a:rPr>
               <a:t>Fifth Outline Level</a:t>
             </a:r>
-            <a:endParaRPr b="0" lang="en-US" sz="2800" spc="-1" strike="noStrike">
-              <a:solidFill>
-                <a:srgbClr val="000000"/>
-              </a:solidFill>
-              <a:uFill>
-                <a:solidFill>
-                  <a:srgbClr val="ffffff"/>
-                </a:solidFill>
-              </a:uFill>
-              <a:latin typeface="Calibri"/>
-            </a:endParaRPr>
-          </a:p>
-          <a:p>
-            <a:pPr lvl="5" marL="2592000" indent="-216000">
+          </a:p>
+          <a:p>
+            <a:pPr marL="2592000" lvl="5" indent="-216000">
               <a:buClr>
                 <a:srgbClr val="000000"/>
               </a:buClr>
@@ -4162,30 +4602,19 @@
               <a:buChar char=""/>
             </a:pPr>
             <a:r>
-              <a:rPr b="0" lang="en-US" sz="2800" spc="-1" strike="noStrike">
+              <a:rPr lang="en-US" sz="2800" b="0" strike="noStrike" spc="-1">
                 <a:solidFill>
                   <a:srgbClr val="000000"/>
                 </a:solidFill>
                 <a:uFill>
                   <a:solidFill>
-                    <a:srgbClr val="ffffff"/>
+                    <a:srgbClr val="FFFFFF"/>
                   </a:solidFill>
                 </a:uFill>
                 <a:latin typeface="Calibri"/>
               </a:rPr>
               <a:t>Sixth Outline Level</a:t>
             </a:r>
-            <a:endParaRPr b="0" lang="en-US" sz="2800" spc="-1" strike="noStrike">
-              <a:solidFill>
-                <a:srgbClr val="000000"/>
-              </a:solidFill>
-              <a:uFill>
-                <a:solidFill>
-                  <a:srgbClr val="ffffff"/>
-                </a:solidFill>
-              </a:uFill>
-              <a:latin typeface="Calibri"/>
-            </a:endParaRPr>
           </a:p>
           <a:p>
             <a:pPr marL="228600" indent="-228240">
@@ -4199,33 +4628,22 @@
               <a:buChar char="•"/>
             </a:pPr>
             <a:r>
-              <a:rPr b="0" lang="en-US" sz="2800" spc="-1" strike="noStrike">
+              <a:rPr lang="en-US" sz="2800" b="0" strike="noStrike" spc="-1">
                 <a:solidFill>
                   <a:srgbClr val="000000"/>
                 </a:solidFill>
                 <a:uFill>
                   <a:solidFill>
-                    <a:srgbClr val="ffffff"/>
+                    <a:srgbClr val="FFFFFF"/>
                   </a:solidFill>
                 </a:uFill>
                 <a:latin typeface="Calibri"/>
               </a:rPr>
               <a:t>Seventh Outline LevelClick to edit Master text styles</a:t>
             </a:r>
-            <a:endParaRPr b="0" lang="en-US" sz="2800" spc="-1" strike="noStrike">
-              <a:solidFill>
-                <a:srgbClr val="000000"/>
-              </a:solidFill>
-              <a:uFill>
-                <a:solidFill>
-                  <a:srgbClr val="ffffff"/>
-                </a:solidFill>
-              </a:uFill>
-              <a:latin typeface="Calibri"/>
-            </a:endParaRPr>
-          </a:p>
-          <a:p>
-            <a:pPr lvl="1" marL="685800" indent="-228240">
+          </a:p>
+          <a:p>
+            <a:pPr marL="685800" lvl="1" indent="-228240">
               <a:lnSpc>
                 <a:spcPct val="100000"/>
               </a:lnSpc>
@@ -4236,33 +4654,33 @@
               <a:buChar char="•"/>
             </a:pPr>
             <a:r>
-              <a:rPr b="0" lang="en-US" sz="2400" spc="-1" strike="noStrike">
+              <a:rPr lang="en-US" sz="2400" b="0" strike="noStrike" spc="-1">
                 <a:solidFill>
                   <a:srgbClr val="000000"/>
                 </a:solidFill>
                 <a:uFill>
                   <a:solidFill>
-                    <a:srgbClr val="ffffff"/>
+                    <a:srgbClr val="FFFFFF"/>
                   </a:solidFill>
                 </a:uFill>
                 <a:latin typeface="Calibri"/>
               </a:rPr>
               <a:t>Second level</a:t>
             </a:r>
-            <a:endParaRPr b="0" lang="en-US" sz="2800" spc="-1" strike="noStrike">
-              <a:solidFill>
-                <a:srgbClr val="000000"/>
-              </a:solidFill>
-              <a:uFill>
-                <a:solidFill>
-                  <a:srgbClr val="ffffff"/>
-                </a:solidFill>
-              </a:uFill>
-              <a:latin typeface="Calibri"/>
-            </a:endParaRPr>
-          </a:p>
-          <a:p>
-            <a:pPr lvl="2" marL="1143000" indent="-228240">
+            <a:endParaRPr lang="en-US" sz="2800" b="0" strike="noStrike" spc="-1">
+              <a:solidFill>
+                <a:srgbClr val="000000"/>
+              </a:solidFill>
+              <a:uFill>
+                <a:solidFill>
+                  <a:srgbClr val="FFFFFF"/>
+                </a:solidFill>
+              </a:uFill>
+              <a:latin typeface="Calibri"/>
+            </a:endParaRPr>
+          </a:p>
+          <a:p>
+            <a:pPr marL="1143000" lvl="2" indent="-228240">
               <a:lnSpc>
                 <a:spcPct val="100000"/>
               </a:lnSpc>
@@ -4273,33 +4691,33 @@
               <a:buChar char="•"/>
             </a:pPr>
             <a:r>
-              <a:rPr b="0" lang="en-US" sz="2000" spc="-1" strike="noStrike">
+              <a:rPr lang="en-US" sz="2000" b="0" strike="noStrike" spc="-1">
                 <a:solidFill>
                   <a:srgbClr val="000000"/>
                 </a:solidFill>
                 <a:uFill>
                   <a:solidFill>
-                    <a:srgbClr val="ffffff"/>
+                    <a:srgbClr val="FFFFFF"/>
                   </a:solidFill>
                 </a:uFill>
                 <a:latin typeface="Calibri"/>
               </a:rPr>
               <a:t>Third level</a:t>
             </a:r>
-            <a:endParaRPr b="0" lang="en-US" sz="2800" spc="-1" strike="noStrike">
-              <a:solidFill>
-                <a:srgbClr val="000000"/>
-              </a:solidFill>
-              <a:uFill>
-                <a:solidFill>
-                  <a:srgbClr val="ffffff"/>
-                </a:solidFill>
-              </a:uFill>
-              <a:latin typeface="Calibri"/>
-            </a:endParaRPr>
-          </a:p>
-          <a:p>
-            <a:pPr lvl="3" marL="1600200" indent="-228240">
+            <a:endParaRPr lang="en-US" sz="2800" b="0" strike="noStrike" spc="-1">
+              <a:solidFill>
+                <a:srgbClr val="000000"/>
+              </a:solidFill>
+              <a:uFill>
+                <a:solidFill>
+                  <a:srgbClr val="FFFFFF"/>
+                </a:solidFill>
+              </a:uFill>
+              <a:latin typeface="Calibri"/>
+            </a:endParaRPr>
+          </a:p>
+          <a:p>
+            <a:pPr marL="1600200" lvl="3" indent="-228240">
               <a:lnSpc>
                 <a:spcPct val="100000"/>
               </a:lnSpc>
@@ -4310,33 +4728,33 @@
               <a:buChar char="•"/>
             </a:pPr>
             <a:r>
-              <a:rPr b="0" lang="en-US" sz="1800" spc="-1" strike="noStrike">
+              <a:rPr lang="en-US" sz="1800" b="0" strike="noStrike" spc="-1">
                 <a:solidFill>
                   <a:srgbClr val="000000"/>
                 </a:solidFill>
                 <a:uFill>
                   <a:solidFill>
-                    <a:srgbClr val="ffffff"/>
+                    <a:srgbClr val="FFFFFF"/>
                   </a:solidFill>
                 </a:uFill>
                 <a:latin typeface="Calibri"/>
               </a:rPr>
               <a:t>Fourth level</a:t>
             </a:r>
-            <a:endParaRPr b="0" lang="en-US" sz="2800" spc="-1" strike="noStrike">
-              <a:solidFill>
-                <a:srgbClr val="000000"/>
-              </a:solidFill>
-              <a:uFill>
-                <a:solidFill>
-                  <a:srgbClr val="ffffff"/>
-                </a:solidFill>
-              </a:uFill>
-              <a:latin typeface="Calibri"/>
-            </a:endParaRPr>
-          </a:p>
-          <a:p>
-            <a:pPr lvl="4" marL="2057400" indent="-228240">
+            <a:endParaRPr lang="en-US" sz="2800" b="0" strike="noStrike" spc="-1">
+              <a:solidFill>
+                <a:srgbClr val="000000"/>
+              </a:solidFill>
+              <a:uFill>
+                <a:solidFill>
+                  <a:srgbClr val="FFFFFF"/>
+                </a:solidFill>
+              </a:uFill>
+              <a:latin typeface="Calibri"/>
+            </a:endParaRPr>
+          </a:p>
+          <a:p>
+            <a:pPr marL="2057400" lvl="4" indent="-228240">
               <a:lnSpc>
                 <a:spcPct val="100000"/>
               </a:lnSpc>
@@ -4347,26 +4765,26 @@
               <a:buChar char="•"/>
             </a:pPr>
             <a:r>
-              <a:rPr b="0" lang="en-US" sz="1800" spc="-1" strike="noStrike">
+              <a:rPr lang="en-US" sz="1800" b="0" strike="noStrike" spc="-1">
                 <a:solidFill>
                   <a:srgbClr val="000000"/>
                 </a:solidFill>
                 <a:uFill>
                   <a:solidFill>
-                    <a:srgbClr val="ffffff"/>
+                    <a:srgbClr val="FFFFFF"/>
                   </a:solidFill>
                 </a:uFill>
                 <a:latin typeface="Calibri"/>
               </a:rPr>
               <a:t>Fifth level</a:t>
             </a:r>
-            <a:endParaRPr b="0" lang="en-US" sz="2800" spc="-1" strike="noStrike">
-              <a:solidFill>
-                <a:srgbClr val="000000"/>
-              </a:solidFill>
-              <a:uFill>
-                <a:solidFill>
-                  <a:srgbClr val="ffffff"/>
+            <a:endParaRPr lang="en-US" sz="2800" b="0" strike="noStrike" spc="-1">
+              <a:solidFill>
+                <a:srgbClr val="000000"/>
+              </a:solidFill>
+              <a:uFill>
+                <a:solidFill>
+                  <a:srgbClr val="FFFFFF"/>
                 </a:solidFill>
               </a:uFill>
               <a:latin typeface="Calibri"/>
@@ -4395,6 +4813,7 @@
         </p:spPr>
         <p:txBody>
           <a:bodyPr anchor="ctr"/>
+          <a:lstStyle/>
           <a:p>
             <a:pPr>
               <a:lnSpc>
@@ -4402,26 +4821,26 @@
               </a:lnSpc>
             </a:pPr>
             <a:r>
-              <a:rPr b="0" lang="en-US" sz="1200" spc="-1" strike="noStrike">
-                <a:solidFill>
-                  <a:srgbClr val="8b8b8b"/>
+              <a:rPr lang="en-US" sz="1200" b="0" strike="noStrike" spc="-1">
+                <a:solidFill>
+                  <a:srgbClr val="8B8B8B"/>
                 </a:solidFill>
                 <a:uFill>
                   <a:solidFill>
-                    <a:srgbClr val="ffffff"/>
+                    <a:srgbClr val="FFFFFF"/>
                   </a:solidFill>
                 </a:uFill>
                 <a:latin typeface="Calibri"/>
               </a:rPr>
               <a:t>10/21/19</a:t>
             </a:r>
-            <a:endParaRPr b="0" lang="en-US" sz="1400" spc="-1" strike="noStrike">
-              <a:solidFill>
-                <a:srgbClr val="000000"/>
-              </a:solidFill>
-              <a:uFill>
-                <a:solidFill>
-                  <a:srgbClr val="ffffff"/>
+            <a:endParaRPr lang="en-US" sz="1400" b="0" strike="noStrike" spc="-1">
+              <a:solidFill>
+                <a:srgbClr val="000000"/>
+              </a:solidFill>
+              <a:uFill>
+                <a:solidFill>
+                  <a:srgbClr val="FFFFFF"/>
                 </a:solidFill>
               </a:uFill>
               <a:latin typeface="Times New Roman"/>
@@ -4450,14 +4869,15 @@
         </p:spPr>
         <p:txBody>
           <a:bodyPr anchor="ctr"/>
-          <a:p>
-            <a:endParaRPr b="0" lang="en-US" sz="2400" spc="-1" strike="noStrike">
-              <a:solidFill>
-                <a:srgbClr val="000000"/>
-              </a:solidFill>
-              <a:uFill>
-                <a:solidFill>
-                  <a:srgbClr val="ffffff"/>
+          <a:lstStyle/>
+          <a:p>
+            <a:endParaRPr lang="en-US" sz="2400" b="0" strike="noStrike" spc="-1">
+              <a:solidFill>
+                <a:srgbClr val="000000"/>
+              </a:solidFill>
+              <a:uFill>
+                <a:solidFill>
+                  <a:srgbClr val="FFFFFF"/>
                 </a:solidFill>
               </a:uFill>
               <a:latin typeface="Times New Roman"/>
@@ -4486,6 +4906,7 @@
         </p:spPr>
         <p:txBody>
           <a:bodyPr anchor="ctr"/>
+          <a:lstStyle/>
           <a:p>
             <a:pPr algn="r">
               <a:lnSpc>
@@ -4493,26 +4914,26 @@
               </a:lnSpc>
             </a:pPr>
             <a:fld id="{520DD54B-B714-4D48-9D21-A48EF98B31C5}" type="slidenum">
-              <a:rPr b="0" lang="en-US" sz="1200" spc="-1" strike="noStrike">
-                <a:solidFill>
-                  <a:srgbClr val="8b8b8b"/>
+              <a:rPr lang="en-US" sz="1200" b="0" strike="noStrike" spc="-1">
+                <a:solidFill>
+                  <a:srgbClr val="8B8B8B"/>
                 </a:solidFill>
                 <a:uFill>
                   <a:solidFill>
-                    <a:srgbClr val="ffffff"/>
+                    <a:srgbClr val="FFFFFF"/>
                   </a:solidFill>
                 </a:uFill>
                 <a:latin typeface="Calibri"/>
               </a:rPr>
-              <a:t>&lt;number&gt;</a:t>
+              <a:t>‹#›</a:t>
             </a:fld>
-            <a:endParaRPr b="0" lang="en-US" sz="1400" spc="-1" strike="noStrike">
-              <a:solidFill>
-                <a:srgbClr val="000000"/>
-              </a:solidFill>
-              <a:uFill>
-                <a:solidFill>
-                  <a:srgbClr val="ffffff"/>
+            <a:endParaRPr lang="en-US" sz="1400" b="0" strike="noStrike" spc="-1">
+              <a:solidFill>
+                <a:srgbClr val="000000"/>
+              </a:solidFill>
+              <a:uFill>
+                <a:solidFill>
+                  <a:srgbClr val="FFFFFF"/>
                 </a:solidFill>
               </a:uFill>
               <a:latin typeface="Times New Roman"/>
@@ -4522,26 +4943,306 @@
       </p:sp>
     </p:spTree>
   </p:cSld>
-  <p:clrMap bg1="lt1" bg2="lt2" tx1="dk1" tx2="dk2" accent1="accent1" accent2="accent2" accent3="accent3" accent4="accent4" accent5="accent5" accent6="accent6" hlink="hlink" folHlink="folHlink"/>
+  <p:clrMap bg1="lt1" tx1="dk1" bg2="lt2" tx2="dk2" accent1="accent1" accent2="accent2" accent3="accent3" accent4="accent4" accent5="accent5" accent6="accent6" hlink="hlink" folHlink="folHlink"/>
   <p:sldLayoutIdLst>
-    <p:sldLayoutId id="2147483662" r:id="rId2"/>
-    <p:sldLayoutId id="2147483663" r:id="rId3"/>
-    <p:sldLayoutId id="2147483664" r:id="rId4"/>
-    <p:sldLayoutId id="2147483665" r:id="rId5"/>
-    <p:sldLayoutId id="2147483666" r:id="rId6"/>
-    <p:sldLayoutId id="2147483667" r:id="rId7"/>
-    <p:sldLayoutId id="2147483668" r:id="rId8"/>
-    <p:sldLayoutId id="2147483669" r:id="rId9"/>
-    <p:sldLayoutId id="2147483670" r:id="rId10"/>
-    <p:sldLayoutId id="2147483671" r:id="rId11"/>
-    <p:sldLayoutId id="2147483672" r:id="rId12"/>
-    <p:sldLayoutId id="2147483673" r:id="rId13"/>
+    <p:sldLayoutId id="2147483662" r:id="rId1"/>
+    <p:sldLayoutId id="2147483663" r:id="rId2"/>
+    <p:sldLayoutId id="2147483664" r:id="rId3"/>
+    <p:sldLayoutId id="2147483665" r:id="rId4"/>
+    <p:sldLayoutId id="2147483666" r:id="rId5"/>
+    <p:sldLayoutId id="2147483667" r:id="rId6"/>
+    <p:sldLayoutId id="2147483668" r:id="rId7"/>
+    <p:sldLayoutId id="2147483669" r:id="rId8"/>
+    <p:sldLayoutId id="2147483670" r:id="rId9"/>
+    <p:sldLayoutId id="2147483671" r:id="rId10"/>
+    <p:sldLayoutId id="2147483672" r:id="rId11"/>
+    <p:sldLayoutId id="2147483673" r:id="rId12"/>
   </p:sldLayoutIdLst>
+  <p:txStyles>
+    <p:titleStyle>
+      <a:lvl1pPr algn="l" defTabSz="914400" rtl="0" eaLnBrk="1" latinLnBrk="0" hangingPunct="1">
+        <a:lnSpc>
+          <a:spcPct val="90000"/>
+        </a:lnSpc>
+        <a:spcBef>
+          <a:spcPct val="0"/>
+        </a:spcBef>
+        <a:buNone/>
+        <a:defRPr sz="4400" kern="1200">
+          <a:solidFill>
+            <a:schemeClr val="tx1"/>
+          </a:solidFill>
+          <a:latin typeface="+mj-lt"/>
+          <a:ea typeface="+mj-ea"/>
+          <a:cs typeface="+mj-cs"/>
+        </a:defRPr>
+      </a:lvl1pPr>
+    </p:titleStyle>
+    <p:bodyStyle>
+      <a:lvl1pPr marL="228600" indent="-228600" algn="l" defTabSz="914400" rtl="0" eaLnBrk="1" latinLnBrk="0" hangingPunct="1">
+        <a:lnSpc>
+          <a:spcPct val="90000"/>
+        </a:lnSpc>
+        <a:spcBef>
+          <a:spcPts val="1000"/>
+        </a:spcBef>
+        <a:buFont typeface="Arial" panose="020B0604020202020204" pitchFamily="34" charset="0"/>
+        <a:buChar char="•"/>
+        <a:defRPr sz="2800" kern="1200">
+          <a:solidFill>
+            <a:schemeClr val="tx1"/>
+          </a:solidFill>
+          <a:latin typeface="+mn-lt"/>
+          <a:ea typeface="+mn-ea"/>
+          <a:cs typeface="+mn-cs"/>
+        </a:defRPr>
+      </a:lvl1pPr>
+      <a:lvl2pPr marL="685800" indent="-228600" algn="l" defTabSz="914400" rtl="0" eaLnBrk="1" latinLnBrk="0" hangingPunct="1">
+        <a:lnSpc>
+          <a:spcPct val="90000"/>
+        </a:lnSpc>
+        <a:spcBef>
+          <a:spcPts val="500"/>
+        </a:spcBef>
+        <a:buFont typeface="Arial" panose="020B0604020202020204" pitchFamily="34" charset="0"/>
+        <a:buChar char="•"/>
+        <a:defRPr sz="2400" kern="1200">
+          <a:solidFill>
+            <a:schemeClr val="tx1"/>
+          </a:solidFill>
+          <a:latin typeface="+mn-lt"/>
+          <a:ea typeface="+mn-ea"/>
+          <a:cs typeface="+mn-cs"/>
+        </a:defRPr>
+      </a:lvl2pPr>
+      <a:lvl3pPr marL="1143000" indent="-228600" algn="l" defTabSz="914400" rtl="0" eaLnBrk="1" latinLnBrk="0" hangingPunct="1">
+        <a:lnSpc>
+          <a:spcPct val="90000"/>
+        </a:lnSpc>
+        <a:spcBef>
+          <a:spcPts val="500"/>
+        </a:spcBef>
+        <a:buFont typeface="Arial" panose="020B0604020202020204" pitchFamily="34" charset="0"/>
+        <a:buChar char="•"/>
+        <a:defRPr sz="2000" kern="1200">
+          <a:solidFill>
+            <a:schemeClr val="tx1"/>
+          </a:solidFill>
+          <a:latin typeface="+mn-lt"/>
+          <a:ea typeface="+mn-ea"/>
+          <a:cs typeface="+mn-cs"/>
+        </a:defRPr>
+      </a:lvl3pPr>
+      <a:lvl4pPr marL="1600200" indent="-228600" algn="l" defTabSz="914400" rtl="0" eaLnBrk="1" latinLnBrk="0" hangingPunct="1">
+        <a:lnSpc>
+          <a:spcPct val="90000"/>
+        </a:lnSpc>
+        <a:spcBef>
+          <a:spcPts val="500"/>
+        </a:spcBef>
+        <a:buFont typeface="Arial" panose="020B0604020202020204" pitchFamily="34" charset="0"/>
+        <a:buChar char="•"/>
+        <a:defRPr sz="1800" kern="1200">
+          <a:solidFill>
+            <a:schemeClr val="tx1"/>
+          </a:solidFill>
+          <a:latin typeface="+mn-lt"/>
+          <a:ea typeface="+mn-ea"/>
+          <a:cs typeface="+mn-cs"/>
+        </a:defRPr>
+      </a:lvl4pPr>
+      <a:lvl5pPr marL="2057400" indent="-228600" algn="l" defTabSz="914400" rtl="0" eaLnBrk="1" latinLnBrk="0" hangingPunct="1">
+        <a:lnSpc>
+          <a:spcPct val="90000"/>
+        </a:lnSpc>
+        <a:spcBef>
+          <a:spcPts val="500"/>
+        </a:spcBef>
+        <a:buFont typeface="Arial" panose="020B0604020202020204" pitchFamily="34" charset="0"/>
+        <a:buChar char="•"/>
+        <a:defRPr sz="1800" kern="1200">
+          <a:solidFill>
+            <a:schemeClr val="tx1"/>
+          </a:solidFill>
+          <a:latin typeface="+mn-lt"/>
+          <a:ea typeface="+mn-ea"/>
+          <a:cs typeface="+mn-cs"/>
+        </a:defRPr>
+      </a:lvl5pPr>
+      <a:lvl6pPr marL="2514600" indent="-228600" algn="l" defTabSz="914400" rtl="0" eaLnBrk="1" latinLnBrk="0" hangingPunct="1">
+        <a:lnSpc>
+          <a:spcPct val="90000"/>
+        </a:lnSpc>
+        <a:spcBef>
+          <a:spcPts val="500"/>
+        </a:spcBef>
+        <a:buFont typeface="Arial" panose="020B0604020202020204" pitchFamily="34" charset="0"/>
+        <a:buChar char="•"/>
+        <a:defRPr sz="1800" kern="1200">
+          <a:solidFill>
+            <a:schemeClr val="tx1"/>
+          </a:solidFill>
+          <a:latin typeface="+mn-lt"/>
+          <a:ea typeface="+mn-ea"/>
+          <a:cs typeface="+mn-cs"/>
+        </a:defRPr>
+      </a:lvl6pPr>
+      <a:lvl7pPr marL="2971800" indent="-228600" algn="l" defTabSz="914400" rtl="0" eaLnBrk="1" latinLnBrk="0" hangingPunct="1">
+        <a:lnSpc>
+          <a:spcPct val="90000"/>
+        </a:lnSpc>
+        <a:spcBef>
+          <a:spcPts val="500"/>
+        </a:spcBef>
+        <a:buFont typeface="Arial" panose="020B0604020202020204" pitchFamily="34" charset="0"/>
+        <a:buChar char="•"/>
+        <a:defRPr sz="1800" kern="1200">
+          <a:solidFill>
+            <a:schemeClr val="tx1"/>
+          </a:solidFill>
+          <a:latin typeface="+mn-lt"/>
+          <a:ea typeface="+mn-ea"/>
+          <a:cs typeface="+mn-cs"/>
+        </a:defRPr>
+      </a:lvl7pPr>
+      <a:lvl8pPr marL="3429000" indent="-228600" algn="l" defTabSz="914400" rtl="0" eaLnBrk="1" latinLnBrk="0" hangingPunct="1">
+        <a:lnSpc>
+          <a:spcPct val="90000"/>
+        </a:lnSpc>
+        <a:spcBef>
+          <a:spcPts val="500"/>
+        </a:spcBef>
+        <a:buFont typeface="Arial" panose="020B0604020202020204" pitchFamily="34" charset="0"/>
+        <a:buChar char="•"/>
+        <a:defRPr sz="1800" kern="1200">
+          <a:solidFill>
+            <a:schemeClr val="tx1"/>
+          </a:solidFill>
+          <a:latin typeface="+mn-lt"/>
+          <a:ea typeface="+mn-ea"/>
+          <a:cs typeface="+mn-cs"/>
+        </a:defRPr>
+      </a:lvl8pPr>
+      <a:lvl9pPr marL="3886200" indent="-228600" algn="l" defTabSz="914400" rtl="0" eaLnBrk="1" latinLnBrk="0" hangingPunct="1">
+        <a:lnSpc>
+          <a:spcPct val="90000"/>
+        </a:lnSpc>
+        <a:spcBef>
+          <a:spcPts val="500"/>
+        </a:spcBef>
+        <a:buFont typeface="Arial" panose="020B0604020202020204" pitchFamily="34" charset="0"/>
+        <a:buChar char="•"/>
+        <a:defRPr sz="1800" kern="1200">
+          <a:solidFill>
+            <a:schemeClr val="tx1"/>
+          </a:solidFill>
+          <a:latin typeface="+mn-lt"/>
+          <a:ea typeface="+mn-ea"/>
+          <a:cs typeface="+mn-cs"/>
+        </a:defRPr>
+      </a:lvl9pPr>
+    </p:bodyStyle>
+    <p:otherStyle>
+      <a:defPPr>
+        <a:defRPr lang="en-US"/>
+      </a:defPPr>
+      <a:lvl1pPr marL="0" algn="l" defTabSz="914400" rtl="0" eaLnBrk="1" latinLnBrk="0" hangingPunct="1">
+        <a:defRPr sz="1800" kern="1200">
+          <a:solidFill>
+            <a:schemeClr val="tx1"/>
+          </a:solidFill>
+          <a:latin typeface="+mn-lt"/>
+          <a:ea typeface="+mn-ea"/>
+          <a:cs typeface="+mn-cs"/>
+        </a:defRPr>
+      </a:lvl1pPr>
+      <a:lvl2pPr marL="457200" algn="l" defTabSz="914400" rtl="0" eaLnBrk="1" latinLnBrk="0" hangingPunct="1">
+        <a:defRPr sz="1800" kern="1200">
+          <a:solidFill>
+            <a:schemeClr val="tx1"/>
+          </a:solidFill>
+          <a:latin typeface="+mn-lt"/>
+          <a:ea typeface="+mn-ea"/>
+          <a:cs typeface="+mn-cs"/>
+        </a:defRPr>
+      </a:lvl2pPr>
+      <a:lvl3pPr marL="914400" algn="l" defTabSz="914400" rtl="0" eaLnBrk="1" latinLnBrk="0" hangingPunct="1">
+        <a:defRPr sz="1800" kern="1200">
+          <a:solidFill>
+            <a:schemeClr val="tx1"/>
+          </a:solidFill>
+          <a:latin typeface="+mn-lt"/>
+          <a:ea typeface="+mn-ea"/>
+          <a:cs typeface="+mn-cs"/>
+        </a:defRPr>
+      </a:lvl3pPr>
+      <a:lvl4pPr marL="1371600" algn="l" defTabSz="914400" rtl="0" eaLnBrk="1" latinLnBrk="0" hangingPunct="1">
+        <a:defRPr sz="1800" kern="1200">
+          <a:solidFill>
+            <a:schemeClr val="tx1"/>
+          </a:solidFill>
+          <a:latin typeface="+mn-lt"/>
+          <a:ea typeface="+mn-ea"/>
+          <a:cs typeface="+mn-cs"/>
+        </a:defRPr>
+      </a:lvl4pPr>
+      <a:lvl5pPr marL="1828800" algn="l" defTabSz="914400" rtl="0" eaLnBrk="1" latinLnBrk="0" hangingPunct="1">
+        <a:defRPr sz="1800" kern="1200">
+          <a:solidFill>
+            <a:schemeClr val="tx1"/>
+          </a:solidFill>
+          <a:latin typeface="+mn-lt"/>
+          <a:ea typeface="+mn-ea"/>
+          <a:cs typeface="+mn-cs"/>
+        </a:defRPr>
+      </a:lvl5pPr>
+      <a:lvl6pPr marL="2286000" algn="l" defTabSz="914400" rtl="0" eaLnBrk="1" latinLnBrk="0" hangingPunct="1">
+        <a:defRPr sz="1800" kern="1200">
+          <a:solidFill>
+            <a:schemeClr val="tx1"/>
+          </a:solidFill>
+          <a:latin typeface="+mn-lt"/>
+          <a:ea typeface="+mn-ea"/>
+          <a:cs typeface="+mn-cs"/>
+        </a:defRPr>
+      </a:lvl6pPr>
+      <a:lvl7pPr marL="2743200" algn="l" defTabSz="914400" rtl="0" eaLnBrk="1" latinLnBrk="0" hangingPunct="1">
+        <a:defRPr sz="1800" kern="1200">
+          <a:solidFill>
+            <a:schemeClr val="tx1"/>
+          </a:solidFill>
+          <a:latin typeface="+mn-lt"/>
+          <a:ea typeface="+mn-ea"/>
+          <a:cs typeface="+mn-cs"/>
+        </a:defRPr>
+      </a:lvl7pPr>
+      <a:lvl8pPr marL="3200400" algn="l" defTabSz="914400" rtl="0" eaLnBrk="1" latinLnBrk="0" hangingPunct="1">
+        <a:defRPr sz="1800" kern="1200">
+          <a:solidFill>
+            <a:schemeClr val="tx1"/>
+          </a:solidFill>
+          <a:latin typeface="+mn-lt"/>
+          <a:ea typeface="+mn-ea"/>
+          <a:cs typeface="+mn-cs"/>
+        </a:defRPr>
+      </a:lvl8pPr>
+      <a:lvl9pPr marL="3657600" algn="l" defTabSz="914400" rtl="0" eaLnBrk="1" latinLnBrk="0" hangingPunct="1">
+        <a:defRPr sz="1800" kern="1200">
+          <a:solidFill>
+            <a:schemeClr val="tx1"/>
+          </a:solidFill>
+          <a:latin typeface="+mn-lt"/>
+          <a:ea typeface="+mn-ea"/>
+          <a:cs typeface="+mn-cs"/>
+        </a:defRPr>
+      </a:lvl9pPr>
+    </p:otherStyle>
+  </p:txStyles>
 </p:sldMaster>
 </file>
 
 <file path=ppt/slides/slide1.xml><?xml version="1.0" encoding="utf-8"?>
-<p:sld xmlns:a="http://schemas.openxmlformats.org/drawingml/2006/main" xmlns:p="http://schemas.openxmlformats.org/presentationml/2006/main" xmlns:r="http://schemas.openxmlformats.org/officeDocument/2006/relationships" xmlns:p14="http://schemas.microsoft.com/office/powerpoint/2010/main" xmlns:p15="http://schemas.microsoft.com/office/powerpoint/2012/main" xmlns:mc="http://schemas.openxmlformats.org/markup-compatibility/2006">
+<p:sld xmlns:a="http://schemas.openxmlformats.org/drawingml/2006/main" xmlns:r="http://schemas.openxmlformats.org/officeDocument/2006/relationships" xmlns:p="http://schemas.openxmlformats.org/presentationml/2006/main">
   <p:cSld>
     <p:spTree>
       <p:nvGrpSpPr>
@@ -4578,6 +5279,7 @@
         </p:spPr>
         <p:txBody>
           <a:bodyPr anchor="b"/>
+          <a:lstStyle/>
           <a:p>
             <a:pPr algn="ctr">
               <a:lnSpc>
@@ -4585,26 +5287,26 @@
               </a:lnSpc>
             </a:pPr>
             <a:r>
-              <a:rPr b="0" lang="en-US" sz="6000" spc="-1" strike="noStrike" cap="small">
+              <a:rPr lang="en-US" sz="6000" b="0" strike="noStrike" cap="small" spc="-1">
                 <a:solidFill>
                   <a:srgbClr val="000000"/>
                 </a:solidFill>
                 <a:uFill>
                   <a:solidFill>
-                    <a:srgbClr val="ffffff"/>
+                    <a:srgbClr val="FFFFFF"/>
                   </a:solidFill>
                 </a:uFill>
                 <a:latin typeface="Andalus"/>
               </a:rPr>
               <a:t>Autonomous Intersection Management</a:t>
             </a:r>
-            <a:endParaRPr b="0" lang="en-US" sz="1800" spc="-1" strike="noStrike">
-              <a:solidFill>
-                <a:srgbClr val="000000"/>
-              </a:solidFill>
-              <a:uFill>
-                <a:solidFill>
-                  <a:srgbClr val="ffffff"/>
+            <a:endParaRPr lang="en-US" sz="1800" b="0" strike="noStrike" spc="-1">
+              <a:solidFill>
+                <a:srgbClr val="000000"/>
+              </a:solidFill>
+              <a:uFill>
+                <a:solidFill>
+                  <a:srgbClr val="FFFFFF"/>
                 </a:solidFill>
               </a:uFill>
               <a:latin typeface="Calibri"/>
@@ -4632,13 +5334,20 @@
           </a:ln>
         </p:spPr>
         <p:style>
-          <a:lnRef idx="0"/>
-          <a:fillRef idx="0"/>
-          <a:effectRef idx="0"/>
+          <a:lnRef idx="0">
+            <a:scrgbClr r="0" g="0" b="0"/>
+          </a:lnRef>
+          <a:fillRef idx="0">
+            <a:scrgbClr r="0" g="0" b="0"/>
+          </a:fillRef>
+          <a:effectRef idx="0">
+            <a:scrgbClr r="0" g="0" b="0"/>
+          </a:effectRef>
           <a:fontRef idx="minor"/>
         </p:style>
         <p:txBody>
-          <a:bodyPr lIns="90000" rIns="90000" tIns="45000" bIns="45000"/>
+          <a:bodyPr lIns="90000" tIns="45000" rIns="90000" bIns="45000"/>
+          <a:lstStyle/>
           <a:p>
             <a:pPr>
               <a:lnSpc>
@@ -4646,26 +5355,26 @@
               </a:lnSpc>
             </a:pPr>
             <a:r>
-              <a:rPr b="0" lang="en-US" sz="1800" spc="-1" strike="noStrike">
+              <a:rPr lang="en-US" sz="1800" b="0" strike="noStrike" spc="-1">
                 <a:solidFill>
                   <a:srgbClr val="000000"/>
                 </a:solidFill>
                 <a:uFill>
                   <a:solidFill>
-                    <a:srgbClr val="ffffff"/>
+                    <a:srgbClr val="FFFFFF"/>
                   </a:solidFill>
                 </a:uFill>
                 <a:latin typeface="Andalus"/>
               </a:rPr>
               <a:t>Ahmed Fayed &amp; Alex Winger</a:t>
             </a:r>
-            <a:endParaRPr b="0" lang="en-US" sz="1800" spc="-1" strike="noStrike">
-              <a:solidFill>
-                <a:srgbClr val="000000"/>
-              </a:solidFill>
-              <a:uFill>
-                <a:solidFill>
-                  <a:srgbClr val="ffffff"/>
+            <a:endParaRPr lang="en-US" sz="1800" b="0" strike="noStrike" spc="-1">
+              <a:solidFill>
+                <a:srgbClr val="000000"/>
+              </a:solidFill>
+              <a:uFill>
+                <a:solidFill>
+                  <a:srgbClr val="FFFFFF"/>
                 </a:solidFill>
               </a:uFill>
               <a:latin typeface="Arial"/>
@@ -4675,6 +5384,9 @@
       </p:sp>
     </p:spTree>
   </p:cSld>
+  <p:clrMapOvr>
+    <a:masterClrMapping/>
+  </p:clrMapOvr>
   <p:timing>
     <p:tnLst>
       <p:par>
@@ -4683,14 +5395,14 @@
             <p:seq>
               <p:cTn id="2" nodeType="mainSeq"/>
               <p:prevCondLst>
-                <p:cond delay="0" evt="onPrev">
+                <p:cond evt="onPrev" delay="0">
                   <p:tgtEl>
                     <p:sldTgt/>
                   </p:tgtEl>
                 </p:cond>
               </p:prevCondLst>
               <p:nextCondLst>
-                <p:cond delay="0" evt="onNext">
+                <p:cond evt="onNext" delay="0">
                   <p:tgtEl>
                     <p:sldTgt/>
                   </p:tgtEl>
@@ -4706,7 +5418,7 @@
 </file>
 
 <file path=ppt/slides/slide2.xml><?xml version="1.0" encoding="utf-8"?>
-<p:sld xmlns:a="http://schemas.openxmlformats.org/drawingml/2006/main" xmlns:p="http://schemas.openxmlformats.org/presentationml/2006/main" xmlns:r="http://schemas.openxmlformats.org/officeDocument/2006/relationships" xmlns:p14="http://schemas.microsoft.com/office/powerpoint/2010/main" xmlns:p15="http://schemas.microsoft.com/office/powerpoint/2012/main" xmlns:mc="http://schemas.openxmlformats.org/markup-compatibility/2006">
+<p:sld xmlns:a="http://schemas.openxmlformats.org/drawingml/2006/main" xmlns:r="http://schemas.openxmlformats.org/officeDocument/2006/relationships" xmlns:p="http://schemas.openxmlformats.org/presentationml/2006/main">
   <p:cSld>
     <p:spTree>
       <p:nvGrpSpPr>
@@ -4743,6 +5455,7 @@
         </p:spPr>
         <p:txBody>
           <a:bodyPr anchor="ctr"/>
+          <a:lstStyle/>
           <a:p>
             <a:pPr>
               <a:lnSpc>
@@ -4750,26 +5463,26 @@
               </a:lnSpc>
             </a:pPr>
             <a:r>
-              <a:rPr b="0" lang="en-US" sz="4400" spc="-1" strike="noStrike">
+              <a:rPr lang="en-US" sz="4400" b="0" strike="noStrike" spc="-1">
                 <a:solidFill>
                   <a:srgbClr val="000000"/>
                 </a:solidFill>
                 <a:uFill>
                   <a:solidFill>
-                    <a:srgbClr val="ffffff"/>
+                    <a:srgbClr val="FFFFFF"/>
                   </a:solidFill>
                 </a:uFill>
                 <a:latin typeface="Andalus"/>
               </a:rPr>
               <a:t>Introduction about AIM and Motivation</a:t>
             </a:r>
-            <a:endParaRPr b="0" lang="en-US" sz="1800" spc="-1" strike="noStrike">
-              <a:solidFill>
-                <a:srgbClr val="000000"/>
-              </a:solidFill>
-              <a:uFill>
-                <a:solidFill>
-                  <a:srgbClr val="ffffff"/>
+            <a:endParaRPr lang="en-US" sz="1800" b="0" strike="noStrike" spc="-1">
+              <a:solidFill>
+                <a:srgbClr val="000000"/>
+              </a:solidFill>
+              <a:uFill>
+                <a:solidFill>
+                  <a:srgbClr val="FFFFFF"/>
                 </a:solidFill>
               </a:uFill>
               <a:latin typeface="Calibri"/>
@@ -4798,6 +5511,7 @@
         </p:spPr>
         <p:txBody>
           <a:bodyPr/>
+          <a:lstStyle/>
           <a:p>
             <a:pPr marL="228600" indent="-228240">
               <a:lnSpc>
@@ -4810,33 +5524,22 @@
               <a:buChar char="•"/>
             </a:pPr>
             <a:r>
-              <a:rPr b="0" lang="en-US" sz="2800" spc="-1" strike="noStrike">
+              <a:rPr lang="en-US" sz="2800" b="0" strike="noStrike" spc="-1">
                 <a:solidFill>
                   <a:srgbClr val="000000"/>
                 </a:solidFill>
                 <a:uFill>
                   <a:solidFill>
-                    <a:srgbClr val="ffffff"/>
+                    <a:srgbClr val="FFFFFF"/>
                   </a:solidFill>
                 </a:uFill>
                 <a:latin typeface="Calibri"/>
               </a:rPr>
               <a:t>Idea: Autonomously and efficiently manage/schedule vehicles through an intersection.</a:t>
             </a:r>
-            <a:endParaRPr b="0" lang="en-US" sz="2800" spc="-1" strike="noStrike">
-              <a:solidFill>
-                <a:srgbClr val="000000"/>
-              </a:solidFill>
-              <a:uFill>
-                <a:solidFill>
-                  <a:srgbClr val="ffffff"/>
-                </a:solidFill>
-              </a:uFill>
-              <a:latin typeface="Calibri"/>
-            </a:endParaRPr>
-          </a:p>
-          <a:p>
-            <a:pPr lvl="1" marL="685800" indent="-228240">
+          </a:p>
+          <a:p>
+            <a:pPr marL="685800" lvl="1" indent="-228240">
               <a:lnSpc>
                 <a:spcPct val="100000"/>
               </a:lnSpc>
@@ -4847,33 +5550,33 @@
               <a:buChar char="•"/>
             </a:pPr>
             <a:r>
-              <a:rPr b="0" lang="en-US" sz="2400" spc="-1" strike="noStrike">
+              <a:rPr lang="en-US" sz="2400" b="0" strike="noStrike" spc="-1">
                 <a:solidFill>
                   <a:srgbClr val="000000"/>
                 </a:solidFill>
                 <a:uFill>
                   <a:solidFill>
-                    <a:srgbClr val="ffffff"/>
+                    <a:srgbClr val="FFFFFF"/>
                   </a:solidFill>
                 </a:uFill>
                 <a:latin typeface="Calibri"/>
               </a:rPr>
               <a:t>Significantly outperform current intersection technology </a:t>
             </a:r>
-            <a:endParaRPr b="0" lang="en-US" sz="2000" spc="-1" strike="noStrike">
-              <a:solidFill>
-                <a:srgbClr val="000000"/>
-              </a:solidFill>
-              <a:uFill>
-                <a:solidFill>
-                  <a:srgbClr val="ffffff"/>
-                </a:solidFill>
-              </a:uFill>
-              <a:latin typeface="Calibri"/>
-            </a:endParaRPr>
-          </a:p>
-          <a:p>
-            <a:pPr lvl="1" marL="685800" indent="-228240">
+            <a:endParaRPr lang="en-US" sz="2000" b="0" strike="noStrike" spc="-1">
+              <a:solidFill>
+                <a:srgbClr val="000000"/>
+              </a:solidFill>
+              <a:uFill>
+                <a:solidFill>
+                  <a:srgbClr val="FFFFFF"/>
+                </a:solidFill>
+              </a:uFill>
+              <a:latin typeface="Calibri"/>
+            </a:endParaRPr>
+          </a:p>
+          <a:p>
+            <a:pPr marL="685800" lvl="1" indent="-228240">
               <a:lnSpc>
                 <a:spcPct val="100000"/>
               </a:lnSpc>
@@ -4884,33 +5587,33 @@
               <a:buChar char="•"/>
             </a:pPr>
             <a:r>
-              <a:rPr b="0" lang="en-US" sz="2400" spc="-1" strike="noStrike">
+              <a:rPr lang="en-US" sz="2400" b="0" strike="noStrike" spc="-1">
                 <a:solidFill>
                   <a:srgbClr val="000000"/>
                 </a:solidFill>
                 <a:uFill>
                   <a:solidFill>
-                    <a:srgbClr val="ffffff"/>
+                    <a:srgbClr val="FFFFFF"/>
                   </a:solidFill>
                 </a:uFill>
                 <a:latin typeface="Calibri"/>
               </a:rPr>
               <a:t>Minimizes vehicle Delay (better metric than throughput)</a:t>
             </a:r>
-            <a:endParaRPr b="0" lang="en-US" sz="2000" spc="-1" strike="noStrike">
-              <a:solidFill>
-                <a:srgbClr val="000000"/>
-              </a:solidFill>
-              <a:uFill>
-                <a:solidFill>
-                  <a:srgbClr val="ffffff"/>
-                </a:solidFill>
-              </a:uFill>
-              <a:latin typeface="Calibri"/>
-            </a:endParaRPr>
-          </a:p>
-          <a:p>
-            <a:pPr lvl="1" marL="685800" indent="-228240">
+            <a:endParaRPr lang="en-US" sz="2000" b="0" strike="noStrike" spc="-1">
+              <a:solidFill>
+                <a:srgbClr val="000000"/>
+              </a:solidFill>
+              <a:uFill>
+                <a:solidFill>
+                  <a:srgbClr val="FFFFFF"/>
+                </a:solidFill>
+              </a:uFill>
+              <a:latin typeface="Calibri"/>
+            </a:endParaRPr>
+          </a:p>
+          <a:p>
+            <a:pPr marL="685800" lvl="1" indent="-228240">
               <a:lnSpc>
                 <a:spcPct val="100000"/>
               </a:lnSpc>
@@ -4921,47 +5624,33 @@
               <a:buChar char="•"/>
             </a:pPr>
             <a:r>
-              <a:rPr b="0" lang="en-US" sz="2400" spc="-1" strike="noStrike">
+              <a:rPr lang="en-US" sz="2400" b="0" strike="noStrike" spc="-1">
                 <a:solidFill>
                   <a:srgbClr val="000000"/>
                 </a:solidFill>
                 <a:uFill>
                   <a:solidFill>
-                    <a:srgbClr val="ffffff"/>
+                    <a:srgbClr val="FFFFFF"/>
                   </a:solidFill>
                 </a:uFill>
                 <a:latin typeface="Calibri"/>
               </a:rPr>
-              <a:t>“</a:t>
+              <a:t>“Vehicle collisions at intersections account for anywhere between 25% and 45% of all collisions.” – Kurt Dresnor</a:t>
             </a:r>
-            <a:r>
-              <a:rPr b="0" lang="en-US" sz="2400" spc="-1" strike="noStrike">
-                <a:solidFill>
-                  <a:srgbClr val="000000"/>
-                </a:solidFill>
-                <a:uFill>
-                  <a:solidFill>
-                    <a:srgbClr val="ffffff"/>
-                  </a:solidFill>
-                </a:uFill>
-                <a:latin typeface="Calibri"/>
-              </a:rPr>
-              <a:t>Vehicle collisions at intersections account for anywhere between 25% and 45% of all collisions.” – Kurt Dresnor</a:t>
-            </a:r>
-            <a:endParaRPr b="0" lang="en-US" sz="2000" spc="-1" strike="noStrike">
-              <a:solidFill>
-                <a:srgbClr val="000000"/>
-              </a:solidFill>
-              <a:uFill>
-                <a:solidFill>
-                  <a:srgbClr val="ffffff"/>
-                </a:solidFill>
-              </a:uFill>
-              <a:latin typeface="Calibri"/>
-            </a:endParaRPr>
-          </a:p>
-          <a:p>
-            <a:pPr lvl="1" marL="685800" indent="-228240">
+            <a:endParaRPr lang="en-US" sz="2000" b="0" strike="noStrike" spc="-1">
+              <a:solidFill>
+                <a:srgbClr val="000000"/>
+              </a:solidFill>
+              <a:uFill>
+                <a:solidFill>
+                  <a:srgbClr val="FFFFFF"/>
+                </a:solidFill>
+              </a:uFill>
+              <a:latin typeface="Calibri"/>
+            </a:endParaRPr>
+          </a:p>
+          <a:p>
+            <a:pPr marL="685800" lvl="1" indent="-228240">
               <a:lnSpc>
                 <a:spcPct val="100000"/>
               </a:lnSpc>
@@ -4972,33 +5661,33 @@
               <a:buChar char="•"/>
             </a:pPr>
             <a:r>
-              <a:rPr b="0" lang="en-US" sz="2400" spc="-1" strike="noStrike">
+              <a:rPr lang="en-US" sz="2400" b="0" strike="noStrike" spc="-1">
                 <a:solidFill>
                   <a:srgbClr val="000000"/>
                 </a:solidFill>
                 <a:uFill>
                   <a:solidFill>
-                    <a:srgbClr val="ffffff"/>
+                    <a:srgbClr val="FFFFFF"/>
                   </a:solidFill>
                 </a:uFill>
                 <a:latin typeface="Calibri"/>
               </a:rPr>
               <a:t>Negates the need for expensive infrastructure (i.e. cloverleaf interchanges)</a:t>
             </a:r>
-            <a:endParaRPr b="0" lang="en-US" sz="2000" spc="-1" strike="noStrike">
-              <a:solidFill>
-                <a:srgbClr val="000000"/>
-              </a:solidFill>
-              <a:uFill>
-                <a:solidFill>
-                  <a:srgbClr val="ffffff"/>
-                </a:solidFill>
-              </a:uFill>
-              <a:latin typeface="Calibri"/>
-            </a:endParaRPr>
-          </a:p>
-          <a:p>
-            <a:pPr lvl="1" marL="685800" indent="-228240">
+            <a:endParaRPr lang="en-US" sz="2000" b="0" strike="noStrike" spc="-1">
+              <a:solidFill>
+                <a:srgbClr val="000000"/>
+              </a:solidFill>
+              <a:uFill>
+                <a:solidFill>
+                  <a:srgbClr val="FFFFFF"/>
+                </a:solidFill>
+              </a:uFill>
+              <a:latin typeface="Calibri"/>
+            </a:endParaRPr>
+          </a:p>
+          <a:p>
+            <a:pPr marL="685800" lvl="1" indent="-228240">
               <a:lnSpc>
                 <a:spcPct val="100000"/>
               </a:lnSpc>
@@ -5009,26 +5698,26 @@
               <a:buChar char="•"/>
             </a:pPr>
             <a:r>
-              <a:rPr b="0" lang="en-US" sz="2400" spc="-1" strike="noStrike">
+              <a:rPr lang="en-US" sz="2400" b="0" strike="noStrike" spc="-1">
                 <a:solidFill>
                   <a:srgbClr val="000000"/>
                 </a:solidFill>
                 <a:uFill>
                   <a:solidFill>
-                    <a:srgbClr val="ffffff"/>
+                    <a:srgbClr val="FFFFFF"/>
                   </a:solidFill>
                 </a:uFill>
                 <a:latin typeface="Calibri"/>
               </a:rPr>
               <a:t>Vastly more adaptable than current systems</a:t>
             </a:r>
-            <a:endParaRPr b="0" lang="en-US" sz="2000" spc="-1" strike="noStrike">
-              <a:solidFill>
-                <a:srgbClr val="000000"/>
-              </a:solidFill>
-              <a:uFill>
-                <a:solidFill>
-                  <a:srgbClr val="ffffff"/>
+            <a:endParaRPr lang="en-US" sz="2000" b="0" strike="noStrike" spc="-1">
+              <a:solidFill>
+                <a:srgbClr val="000000"/>
+              </a:solidFill>
+              <a:uFill>
+                <a:solidFill>
+                  <a:srgbClr val="FFFFFF"/>
                 </a:solidFill>
               </a:uFill>
               <a:latin typeface="Calibri"/>
@@ -5040,13 +5729,13 @@
                 <a:spcPct val="100000"/>
               </a:lnSpc>
             </a:pPr>
-            <a:endParaRPr b="0" lang="en-US" sz="2800" spc="-1" strike="noStrike">
-              <a:solidFill>
-                <a:srgbClr val="000000"/>
-              </a:solidFill>
-              <a:uFill>
-                <a:solidFill>
-                  <a:srgbClr val="ffffff"/>
+            <a:endParaRPr lang="en-US" sz="2800" b="0" strike="noStrike" spc="-1">
+              <a:solidFill>
+                <a:srgbClr val="000000"/>
+              </a:solidFill>
+              <a:uFill>
+                <a:solidFill>
+                  <a:srgbClr val="FFFFFF"/>
                 </a:solidFill>
               </a:uFill>
               <a:latin typeface="Calibri"/>
@@ -5058,13 +5747,13 @@
                 <a:spcPct val="90000"/>
               </a:lnSpc>
             </a:pPr>
-            <a:endParaRPr b="0" lang="en-US" sz="2800" spc="-1" strike="noStrike">
-              <a:solidFill>
-                <a:srgbClr val="000000"/>
-              </a:solidFill>
-              <a:uFill>
-                <a:solidFill>
-                  <a:srgbClr val="ffffff"/>
+            <a:endParaRPr lang="en-US" sz="2800" b="0" strike="noStrike" spc="-1">
+              <a:solidFill>
+                <a:srgbClr val="000000"/>
+              </a:solidFill>
+              <a:uFill>
+                <a:solidFill>
+                  <a:srgbClr val="FFFFFF"/>
                 </a:solidFill>
               </a:uFill>
               <a:latin typeface="Calibri"/>
@@ -5076,13 +5765,13 @@
                 <a:spcPct val="90000"/>
               </a:lnSpc>
             </a:pPr>
-            <a:endParaRPr b="0" lang="en-US" sz="2800" spc="-1" strike="noStrike">
-              <a:solidFill>
-                <a:srgbClr val="000000"/>
-              </a:solidFill>
-              <a:uFill>
-                <a:solidFill>
-                  <a:srgbClr val="ffffff"/>
+            <a:endParaRPr lang="en-US" sz="2800" b="0" strike="noStrike" spc="-1">
+              <a:solidFill>
+                <a:srgbClr val="000000"/>
+              </a:solidFill>
+              <a:uFill>
+                <a:solidFill>
+                  <a:srgbClr val="FFFFFF"/>
                 </a:solidFill>
               </a:uFill>
               <a:latin typeface="Calibri"/>
@@ -5092,22 +5781,25 @@
       </p:sp>
     </p:spTree>
   </p:cSld>
+  <p:clrMapOvr>
+    <a:masterClrMapping/>
+  </p:clrMapOvr>
   <p:timing>
     <p:tnLst>
       <p:par>
-        <p:cTn id="3" dur="indefinite" restart="never" nodeType="tmRoot">
+        <p:cTn id="1" dur="indefinite" restart="never" nodeType="tmRoot">
           <p:childTnLst>
             <p:seq>
-              <p:cTn id="4" nodeType="mainSeq"/>
+              <p:cTn id="2" nodeType="mainSeq"/>
               <p:prevCondLst>
-                <p:cond delay="0" evt="onPrev">
+                <p:cond evt="onPrev" delay="0">
                   <p:tgtEl>
                     <p:sldTgt/>
                   </p:tgtEl>
                 </p:cond>
               </p:prevCondLst>
               <p:nextCondLst>
-                <p:cond delay="0" evt="onNext">
+                <p:cond evt="onNext" delay="0">
                   <p:tgtEl>
                     <p:sldTgt/>
                   </p:tgtEl>
@@ -5123,7 +5815,7 @@
 </file>
 
 <file path=ppt/slides/slide3.xml><?xml version="1.0" encoding="utf-8"?>
-<p:sld xmlns:a="http://schemas.openxmlformats.org/drawingml/2006/main" xmlns:p="http://schemas.openxmlformats.org/presentationml/2006/main" xmlns:r="http://schemas.openxmlformats.org/officeDocument/2006/relationships" xmlns:p14="http://schemas.microsoft.com/office/powerpoint/2010/main" xmlns:p15="http://schemas.microsoft.com/office/powerpoint/2012/main" xmlns:mc="http://schemas.openxmlformats.org/markup-compatibility/2006">
+<p:sld xmlns:a="http://schemas.openxmlformats.org/drawingml/2006/main" xmlns:r="http://schemas.openxmlformats.org/officeDocument/2006/relationships" xmlns:p="http://schemas.openxmlformats.org/presentationml/2006/main">
   <p:cSld>
     <p:spTree>
       <p:nvGrpSpPr>
@@ -5160,6 +5852,7 @@
         </p:spPr>
         <p:txBody>
           <a:bodyPr anchor="ctr"/>
+          <a:lstStyle/>
           <a:p>
             <a:pPr>
               <a:lnSpc>
@@ -5167,26 +5860,26 @@
               </a:lnSpc>
             </a:pPr>
             <a:r>
-              <a:rPr b="0" lang="en-US" sz="4400" spc="-1" strike="noStrike">
+              <a:rPr lang="en-US" sz="4400" b="0" strike="noStrike" spc="-1">
                 <a:solidFill>
                   <a:srgbClr val="000000"/>
                 </a:solidFill>
                 <a:uFill>
                   <a:solidFill>
-                    <a:srgbClr val="ffffff"/>
+                    <a:srgbClr val="FFFFFF"/>
                   </a:solidFill>
                 </a:uFill>
                 <a:latin typeface="Andalus"/>
               </a:rPr>
               <a:t>Previous Work &amp; Feasibility</a:t>
             </a:r>
-            <a:endParaRPr b="0" lang="en-US" sz="1800" spc="-1" strike="noStrike">
-              <a:solidFill>
-                <a:srgbClr val="000000"/>
-              </a:solidFill>
-              <a:uFill>
-                <a:solidFill>
-                  <a:srgbClr val="ffffff"/>
+            <a:endParaRPr lang="en-US" sz="1800" b="0" strike="noStrike" spc="-1">
+              <a:solidFill>
+                <a:srgbClr val="000000"/>
+              </a:solidFill>
+              <a:uFill>
+                <a:solidFill>
+                  <a:srgbClr val="FFFFFF"/>
                 </a:solidFill>
               </a:uFill>
               <a:latin typeface="Calibri"/>
@@ -5215,6 +5908,7 @@
         </p:spPr>
         <p:txBody>
           <a:bodyPr/>
+          <a:lstStyle/>
           <a:p>
             <a:pPr marL="228600" indent="-228240">
               <a:lnSpc>
@@ -5227,30 +5921,19 @@
               <a:buChar char="•"/>
             </a:pPr>
             <a:r>
-              <a:rPr b="0" lang="en-US" sz="2800" spc="-1" strike="noStrike">
+              <a:rPr lang="en-US" sz="2800" b="0" strike="noStrike" spc="-1">
                 <a:solidFill>
                   <a:srgbClr val="000000"/>
                 </a:solidFill>
                 <a:uFill>
                   <a:solidFill>
-                    <a:srgbClr val="ffffff"/>
+                    <a:srgbClr val="FFFFFF"/>
                   </a:solidFill>
                 </a:uFill>
                 <a:latin typeface="Calibri"/>
               </a:rPr>
               <a:t>Worked on implementing an AIM System for a previous class</a:t>
             </a:r>
-            <a:endParaRPr b="0" lang="en-US" sz="2800" spc="-1" strike="noStrike">
-              <a:solidFill>
-                <a:srgbClr val="000000"/>
-              </a:solidFill>
-              <a:uFill>
-                <a:solidFill>
-                  <a:srgbClr val="ffffff"/>
-                </a:solidFill>
-              </a:uFill>
-              <a:latin typeface="Calibri"/>
-            </a:endParaRPr>
           </a:p>
           <a:p>
             <a:pPr marL="228600" indent="-228240">
@@ -5264,47 +5947,22 @@
               <a:buChar char="•"/>
             </a:pPr>
             <a:r>
-              <a:rPr b="0" lang="en-US" sz="2800" spc="-1" strike="noStrike">
+              <a:rPr lang="en-US" sz="2800" b="0" strike="noStrike" spc="-1">
                 <a:solidFill>
                   <a:srgbClr val="000000"/>
                 </a:solidFill>
                 <a:uFill>
                   <a:solidFill>
-                    <a:srgbClr val="ffffff"/>
+                    <a:srgbClr val="FFFFFF"/>
                   </a:solidFill>
                 </a:uFill>
                 <a:latin typeface="Calibri"/>
               </a:rPr>
-              <a:t>“</a:t>
+              <a:t>“A Multiagent Approach to Autonomous Intersection Management” by Kurt Dresner and Peter Stone</a:t>
             </a:r>
-            <a:r>
-              <a:rPr b="0" lang="en-US" sz="2800" spc="-1" strike="noStrike">
-                <a:solidFill>
-                  <a:srgbClr val="000000"/>
-                </a:solidFill>
-                <a:uFill>
-                  <a:solidFill>
-                    <a:srgbClr val="ffffff"/>
-                  </a:solidFill>
-                </a:uFill>
-                <a:latin typeface="Calibri"/>
-              </a:rPr>
-              <a:t>A Multiagent Approach to Autonomous Intersection Management” by Kurt Dresner and Peter Stone</a:t>
-            </a:r>
-            <a:endParaRPr b="0" lang="en-US" sz="2800" spc="-1" strike="noStrike">
-              <a:solidFill>
-                <a:srgbClr val="000000"/>
-              </a:solidFill>
-              <a:uFill>
-                <a:solidFill>
-                  <a:srgbClr val="ffffff"/>
-                </a:solidFill>
-              </a:uFill>
-              <a:latin typeface="Calibri"/>
-            </a:endParaRPr>
-          </a:p>
-          <a:p>
-            <a:pPr lvl="1" marL="685800" indent="-228240">
+          </a:p>
+          <a:p>
+            <a:pPr marL="685800" lvl="1" indent="-228240">
               <a:lnSpc>
                 <a:spcPct val="100000"/>
               </a:lnSpc>
@@ -5315,33 +5973,33 @@
               <a:buChar char="•"/>
             </a:pPr>
             <a:r>
-              <a:rPr b="0" lang="en-US" sz="2400" spc="-1" strike="noStrike">
+              <a:rPr lang="en-US" sz="2400" b="0" strike="noStrike" spc="-1">
                 <a:solidFill>
                   <a:srgbClr val="000000"/>
                 </a:solidFill>
                 <a:uFill>
                   <a:solidFill>
-                    <a:srgbClr val="ffffff"/>
+                    <a:srgbClr val="FFFFFF"/>
                   </a:solidFill>
                 </a:uFill>
                 <a:latin typeface="Calibri"/>
               </a:rPr>
               <a:t>Reservation system using “First Come, First Served” policy</a:t>
             </a:r>
-            <a:endParaRPr b="0" lang="en-US" sz="2000" spc="-1" strike="noStrike">
-              <a:solidFill>
-                <a:srgbClr val="000000"/>
-              </a:solidFill>
-              <a:uFill>
-                <a:solidFill>
-                  <a:srgbClr val="ffffff"/>
-                </a:solidFill>
-              </a:uFill>
-              <a:latin typeface="Calibri"/>
-            </a:endParaRPr>
-          </a:p>
-          <a:p>
-            <a:pPr lvl="1" marL="685800" indent="-228240">
+            <a:endParaRPr lang="en-US" sz="2000" b="0" strike="noStrike" spc="-1">
+              <a:solidFill>
+                <a:srgbClr val="000000"/>
+              </a:solidFill>
+              <a:uFill>
+                <a:solidFill>
+                  <a:srgbClr val="FFFFFF"/>
+                </a:solidFill>
+              </a:uFill>
+              <a:latin typeface="Calibri"/>
+            </a:endParaRPr>
+          </a:p>
+          <a:p>
+            <a:pPr marL="685800" lvl="1" indent="-228240">
               <a:lnSpc>
                 <a:spcPct val="100000"/>
               </a:lnSpc>
@@ -5352,33 +6010,33 @@
               <a:buChar char="•"/>
             </a:pPr>
             <a:r>
-              <a:rPr b="0" lang="en-US" sz="2400" spc="-1" strike="noStrike">
+              <a:rPr lang="en-US" sz="2400" b="0" strike="noStrike" spc="-1">
                 <a:solidFill>
                   <a:srgbClr val="000000"/>
                 </a:solidFill>
                 <a:uFill>
                   <a:solidFill>
-                    <a:srgbClr val="ffffff"/>
+                    <a:srgbClr val="FFFFFF"/>
                   </a:solidFill>
                 </a:uFill>
                 <a:latin typeface="Calibri"/>
               </a:rPr>
               <a:t>Use of a grid of “reservation” tiles</a:t>
             </a:r>
-            <a:endParaRPr b="0" lang="en-US" sz="2000" spc="-1" strike="noStrike">
-              <a:solidFill>
-                <a:srgbClr val="000000"/>
-              </a:solidFill>
-              <a:uFill>
-                <a:solidFill>
-                  <a:srgbClr val="ffffff"/>
-                </a:solidFill>
-              </a:uFill>
-              <a:latin typeface="Calibri"/>
-            </a:endParaRPr>
-          </a:p>
-          <a:p>
-            <a:pPr lvl="1" marL="685800" indent="-228240">
+            <a:endParaRPr lang="en-US" sz="2000" b="0" strike="noStrike" spc="-1">
+              <a:solidFill>
+                <a:srgbClr val="000000"/>
+              </a:solidFill>
+              <a:uFill>
+                <a:solidFill>
+                  <a:srgbClr val="FFFFFF"/>
+                </a:solidFill>
+              </a:uFill>
+              <a:latin typeface="Calibri"/>
+            </a:endParaRPr>
+          </a:p>
+          <a:p>
+            <a:pPr marL="685800" lvl="1" indent="-228240">
               <a:lnSpc>
                 <a:spcPct val="100000"/>
               </a:lnSpc>
@@ -5389,33 +6047,33 @@
               <a:buChar char="•"/>
             </a:pPr>
             <a:r>
-              <a:rPr b="0" lang="en-US" sz="2400" spc="-1" strike="noStrike">
+              <a:rPr lang="en-US" sz="2400" b="0" strike="noStrike" spc="-1">
                 <a:solidFill>
                   <a:srgbClr val="000000"/>
                 </a:solidFill>
                 <a:uFill>
                   <a:solidFill>
-                    <a:srgbClr val="ffffff"/>
+                    <a:srgbClr val="FFFFFF"/>
                   </a:solidFill>
                 </a:uFill>
                 <a:latin typeface="Calibri"/>
               </a:rPr>
               <a:t>Dealing with acceleration in the intersection. Consider trajectories where the vehicle accelerates to max velocity, and maintains current velocity</a:t>
             </a:r>
-            <a:endParaRPr b="0" lang="en-US" sz="2000" spc="-1" strike="noStrike">
-              <a:solidFill>
-                <a:srgbClr val="000000"/>
-              </a:solidFill>
-              <a:uFill>
-                <a:solidFill>
-                  <a:srgbClr val="ffffff"/>
-                </a:solidFill>
-              </a:uFill>
-              <a:latin typeface="Calibri"/>
-            </a:endParaRPr>
-          </a:p>
-          <a:p>
-            <a:pPr lvl="1" marL="685800" indent="-228240">
+            <a:endParaRPr lang="en-US" sz="2000" b="0" strike="noStrike" spc="-1">
+              <a:solidFill>
+                <a:srgbClr val="000000"/>
+              </a:solidFill>
+              <a:uFill>
+                <a:solidFill>
+                  <a:srgbClr val="FFFFFF"/>
+                </a:solidFill>
+              </a:uFill>
+              <a:latin typeface="Calibri"/>
+            </a:endParaRPr>
+          </a:p>
+          <a:p>
+            <a:pPr marL="685800" lvl="1" indent="-228240">
               <a:lnSpc>
                 <a:spcPct val="100000"/>
               </a:lnSpc>
@@ -5426,33 +6084,33 @@
               <a:buChar char="•"/>
             </a:pPr>
             <a:r>
-              <a:rPr b="0" lang="en-US" sz="2400" spc="-1" strike="noStrike">
+              <a:rPr lang="en-US" sz="2400" b="0" strike="noStrike" spc="-1">
                 <a:solidFill>
                   <a:srgbClr val="000000"/>
                 </a:solidFill>
                 <a:uFill>
                   <a:solidFill>
-                    <a:srgbClr val="ffffff"/>
+                    <a:srgbClr val="FFFFFF"/>
                   </a:solidFill>
                 </a:uFill>
                 <a:latin typeface="Calibri"/>
               </a:rPr>
               <a:t>Force a minimum velocity</a:t>
             </a:r>
-            <a:endParaRPr b="0" lang="en-US" sz="2000" spc="-1" strike="noStrike">
-              <a:solidFill>
-                <a:srgbClr val="000000"/>
-              </a:solidFill>
-              <a:uFill>
-                <a:solidFill>
-                  <a:srgbClr val="ffffff"/>
-                </a:solidFill>
-              </a:uFill>
-              <a:latin typeface="Calibri"/>
-            </a:endParaRPr>
-          </a:p>
-          <a:p>
-            <a:pPr lvl="1" marL="685800" indent="-228240">
+            <a:endParaRPr lang="en-US" sz="2000" b="0" strike="noStrike" spc="-1">
+              <a:solidFill>
+                <a:srgbClr val="000000"/>
+              </a:solidFill>
+              <a:uFill>
+                <a:solidFill>
+                  <a:srgbClr val="FFFFFF"/>
+                </a:solidFill>
+              </a:uFill>
+              <a:latin typeface="Calibri"/>
+            </a:endParaRPr>
+          </a:p>
+          <a:p>
+            <a:pPr marL="685800" lvl="1" indent="-228240">
               <a:lnSpc>
                 <a:spcPct val="100000"/>
               </a:lnSpc>
@@ -5463,26 +6121,26 @@
               <a:buChar char="•"/>
             </a:pPr>
             <a:r>
-              <a:rPr b="0" lang="en-US" sz="2400" spc="-1" strike="noStrike">
+              <a:rPr lang="en-US" sz="2400" b="0" strike="noStrike" spc="-1">
                 <a:solidFill>
                   <a:srgbClr val="000000"/>
                 </a:solidFill>
                 <a:uFill>
                   <a:solidFill>
-                    <a:srgbClr val="ffffff"/>
+                    <a:srgbClr val="FFFFFF"/>
                   </a:solidFill>
                 </a:uFill>
                 <a:latin typeface="Calibri"/>
               </a:rPr>
               <a:t>Ability to change the policy</a:t>
             </a:r>
-            <a:endParaRPr b="0" lang="en-US" sz="2000" spc="-1" strike="noStrike">
-              <a:solidFill>
-                <a:srgbClr val="000000"/>
-              </a:solidFill>
-              <a:uFill>
-                <a:solidFill>
-                  <a:srgbClr val="ffffff"/>
+            <a:endParaRPr lang="en-US" sz="2000" b="0" strike="noStrike" spc="-1">
+              <a:solidFill>
+                <a:srgbClr val="000000"/>
+              </a:solidFill>
+              <a:uFill>
+                <a:solidFill>
+                  <a:srgbClr val="FFFFFF"/>
                 </a:solidFill>
               </a:uFill>
               <a:latin typeface="Calibri"/>
@@ -5492,22 +6150,25 @@
       </p:sp>
     </p:spTree>
   </p:cSld>
+  <p:clrMapOvr>
+    <a:masterClrMapping/>
+  </p:clrMapOvr>
   <p:timing>
     <p:tnLst>
       <p:par>
-        <p:cTn id="5" dur="indefinite" restart="never" nodeType="tmRoot">
+        <p:cTn id="1" dur="indefinite" restart="never" nodeType="tmRoot">
           <p:childTnLst>
             <p:seq>
-              <p:cTn id="6" nodeType="mainSeq"/>
+              <p:cTn id="2" nodeType="mainSeq"/>
               <p:prevCondLst>
-                <p:cond delay="0" evt="onPrev">
+                <p:cond evt="onPrev" delay="0">
                   <p:tgtEl>
                     <p:sldTgt/>
                   </p:tgtEl>
                 </p:cond>
               </p:prevCondLst>
               <p:nextCondLst>
-                <p:cond delay="0" evt="onNext">
+                <p:cond evt="onNext" delay="0">
                   <p:tgtEl>
                     <p:sldTgt/>
                   </p:tgtEl>
@@ -5523,7 +6184,7 @@
 </file>
 
 <file path=ppt/slides/slide4.xml><?xml version="1.0" encoding="utf-8"?>
-<p:sld xmlns:a="http://schemas.openxmlformats.org/drawingml/2006/main" xmlns:p="http://schemas.openxmlformats.org/presentationml/2006/main" xmlns:r="http://schemas.openxmlformats.org/officeDocument/2006/relationships" xmlns:p14="http://schemas.microsoft.com/office/powerpoint/2010/main" xmlns:p15="http://schemas.microsoft.com/office/powerpoint/2012/main" xmlns:mc="http://schemas.openxmlformats.org/markup-compatibility/2006">
+<p:sld xmlns:a="http://schemas.openxmlformats.org/drawingml/2006/main" xmlns:r="http://schemas.openxmlformats.org/officeDocument/2006/relationships" xmlns:p="http://schemas.openxmlformats.org/presentationml/2006/main">
   <p:cSld>
     <p:spTree>
       <p:nvGrpSpPr>
@@ -5560,6 +6221,7 @@
         </p:spPr>
         <p:txBody>
           <a:bodyPr anchor="ctr"/>
+          <a:lstStyle/>
           <a:p>
             <a:pPr>
               <a:lnSpc>
@@ -5567,26 +6229,26 @@
               </a:lnSpc>
             </a:pPr>
             <a:r>
-              <a:rPr b="0" lang="en-US" sz="4400" spc="-1" strike="noStrike">
+              <a:rPr lang="en-US" sz="4400" b="0" strike="noStrike" spc="-1">
                 <a:solidFill>
                   <a:srgbClr val="000000"/>
                 </a:solidFill>
                 <a:uFill>
                   <a:solidFill>
-                    <a:srgbClr val="ffffff"/>
+                    <a:srgbClr val="FFFFFF"/>
                   </a:solidFill>
                 </a:uFill>
                 <a:latin typeface="Andalus"/>
               </a:rPr>
               <a:t>Project Scope &amp; Implementation</a:t>
             </a:r>
-            <a:endParaRPr b="0" lang="en-US" sz="1800" spc="-1" strike="noStrike">
-              <a:solidFill>
-                <a:srgbClr val="000000"/>
-              </a:solidFill>
-              <a:uFill>
-                <a:solidFill>
-                  <a:srgbClr val="ffffff"/>
+            <a:endParaRPr lang="en-US" sz="1800" b="0" strike="noStrike" spc="-1">
+              <a:solidFill>
+                <a:srgbClr val="000000"/>
+              </a:solidFill>
+              <a:uFill>
+                <a:solidFill>
+                  <a:srgbClr val="FFFFFF"/>
                 </a:solidFill>
               </a:uFill>
               <a:latin typeface="Calibri"/>
@@ -5615,6 +6277,7 @@
         </p:spPr>
         <p:txBody>
           <a:bodyPr/>
+          <a:lstStyle/>
           <a:p>
             <a:pPr marL="228600" indent="-228240">
               <a:lnSpc>
@@ -5627,30 +6290,19 @@
               <a:buChar char="•"/>
             </a:pPr>
             <a:r>
-              <a:rPr b="0" lang="en-US" sz="2800" spc="-1" strike="noStrike">
+              <a:rPr lang="en-US" sz="2800" b="0" strike="noStrike" spc="-1">
                 <a:solidFill>
                   <a:srgbClr val="000000"/>
                 </a:solidFill>
                 <a:uFill>
                   <a:solidFill>
-                    <a:srgbClr val="ffffff"/>
+                    <a:srgbClr val="FFFFFF"/>
                   </a:solidFill>
                 </a:uFill>
                 <a:latin typeface="Calibri"/>
               </a:rPr>
               <a:t>4-way 3-dedicated-lane intersection with a centralized architecture </a:t>
             </a:r>
-            <a:endParaRPr b="0" lang="en-US" sz="2800" spc="-1" strike="noStrike">
-              <a:solidFill>
-                <a:srgbClr val="000000"/>
-              </a:solidFill>
-              <a:uFill>
-                <a:solidFill>
-                  <a:srgbClr val="ffffff"/>
-                </a:solidFill>
-              </a:uFill>
-              <a:latin typeface="Calibri"/>
-            </a:endParaRPr>
           </a:p>
           <a:p>
             <a:pPr marL="228600" indent="-228240">
@@ -5664,30 +6316,19 @@
               <a:buChar char="•"/>
             </a:pPr>
             <a:r>
-              <a:rPr b="0" lang="en-US" sz="2800" spc="-1" strike="noStrike">
+              <a:rPr lang="en-US" sz="2800" b="0" strike="noStrike" spc="-1">
                 <a:solidFill>
                   <a:srgbClr val="000000"/>
                 </a:solidFill>
                 <a:uFill>
                   <a:solidFill>
-                    <a:srgbClr val="ffffff"/>
+                    <a:srgbClr val="FFFFFF"/>
                   </a:solidFill>
                 </a:uFill>
                 <a:latin typeface="Calibri"/>
               </a:rPr>
               <a:t>Keep the number of messages/communication V2V to a minimum, for scalability purposes and respecting each vehicle’s privacy </a:t>
             </a:r>
-            <a:endParaRPr b="0" lang="en-US" sz="2800" spc="-1" strike="noStrike">
-              <a:solidFill>
-                <a:srgbClr val="000000"/>
-              </a:solidFill>
-              <a:uFill>
-                <a:solidFill>
-                  <a:srgbClr val="ffffff"/>
-                </a:solidFill>
-              </a:uFill>
-              <a:latin typeface="Calibri"/>
-            </a:endParaRPr>
           </a:p>
           <a:p>
             <a:pPr marL="228600" indent="-228240">
@@ -5701,33 +6342,22 @@
               <a:buChar char="•"/>
             </a:pPr>
             <a:r>
-              <a:rPr b="0" lang="en-US" sz="2800" spc="-1" strike="noStrike">
+              <a:rPr lang="en-US" sz="2800" b="0" strike="noStrike" spc="-1">
                 <a:solidFill>
                   <a:srgbClr val="000000"/>
                 </a:solidFill>
                 <a:uFill>
                   <a:solidFill>
-                    <a:srgbClr val="ffffff"/>
+                    <a:srgbClr val="FFFFFF"/>
                   </a:solidFill>
                 </a:uFill>
                 <a:latin typeface="Calibri"/>
               </a:rPr>
               <a:t>Assumptions: </a:t>
             </a:r>
-            <a:endParaRPr b="0" lang="en-US" sz="2800" spc="-1" strike="noStrike">
-              <a:solidFill>
-                <a:srgbClr val="000000"/>
-              </a:solidFill>
-              <a:uFill>
-                <a:solidFill>
-                  <a:srgbClr val="ffffff"/>
-                </a:solidFill>
-              </a:uFill>
-              <a:latin typeface="Calibri"/>
-            </a:endParaRPr>
-          </a:p>
-          <a:p>
-            <a:pPr lvl="1" marL="685800" indent="-228240">
+          </a:p>
+          <a:p>
+            <a:pPr marL="685800" lvl="1" indent="-228240">
               <a:lnSpc>
                 <a:spcPct val="100000"/>
               </a:lnSpc>
@@ -5738,33 +6368,33 @@
               <a:buChar char="•"/>
             </a:pPr>
             <a:r>
-              <a:rPr b="0" lang="en-US" sz="2400" spc="-1" strike="noStrike">
+              <a:rPr lang="en-US" sz="2400" b="0" strike="noStrike" spc="-1">
                 <a:solidFill>
                   <a:srgbClr val="000000"/>
                 </a:solidFill>
                 <a:uFill>
                   <a:solidFill>
-                    <a:srgbClr val="ffffff"/>
+                    <a:srgbClr val="FFFFFF"/>
                   </a:solidFill>
                 </a:uFill>
                 <a:latin typeface="Calibri"/>
               </a:rPr>
               <a:t>Fully autonomous vehicles (Tesla Model S), focusing less on Driver Agents and mostly on the arbiter/Intersection Manager</a:t>
             </a:r>
-            <a:endParaRPr b="0" lang="en-US" sz="2000" spc="-1" strike="noStrike">
-              <a:solidFill>
-                <a:srgbClr val="000000"/>
-              </a:solidFill>
-              <a:uFill>
-                <a:solidFill>
-                  <a:srgbClr val="ffffff"/>
-                </a:solidFill>
-              </a:uFill>
-              <a:latin typeface="Calibri"/>
-            </a:endParaRPr>
-          </a:p>
-          <a:p>
-            <a:pPr lvl="1" marL="685800" indent="-228240">
+            <a:endParaRPr lang="en-US" sz="2000" b="0" strike="noStrike" spc="-1">
+              <a:solidFill>
+                <a:srgbClr val="000000"/>
+              </a:solidFill>
+              <a:uFill>
+                <a:solidFill>
+                  <a:srgbClr val="FFFFFF"/>
+                </a:solidFill>
+              </a:uFill>
+              <a:latin typeface="Calibri"/>
+            </a:endParaRPr>
+          </a:p>
+          <a:p>
+            <a:pPr marL="685800" lvl="1" indent="-228240">
               <a:lnSpc>
                 <a:spcPct val="100000"/>
               </a:lnSpc>
@@ -5775,33 +6405,33 @@
               <a:buChar char="•"/>
             </a:pPr>
             <a:r>
-              <a:rPr b="0" lang="en-US" sz="2400" spc="-1" strike="noStrike">
+              <a:rPr lang="en-US" sz="2400" b="0" strike="noStrike" spc="-1">
                 <a:solidFill>
                   <a:srgbClr val="000000"/>
                 </a:solidFill>
                 <a:uFill>
                   <a:solidFill>
-                    <a:srgbClr val="ffffff"/>
+                    <a:srgbClr val="FFFFFF"/>
                   </a:solidFill>
                 </a:uFill>
                 <a:latin typeface="Calibri"/>
               </a:rPr>
               <a:t>No communication failure or delay</a:t>
             </a:r>
-            <a:endParaRPr b="0" lang="en-US" sz="2000" spc="-1" strike="noStrike">
-              <a:solidFill>
-                <a:srgbClr val="000000"/>
-              </a:solidFill>
-              <a:uFill>
-                <a:solidFill>
-                  <a:srgbClr val="ffffff"/>
-                </a:solidFill>
-              </a:uFill>
-              <a:latin typeface="Calibri"/>
-            </a:endParaRPr>
-          </a:p>
-          <a:p>
-            <a:pPr lvl="1" marL="685800" indent="-228240">
+            <a:endParaRPr lang="en-US" sz="2000" b="0" strike="noStrike" spc="-1">
+              <a:solidFill>
+                <a:srgbClr val="000000"/>
+              </a:solidFill>
+              <a:uFill>
+                <a:solidFill>
+                  <a:srgbClr val="FFFFFF"/>
+                </a:solidFill>
+              </a:uFill>
+              <a:latin typeface="Calibri"/>
+            </a:endParaRPr>
+          </a:p>
+          <a:p>
+            <a:pPr marL="685800" lvl="1" indent="-228240">
               <a:lnSpc>
                 <a:spcPct val="100000"/>
               </a:lnSpc>
@@ -5812,33 +6442,33 @@
               <a:buChar char="•"/>
             </a:pPr>
             <a:r>
-              <a:rPr b="0" lang="en-US" sz="2400" spc="-1" strike="noStrike">
+              <a:rPr lang="en-US" sz="2400" b="0" strike="noStrike" spc="-1">
                 <a:solidFill>
                   <a:srgbClr val="000000"/>
                 </a:solidFill>
                 <a:uFill>
                   <a:solidFill>
-                    <a:srgbClr val="ffffff"/>
+                    <a:srgbClr val="FFFFFF"/>
                   </a:solidFill>
                 </a:uFill>
                 <a:latin typeface="Calibri"/>
               </a:rPr>
               <a:t>No execution error</a:t>
             </a:r>
-            <a:endParaRPr b="0" lang="en-US" sz="2000" spc="-1" strike="noStrike">
-              <a:solidFill>
-                <a:srgbClr val="000000"/>
-              </a:solidFill>
-              <a:uFill>
-                <a:solidFill>
-                  <a:srgbClr val="ffffff"/>
-                </a:solidFill>
-              </a:uFill>
-              <a:latin typeface="Calibri"/>
-            </a:endParaRPr>
-          </a:p>
-          <a:p>
-            <a:pPr lvl="1" marL="685800" indent="-228240">
+            <a:endParaRPr lang="en-US" sz="2000" b="0" strike="noStrike" spc="-1">
+              <a:solidFill>
+                <a:srgbClr val="000000"/>
+              </a:solidFill>
+              <a:uFill>
+                <a:solidFill>
+                  <a:srgbClr val="FFFFFF"/>
+                </a:solidFill>
+              </a:uFill>
+              <a:latin typeface="Calibri"/>
+            </a:endParaRPr>
+          </a:p>
+          <a:p>
+            <a:pPr marL="685800" lvl="1" indent="-228240">
               <a:lnSpc>
                 <a:spcPct val="100000"/>
               </a:lnSpc>
@@ -5849,26 +6479,26 @@
               <a:buChar char="•"/>
             </a:pPr>
             <a:r>
-              <a:rPr b="0" lang="en-US" sz="2400" spc="-1" strike="noStrike">
+              <a:rPr lang="en-US" sz="2400" b="0" strike="noStrike" spc="-1">
                 <a:solidFill>
                   <a:srgbClr val="000000"/>
                 </a:solidFill>
                 <a:uFill>
                   <a:solidFill>
-                    <a:srgbClr val="ffffff"/>
+                    <a:srgbClr val="FFFFFF"/>
                   </a:solidFill>
                 </a:uFill>
                 <a:latin typeface="Calibri"/>
               </a:rPr>
               <a:t>A high resource powerful computer system placed at the intersection powering the Intersection Manager (IM)</a:t>
             </a:r>
-            <a:endParaRPr b="0" lang="en-US" sz="2000" spc="-1" strike="noStrike">
-              <a:solidFill>
-                <a:srgbClr val="000000"/>
-              </a:solidFill>
-              <a:uFill>
-                <a:solidFill>
-                  <a:srgbClr val="ffffff"/>
+            <a:endParaRPr lang="en-US" sz="2000" b="0" strike="noStrike" spc="-1">
+              <a:solidFill>
+                <a:srgbClr val="000000"/>
+              </a:solidFill>
+              <a:uFill>
+                <a:solidFill>
+                  <a:srgbClr val="FFFFFF"/>
                 </a:solidFill>
               </a:uFill>
               <a:latin typeface="Calibri"/>
@@ -5886,30 +6516,19 @@
               <a:buChar char="•"/>
             </a:pPr>
             <a:r>
-              <a:rPr b="0" lang="en-US" sz="2800" spc="-1" strike="noStrike">
+              <a:rPr lang="en-US" sz="2800" b="0" strike="noStrike" spc="-1">
                 <a:solidFill>
                   <a:srgbClr val="000000"/>
                 </a:solidFill>
                 <a:uFill>
                   <a:solidFill>
-                    <a:srgbClr val="ffffff"/>
+                    <a:srgbClr val="FFFFFF"/>
                   </a:solidFill>
                 </a:uFill>
                 <a:latin typeface="Calibri"/>
               </a:rPr>
               <a:t>To accomplish this we will use ROS, and a visualization software</a:t>
             </a:r>
-            <a:endParaRPr b="0" lang="en-US" sz="2800" spc="-1" strike="noStrike">
-              <a:solidFill>
-                <a:srgbClr val="000000"/>
-              </a:solidFill>
-              <a:uFill>
-                <a:solidFill>
-                  <a:srgbClr val="ffffff"/>
-                </a:solidFill>
-              </a:uFill>
-              <a:latin typeface="Calibri"/>
-            </a:endParaRPr>
           </a:p>
           <a:p>
             <a:pPr>
@@ -5917,13 +6536,13 @@
                 <a:spcPct val="90000"/>
               </a:lnSpc>
             </a:pPr>
-            <a:endParaRPr b="0" lang="en-US" sz="2800" spc="-1" strike="noStrike">
-              <a:solidFill>
-                <a:srgbClr val="000000"/>
-              </a:solidFill>
-              <a:uFill>
-                <a:solidFill>
-                  <a:srgbClr val="ffffff"/>
+            <a:endParaRPr lang="en-US" sz="2800" b="0" strike="noStrike" spc="-1">
+              <a:solidFill>
+                <a:srgbClr val="000000"/>
+              </a:solidFill>
+              <a:uFill>
+                <a:solidFill>
+                  <a:srgbClr val="FFFFFF"/>
                 </a:solidFill>
               </a:uFill>
               <a:latin typeface="Calibri"/>
@@ -5935,13 +6554,13 @@
                 <a:spcPct val="90000"/>
               </a:lnSpc>
             </a:pPr>
-            <a:endParaRPr b="0" lang="en-US" sz="2800" spc="-1" strike="noStrike">
-              <a:solidFill>
-                <a:srgbClr val="000000"/>
-              </a:solidFill>
-              <a:uFill>
-                <a:solidFill>
-                  <a:srgbClr val="ffffff"/>
+            <a:endParaRPr lang="en-US" sz="2800" b="0" strike="noStrike" spc="-1">
+              <a:solidFill>
+                <a:srgbClr val="000000"/>
+              </a:solidFill>
+              <a:uFill>
+                <a:solidFill>
+                  <a:srgbClr val="FFFFFF"/>
                 </a:solidFill>
               </a:uFill>
               <a:latin typeface="Calibri"/>
@@ -5951,22 +6570,25 @@
       </p:sp>
     </p:spTree>
   </p:cSld>
+  <p:clrMapOvr>
+    <a:masterClrMapping/>
+  </p:clrMapOvr>
   <p:timing>
     <p:tnLst>
       <p:par>
-        <p:cTn id="7" dur="indefinite" restart="never" nodeType="tmRoot">
+        <p:cTn id="1" dur="indefinite" restart="never" nodeType="tmRoot">
           <p:childTnLst>
             <p:seq>
-              <p:cTn id="8" nodeType="mainSeq"/>
+              <p:cTn id="2" nodeType="mainSeq"/>
               <p:prevCondLst>
-                <p:cond delay="0" evt="onPrev">
+                <p:cond evt="onPrev" delay="0">
                   <p:tgtEl>
                     <p:sldTgt/>
                   </p:tgtEl>
                 </p:cond>
               </p:prevCondLst>
               <p:nextCondLst>
-                <p:cond delay="0" evt="onNext">
+                <p:cond evt="onNext" delay="0">
                   <p:tgtEl>
                     <p:sldTgt/>
                   </p:tgtEl>
@@ -5982,13 +6604,14 @@
 </file>
 
 <file path=ppt/slides/slide5.xml><?xml version="1.0" encoding="utf-8"?>
-<p:sld xmlns:a="http://schemas.openxmlformats.org/drawingml/2006/main" xmlns:p="http://schemas.openxmlformats.org/presentationml/2006/main" xmlns:r="http://schemas.openxmlformats.org/officeDocument/2006/relationships" xmlns:p14="http://schemas.microsoft.com/office/powerpoint/2010/main" xmlns:p15="http://schemas.microsoft.com/office/powerpoint/2012/main" xmlns:mc="http://schemas.openxmlformats.org/markup-compatibility/2006">
+<p:sld xmlns:a="http://schemas.openxmlformats.org/drawingml/2006/main" xmlns:r="http://schemas.openxmlformats.org/officeDocument/2006/relationships" xmlns:p="http://schemas.openxmlformats.org/presentationml/2006/main">
   <p:cSld>
     <p:bg>
       <p:bgPr>
         <a:solidFill>
-          <a:srgbClr val="ffffff"/>
+          <a:srgbClr val="FFFFFF"/>
         </a:solidFill>
+        <a:effectLst/>
       </p:bgPr>
     </p:bg>
     <p:spTree>
@@ -6007,12 +6630,12 @@
       </p:grpSpPr>
       <p:pic>
         <p:nvPicPr>
-          <p:cNvPr id="91" name="Content Placeholder 4" descr=""/>
+          <p:cNvPr id="91" name="Content Placeholder 4"/>
           <p:cNvPicPr/>
           <p:nvPr/>
         </p:nvPicPr>
         <p:blipFill>
-          <a:blip r:embed="rId1"/>
+          <a:blip r:embed="rId2"/>
           <a:stretch/>
         </p:blipFill>
         <p:spPr>
@@ -6048,13 +6671,20 @@
           </a:ln>
         </p:spPr>
         <p:style>
-          <a:lnRef idx="0"/>
-          <a:fillRef idx="0"/>
-          <a:effectRef idx="0"/>
+          <a:lnRef idx="0">
+            <a:scrgbClr r="0" g="0" b="0"/>
+          </a:lnRef>
+          <a:fillRef idx="0">
+            <a:scrgbClr r="0" g="0" b="0"/>
+          </a:fillRef>
+          <a:effectRef idx="0">
+            <a:scrgbClr r="0" g="0" b="0"/>
+          </a:effectRef>
           <a:fontRef idx="minor"/>
         </p:style>
         <p:txBody>
-          <a:bodyPr wrap="none" lIns="90000" rIns="90000" tIns="45000" bIns="45000"/>
+          <a:bodyPr wrap="none" lIns="90000" tIns="45000" rIns="90000" bIns="45000"/>
+          <a:lstStyle/>
           <a:p>
             <a:pPr>
               <a:lnSpc>
@@ -6062,26 +6692,26 @@
               </a:lnSpc>
             </a:pPr>
             <a:r>
-              <a:rPr b="0" lang="en-US" sz="2000" spc="-1" strike="noStrike">
+              <a:rPr lang="en-US" sz="2000" b="0" strike="noStrike" spc="-1">
                 <a:solidFill>
                   <a:srgbClr val="000000"/>
                 </a:solidFill>
                 <a:uFill>
                   <a:solidFill>
-                    <a:srgbClr val="ffffff"/>
+                    <a:srgbClr val="FFFFFF"/>
                   </a:solidFill>
                 </a:uFill>
                 <a:latin typeface="Andalus"/>
               </a:rPr>
               <a:t>Intersection Layout</a:t>
             </a:r>
-            <a:endParaRPr b="0" lang="en-US" sz="1800" spc="-1" strike="noStrike">
-              <a:solidFill>
-                <a:srgbClr val="000000"/>
-              </a:solidFill>
-              <a:uFill>
-                <a:solidFill>
-                  <a:srgbClr val="ffffff"/>
+            <a:endParaRPr lang="en-US" sz="1800" b="0" strike="noStrike" spc="-1">
+              <a:solidFill>
+                <a:srgbClr val="000000"/>
+              </a:solidFill>
+              <a:uFill>
+                <a:solidFill>
+                  <a:srgbClr val="FFFFFF"/>
                 </a:solidFill>
               </a:uFill>
               <a:latin typeface="Arial"/>
@@ -6091,22 +6721,25 @@
       </p:sp>
     </p:spTree>
   </p:cSld>
+  <p:clrMapOvr>
+    <a:masterClrMapping/>
+  </p:clrMapOvr>
   <p:timing>
     <p:tnLst>
       <p:par>
-        <p:cTn id="9" dur="indefinite" restart="never" nodeType="tmRoot">
+        <p:cTn id="1" dur="indefinite" restart="never" nodeType="tmRoot">
           <p:childTnLst>
             <p:seq>
-              <p:cTn id="10" nodeType="mainSeq"/>
+              <p:cTn id="2" nodeType="mainSeq"/>
               <p:prevCondLst>
-                <p:cond delay="0" evt="onPrev">
+                <p:cond evt="onPrev" delay="0">
                   <p:tgtEl>
                     <p:sldTgt/>
                   </p:tgtEl>
                 </p:cond>
               </p:prevCondLst>
               <p:nextCondLst>
-                <p:cond delay="0" evt="onNext">
+                <p:cond evt="onNext" delay="0">
                   <p:tgtEl>
                     <p:sldTgt/>
                   </p:tgtEl>
@@ -6122,7 +6755,7 @@
 </file>
 
 <file path=ppt/slides/slide6.xml><?xml version="1.0" encoding="utf-8"?>
-<p:sld xmlns:a="http://schemas.openxmlformats.org/drawingml/2006/main" xmlns:p="http://schemas.openxmlformats.org/presentationml/2006/main" xmlns:r="http://schemas.openxmlformats.org/officeDocument/2006/relationships" xmlns:p14="http://schemas.microsoft.com/office/powerpoint/2010/main" xmlns:p15="http://schemas.microsoft.com/office/powerpoint/2012/main" xmlns:mc="http://schemas.openxmlformats.org/markup-compatibility/2006">
+<p:sld xmlns:a="http://schemas.openxmlformats.org/drawingml/2006/main" xmlns:r="http://schemas.openxmlformats.org/officeDocument/2006/relationships" xmlns:p="http://schemas.openxmlformats.org/presentationml/2006/main">
   <p:cSld>
     <p:spTree>
       <p:nvGrpSpPr>
@@ -6159,6 +6792,7 @@
         </p:spPr>
         <p:txBody>
           <a:bodyPr anchor="ctr"/>
+          <a:lstStyle/>
           <a:p>
             <a:pPr>
               <a:lnSpc>
@@ -6166,26 +6800,26 @@
               </a:lnSpc>
             </a:pPr>
             <a:r>
-              <a:rPr b="0" lang="en-US" sz="4400" spc="-1" strike="noStrike">
+              <a:rPr lang="en-US" sz="4400" b="0" strike="noStrike" spc="-1">
                 <a:solidFill>
                   <a:srgbClr val="000000"/>
                 </a:solidFill>
                 <a:uFill>
                   <a:solidFill>
-                    <a:srgbClr val="ffffff"/>
+                    <a:srgbClr val="FFFFFF"/>
                   </a:solidFill>
                 </a:uFill>
                 <a:latin typeface="Andalus"/>
               </a:rPr>
               <a:t>Goals &amp; Measures of Success</a:t>
             </a:r>
-            <a:endParaRPr b="0" lang="en-US" sz="1800" spc="-1" strike="noStrike">
-              <a:solidFill>
-                <a:srgbClr val="000000"/>
-              </a:solidFill>
-              <a:uFill>
-                <a:solidFill>
-                  <a:srgbClr val="ffffff"/>
+            <a:endParaRPr lang="en-US" sz="1800" b="0" strike="noStrike" spc="-1">
+              <a:solidFill>
+                <a:srgbClr val="000000"/>
+              </a:solidFill>
+              <a:uFill>
+                <a:solidFill>
+                  <a:srgbClr val="FFFFFF"/>
                 </a:solidFill>
               </a:uFill>
               <a:latin typeface="Calibri"/>
@@ -6214,6 +6848,7 @@
         </p:spPr>
         <p:txBody>
           <a:bodyPr/>
+          <a:lstStyle/>
           <a:p>
             <a:pPr marL="228600" indent="-228240">
               <a:lnSpc>
@@ -6226,33 +6861,48 @@
               <a:buChar char="•"/>
             </a:pPr>
             <a:r>
-              <a:rPr b="0" lang="en-US" sz="2800" spc="-1" strike="noStrike">
+              <a:rPr lang="en-US" sz="2800" b="0" strike="noStrike" spc="-1" dirty="0">
                 <a:solidFill>
                   <a:srgbClr val="000000"/>
                 </a:solidFill>
                 <a:uFill>
                   <a:solidFill>
-                    <a:srgbClr val="ffffff"/>
+                    <a:srgbClr val="FFFFFF"/>
+                  </a:solidFill>
+                </a:uFill>
+                <a:latin typeface="Calibri"/>
+              </a:rPr>
+              <a:t>Develop our own policy for granting reservation requests</a:t>
+            </a:r>
+          </a:p>
+          <a:p>
+            <a:pPr marL="228600" indent="-228240">
+              <a:lnSpc>
+                <a:spcPct val="90000"/>
+              </a:lnSpc>
+              <a:buClr>
+                <a:srgbClr val="000000"/>
+              </a:buClr>
+              <a:buFont typeface="Arial"/>
+              <a:buChar char="•"/>
+            </a:pPr>
+            <a:r>
+              <a:rPr lang="en-US" sz="2800" b="0" strike="noStrike" spc="-1" dirty="0">
+                <a:solidFill>
+                  <a:srgbClr val="000000"/>
+                </a:solidFill>
+                <a:uFill>
+                  <a:solidFill>
+                    <a:srgbClr val="FFFFFF"/>
                   </a:solidFill>
                 </a:uFill>
                 <a:latin typeface="Calibri"/>
               </a:rPr>
               <a:t>Our system should:</a:t>
             </a:r>
-            <a:endParaRPr b="0" lang="en-US" sz="2800" spc="-1" strike="noStrike">
-              <a:solidFill>
-                <a:srgbClr val="000000"/>
-              </a:solidFill>
-              <a:uFill>
-                <a:solidFill>
-                  <a:srgbClr val="ffffff"/>
-                </a:solidFill>
-              </a:uFill>
-              <a:latin typeface="Calibri"/>
-            </a:endParaRPr>
-          </a:p>
-          <a:p>
-            <a:pPr lvl="1" marL="685800" indent="-228240">
+          </a:p>
+          <a:p>
+            <a:pPr marL="685800" lvl="1" indent="-228240">
               <a:lnSpc>
                 <a:spcPct val="100000"/>
               </a:lnSpc>
@@ -6263,33 +6913,33 @@
               <a:buChar char="•"/>
             </a:pPr>
             <a:r>
-              <a:rPr b="0" lang="en-US" sz="2400" spc="-1" strike="noStrike">
+              <a:rPr lang="en-US" sz="2400" b="0" strike="noStrike" spc="-1" dirty="0">
                 <a:solidFill>
                   <a:srgbClr val="000000"/>
                 </a:solidFill>
                 <a:uFill>
                   <a:solidFill>
-                    <a:srgbClr val="ffffff"/>
+                    <a:srgbClr val="FFFFFF"/>
                   </a:solidFill>
                 </a:uFill>
                 <a:latin typeface="Calibri"/>
               </a:rPr>
               <a:t>Have no collisions</a:t>
             </a:r>
-            <a:endParaRPr b="0" lang="en-US" sz="2000" spc="-1" strike="noStrike">
-              <a:solidFill>
-                <a:srgbClr val="000000"/>
-              </a:solidFill>
-              <a:uFill>
-                <a:solidFill>
-                  <a:srgbClr val="ffffff"/>
-                </a:solidFill>
-              </a:uFill>
-              <a:latin typeface="Calibri"/>
-            </a:endParaRPr>
-          </a:p>
-          <a:p>
-            <a:pPr lvl="1" marL="685800" indent="-228240">
+            <a:endParaRPr lang="en-US" sz="2000" b="0" strike="noStrike" spc="-1" dirty="0">
+              <a:solidFill>
+                <a:srgbClr val="000000"/>
+              </a:solidFill>
+              <a:uFill>
+                <a:solidFill>
+                  <a:srgbClr val="FFFFFF"/>
+                </a:solidFill>
+              </a:uFill>
+              <a:latin typeface="Calibri"/>
+            </a:endParaRPr>
+          </a:p>
+          <a:p>
+            <a:pPr marL="685800" lvl="1" indent="-228240">
               <a:lnSpc>
                 <a:spcPct val="100000"/>
               </a:lnSpc>
@@ -6300,26 +6950,26 @@
               <a:buChar char="•"/>
             </a:pPr>
             <a:r>
-              <a:rPr b="0" lang="en-US" sz="2400" spc="-1" strike="noStrike">
+              <a:rPr lang="en-US" sz="2400" b="0" strike="noStrike" spc="-1" dirty="0">
                 <a:solidFill>
                   <a:srgbClr val="000000"/>
                 </a:solidFill>
                 <a:uFill>
                   <a:solidFill>
-                    <a:srgbClr val="ffffff"/>
+                    <a:srgbClr val="FFFFFF"/>
                   </a:solidFill>
                 </a:uFill>
                 <a:latin typeface="Calibri"/>
               </a:rPr>
               <a:t>Decrease the average delay of vehicles passing through the intersection</a:t>
             </a:r>
-            <a:endParaRPr b="0" lang="en-US" sz="2000" spc="-1" strike="noStrike">
-              <a:solidFill>
-                <a:srgbClr val="000000"/>
-              </a:solidFill>
-              <a:uFill>
-                <a:solidFill>
-                  <a:srgbClr val="ffffff"/>
+            <a:endParaRPr lang="en-US" sz="2000" b="0" strike="noStrike" spc="-1" dirty="0">
+              <a:solidFill>
+                <a:srgbClr val="000000"/>
+              </a:solidFill>
+              <a:uFill>
+                <a:solidFill>
+                  <a:srgbClr val="FFFFFF"/>
                 </a:solidFill>
               </a:uFill>
               <a:latin typeface="Calibri"/>
@@ -6337,70 +6987,22 @@
               <a:buChar char="•"/>
             </a:pPr>
             <a:r>
-              <a:rPr b="0" lang="en-US" sz="2800" spc="-1" strike="noStrike">
+              <a:rPr lang="en-US" sz="2800" b="0" strike="noStrike" spc="-1" dirty="0">
                 <a:solidFill>
                   <a:srgbClr val="000000"/>
                 </a:solidFill>
                 <a:uFill>
                   <a:solidFill>
-                    <a:srgbClr val="ffffff"/>
-                  </a:solidFill>
-                </a:uFill>
-                <a:latin typeface="Calibri"/>
-              </a:rPr>
-              <a:t>Develop a policy for granting reservation requests to vehicles using trajectory planning</a:t>
-            </a:r>
-            <a:endParaRPr b="0" lang="en-US" sz="2800" spc="-1" strike="noStrike">
-              <a:solidFill>
-                <a:srgbClr val="000000"/>
-              </a:solidFill>
-              <a:uFill>
-                <a:solidFill>
-                  <a:srgbClr val="ffffff"/>
-                </a:solidFill>
-              </a:uFill>
-              <a:latin typeface="Calibri"/>
-            </a:endParaRPr>
-          </a:p>
-          <a:p>
-            <a:pPr marL="228600" indent="-228240">
-              <a:lnSpc>
-                <a:spcPct val="90000"/>
-              </a:lnSpc>
-              <a:buClr>
-                <a:srgbClr val="000000"/>
-              </a:buClr>
-              <a:buFont typeface="Arial"/>
-              <a:buChar char="•"/>
-            </a:pPr>
-            <a:r>
-              <a:rPr b="0" lang="en-US" sz="2800" spc="-1" strike="noStrike">
-                <a:solidFill>
-                  <a:srgbClr val="000000"/>
-                </a:solidFill>
-                <a:uFill>
-                  <a:solidFill>
-                    <a:srgbClr val="ffffff"/>
+                    <a:srgbClr val="FFFFFF"/>
                   </a:solidFill>
                 </a:uFill>
                 <a:latin typeface="Calibri"/>
               </a:rPr>
               <a:t>Compare our policy with other traffic control policies:</a:t>
             </a:r>
-            <a:endParaRPr b="0" lang="en-US" sz="2800" spc="-1" strike="noStrike">
-              <a:solidFill>
-                <a:srgbClr val="000000"/>
-              </a:solidFill>
-              <a:uFill>
-                <a:solidFill>
-                  <a:srgbClr val="ffffff"/>
-                </a:solidFill>
-              </a:uFill>
-              <a:latin typeface="Calibri"/>
-            </a:endParaRPr>
-          </a:p>
-          <a:p>
-            <a:pPr lvl="1" marL="685800" indent="-228240">
+          </a:p>
+          <a:p>
+            <a:pPr marL="685800" lvl="1" indent="-228240">
               <a:lnSpc>
                 <a:spcPct val="100000"/>
               </a:lnSpc>
@@ -6411,33 +7013,33 @@
               <a:buChar char="•"/>
             </a:pPr>
             <a:r>
-              <a:rPr b="0" lang="en-US" sz="2400" spc="-1" strike="noStrike">
+              <a:rPr lang="en-US" sz="2400" b="0" strike="noStrike" spc="-1" dirty="0">
                 <a:solidFill>
                   <a:srgbClr val="000000"/>
                 </a:solidFill>
                 <a:uFill>
                   <a:solidFill>
-                    <a:srgbClr val="ffffff"/>
+                    <a:srgbClr val="FFFFFF"/>
                   </a:solidFill>
                 </a:uFill>
                 <a:latin typeface="Calibri"/>
               </a:rPr>
               <a:t>Traditional traffic lights</a:t>
             </a:r>
-            <a:endParaRPr b="0" lang="en-US" sz="2000" spc="-1" strike="noStrike">
-              <a:solidFill>
-                <a:srgbClr val="000000"/>
-              </a:solidFill>
-              <a:uFill>
-                <a:solidFill>
-                  <a:srgbClr val="ffffff"/>
-                </a:solidFill>
-              </a:uFill>
-              <a:latin typeface="Calibri"/>
-            </a:endParaRPr>
-          </a:p>
-          <a:p>
-            <a:pPr lvl="1" marL="685800" indent="-228240">
+            <a:endParaRPr lang="en-US" sz="2000" b="0" strike="noStrike" spc="-1" dirty="0">
+              <a:solidFill>
+                <a:srgbClr val="000000"/>
+              </a:solidFill>
+              <a:uFill>
+                <a:solidFill>
+                  <a:srgbClr val="FFFFFF"/>
+                </a:solidFill>
+              </a:uFill>
+              <a:latin typeface="Calibri"/>
+            </a:endParaRPr>
+          </a:p>
+          <a:p>
+            <a:pPr marL="685800" lvl="1" indent="-228240">
               <a:lnSpc>
                 <a:spcPct val="100000"/>
               </a:lnSpc>
@@ -6448,33 +7050,33 @@
               <a:buChar char="•"/>
             </a:pPr>
             <a:r>
-              <a:rPr b="0" lang="en-US" sz="2400" spc="-1" strike="noStrike">
+              <a:rPr lang="en-US" sz="2400" b="0" strike="noStrike" spc="-1" dirty="0">
                 <a:solidFill>
                   <a:srgbClr val="000000"/>
                 </a:solidFill>
                 <a:uFill>
                   <a:solidFill>
-                    <a:srgbClr val="ffffff"/>
+                    <a:srgbClr val="FFFFFF"/>
                   </a:solidFill>
                 </a:uFill>
                 <a:latin typeface="Calibri"/>
               </a:rPr>
               <a:t>Stop signs</a:t>
             </a:r>
-            <a:endParaRPr b="0" lang="en-US" sz="2000" spc="-1" strike="noStrike">
-              <a:solidFill>
-                <a:srgbClr val="000000"/>
-              </a:solidFill>
-              <a:uFill>
-                <a:solidFill>
-                  <a:srgbClr val="ffffff"/>
-                </a:solidFill>
-              </a:uFill>
-              <a:latin typeface="Calibri"/>
-            </a:endParaRPr>
-          </a:p>
-          <a:p>
-            <a:pPr lvl="1" marL="685800" indent="-228240">
+            <a:endParaRPr lang="en-US" sz="2000" b="0" strike="noStrike" spc="-1" dirty="0">
+              <a:solidFill>
+                <a:srgbClr val="000000"/>
+              </a:solidFill>
+              <a:uFill>
+                <a:solidFill>
+                  <a:srgbClr val="FFFFFF"/>
+                </a:solidFill>
+              </a:uFill>
+              <a:latin typeface="Calibri"/>
+            </a:endParaRPr>
+          </a:p>
+          <a:p>
+            <a:pPr marL="685800" lvl="1" indent="-228240">
               <a:lnSpc>
                 <a:spcPct val="100000"/>
               </a:lnSpc>
@@ -6485,26 +7087,40 @@
               <a:buChar char="•"/>
             </a:pPr>
             <a:r>
-              <a:rPr b="0" lang="en-US" sz="2400" spc="-1" strike="noStrike">
+              <a:rPr lang="en-US" sz="2400" b="0" strike="noStrike" spc="-1" dirty="0" err="1">
                 <a:solidFill>
                   <a:srgbClr val="000000"/>
                 </a:solidFill>
                 <a:uFill>
                   <a:solidFill>
-                    <a:srgbClr val="ffffff"/>
+                    <a:srgbClr val="FFFFFF"/>
                   </a:solidFill>
                 </a:uFill>
                 <a:latin typeface="Calibri"/>
               </a:rPr>
-              <a:t>Dresner and Stone policy</a:t>
+              <a:t>Dresner</a:t>
             </a:r>
-            <a:endParaRPr b="0" lang="en-US" sz="2000" spc="-1" strike="noStrike">
-              <a:solidFill>
-                <a:srgbClr val="000000"/>
-              </a:solidFill>
-              <a:uFill>
-                <a:solidFill>
-                  <a:srgbClr val="ffffff"/>
+            <a:r>
+              <a:rPr lang="en-US" sz="2400" b="0" strike="noStrike" spc="-1" dirty="0">
+                <a:solidFill>
+                  <a:srgbClr val="000000"/>
+                </a:solidFill>
+                <a:uFill>
+                  <a:solidFill>
+                    <a:srgbClr val="FFFFFF"/>
+                  </a:solidFill>
+                </a:uFill>
+                <a:latin typeface="Calibri"/>
+              </a:rPr>
+              <a:t> and Stone policy</a:t>
+            </a:r>
+            <a:endParaRPr lang="en-US" sz="2000" b="0" strike="noStrike" spc="-1" dirty="0">
+              <a:solidFill>
+                <a:srgbClr val="000000"/>
+              </a:solidFill>
+              <a:uFill>
+                <a:solidFill>
+                  <a:srgbClr val="FFFFFF"/>
                 </a:solidFill>
               </a:uFill>
               <a:latin typeface="Calibri"/>
@@ -6514,22 +7130,25 @@
       </p:sp>
     </p:spTree>
   </p:cSld>
+  <p:clrMapOvr>
+    <a:masterClrMapping/>
+  </p:clrMapOvr>
   <p:timing>
     <p:tnLst>
       <p:par>
-        <p:cTn id="11" dur="indefinite" restart="never" nodeType="tmRoot">
+        <p:cTn id="1" dur="indefinite" restart="never" nodeType="tmRoot">
           <p:childTnLst>
             <p:seq>
-              <p:cTn id="12" nodeType="mainSeq"/>
+              <p:cTn id="2" nodeType="mainSeq"/>
               <p:prevCondLst>
-                <p:cond delay="0" evt="onPrev">
+                <p:cond evt="onPrev" delay="0">
                   <p:tgtEl>
                     <p:sldTgt/>
                   </p:tgtEl>
                 </p:cond>
               </p:prevCondLst>
               <p:nextCondLst>
-                <p:cond delay="0" evt="onNext">
+                <p:cond evt="onNext" delay="0">
                   <p:tgtEl>
                     <p:sldTgt/>
                   </p:tgtEl>
@@ -6764,6 +7383,8 @@
       </a:bgFillStyleLst>
     </a:fmtScheme>
   </a:themeElements>
+  <a:objectDefaults/>
+  <a:extraClrSchemeLst/>
 </a:theme>
 </file>
 
@@ -6987,6 +7608,8 @@
       </a:bgFillStyleLst>
     </a:fmtScheme>
   </a:themeElements>
+  <a:objectDefaults/>
+  <a:extraClrSchemeLst/>
 </a:theme>
 </file>
 
@@ -7210,5 +7833,7 @@
       </a:bgFillStyleLst>
     </a:fmtScheme>
   </a:themeElements>
+  <a:objectDefaults/>
+  <a:extraClrSchemeLst/>
 </a:theme>
 </file>
--- a/Project Proposal.pptx
+++ b/Project Proposal.pptx
@@ -113,6 +113,11 @@
       </a:defRPr>
     </a:lvl9pPr>
   </p:defaultTextStyle>
+  <p:extLst>
+    <p:ext uri="{EFAFB233-063F-42B5-8137-9DF3F51BA10A}">
+      <p15:sldGuideLst xmlns:p15="http://schemas.microsoft.com/office/powerpoint/2012/main"/>
+    </p:ext>
+  </p:extLst>
 </p:presentation>
 </file>
 
@@ -6628,29 +6633,6 @@
           <a:chExt cx="0" cy="0"/>
         </a:xfrm>
       </p:grpSpPr>
-      <p:pic>
-        <p:nvPicPr>
-          <p:cNvPr id="91" name="Content Placeholder 4"/>
-          <p:cNvPicPr/>
-          <p:nvPr/>
-        </p:nvPicPr>
-        <p:blipFill>
-          <a:blip r:embed="rId2"/>
-          <a:stretch/>
-        </p:blipFill>
-        <p:spPr>
-          <a:xfrm>
-            <a:off x="3140640" y="643320"/>
-            <a:ext cx="5910480" cy="5570640"/>
-          </a:xfrm>
-          <a:prstGeom prst="rect">
-            <a:avLst/>
-          </a:prstGeom>
-          <a:ln>
-            <a:noFill/>
-          </a:ln>
-        </p:spPr>
-      </p:pic>
       <p:sp>
         <p:nvSpPr>
           <p:cNvPr id="92" name="CustomShape 1"/>
@@ -6719,6 +6701,42 @@
           </a:p>
         </p:txBody>
       </p:sp>
+      <p:pic>
+        <p:nvPicPr>
+          <p:cNvPr id="3" name="Picture 2" descr="A close up of a map&#10;&#10;Description automatically generated">
+            <a:extLst>
+              <a:ext uri="{FF2B5EF4-FFF2-40B4-BE49-F238E27FC236}">
+                <a16:creationId xmlns:a16="http://schemas.microsoft.com/office/drawing/2014/main" id="{B240B35A-4434-4CF1-AE85-7073BB3B0ABF}"/>
+              </a:ext>
+            </a:extLst>
+          </p:cNvPr>
+          <p:cNvPicPr>
+            <a:picLocks noChangeAspect="1"/>
+          </p:cNvPicPr>
+          <p:nvPr/>
+        </p:nvPicPr>
+        <p:blipFill>
+          <a:blip r:embed="rId2">
+            <a:extLst>
+              <a:ext uri="{28A0092B-C50C-407E-A947-70E740481C1C}">
+                <a14:useLocalDpi xmlns:a14="http://schemas.microsoft.com/office/drawing/2010/main" val="0"/>
+              </a:ext>
+            </a:extLst>
+          </a:blip>
+          <a:stretch>
+            <a:fillRect/>
+          </a:stretch>
+        </p:blipFill>
+        <p:spPr>
+          <a:xfrm>
+            <a:off x="2667000" y="0"/>
+            <a:ext cx="6858000" cy="6858000"/>
+          </a:xfrm>
+          <a:prstGeom prst="rect">
+            <a:avLst/>
+          </a:prstGeom>
+        </p:spPr>
+      </p:pic>
     </p:spTree>
   </p:cSld>
   <p:clrMapOvr>
